--- a/translations/en-us/beginner/Pseudocode.pptx
+++ b/translations/en-us/beginner/Pseudocode.pptx
@@ -3,24 +3,26 @@
 <p:presentation xmlns:a="http://schemas.openxmlformats.org/drawingml/2006/main" xmlns:r="http://schemas.openxmlformats.org/officeDocument/2006/relationships" xmlns:p="http://schemas.openxmlformats.org/presentationml/2006/main" showSpecialPlsOnTitleSld="0" saveSubsetFonts="1">
   <p:sldMasterIdLst>
     <p:sldMasterId id="2147483835" r:id="rId1"/>
+    <p:sldMasterId id="2147483847" r:id="rId2"/>
+    <p:sldMasterId id="2147483859" r:id="rId3"/>
   </p:sldMasterIdLst>
   <p:notesMasterIdLst>
-    <p:notesMasterId r:id="rId12"/>
+    <p:notesMasterId r:id="rId14"/>
   </p:notesMasterIdLst>
   <p:handoutMasterIdLst>
-    <p:handoutMasterId r:id="rId13"/>
+    <p:handoutMasterId r:id="rId15"/>
   </p:handoutMasterIdLst>
   <p:sldIdLst>
-    <p:sldId id="293" r:id="rId2"/>
-    <p:sldId id="291" r:id="rId3"/>
-    <p:sldId id="275" r:id="rId4"/>
-    <p:sldId id="286" r:id="rId5"/>
-    <p:sldId id="287" r:id="rId6"/>
-    <p:sldId id="288" r:id="rId7"/>
-    <p:sldId id="289" r:id="rId8"/>
-    <p:sldId id="290" r:id="rId9"/>
-    <p:sldId id="292" r:id="rId10"/>
-    <p:sldId id="274" r:id="rId11"/>
+    <p:sldId id="295" r:id="rId4"/>
+    <p:sldId id="291" r:id="rId5"/>
+    <p:sldId id="275" r:id="rId6"/>
+    <p:sldId id="286" r:id="rId7"/>
+    <p:sldId id="287" r:id="rId8"/>
+    <p:sldId id="288" r:id="rId9"/>
+    <p:sldId id="289" r:id="rId10"/>
+    <p:sldId id="290" r:id="rId11"/>
+    <p:sldId id="292" r:id="rId12"/>
+    <p:sldId id="274" r:id="rId13"/>
   </p:sldIdLst>
   <p:sldSz cx="9144000" cy="6858000" type="screen4x3"/>
   <p:notesSz cx="6858000" cy="9144000"/>
@@ -220,7 +222,7 @@
           <a:p>
             <a:fld id="{E354B44E-40A3-0E46-B16A-9BF1250A248B}" type="datetimeFigureOut">
               <a:rPr lang="en-US" smtClean="0"/>
-              <a:t>11/14/15</a:t>
+              <a:t>7/4/16</a:t>
             </a:fld>
             <a:endParaRPr lang="en-US" dirty="0"/>
           </a:p>
@@ -386,7 +388,7 @@
           <a:p>
             <a:fld id="{C86AD16C-2DB4-6642-BAD4-9ED973A087A0}" type="datetimeFigureOut">
               <a:rPr lang="en-US" smtClean="0"/>
-              <a:t>11/14/15</a:t>
+              <a:t>7/4/16</a:t>
             </a:fld>
             <a:endParaRPr lang="en-US" dirty="0"/>
           </a:p>
@@ -718,18 +720,18 @@
           <a:bodyPr/>
           <a:lstStyle/>
           <a:p>
-            <a:fld id="{13967457-1E83-1040-AFF7-8D09C473DBD5}" type="slidenum">
+            <a:fld id="{1E5BF589-3978-3C45-966B-D7B7A71F2A02}" type="slidenum">
               <a:rPr lang="en-US" smtClean="0"/>
               <a:t>1</a:t>
             </a:fld>
-            <a:endParaRPr lang="en-US"/>
+            <a:endParaRPr lang="en-US" dirty="0"/>
           </a:p>
         </p:txBody>
       </p:sp>
     </p:spTree>
     <p:extLst>
       <p:ext uri="{BB962C8B-B14F-4D97-AF65-F5344CB8AC3E}">
-        <p14:creationId xmlns:p14="http://schemas.microsoft.com/office/powerpoint/2010/main" val="117912991"/>
+        <p14:creationId xmlns:p14="http://schemas.microsoft.com/office/powerpoint/2010/main" val="2128158624"/>
       </p:ext>
     </p:extLst>
   </p:cSld>
@@ -1098,9 +1100,9 @@
           <a:bodyPr/>
           <a:lstStyle/>
           <a:p>
-            <a:fld id="{D518BE07-5CEC-8B43-86C5-052200C89FC0}" type="datetime1">
-              <a:rPr lang="en-US" smtClean="0"/>
-              <a:t>11/14/15</a:t>
+            <a:fld id="{12AAFE97-744C-6A44-93A1-991B45F827D6}" type="datetime1">
+              <a:rPr lang="en-US" smtClean="0"/>
+              <a:t>7/4/16</a:t>
             </a:fld>
             <a:endParaRPr lang="en-US"/>
           </a:p>
@@ -1123,7 +1125,7 @@
           <a:p>
             <a:r>
               <a:rPr lang="en-US" smtClean="0"/>
-              <a:t>© EV3Lessons.com, 2015, (Last edit: 11/14/2015)</a:t>
+              <a:t>© EV3Lessons.com, 2016, (Last edit: 07/04/2016)</a:t>
             </a:r>
             <a:endParaRPr lang="en-US"/>
           </a:p>
@@ -1697,9 +1699,9 @@
           <a:bodyPr/>
           <a:lstStyle/>
           <a:p>
-            <a:fld id="{DF5B283B-5415-3248-8AED-2A1322FE65AC}" type="datetime1">
-              <a:rPr lang="en-US" smtClean="0"/>
-              <a:t>11/14/15</a:t>
+            <a:fld id="{9CAAF4C3-0E93-F84E-B9D7-792E6E8BB955}" type="datetime1">
+              <a:rPr lang="en-US" smtClean="0"/>
+              <a:t>7/4/16</a:t>
             </a:fld>
             <a:endParaRPr lang="en-US"/>
           </a:p>
@@ -1722,7 +1724,7 @@
           <a:p>
             <a:r>
               <a:rPr lang="en-US" smtClean="0"/>
-              <a:t>© EV3Lessons.com, 2015, (Last edit: 11/14/2015)</a:t>
+              <a:t>© EV3Lessons.com, 2016, (Last edit: 07/04/2016)</a:t>
             </a:r>
             <a:endParaRPr lang="en-US"/>
           </a:p>
@@ -1881,9 +1883,9 @@
           <a:bodyPr/>
           <a:lstStyle/>
           <a:p>
-            <a:fld id="{726DBDC3-CB96-694F-A379-9CF64DE1710B}" type="datetime1">
-              <a:rPr lang="en-US" smtClean="0"/>
-              <a:t>11/14/15</a:t>
+            <a:fld id="{0D236C19-1723-6245-9CDB-E741AB2D1B1B}" type="datetime1">
+              <a:rPr lang="en-US" smtClean="0"/>
+              <a:t>7/4/16</a:t>
             </a:fld>
             <a:endParaRPr lang="en-US"/>
           </a:p>
@@ -1906,7 +1908,7 @@
           <a:p>
             <a:r>
               <a:rPr lang="en-US" smtClean="0"/>
-              <a:t>© EV3Lessons.com, 2015, (Last edit: 11/14/2015)</a:t>
+              <a:t>© EV3Lessons.com, 2016, (Last edit: 07/04/2016)</a:t>
             </a:r>
             <a:endParaRPr lang="en-US"/>
           </a:p>
@@ -1948,7 +1950,894 @@
 </p:sldLayout>
 </file>
 
-<file path=ppt/slideLayouts/slideLayout2.xml><?xml version="1.0" encoding="utf-8"?>
+<file path=ppt/slideLayouts/slideLayout12.xml><?xml version="1.0" encoding="utf-8"?>
+<p:sldLayout xmlns:a="http://schemas.openxmlformats.org/drawingml/2006/main" xmlns:r="http://schemas.openxmlformats.org/officeDocument/2006/relationships" xmlns:p="http://schemas.openxmlformats.org/presentationml/2006/main" showMasterSp="0" preserve="1">
+  <p:cSld name="Title Slide">
+    <p:spTree>
+      <p:nvGrpSpPr>
+        <p:cNvPr id="1" name=""/>
+        <p:cNvGrpSpPr/>
+        <p:nvPr/>
+      </p:nvGrpSpPr>
+      <p:grpSpPr>
+        <a:xfrm>
+          <a:off x="0" y="0"/>
+          <a:ext cx="0" cy="0"/>
+          <a:chOff x="0" y="0"/>
+          <a:chExt cx="0" cy="0"/>
+        </a:xfrm>
+      </p:grpSpPr>
+      <p:sp>
+        <p:nvSpPr>
+          <p:cNvPr id="3" name="Subtitle 2"/>
+          <p:cNvSpPr>
+            <a:spLocks noGrp="1"/>
+          </p:cNvSpPr>
+          <p:nvPr>
+            <p:ph type="subTitle" idx="1"/>
+          </p:nvPr>
+        </p:nvSpPr>
+        <p:spPr>
+          <a:xfrm>
+            <a:off x="1132517" y="3427224"/>
+            <a:ext cx="6858000" cy="914400"/>
+          </a:xfrm>
+        </p:spPr>
+        <p:txBody>
+          <a:bodyPr/>
+          <a:lstStyle>
+            <a:lvl1pPr marL="0" indent="0" algn="ctr">
+              <a:buNone/>
+              <a:defRPr b="0" cap="none" spc="120" baseline="0">
+                <a:solidFill>
+                  <a:schemeClr val="tx2"/>
+                </a:solidFill>
+                <a:latin typeface="+mj-lt"/>
+              </a:defRPr>
+            </a:lvl1pPr>
+            <a:lvl2pPr marL="457200" indent="0" algn="ctr">
+              <a:buNone/>
+              <a:defRPr>
+                <a:solidFill>
+                  <a:schemeClr val="tx1">
+                    <a:tint val="75000"/>
+                  </a:schemeClr>
+                </a:solidFill>
+              </a:defRPr>
+            </a:lvl2pPr>
+            <a:lvl3pPr marL="914400" indent="0" algn="ctr">
+              <a:buNone/>
+              <a:defRPr>
+                <a:solidFill>
+                  <a:schemeClr val="tx1">
+                    <a:tint val="75000"/>
+                  </a:schemeClr>
+                </a:solidFill>
+              </a:defRPr>
+            </a:lvl3pPr>
+            <a:lvl4pPr marL="1371600" indent="0" algn="ctr">
+              <a:buNone/>
+              <a:defRPr>
+                <a:solidFill>
+                  <a:schemeClr val="tx1">
+                    <a:tint val="75000"/>
+                  </a:schemeClr>
+                </a:solidFill>
+              </a:defRPr>
+            </a:lvl4pPr>
+            <a:lvl5pPr marL="1828800" indent="0" algn="ctr">
+              <a:buNone/>
+              <a:defRPr>
+                <a:solidFill>
+                  <a:schemeClr val="tx1">
+                    <a:tint val="75000"/>
+                  </a:schemeClr>
+                </a:solidFill>
+              </a:defRPr>
+            </a:lvl5pPr>
+            <a:lvl6pPr marL="2286000" indent="0" algn="ctr">
+              <a:buNone/>
+              <a:defRPr>
+                <a:solidFill>
+                  <a:schemeClr val="tx1">
+                    <a:tint val="75000"/>
+                  </a:schemeClr>
+                </a:solidFill>
+              </a:defRPr>
+            </a:lvl6pPr>
+            <a:lvl7pPr marL="2743200" indent="0" algn="ctr">
+              <a:buNone/>
+              <a:defRPr>
+                <a:solidFill>
+                  <a:schemeClr val="tx1">
+                    <a:tint val="75000"/>
+                  </a:schemeClr>
+                </a:solidFill>
+              </a:defRPr>
+            </a:lvl7pPr>
+            <a:lvl8pPr marL="3200400" indent="0" algn="ctr">
+              <a:buNone/>
+              <a:defRPr>
+                <a:solidFill>
+                  <a:schemeClr val="tx1">
+                    <a:tint val="75000"/>
+                  </a:schemeClr>
+                </a:solidFill>
+              </a:defRPr>
+            </a:lvl8pPr>
+            <a:lvl9pPr marL="3657600" indent="0" algn="ctr">
+              <a:buNone/>
+              <a:defRPr>
+                <a:solidFill>
+                  <a:schemeClr val="tx1">
+                    <a:tint val="75000"/>
+                  </a:schemeClr>
+                </a:solidFill>
+              </a:defRPr>
+            </a:lvl9pPr>
+          </a:lstStyle>
+          <a:p>
+            <a:r>
+              <a:rPr lang="en-US" smtClean="0"/>
+              <a:t>Click to edit Master subtitle style</a:t>
+            </a:r>
+            <a:endParaRPr lang="en-US" dirty="0"/>
+          </a:p>
+        </p:txBody>
+      </p:sp>
+      <p:sp>
+        <p:nvSpPr>
+          <p:cNvPr id="4" name="Date Placeholder 3"/>
+          <p:cNvSpPr>
+            <a:spLocks noGrp="1"/>
+          </p:cNvSpPr>
+          <p:nvPr>
+            <p:ph type="dt" sz="half" idx="10"/>
+          </p:nvPr>
+        </p:nvSpPr>
+        <p:spPr/>
+        <p:txBody>
+          <a:bodyPr/>
+          <a:lstStyle/>
+          <a:p>
+            <a:fld id="{5E25005A-7F95-994E-9ACE-7BC5FCC1FE49}" type="datetime1">
+              <a:rPr lang="en-US" smtClean="0"/>
+              <a:t>7/4/16</a:t>
+            </a:fld>
+            <a:endParaRPr lang="en-US"/>
+          </a:p>
+        </p:txBody>
+      </p:sp>
+      <p:sp>
+        <p:nvSpPr>
+          <p:cNvPr id="5" name="Footer Placeholder 4"/>
+          <p:cNvSpPr>
+            <a:spLocks noGrp="1"/>
+          </p:cNvSpPr>
+          <p:nvPr>
+            <p:ph type="ftr" sz="quarter" idx="11"/>
+          </p:nvPr>
+        </p:nvSpPr>
+        <p:spPr>
+          <a:xfrm>
+            <a:off x="457200" y="6492875"/>
+            <a:ext cx="3945988" cy="282095"/>
+          </a:xfrm>
+        </p:spPr>
+        <p:txBody>
+          <a:bodyPr/>
+          <a:lstStyle/>
+          <a:p>
+            <a:r>
+              <a:rPr lang="en-US" smtClean="0"/>
+              <a:t>© EV3Lessons.com, 2016, (Last edit: 07/04/2016)</a:t>
+            </a:r>
+            <a:endParaRPr lang="en-US"/>
+          </a:p>
+        </p:txBody>
+      </p:sp>
+      <p:sp>
+        <p:nvSpPr>
+          <p:cNvPr id="6" name="Slide Number Placeholder 5"/>
+          <p:cNvSpPr>
+            <a:spLocks noGrp="1"/>
+          </p:cNvSpPr>
+          <p:nvPr>
+            <p:ph type="sldNum" sz="quarter" idx="12"/>
+          </p:nvPr>
+        </p:nvSpPr>
+        <p:spPr>
+          <a:xfrm>
+            <a:off x="8484242" y="6341733"/>
+            <a:ext cx="588319" cy="365125"/>
+          </a:xfrm>
+          <a:prstGeom prst="rect">
+            <a:avLst/>
+          </a:prstGeom>
+        </p:spPr>
+        <p:txBody>
+          <a:bodyPr/>
+          <a:lstStyle>
+            <a:lvl1pPr>
+              <a:defRPr>
+                <a:solidFill>
+                  <a:schemeClr val="tx1"/>
+                </a:solidFill>
+              </a:defRPr>
+            </a:lvl1pPr>
+          </a:lstStyle>
+          <a:p>
+            <a:fld id="{4DBC7FC8-25FB-FC45-8177-2B991DA6778C}" type="slidenum">
+              <a:rPr lang="en-US" smtClean="0"/>
+              <a:t>‹#›</a:t>
+            </a:fld>
+            <a:endParaRPr lang="en-US"/>
+          </a:p>
+        </p:txBody>
+      </p:sp>
+      <p:sp>
+        <p:nvSpPr>
+          <p:cNvPr id="11" name="Rectangle 10"/>
+          <p:cNvSpPr/>
+          <p:nvPr/>
+        </p:nvSpPr>
+        <p:spPr>
+          <a:xfrm>
+            <a:off x="8996106" y="2895600"/>
+            <a:ext cx="147895" cy="3962400"/>
+          </a:xfrm>
+          <a:prstGeom prst="rect">
+            <a:avLst/>
+          </a:prstGeom>
+          <a:solidFill>
+            <a:srgbClr val="92D050"/>
+          </a:solidFill>
+          <a:ln>
+            <a:noFill/>
+          </a:ln>
+        </p:spPr>
+        <p:style>
+          <a:lnRef idx="2">
+            <a:schemeClr val="accent1">
+              <a:shade val="50000"/>
+            </a:schemeClr>
+          </a:lnRef>
+          <a:fillRef idx="1">
+            <a:schemeClr val="accent1"/>
+          </a:fillRef>
+          <a:effectRef idx="0">
+            <a:schemeClr val="accent1"/>
+          </a:effectRef>
+          <a:fontRef idx="minor">
+            <a:schemeClr val="lt1"/>
+          </a:fontRef>
+        </p:style>
+      </p:sp>
+      <p:sp>
+        <p:nvSpPr>
+          <p:cNvPr id="12" name="Rectangle 11"/>
+          <p:cNvSpPr/>
+          <p:nvPr/>
+        </p:nvSpPr>
+        <p:spPr>
+          <a:xfrm>
+            <a:off x="8959042" y="0"/>
+            <a:ext cx="184958" cy="2895600"/>
+          </a:xfrm>
+          <a:prstGeom prst="rect">
+            <a:avLst/>
+          </a:prstGeom>
+          <a:solidFill>
+            <a:srgbClr val="7030A0"/>
+          </a:solidFill>
+          <a:ln>
+            <a:noFill/>
+          </a:ln>
+        </p:spPr>
+        <p:style>
+          <a:lnRef idx="2">
+            <a:schemeClr val="accent1">
+              <a:shade val="50000"/>
+            </a:schemeClr>
+          </a:lnRef>
+          <a:fillRef idx="1">
+            <a:schemeClr val="accent1"/>
+          </a:fillRef>
+          <a:effectRef idx="0">
+            <a:schemeClr val="accent1"/>
+          </a:effectRef>
+          <a:fontRef idx="minor">
+            <a:schemeClr val="lt1"/>
+          </a:fontRef>
+        </p:style>
+      </p:sp>
+      <p:sp>
+        <p:nvSpPr>
+          <p:cNvPr id="13" name="Rectangle 12"/>
+          <p:cNvSpPr/>
+          <p:nvPr/>
+        </p:nvSpPr>
+        <p:spPr>
+          <a:xfrm>
+            <a:off x="8904666" y="0"/>
+            <a:ext cx="91440" cy="6858000"/>
+          </a:xfrm>
+          <a:prstGeom prst="rect">
+            <a:avLst/>
+          </a:prstGeom>
+          <a:solidFill>
+            <a:srgbClr val="0070C0"/>
+          </a:solidFill>
+          <a:ln>
+            <a:noFill/>
+          </a:ln>
+        </p:spPr>
+        <p:style>
+          <a:lnRef idx="2">
+            <a:schemeClr val="accent1">
+              <a:shade val="50000"/>
+            </a:schemeClr>
+          </a:lnRef>
+          <a:fillRef idx="1">
+            <a:schemeClr val="accent1"/>
+          </a:fillRef>
+          <a:effectRef idx="0">
+            <a:schemeClr val="accent1"/>
+          </a:effectRef>
+          <a:fontRef idx="minor">
+            <a:schemeClr val="lt1"/>
+          </a:fontRef>
+        </p:style>
+      </p:sp>
+      <p:pic>
+        <p:nvPicPr>
+          <p:cNvPr id="10" name="Picture 2" descr="EV3Lessons.com"/>
+          <p:cNvPicPr>
+            <a:picLocks noChangeAspect="1" noChangeArrowheads="1"/>
+          </p:cNvPicPr>
+          <p:nvPr/>
+        </p:nvPicPr>
+        <p:blipFill>
+          <a:blip r:embed="rId2">
+            <a:extLst>
+              <a:ext uri="{28A0092B-C50C-407E-A947-70E740481C1C}">
+                <a14:useLocalDpi xmlns:a14="http://schemas.microsoft.com/office/drawing/2010/main"/>
+              </a:ext>
+            </a:extLst>
+          </a:blip>
+          <a:srcRect/>
+          <a:stretch>
+            <a:fillRect/>
+          </a:stretch>
+        </p:blipFill>
+        <p:spPr bwMode="auto">
+          <a:xfrm>
+            <a:off x="690896" y="400415"/>
+            <a:ext cx="7741243" cy="2875320"/>
+          </a:xfrm>
+          <a:prstGeom prst="rect">
+            <a:avLst/>
+          </a:prstGeom>
+          <a:noFill/>
+          <a:extLst>
+            <a:ext uri="{909E8E84-426E-40dd-AFC4-6F175D3DCCD1}">
+              <a14:hiddenFill xmlns="" xmlns:a14="http://schemas.microsoft.com/office/drawing/2010/main">
+                <a:solidFill>
+                  <a:srgbClr val="FFFFFF"/>
+                </a:solidFill>
+              </a14:hiddenFill>
+            </a:ext>
+          </a:extLst>
+        </p:spPr>
+      </p:pic>
+      <p:sp>
+        <p:nvSpPr>
+          <p:cNvPr id="14" name="Title 1"/>
+          <p:cNvSpPr>
+            <a:spLocks noGrp="1"/>
+          </p:cNvSpPr>
+          <p:nvPr>
+            <p:ph type="ctrTitle"/>
+          </p:nvPr>
+        </p:nvSpPr>
+        <p:spPr>
+          <a:xfrm>
+            <a:off x="502903" y="5741850"/>
+            <a:ext cx="8117227" cy="602769"/>
+          </a:xfrm>
+        </p:spPr>
+        <p:txBody>
+          <a:bodyPr>
+            <a:noAutofit/>
+          </a:bodyPr>
+          <a:lstStyle>
+            <a:lvl1pPr>
+              <a:defRPr sz="2800"/>
+            </a:lvl1pPr>
+          </a:lstStyle>
+          <a:p>
+            <a:pPr algn="ctr"/>
+            <a:r>
+              <a:rPr lang="en-US" sz="3200" smtClean="0"/>
+              <a:t>Click to edit Master title style</a:t>
+            </a:r>
+            <a:endParaRPr lang="en-US" sz="3200" dirty="0"/>
+          </a:p>
+        </p:txBody>
+      </p:sp>
+      <p:sp>
+        <p:nvSpPr>
+          <p:cNvPr id="15" name="TextBox 14"/>
+          <p:cNvSpPr txBox="1"/>
+          <p:nvPr/>
+        </p:nvSpPr>
+        <p:spPr>
+          <a:xfrm>
+            <a:off x="2078568" y="4119917"/>
+            <a:ext cx="4965896" cy="369332"/>
+          </a:xfrm>
+          <a:prstGeom prst="rect">
+            <a:avLst/>
+          </a:prstGeom>
+          <a:noFill/>
+        </p:spPr>
+        <p:txBody>
+          <a:bodyPr wrap="square" rtlCol="0">
+            <a:spAutoFit/>
+          </a:bodyPr>
+          <a:lstStyle/>
+          <a:p>
+            <a:pPr algn="ctr"/>
+            <a:r>
+              <a:rPr lang="en-US" dirty="0" smtClean="0"/>
+              <a:t>By Sanjay and Arvind </a:t>
+            </a:r>
+            <a:r>
+              <a:rPr lang="en-US" dirty="0" err="1" smtClean="0"/>
+              <a:t>Seshan</a:t>
+            </a:r>
+            <a:endParaRPr lang="en-US" dirty="0"/>
+          </a:p>
+        </p:txBody>
+      </p:sp>
+      <p:sp>
+        <p:nvSpPr>
+          <p:cNvPr id="16" name="Rectangle 15"/>
+          <p:cNvSpPr/>
+          <p:nvPr userDrawn="1"/>
+        </p:nvSpPr>
+        <p:spPr>
+          <a:xfrm>
+            <a:off x="8996105" y="2895600"/>
+            <a:ext cx="147895" cy="3962400"/>
+          </a:xfrm>
+          <a:prstGeom prst="rect">
+            <a:avLst/>
+          </a:prstGeom>
+          <a:solidFill>
+            <a:srgbClr val="92D050"/>
+          </a:solidFill>
+          <a:ln>
+            <a:noFill/>
+          </a:ln>
+        </p:spPr>
+        <p:style>
+          <a:lnRef idx="2">
+            <a:schemeClr val="accent1">
+              <a:shade val="50000"/>
+            </a:schemeClr>
+          </a:lnRef>
+          <a:fillRef idx="1">
+            <a:schemeClr val="accent1"/>
+          </a:fillRef>
+          <a:effectRef idx="0">
+            <a:schemeClr val="accent1"/>
+          </a:effectRef>
+          <a:fontRef idx="minor">
+            <a:schemeClr val="lt1"/>
+          </a:fontRef>
+        </p:style>
+        <p:txBody>
+          <a:bodyPr/>
+          <a:lstStyle>
+            <a:defPPr>
+              <a:defRPr lang="en-US"/>
+            </a:defPPr>
+            <a:lvl1pPr marL="0" algn="l" defTabSz="457200" rtl="0" eaLnBrk="1" latinLnBrk="0" hangingPunct="1">
+              <a:defRPr sz="1800" kern="1200">
+                <a:solidFill>
+                  <a:schemeClr val="lt1"/>
+                </a:solidFill>
+                <a:latin typeface="+mn-lt"/>
+                <a:ea typeface="+mn-ea"/>
+                <a:cs typeface="+mn-cs"/>
+              </a:defRPr>
+            </a:lvl1pPr>
+            <a:lvl2pPr marL="457200" algn="l" defTabSz="457200" rtl="0" eaLnBrk="1" latinLnBrk="0" hangingPunct="1">
+              <a:defRPr sz="1800" kern="1200">
+                <a:solidFill>
+                  <a:schemeClr val="lt1"/>
+                </a:solidFill>
+                <a:latin typeface="+mn-lt"/>
+                <a:ea typeface="+mn-ea"/>
+                <a:cs typeface="+mn-cs"/>
+              </a:defRPr>
+            </a:lvl2pPr>
+            <a:lvl3pPr marL="914400" algn="l" defTabSz="457200" rtl="0" eaLnBrk="1" latinLnBrk="0" hangingPunct="1">
+              <a:defRPr sz="1800" kern="1200">
+                <a:solidFill>
+                  <a:schemeClr val="lt1"/>
+                </a:solidFill>
+                <a:latin typeface="+mn-lt"/>
+                <a:ea typeface="+mn-ea"/>
+                <a:cs typeface="+mn-cs"/>
+              </a:defRPr>
+            </a:lvl3pPr>
+            <a:lvl4pPr marL="1371600" algn="l" defTabSz="457200" rtl="0" eaLnBrk="1" latinLnBrk="0" hangingPunct="1">
+              <a:defRPr sz="1800" kern="1200">
+                <a:solidFill>
+                  <a:schemeClr val="lt1"/>
+                </a:solidFill>
+                <a:latin typeface="+mn-lt"/>
+                <a:ea typeface="+mn-ea"/>
+                <a:cs typeface="+mn-cs"/>
+              </a:defRPr>
+            </a:lvl4pPr>
+            <a:lvl5pPr marL="1828800" algn="l" defTabSz="457200" rtl="0" eaLnBrk="1" latinLnBrk="0" hangingPunct="1">
+              <a:defRPr sz="1800" kern="1200">
+                <a:solidFill>
+                  <a:schemeClr val="lt1"/>
+                </a:solidFill>
+                <a:latin typeface="+mn-lt"/>
+                <a:ea typeface="+mn-ea"/>
+                <a:cs typeface="+mn-cs"/>
+              </a:defRPr>
+            </a:lvl5pPr>
+            <a:lvl6pPr marL="2286000" algn="l" defTabSz="457200" rtl="0" eaLnBrk="1" latinLnBrk="0" hangingPunct="1">
+              <a:defRPr sz="1800" kern="1200">
+                <a:solidFill>
+                  <a:schemeClr val="lt1"/>
+                </a:solidFill>
+                <a:latin typeface="+mn-lt"/>
+                <a:ea typeface="+mn-ea"/>
+                <a:cs typeface="+mn-cs"/>
+              </a:defRPr>
+            </a:lvl6pPr>
+            <a:lvl7pPr marL="2743200" algn="l" defTabSz="457200" rtl="0" eaLnBrk="1" latinLnBrk="0" hangingPunct="1">
+              <a:defRPr sz="1800" kern="1200">
+                <a:solidFill>
+                  <a:schemeClr val="lt1"/>
+                </a:solidFill>
+                <a:latin typeface="+mn-lt"/>
+                <a:ea typeface="+mn-ea"/>
+                <a:cs typeface="+mn-cs"/>
+              </a:defRPr>
+            </a:lvl7pPr>
+            <a:lvl8pPr marL="3200400" algn="l" defTabSz="457200" rtl="0" eaLnBrk="1" latinLnBrk="0" hangingPunct="1">
+              <a:defRPr sz="1800" kern="1200">
+                <a:solidFill>
+                  <a:schemeClr val="lt1"/>
+                </a:solidFill>
+                <a:latin typeface="+mn-lt"/>
+                <a:ea typeface="+mn-ea"/>
+                <a:cs typeface="+mn-cs"/>
+              </a:defRPr>
+            </a:lvl8pPr>
+            <a:lvl9pPr marL="3657600" algn="l" defTabSz="457200" rtl="0" eaLnBrk="1" latinLnBrk="0" hangingPunct="1">
+              <a:defRPr sz="1800" kern="1200">
+                <a:solidFill>
+                  <a:schemeClr val="lt1"/>
+                </a:solidFill>
+                <a:latin typeface="+mn-lt"/>
+                <a:ea typeface="+mn-ea"/>
+                <a:cs typeface="+mn-cs"/>
+              </a:defRPr>
+            </a:lvl9pPr>
+          </a:lstStyle>
+          <a:p>
+            <a:endParaRPr lang="en-US"/>
+          </a:p>
+        </p:txBody>
+      </p:sp>
+      <p:sp>
+        <p:nvSpPr>
+          <p:cNvPr id="17" name="Rectangle 16"/>
+          <p:cNvSpPr/>
+          <p:nvPr userDrawn="1"/>
+        </p:nvSpPr>
+        <p:spPr>
+          <a:xfrm>
+            <a:off x="8959041" y="0"/>
+            <a:ext cx="184958" cy="2895600"/>
+          </a:xfrm>
+          <a:prstGeom prst="rect">
+            <a:avLst/>
+          </a:prstGeom>
+          <a:solidFill>
+            <a:srgbClr val="7030A0"/>
+          </a:solidFill>
+          <a:ln>
+            <a:noFill/>
+          </a:ln>
+        </p:spPr>
+        <p:style>
+          <a:lnRef idx="2">
+            <a:schemeClr val="accent1">
+              <a:shade val="50000"/>
+            </a:schemeClr>
+          </a:lnRef>
+          <a:fillRef idx="1">
+            <a:schemeClr val="accent1"/>
+          </a:fillRef>
+          <a:effectRef idx="0">
+            <a:schemeClr val="accent1"/>
+          </a:effectRef>
+          <a:fontRef idx="minor">
+            <a:schemeClr val="lt1"/>
+          </a:fontRef>
+        </p:style>
+        <p:txBody>
+          <a:bodyPr/>
+          <a:lstStyle>
+            <a:defPPr>
+              <a:defRPr lang="en-US"/>
+            </a:defPPr>
+            <a:lvl1pPr marL="0" algn="l" defTabSz="457200" rtl="0" eaLnBrk="1" latinLnBrk="0" hangingPunct="1">
+              <a:defRPr sz="1800" kern="1200">
+                <a:solidFill>
+                  <a:schemeClr val="lt1"/>
+                </a:solidFill>
+                <a:latin typeface="+mn-lt"/>
+                <a:ea typeface="+mn-ea"/>
+                <a:cs typeface="+mn-cs"/>
+              </a:defRPr>
+            </a:lvl1pPr>
+            <a:lvl2pPr marL="457200" algn="l" defTabSz="457200" rtl="0" eaLnBrk="1" latinLnBrk="0" hangingPunct="1">
+              <a:defRPr sz="1800" kern="1200">
+                <a:solidFill>
+                  <a:schemeClr val="lt1"/>
+                </a:solidFill>
+                <a:latin typeface="+mn-lt"/>
+                <a:ea typeface="+mn-ea"/>
+                <a:cs typeface="+mn-cs"/>
+              </a:defRPr>
+            </a:lvl2pPr>
+            <a:lvl3pPr marL="914400" algn="l" defTabSz="457200" rtl="0" eaLnBrk="1" latinLnBrk="0" hangingPunct="1">
+              <a:defRPr sz="1800" kern="1200">
+                <a:solidFill>
+                  <a:schemeClr val="lt1"/>
+                </a:solidFill>
+                <a:latin typeface="+mn-lt"/>
+                <a:ea typeface="+mn-ea"/>
+                <a:cs typeface="+mn-cs"/>
+              </a:defRPr>
+            </a:lvl3pPr>
+            <a:lvl4pPr marL="1371600" algn="l" defTabSz="457200" rtl="0" eaLnBrk="1" latinLnBrk="0" hangingPunct="1">
+              <a:defRPr sz="1800" kern="1200">
+                <a:solidFill>
+                  <a:schemeClr val="lt1"/>
+                </a:solidFill>
+                <a:latin typeface="+mn-lt"/>
+                <a:ea typeface="+mn-ea"/>
+                <a:cs typeface="+mn-cs"/>
+              </a:defRPr>
+            </a:lvl4pPr>
+            <a:lvl5pPr marL="1828800" algn="l" defTabSz="457200" rtl="0" eaLnBrk="1" latinLnBrk="0" hangingPunct="1">
+              <a:defRPr sz="1800" kern="1200">
+                <a:solidFill>
+                  <a:schemeClr val="lt1"/>
+                </a:solidFill>
+                <a:latin typeface="+mn-lt"/>
+                <a:ea typeface="+mn-ea"/>
+                <a:cs typeface="+mn-cs"/>
+              </a:defRPr>
+            </a:lvl5pPr>
+            <a:lvl6pPr marL="2286000" algn="l" defTabSz="457200" rtl="0" eaLnBrk="1" latinLnBrk="0" hangingPunct="1">
+              <a:defRPr sz="1800" kern="1200">
+                <a:solidFill>
+                  <a:schemeClr val="lt1"/>
+                </a:solidFill>
+                <a:latin typeface="+mn-lt"/>
+                <a:ea typeface="+mn-ea"/>
+                <a:cs typeface="+mn-cs"/>
+              </a:defRPr>
+            </a:lvl6pPr>
+            <a:lvl7pPr marL="2743200" algn="l" defTabSz="457200" rtl="0" eaLnBrk="1" latinLnBrk="0" hangingPunct="1">
+              <a:defRPr sz="1800" kern="1200">
+                <a:solidFill>
+                  <a:schemeClr val="lt1"/>
+                </a:solidFill>
+                <a:latin typeface="+mn-lt"/>
+                <a:ea typeface="+mn-ea"/>
+                <a:cs typeface="+mn-cs"/>
+              </a:defRPr>
+            </a:lvl7pPr>
+            <a:lvl8pPr marL="3200400" algn="l" defTabSz="457200" rtl="0" eaLnBrk="1" latinLnBrk="0" hangingPunct="1">
+              <a:defRPr sz="1800" kern="1200">
+                <a:solidFill>
+                  <a:schemeClr val="lt1"/>
+                </a:solidFill>
+                <a:latin typeface="+mn-lt"/>
+                <a:ea typeface="+mn-ea"/>
+                <a:cs typeface="+mn-cs"/>
+              </a:defRPr>
+            </a:lvl8pPr>
+            <a:lvl9pPr marL="3657600" algn="l" defTabSz="457200" rtl="0" eaLnBrk="1" latinLnBrk="0" hangingPunct="1">
+              <a:defRPr sz="1800" kern="1200">
+                <a:solidFill>
+                  <a:schemeClr val="lt1"/>
+                </a:solidFill>
+                <a:latin typeface="+mn-lt"/>
+                <a:ea typeface="+mn-ea"/>
+                <a:cs typeface="+mn-cs"/>
+              </a:defRPr>
+            </a:lvl9pPr>
+          </a:lstStyle>
+          <a:p>
+            <a:endParaRPr lang="en-US"/>
+          </a:p>
+        </p:txBody>
+      </p:sp>
+      <p:sp>
+        <p:nvSpPr>
+          <p:cNvPr id="18" name="Rectangle 17"/>
+          <p:cNvSpPr/>
+          <p:nvPr userDrawn="1"/>
+        </p:nvSpPr>
+        <p:spPr>
+          <a:xfrm>
+            <a:off x="8923137" y="0"/>
+            <a:ext cx="91440" cy="6858000"/>
+          </a:xfrm>
+          <a:prstGeom prst="rect">
+            <a:avLst/>
+          </a:prstGeom>
+          <a:solidFill>
+            <a:srgbClr val="0070C0"/>
+          </a:solidFill>
+          <a:ln>
+            <a:noFill/>
+          </a:ln>
+        </p:spPr>
+        <p:style>
+          <a:lnRef idx="2">
+            <a:schemeClr val="accent1">
+              <a:shade val="50000"/>
+            </a:schemeClr>
+          </a:lnRef>
+          <a:fillRef idx="1">
+            <a:schemeClr val="accent1"/>
+          </a:fillRef>
+          <a:effectRef idx="0">
+            <a:schemeClr val="accent1"/>
+          </a:effectRef>
+          <a:fontRef idx="minor">
+            <a:schemeClr val="lt1"/>
+          </a:fontRef>
+        </p:style>
+        <p:txBody>
+          <a:bodyPr/>
+          <a:lstStyle>
+            <a:defPPr>
+              <a:defRPr lang="en-US"/>
+            </a:defPPr>
+            <a:lvl1pPr marL="0" algn="l" defTabSz="457200" rtl="0" eaLnBrk="1" latinLnBrk="0" hangingPunct="1">
+              <a:defRPr sz="1800" kern="1200">
+                <a:solidFill>
+                  <a:schemeClr val="lt1"/>
+                </a:solidFill>
+                <a:latin typeface="+mn-lt"/>
+                <a:ea typeface="+mn-ea"/>
+                <a:cs typeface="+mn-cs"/>
+              </a:defRPr>
+            </a:lvl1pPr>
+            <a:lvl2pPr marL="457200" algn="l" defTabSz="457200" rtl="0" eaLnBrk="1" latinLnBrk="0" hangingPunct="1">
+              <a:defRPr sz="1800" kern="1200">
+                <a:solidFill>
+                  <a:schemeClr val="lt1"/>
+                </a:solidFill>
+                <a:latin typeface="+mn-lt"/>
+                <a:ea typeface="+mn-ea"/>
+                <a:cs typeface="+mn-cs"/>
+              </a:defRPr>
+            </a:lvl2pPr>
+            <a:lvl3pPr marL="914400" algn="l" defTabSz="457200" rtl="0" eaLnBrk="1" latinLnBrk="0" hangingPunct="1">
+              <a:defRPr sz="1800" kern="1200">
+                <a:solidFill>
+                  <a:schemeClr val="lt1"/>
+                </a:solidFill>
+                <a:latin typeface="+mn-lt"/>
+                <a:ea typeface="+mn-ea"/>
+                <a:cs typeface="+mn-cs"/>
+              </a:defRPr>
+            </a:lvl3pPr>
+            <a:lvl4pPr marL="1371600" algn="l" defTabSz="457200" rtl="0" eaLnBrk="1" latinLnBrk="0" hangingPunct="1">
+              <a:defRPr sz="1800" kern="1200">
+                <a:solidFill>
+                  <a:schemeClr val="lt1"/>
+                </a:solidFill>
+                <a:latin typeface="+mn-lt"/>
+                <a:ea typeface="+mn-ea"/>
+                <a:cs typeface="+mn-cs"/>
+              </a:defRPr>
+            </a:lvl4pPr>
+            <a:lvl5pPr marL="1828800" algn="l" defTabSz="457200" rtl="0" eaLnBrk="1" latinLnBrk="0" hangingPunct="1">
+              <a:defRPr sz="1800" kern="1200">
+                <a:solidFill>
+                  <a:schemeClr val="lt1"/>
+                </a:solidFill>
+                <a:latin typeface="+mn-lt"/>
+                <a:ea typeface="+mn-ea"/>
+                <a:cs typeface="+mn-cs"/>
+              </a:defRPr>
+            </a:lvl5pPr>
+            <a:lvl6pPr marL="2286000" algn="l" defTabSz="457200" rtl="0" eaLnBrk="1" latinLnBrk="0" hangingPunct="1">
+              <a:defRPr sz="1800" kern="1200">
+                <a:solidFill>
+                  <a:schemeClr val="lt1"/>
+                </a:solidFill>
+                <a:latin typeface="+mn-lt"/>
+                <a:ea typeface="+mn-ea"/>
+                <a:cs typeface="+mn-cs"/>
+              </a:defRPr>
+            </a:lvl6pPr>
+            <a:lvl7pPr marL="2743200" algn="l" defTabSz="457200" rtl="0" eaLnBrk="1" latinLnBrk="0" hangingPunct="1">
+              <a:defRPr sz="1800" kern="1200">
+                <a:solidFill>
+                  <a:schemeClr val="lt1"/>
+                </a:solidFill>
+                <a:latin typeface="+mn-lt"/>
+                <a:ea typeface="+mn-ea"/>
+                <a:cs typeface="+mn-cs"/>
+              </a:defRPr>
+            </a:lvl7pPr>
+            <a:lvl8pPr marL="3200400" algn="l" defTabSz="457200" rtl="0" eaLnBrk="1" latinLnBrk="0" hangingPunct="1">
+              <a:defRPr sz="1800" kern="1200">
+                <a:solidFill>
+                  <a:schemeClr val="lt1"/>
+                </a:solidFill>
+                <a:latin typeface="+mn-lt"/>
+                <a:ea typeface="+mn-ea"/>
+                <a:cs typeface="+mn-cs"/>
+              </a:defRPr>
+            </a:lvl8pPr>
+            <a:lvl9pPr marL="3657600" algn="l" defTabSz="457200" rtl="0" eaLnBrk="1" latinLnBrk="0" hangingPunct="1">
+              <a:defRPr sz="1800" kern="1200">
+                <a:solidFill>
+                  <a:schemeClr val="lt1"/>
+                </a:solidFill>
+                <a:latin typeface="+mn-lt"/>
+                <a:ea typeface="+mn-ea"/>
+                <a:cs typeface="+mn-cs"/>
+              </a:defRPr>
+            </a:lvl9pPr>
+          </a:lstStyle>
+          <a:p>
+            <a:endParaRPr lang="en-US"/>
+          </a:p>
+        </p:txBody>
+      </p:sp>
+    </p:spTree>
+    <p:extLst>
+      <p:ext uri="{BB962C8B-B14F-4D97-AF65-F5344CB8AC3E}">
+        <p14:creationId xmlns:p14="http://schemas.microsoft.com/office/powerpoint/2010/main" val="1214723838"/>
+      </p:ext>
+    </p:extLst>
+  </p:cSld>
+  <p:clrMapOvr>
+    <a:masterClrMapping/>
+  </p:clrMapOvr>
+  <p:timing>
+    <p:tnLst>
+      <p:par>
+        <p:cTn id="1" dur="indefinite" restart="never" nodeType="tmRoot"/>
+      </p:par>
+    </p:tnLst>
+  </p:timing>
+</p:sldLayout>
+</file>
+
+<file path=ppt/slideLayouts/slideLayout13.xml><?xml version="1.0" encoding="utf-8"?>
 <p:sldLayout xmlns:a="http://schemas.openxmlformats.org/drawingml/2006/main" xmlns:r="http://schemas.openxmlformats.org/officeDocument/2006/relationships" xmlns:p="http://schemas.openxmlformats.org/presentationml/2006/main" type="obj" preserve="1">
   <p:cSld name="Title and Content">
     <p:spTree>
@@ -2065,9 +2954,9 @@
           <a:bodyPr/>
           <a:lstStyle/>
           <a:p>
-            <a:fld id="{EBC66F19-F592-4046-A80F-543E982F2AB6}" type="datetime1">
-              <a:rPr lang="en-US" smtClean="0"/>
-              <a:t>11/14/15</a:t>
+            <a:fld id="{4C7CBA31-094D-7340-9EC6-7F0C9FE244D3}" type="datetime1">
+              <a:rPr lang="en-US" smtClean="0"/>
+              <a:t>7/4/16</a:t>
             </a:fld>
             <a:endParaRPr lang="en-US"/>
           </a:p>
@@ -2090,7 +2979,7 @@
           <a:p>
             <a:r>
               <a:rPr lang="en-US" smtClean="0"/>
-              <a:t>© EV3Lessons.com, 2015, (Last edit: 11/14/2015)</a:t>
+              <a:t>© EV3Lessons.com, 2016, (Last edit: 07/04/2016)</a:t>
             </a:r>
             <a:endParaRPr lang="en-US"/>
           </a:p>
@@ -2108,9 +2997,12 @@
         </p:nvSpPr>
         <p:spPr>
           <a:xfrm>
-            <a:off x="8381522" y="6269672"/>
-            <a:ext cx="642303" cy="365125"/>
+            <a:off x="8457383" y="6376457"/>
+            <a:ext cx="627256" cy="365125"/>
           </a:xfrm>
+          <a:prstGeom prst="rect">
+            <a:avLst/>
+          </a:prstGeom>
         </p:spPr>
         <p:txBody>
           <a:bodyPr/>
@@ -2127,17 +3019,24 @@
     </p:spTree>
     <p:extLst>
       <p:ext uri="{BB962C8B-B14F-4D97-AF65-F5344CB8AC3E}">
-        <p14:creationId xmlns:p14="http://schemas.microsoft.com/office/powerpoint/2010/main" val="1455330739"/>
+        <p14:creationId xmlns:p14="http://schemas.microsoft.com/office/powerpoint/2010/main" val="1883996884"/>
       </p:ext>
     </p:extLst>
   </p:cSld>
   <p:clrMapOvr>
     <a:masterClrMapping/>
   </p:clrMapOvr>
+  <p:timing>
+    <p:tnLst>
+      <p:par>
+        <p:cTn id="1" dur="indefinite" restart="never" nodeType="tmRoot"/>
+      </p:par>
+    </p:tnLst>
+  </p:timing>
 </p:sldLayout>
 </file>
 
-<file path=ppt/slideLayouts/slideLayout3.xml><?xml version="1.0" encoding="utf-8"?>
+<file path=ppt/slideLayouts/slideLayout14.xml><?xml version="1.0" encoding="utf-8"?>
 <p:sldLayout xmlns:a="http://schemas.openxmlformats.org/drawingml/2006/main" xmlns:r="http://schemas.openxmlformats.org/officeDocument/2006/relationships" xmlns:p="http://schemas.openxmlformats.org/presentationml/2006/main" type="secHead" preserve="1">
   <p:cSld name="Section Header">
     <p:spTree>
@@ -2328,9 +3227,9 @@
           <a:bodyPr/>
           <a:lstStyle/>
           <a:p>
-            <a:fld id="{7895E8D3-F13D-5B4F-8BE1-B981225C8E84}" type="datetime1">
-              <a:rPr lang="en-US" smtClean="0"/>
-              <a:t>11/14/15</a:t>
+            <a:fld id="{F4DBBA6F-9415-B946-A89D-89B64376ECC4}" type="datetime1">
+              <a:rPr lang="en-US" smtClean="0"/>
+              <a:t>7/4/16</a:t>
             </a:fld>
             <a:endParaRPr lang="en-US"/>
           </a:p>
@@ -2346,7 +3245,15 @@
             <p:ph type="sldNum" sz="quarter" idx="11"/>
           </p:nvPr>
         </p:nvSpPr>
-        <p:spPr/>
+        <p:spPr>
+          <a:xfrm rot="16200000">
+            <a:off x="8227377" y="5885497"/>
+            <a:ext cx="1315721" cy="365125"/>
+          </a:xfrm>
+          <a:prstGeom prst="rect">
+            <a:avLst/>
+          </a:prstGeom>
+        </p:spPr>
         <p:txBody>
           <a:bodyPr/>
           <a:lstStyle/>
@@ -2376,7 +3283,7 @@
           <a:p>
             <a:r>
               <a:rPr lang="en-US" smtClean="0"/>
-              <a:t>© EV3Lessons.com, 2015, (Last edit: 11/14/2015)</a:t>
+              <a:t>© EV3Lessons.com, 2016, (Last edit: 07/04/2016)</a:t>
             </a:r>
             <a:endParaRPr lang="en-US"/>
           </a:p>
@@ -2385,7 +3292,7 @@
     </p:spTree>
     <p:extLst>
       <p:ext uri="{BB962C8B-B14F-4D97-AF65-F5344CB8AC3E}">
-        <p14:creationId xmlns:p14="http://schemas.microsoft.com/office/powerpoint/2010/main" val="912293069"/>
+        <p14:creationId xmlns:p14="http://schemas.microsoft.com/office/powerpoint/2010/main" val="1836738020"/>
       </p:ext>
     </p:extLst>
   </p:cSld>
@@ -2395,7 +3302,7 @@
 </p:sldLayout>
 </file>
 
-<file path=ppt/slideLayouts/slideLayout4.xml><?xml version="1.0" encoding="utf-8"?>
+<file path=ppt/slideLayouts/slideLayout15.xml><?xml version="1.0" encoding="utf-8"?>
 <p:sldLayout xmlns:a="http://schemas.openxmlformats.org/drawingml/2006/main" xmlns:r="http://schemas.openxmlformats.org/officeDocument/2006/relationships" xmlns:p="http://schemas.openxmlformats.org/presentationml/2006/main" type="twoObj" preserve="1">
   <p:cSld name="Two Content">
     <p:spTree>
@@ -2575,35 +3482,35 @@
           <a:p>
             <a:pPr lvl="0"/>
             <a:r>
-              <a:rPr lang="en-US" dirty="0" smtClean="0"/>
+              <a:rPr lang="en-US" smtClean="0"/>
               <a:t>Click to edit Master text styles</a:t>
             </a:r>
           </a:p>
           <a:p>
             <a:pPr lvl="1"/>
             <a:r>
-              <a:rPr lang="en-US" dirty="0" smtClean="0"/>
+              <a:rPr lang="en-US" smtClean="0"/>
               <a:t>Second level</a:t>
             </a:r>
           </a:p>
           <a:p>
             <a:pPr lvl="2"/>
             <a:r>
-              <a:rPr lang="en-US" dirty="0" smtClean="0"/>
+              <a:rPr lang="en-US" smtClean="0"/>
               <a:t>Third level</a:t>
             </a:r>
           </a:p>
           <a:p>
             <a:pPr lvl="3"/>
             <a:r>
-              <a:rPr lang="en-US" dirty="0" smtClean="0"/>
+              <a:rPr lang="en-US" smtClean="0"/>
               <a:t>Fourth level</a:t>
             </a:r>
           </a:p>
           <a:p>
             <a:pPr lvl="4"/>
             <a:r>
-              <a:rPr lang="en-US" dirty="0" smtClean="0"/>
+              <a:rPr lang="en-US" smtClean="0"/>
               <a:t>Fifth level</a:t>
             </a:r>
             <a:endParaRPr lang="en-US" dirty="0"/>
@@ -2625,9 +3532,9 @@
           <a:bodyPr/>
           <a:lstStyle/>
           <a:p>
-            <a:fld id="{1D3F05C0-D6FB-8448-94FF-5E619FD7D701}" type="datetime1">
-              <a:rPr lang="en-US" smtClean="0"/>
-              <a:t>11/14/15</a:t>
+            <a:fld id="{4F4E0B4B-9F27-5745-AB30-2BA7396DC82B}" type="datetime1">
+              <a:rPr lang="en-US" smtClean="0"/>
+              <a:t>7/4/16</a:t>
             </a:fld>
             <a:endParaRPr lang="en-US"/>
           </a:p>
@@ -2650,7 +3557,7 @@
           <a:p>
             <a:r>
               <a:rPr lang="en-US" smtClean="0"/>
-              <a:t>© EV3Lessons.com, 2015, (Last edit: 11/14/2015)</a:t>
+              <a:t>© EV3Lessons.com, 2016, (Last edit: 07/04/2016)</a:t>
             </a:r>
             <a:endParaRPr lang="en-US"/>
           </a:p>
@@ -2666,7 +3573,15 @@
             <p:ph type="sldNum" sz="quarter" idx="12"/>
           </p:nvPr>
         </p:nvSpPr>
-        <p:spPr/>
+        <p:spPr>
+          <a:xfrm>
+            <a:off x="8477026" y="6358106"/>
+            <a:ext cx="666974" cy="365125"/>
+          </a:xfrm>
+          <a:prstGeom prst="rect">
+            <a:avLst/>
+          </a:prstGeom>
+        </p:spPr>
         <p:txBody>
           <a:bodyPr/>
           <a:lstStyle/>
@@ -2682,17 +3597,24 @@
     </p:spTree>
     <p:extLst>
       <p:ext uri="{BB962C8B-B14F-4D97-AF65-F5344CB8AC3E}">
-        <p14:creationId xmlns:p14="http://schemas.microsoft.com/office/powerpoint/2010/main" val="933298417"/>
+        <p14:creationId xmlns:p14="http://schemas.microsoft.com/office/powerpoint/2010/main" val="2125960162"/>
       </p:ext>
     </p:extLst>
   </p:cSld>
   <p:clrMapOvr>
     <a:masterClrMapping/>
   </p:clrMapOvr>
+  <p:timing>
+    <p:tnLst>
+      <p:par>
+        <p:cTn id="1" dur="indefinite" restart="never" nodeType="tmRoot"/>
+      </p:par>
+    </p:tnLst>
+  </p:timing>
 </p:sldLayout>
 </file>
 
-<file path=ppt/slideLayouts/slideLayout5.xml><?xml version="1.0" encoding="utf-8"?>
+<file path=ppt/slideLayouts/slideLayout16.xml><?xml version="1.0" encoding="utf-8"?>
 <p:sldLayout xmlns:a="http://schemas.openxmlformats.org/drawingml/2006/main" xmlns:r="http://schemas.openxmlformats.org/officeDocument/2006/relationships" xmlns:p="http://schemas.openxmlformats.org/presentationml/2006/main" type="twoTxTwoObj" preserve="1">
   <p:cSld name="Comparison">
     <p:spTree>
@@ -3073,9 +3995,9 @@
           <a:bodyPr/>
           <a:lstStyle/>
           <a:p>
-            <a:fld id="{8072FEDF-8567-EB46-BEA1-DB9B1F761409}" type="datetime1">
-              <a:rPr lang="en-US" smtClean="0"/>
-              <a:t>11/14/15</a:t>
+            <a:fld id="{2B062D8E-133E-7D46-B3E0-5900C8E7D5AC}" type="datetime1">
+              <a:rPr lang="en-US" smtClean="0"/>
+              <a:t>7/4/16</a:t>
             </a:fld>
             <a:endParaRPr lang="en-US"/>
           </a:p>
@@ -3098,15 +4020,15 @@
           <a:p>
             <a:r>
               <a:rPr lang="en-US" smtClean="0"/>
-              <a:t>© EV3Lessons.com, 2015, (Last edit: 11/14/2015)</a:t>
-            </a:r>
-            <a:endParaRPr lang="en-US"/>
-          </a:p>
-        </p:txBody>
-      </p:sp>
-      <p:sp>
-        <p:nvSpPr>
-          <p:cNvPr id="9" name="Slide Number Placeholder 8"/>
+              <a:t>© EV3Lessons.com, 2016, (Last edit: 07/04/2016)</a:t>
+            </a:r>
+            <a:endParaRPr lang="en-US"/>
+          </a:p>
+        </p:txBody>
+      </p:sp>
+      <p:sp>
+        <p:nvSpPr>
+          <p:cNvPr id="10" name="Slide Number Placeholder 6"/>
           <p:cNvSpPr>
             <a:spLocks noGrp="1"/>
           </p:cNvSpPr>
@@ -3114,7 +4036,15 @@
             <p:ph type="sldNum" sz="quarter" idx="12"/>
           </p:nvPr>
         </p:nvSpPr>
-        <p:spPr/>
+        <p:spPr>
+          <a:xfrm>
+            <a:off x="8477026" y="6358106"/>
+            <a:ext cx="666974" cy="365125"/>
+          </a:xfrm>
+          <a:prstGeom prst="rect">
+            <a:avLst/>
+          </a:prstGeom>
+        </p:spPr>
         <p:txBody>
           <a:bodyPr/>
           <a:lstStyle/>
@@ -3130,17 +4060,24 @@
     </p:spTree>
     <p:extLst>
       <p:ext uri="{BB962C8B-B14F-4D97-AF65-F5344CB8AC3E}">
-        <p14:creationId xmlns:p14="http://schemas.microsoft.com/office/powerpoint/2010/main" val="965720010"/>
+        <p14:creationId xmlns:p14="http://schemas.microsoft.com/office/powerpoint/2010/main" val="1179523948"/>
       </p:ext>
     </p:extLst>
   </p:cSld>
   <p:clrMapOvr>
     <a:masterClrMapping/>
   </p:clrMapOvr>
+  <p:timing>
+    <p:tnLst>
+      <p:par>
+        <p:cTn id="1" dur="indefinite" restart="never" nodeType="tmRoot"/>
+      </p:par>
+    </p:tnLst>
+  </p:timing>
 </p:sldLayout>
 </file>
 
-<file path=ppt/slideLayouts/slideLayout6.xml><?xml version="1.0" encoding="utf-8"?>
+<file path=ppt/slideLayouts/slideLayout17.xml><?xml version="1.0" encoding="utf-8"?>
 <p:sldLayout xmlns:a="http://schemas.openxmlformats.org/drawingml/2006/main" xmlns:r="http://schemas.openxmlformats.org/officeDocument/2006/relationships" xmlns:p="http://schemas.openxmlformats.org/presentationml/2006/main" type="titleOnly" preserve="1">
   <p:cSld name="Title Only">
     <p:spTree>
@@ -3195,9 +4132,9 @@
           <a:bodyPr/>
           <a:lstStyle/>
           <a:p>
-            <a:fld id="{0BBD66D7-2BC1-1C4F-8F88-3183EF3AFD1B}" type="datetime1">
-              <a:rPr lang="en-US" smtClean="0"/>
-              <a:t>11/14/15</a:t>
+            <a:fld id="{B07FF31E-5C85-0042-8A60-177162ED58FB}" type="datetime1">
+              <a:rPr lang="en-US" smtClean="0"/>
+              <a:t>7/4/16</a:t>
             </a:fld>
             <a:endParaRPr lang="en-US"/>
           </a:p>
@@ -3220,15 +4157,15 @@
           <a:p>
             <a:r>
               <a:rPr lang="en-US" smtClean="0"/>
-              <a:t>© EV3Lessons.com, 2015, (Last edit: 11/14/2015)</a:t>
-            </a:r>
-            <a:endParaRPr lang="en-US"/>
-          </a:p>
-        </p:txBody>
-      </p:sp>
-      <p:sp>
-        <p:nvSpPr>
-          <p:cNvPr id="5" name="Slide Number Placeholder 4"/>
+              <a:t>© EV3Lessons.com, 2016, (Last edit: 07/04/2016)</a:t>
+            </a:r>
+            <a:endParaRPr lang="en-US"/>
+          </a:p>
+        </p:txBody>
+      </p:sp>
+      <p:sp>
+        <p:nvSpPr>
+          <p:cNvPr id="6" name="Slide Number Placeholder 6"/>
           <p:cNvSpPr>
             <a:spLocks noGrp="1"/>
           </p:cNvSpPr>
@@ -3236,7 +4173,15 @@
             <p:ph type="sldNum" sz="quarter" idx="12"/>
           </p:nvPr>
         </p:nvSpPr>
-        <p:spPr/>
+        <p:spPr>
+          <a:xfrm>
+            <a:off x="8477026" y="6358106"/>
+            <a:ext cx="666974" cy="365125"/>
+          </a:xfrm>
+          <a:prstGeom prst="rect">
+            <a:avLst/>
+          </a:prstGeom>
+        </p:spPr>
         <p:txBody>
           <a:bodyPr/>
           <a:lstStyle/>
@@ -3252,17 +4197,24 @@
     </p:spTree>
     <p:extLst>
       <p:ext uri="{BB962C8B-B14F-4D97-AF65-F5344CB8AC3E}">
-        <p14:creationId xmlns:p14="http://schemas.microsoft.com/office/powerpoint/2010/main" val="173938412"/>
+        <p14:creationId xmlns:p14="http://schemas.microsoft.com/office/powerpoint/2010/main" val="837448579"/>
       </p:ext>
     </p:extLst>
   </p:cSld>
   <p:clrMapOvr>
     <a:masterClrMapping/>
   </p:clrMapOvr>
+  <p:timing>
+    <p:tnLst>
+      <p:par>
+        <p:cTn id="1" dur="indefinite" restart="never" nodeType="tmRoot"/>
+      </p:par>
+    </p:tnLst>
+  </p:timing>
 </p:sldLayout>
 </file>
 
-<file path=ppt/slideLayouts/slideLayout7.xml><?xml version="1.0" encoding="utf-8"?>
+<file path=ppt/slideLayouts/slideLayout18.xml><?xml version="1.0" encoding="utf-8"?>
 <p:sldLayout xmlns:a="http://schemas.openxmlformats.org/drawingml/2006/main" xmlns:r="http://schemas.openxmlformats.org/officeDocument/2006/relationships" xmlns:p="http://schemas.openxmlformats.org/presentationml/2006/main" type="blank" preserve="1">
   <p:cSld name="Blank">
     <p:spTree>
@@ -3294,9 +4246,9 @@
           <a:bodyPr/>
           <a:lstStyle/>
           <a:p>
-            <a:fld id="{6A7C2CE9-C99B-8F40-BEA0-B1B0AE7C807E}" type="datetime1">
-              <a:rPr lang="en-US" smtClean="0"/>
-              <a:t>11/14/15</a:t>
+            <a:fld id="{E5EE1E2F-F4A1-0E40-A9D2-9FA1570CFBCE}" type="datetime1">
+              <a:rPr lang="en-US" smtClean="0"/>
+              <a:t>7/4/16</a:t>
             </a:fld>
             <a:endParaRPr lang="en-US"/>
           </a:p>
@@ -3319,7 +4271,7 @@
           <a:p>
             <a:r>
               <a:rPr lang="en-US" smtClean="0"/>
-              <a:t>© EV3Lessons.com, 2015, (Last edit: 11/14/2015)</a:t>
+              <a:t>© EV3Lessons.com, 2016, (Last edit: 07/04/2016)</a:t>
             </a:r>
             <a:endParaRPr lang="en-US"/>
           </a:p>
@@ -3335,7 +4287,15 @@
             <p:ph type="sldNum" sz="quarter" idx="12"/>
           </p:nvPr>
         </p:nvSpPr>
-        <p:spPr/>
+        <p:spPr>
+          <a:xfrm rot="16200000">
+            <a:off x="8227377" y="5885497"/>
+            <a:ext cx="1315721" cy="365125"/>
+          </a:xfrm>
+          <a:prstGeom prst="rect">
+            <a:avLst/>
+          </a:prstGeom>
+        </p:spPr>
         <p:txBody>
           <a:bodyPr/>
           <a:lstStyle/>
@@ -3351,7 +4311,7 @@
     </p:spTree>
     <p:extLst>
       <p:ext uri="{BB962C8B-B14F-4D97-AF65-F5344CB8AC3E}">
-        <p14:creationId xmlns:p14="http://schemas.microsoft.com/office/powerpoint/2010/main" val="2120886557"/>
+        <p14:creationId xmlns:p14="http://schemas.microsoft.com/office/powerpoint/2010/main" val="390444815"/>
       </p:ext>
     </p:extLst>
   </p:cSld>
@@ -3361,7 +4321,7 @@
 </p:sldLayout>
 </file>
 
-<file path=ppt/slideLayouts/slideLayout8.xml><?xml version="1.0" encoding="utf-8"?>
+<file path=ppt/slideLayouts/slideLayout19.xml><?xml version="1.0" encoding="utf-8"?>
 <p:sldLayout xmlns:a="http://schemas.openxmlformats.org/drawingml/2006/main" xmlns:r="http://schemas.openxmlformats.org/officeDocument/2006/relationships" xmlns:p="http://schemas.openxmlformats.org/presentationml/2006/main" type="objTx" preserve="1">
   <p:cSld name="Content with Caption">
     <p:spTree>
@@ -3545,9 +4505,9 @@
           <a:bodyPr/>
           <a:lstStyle/>
           <a:p>
-            <a:fld id="{C3EA8787-8FD8-4548-9CB2-181445CFB89E}" type="datetime1">
-              <a:rPr lang="en-US" smtClean="0"/>
-              <a:t>11/14/15</a:t>
+            <a:fld id="{303BF7CD-D7FE-4C49-947F-59950BF43062}" type="datetime1">
+              <a:rPr lang="en-US" smtClean="0"/>
+              <a:t>7/4/16</a:t>
             </a:fld>
             <a:endParaRPr lang="en-US"/>
           </a:p>
@@ -3570,7 +4530,7 @@
           <a:p>
             <a:r>
               <a:rPr lang="en-US" smtClean="0"/>
-              <a:t>© EV3Lessons.com, 2015, (Last edit: 11/14/2015)</a:t>
+              <a:t>© EV3Lessons.com, 2016, (Last edit: 07/04/2016)</a:t>
             </a:r>
             <a:endParaRPr lang="en-US"/>
           </a:p>
@@ -3586,7 +4546,15 @@
             <p:ph type="sldNum" sz="quarter" idx="12"/>
           </p:nvPr>
         </p:nvSpPr>
-        <p:spPr/>
+        <p:spPr>
+          <a:xfrm rot="16200000">
+            <a:off x="8227377" y="5885497"/>
+            <a:ext cx="1315721" cy="365125"/>
+          </a:xfrm>
+          <a:prstGeom prst="rect">
+            <a:avLst/>
+          </a:prstGeom>
+        </p:spPr>
         <p:txBody>
           <a:bodyPr/>
           <a:lstStyle/>
@@ -3625,7 +4593,7 @@
     </p:spTree>
     <p:extLst>
       <p:ext uri="{BB962C8B-B14F-4D97-AF65-F5344CB8AC3E}">
-        <p14:creationId xmlns:p14="http://schemas.microsoft.com/office/powerpoint/2010/main" val="1310727971"/>
+        <p14:creationId xmlns:p14="http://schemas.microsoft.com/office/powerpoint/2010/main" val="1643464120"/>
       </p:ext>
     </p:extLst>
   </p:cSld>
@@ -3635,7 +4603,196 @@
 </p:sldLayout>
 </file>
 
-<file path=ppt/slideLayouts/slideLayout9.xml><?xml version="1.0" encoding="utf-8"?>
+<file path=ppt/slideLayouts/slideLayout2.xml><?xml version="1.0" encoding="utf-8"?>
+<p:sldLayout xmlns:a="http://schemas.openxmlformats.org/drawingml/2006/main" xmlns:r="http://schemas.openxmlformats.org/officeDocument/2006/relationships" xmlns:p="http://schemas.openxmlformats.org/presentationml/2006/main" type="obj" preserve="1">
+  <p:cSld name="Title and Content">
+    <p:spTree>
+      <p:nvGrpSpPr>
+        <p:cNvPr id="1" name=""/>
+        <p:cNvGrpSpPr/>
+        <p:nvPr/>
+      </p:nvGrpSpPr>
+      <p:grpSpPr>
+        <a:xfrm>
+          <a:off x="0" y="0"/>
+          <a:ext cx="0" cy="0"/>
+          <a:chOff x="0" y="0"/>
+          <a:chExt cx="0" cy="0"/>
+        </a:xfrm>
+      </p:grpSpPr>
+      <p:sp>
+        <p:nvSpPr>
+          <p:cNvPr id="2" name="Title 1"/>
+          <p:cNvSpPr>
+            <a:spLocks noGrp="1"/>
+          </p:cNvSpPr>
+          <p:nvPr>
+            <p:ph type="title"/>
+          </p:nvPr>
+        </p:nvSpPr>
+        <p:spPr>
+          <a:xfrm>
+            <a:off x="457199" y="152718"/>
+            <a:ext cx="8245475" cy="1371600"/>
+          </a:xfrm>
+        </p:spPr>
+        <p:txBody>
+          <a:bodyPr/>
+          <a:lstStyle/>
+          <a:p>
+            <a:r>
+              <a:rPr lang="en-US" smtClean="0"/>
+              <a:t>Click to edit Master title style</a:t>
+            </a:r>
+            <a:endParaRPr lang="en-US"/>
+          </a:p>
+        </p:txBody>
+      </p:sp>
+      <p:sp>
+        <p:nvSpPr>
+          <p:cNvPr id="3" name="Content Placeholder 2"/>
+          <p:cNvSpPr>
+            <a:spLocks noGrp="1"/>
+          </p:cNvSpPr>
+          <p:nvPr>
+            <p:ph idx="1"/>
+          </p:nvPr>
+        </p:nvSpPr>
+        <p:spPr>
+          <a:xfrm>
+            <a:off x="457200" y="1752600"/>
+            <a:ext cx="8245474" cy="4373563"/>
+          </a:xfrm>
+        </p:spPr>
+        <p:txBody>
+          <a:bodyPr/>
+          <a:lstStyle/>
+          <a:p>
+            <a:pPr lvl="0"/>
+            <a:r>
+              <a:rPr lang="en-US" smtClean="0"/>
+              <a:t>Click to edit Master text styles</a:t>
+            </a:r>
+          </a:p>
+          <a:p>
+            <a:pPr lvl="1"/>
+            <a:r>
+              <a:rPr lang="en-US" smtClean="0"/>
+              <a:t>Second level</a:t>
+            </a:r>
+          </a:p>
+          <a:p>
+            <a:pPr lvl="2"/>
+            <a:r>
+              <a:rPr lang="en-US" smtClean="0"/>
+              <a:t>Third level</a:t>
+            </a:r>
+          </a:p>
+          <a:p>
+            <a:pPr lvl="3"/>
+            <a:r>
+              <a:rPr lang="en-US" smtClean="0"/>
+              <a:t>Fourth level</a:t>
+            </a:r>
+          </a:p>
+          <a:p>
+            <a:pPr lvl="4"/>
+            <a:r>
+              <a:rPr lang="en-US" smtClean="0"/>
+              <a:t>Fifth level</a:t>
+            </a:r>
+            <a:endParaRPr lang="en-US" dirty="0"/>
+          </a:p>
+        </p:txBody>
+      </p:sp>
+      <p:sp>
+        <p:nvSpPr>
+          <p:cNvPr id="4" name="Date Placeholder 3"/>
+          <p:cNvSpPr>
+            <a:spLocks noGrp="1"/>
+          </p:cNvSpPr>
+          <p:nvPr>
+            <p:ph type="dt" sz="half" idx="10"/>
+          </p:nvPr>
+        </p:nvSpPr>
+        <p:spPr/>
+        <p:txBody>
+          <a:bodyPr/>
+          <a:lstStyle/>
+          <a:p>
+            <a:fld id="{F0A856B3-25B1-2D47-9568-5E08CEA323F8}" type="datetime1">
+              <a:rPr lang="en-US" smtClean="0"/>
+              <a:t>7/4/16</a:t>
+            </a:fld>
+            <a:endParaRPr lang="en-US"/>
+          </a:p>
+        </p:txBody>
+      </p:sp>
+      <p:sp>
+        <p:nvSpPr>
+          <p:cNvPr id="5" name="Footer Placeholder 4"/>
+          <p:cNvSpPr>
+            <a:spLocks noGrp="1"/>
+          </p:cNvSpPr>
+          <p:nvPr>
+            <p:ph type="ftr" sz="quarter" idx="11"/>
+          </p:nvPr>
+        </p:nvSpPr>
+        <p:spPr/>
+        <p:txBody>
+          <a:bodyPr/>
+          <a:lstStyle/>
+          <a:p>
+            <a:r>
+              <a:rPr lang="en-US" smtClean="0"/>
+              <a:t>© EV3Lessons.com, 2016, (Last edit: 07/04/2016)</a:t>
+            </a:r>
+            <a:endParaRPr lang="en-US"/>
+          </a:p>
+        </p:txBody>
+      </p:sp>
+      <p:sp>
+        <p:nvSpPr>
+          <p:cNvPr id="6" name="Slide Number Placeholder 5"/>
+          <p:cNvSpPr>
+            <a:spLocks noGrp="1"/>
+          </p:cNvSpPr>
+          <p:nvPr>
+            <p:ph type="sldNum" sz="quarter" idx="12"/>
+          </p:nvPr>
+        </p:nvSpPr>
+        <p:spPr>
+          <a:xfrm>
+            <a:off x="8381522" y="6269672"/>
+            <a:ext cx="642303" cy="365125"/>
+          </a:xfrm>
+        </p:spPr>
+        <p:txBody>
+          <a:bodyPr/>
+          <a:lstStyle/>
+          <a:p>
+            <a:fld id="{4DBC7FC8-25FB-FC45-8177-2B991DA6778C}" type="slidenum">
+              <a:rPr lang="en-US" smtClean="0"/>
+              <a:t>‹#›</a:t>
+            </a:fld>
+            <a:endParaRPr lang="en-US" dirty="0"/>
+          </a:p>
+        </p:txBody>
+      </p:sp>
+    </p:spTree>
+    <p:extLst>
+      <p:ext uri="{BB962C8B-B14F-4D97-AF65-F5344CB8AC3E}">
+        <p14:creationId xmlns:p14="http://schemas.microsoft.com/office/powerpoint/2010/main" val="1455330739"/>
+      </p:ext>
+    </p:extLst>
+  </p:cSld>
+  <p:clrMapOvr>
+    <a:masterClrMapping/>
+  </p:clrMapOvr>
+</p:sldLayout>
+</file>
+
+<file path=ppt/slideLayouts/slideLayout20.xml><?xml version="1.0" encoding="utf-8"?>
 <p:sldLayout xmlns:a="http://schemas.openxmlformats.org/drawingml/2006/main" xmlns:r="http://schemas.openxmlformats.org/officeDocument/2006/relationships" xmlns:p="http://schemas.openxmlformats.org/presentationml/2006/main" showMasterSp="0" type="picTx" preserve="1">
   <p:cSld name="Picture with Caption">
     <p:spTree>
@@ -3848,9 +5005,9 @@
           <a:bodyPr/>
           <a:lstStyle/>
           <a:p>
-            <a:fld id="{D388A759-89B9-AA42-AE7B-0A298F3A24E2}" type="datetime1">
-              <a:rPr lang="en-US" smtClean="0"/>
-              <a:t>11/14/15</a:t>
+            <a:fld id="{C7A5D24D-336E-A44E-890D-CE92DA4F9DAB}" type="datetime1">
+              <a:rPr lang="en-US" smtClean="0"/>
+              <a:t>7/4/16</a:t>
             </a:fld>
             <a:endParaRPr lang="en-US"/>
           </a:p>
@@ -3873,7 +5030,4603 @@
           <a:p>
             <a:r>
               <a:rPr lang="en-US" smtClean="0"/>
-              <a:t>© EV3Lessons.com, 2015, (Last edit: 11/14/2015)</a:t>
+              <a:t>© EV3Lessons.com, 2016, (Last edit: 07/04/2016)</a:t>
+            </a:r>
+            <a:endParaRPr lang="en-US"/>
+          </a:p>
+        </p:txBody>
+      </p:sp>
+      <p:sp>
+        <p:nvSpPr>
+          <p:cNvPr id="7" name="Slide Number Placeholder 6"/>
+          <p:cNvSpPr>
+            <a:spLocks noGrp="1"/>
+          </p:cNvSpPr>
+          <p:nvPr>
+            <p:ph type="sldNum" sz="quarter" idx="12"/>
+          </p:nvPr>
+        </p:nvSpPr>
+        <p:spPr>
+          <a:xfrm rot="16200000">
+            <a:off x="8227377" y="5885497"/>
+            <a:ext cx="1315721" cy="365125"/>
+          </a:xfrm>
+          <a:prstGeom prst="rect">
+            <a:avLst/>
+          </a:prstGeom>
+        </p:spPr>
+        <p:txBody>
+          <a:bodyPr/>
+          <a:lstStyle>
+            <a:lvl1pPr>
+              <a:defRPr>
+                <a:solidFill>
+                  <a:schemeClr val="tx1"/>
+                </a:solidFill>
+              </a:defRPr>
+            </a:lvl1pPr>
+          </a:lstStyle>
+          <a:p>
+            <a:fld id="{4DBC7FC8-25FB-FC45-8177-2B991DA6778C}" type="slidenum">
+              <a:rPr lang="en-US" smtClean="0"/>
+              <a:t>‹#›</a:t>
+            </a:fld>
+            <a:endParaRPr lang="en-US"/>
+          </a:p>
+        </p:txBody>
+      </p:sp>
+      <p:sp>
+        <p:nvSpPr>
+          <p:cNvPr id="8" name="Title 7"/>
+          <p:cNvSpPr>
+            <a:spLocks noGrp="1"/>
+          </p:cNvSpPr>
+          <p:nvPr>
+            <p:ph type="title"/>
+          </p:nvPr>
+        </p:nvSpPr>
+        <p:spPr>
+          <a:xfrm>
+            <a:off x="457200" y="4953000"/>
+            <a:ext cx="8153400" cy="762000"/>
+          </a:xfrm>
+        </p:spPr>
+        <p:txBody>
+          <a:bodyPr anchor="t">
+            <a:normAutofit/>
+          </a:bodyPr>
+          <a:lstStyle>
+            <a:lvl1pPr>
+              <a:defRPr sz="3200"/>
+            </a:lvl1pPr>
+          </a:lstStyle>
+          <a:p>
+            <a:r>
+              <a:rPr lang="en-US" smtClean="0"/>
+              <a:t>Click to edit Master title style</a:t>
+            </a:r>
+            <a:endParaRPr lang="en-US" dirty="0"/>
+          </a:p>
+        </p:txBody>
+      </p:sp>
+      <p:sp>
+        <p:nvSpPr>
+          <p:cNvPr id="10" name="Rectangle 9"/>
+          <p:cNvSpPr/>
+          <p:nvPr/>
+        </p:nvSpPr>
+        <p:spPr>
+          <a:xfrm>
+            <a:off x="9001124" y="0"/>
+            <a:ext cx="142876" cy="4846320"/>
+          </a:xfrm>
+          <a:prstGeom prst="rect">
+            <a:avLst/>
+          </a:prstGeom>
+          <a:solidFill>
+            <a:schemeClr val="tx1"/>
+          </a:solidFill>
+          <a:ln>
+            <a:noFill/>
+          </a:ln>
+        </p:spPr>
+        <p:style>
+          <a:lnRef idx="2">
+            <a:schemeClr val="accent1">
+              <a:shade val="50000"/>
+            </a:schemeClr>
+          </a:lnRef>
+          <a:fillRef idx="1">
+            <a:schemeClr val="accent1"/>
+          </a:fillRef>
+          <a:effectRef idx="0">
+            <a:schemeClr val="accent1"/>
+          </a:effectRef>
+          <a:fontRef idx="minor">
+            <a:schemeClr val="lt1"/>
+          </a:fontRef>
+        </p:style>
+        <p:txBody>
+          <a:bodyPr rtlCol="0" anchor="ctr"/>
+          <a:lstStyle/>
+          <a:p>
+            <a:pPr algn="ctr"/>
+            <a:endParaRPr lang="en-US"/>
+          </a:p>
+        </p:txBody>
+      </p:sp>
+    </p:spTree>
+    <p:extLst>
+      <p:ext uri="{BB962C8B-B14F-4D97-AF65-F5344CB8AC3E}">
+        <p14:creationId xmlns:p14="http://schemas.microsoft.com/office/powerpoint/2010/main" val="766797126"/>
+      </p:ext>
+    </p:extLst>
+  </p:cSld>
+  <p:clrMapOvr>
+    <a:masterClrMapping/>
+  </p:clrMapOvr>
+</p:sldLayout>
+</file>
+
+<file path=ppt/slideLayouts/slideLayout21.xml><?xml version="1.0" encoding="utf-8"?>
+<p:sldLayout xmlns:a="http://schemas.openxmlformats.org/drawingml/2006/main" xmlns:r="http://schemas.openxmlformats.org/officeDocument/2006/relationships" xmlns:p="http://schemas.openxmlformats.org/presentationml/2006/main" type="vertTx" preserve="1">
+  <p:cSld name="Title and Vertical Text">
+    <p:spTree>
+      <p:nvGrpSpPr>
+        <p:cNvPr id="1" name=""/>
+        <p:cNvGrpSpPr/>
+        <p:nvPr/>
+      </p:nvGrpSpPr>
+      <p:grpSpPr>
+        <a:xfrm>
+          <a:off x="0" y="0"/>
+          <a:ext cx="0" cy="0"/>
+          <a:chOff x="0" y="0"/>
+          <a:chExt cx="0" cy="0"/>
+        </a:xfrm>
+      </p:grpSpPr>
+      <p:sp>
+        <p:nvSpPr>
+          <p:cNvPr id="2" name="Title 1"/>
+          <p:cNvSpPr>
+            <a:spLocks noGrp="1"/>
+          </p:cNvSpPr>
+          <p:nvPr>
+            <p:ph type="title"/>
+          </p:nvPr>
+        </p:nvSpPr>
+        <p:spPr/>
+        <p:txBody>
+          <a:bodyPr/>
+          <a:lstStyle/>
+          <a:p>
+            <a:r>
+              <a:rPr lang="en-US" smtClean="0"/>
+              <a:t>Click to edit Master title style</a:t>
+            </a:r>
+            <a:endParaRPr lang="en-US"/>
+          </a:p>
+        </p:txBody>
+      </p:sp>
+      <p:sp>
+        <p:nvSpPr>
+          <p:cNvPr id="3" name="Vertical Text Placeholder 2"/>
+          <p:cNvSpPr>
+            <a:spLocks noGrp="1"/>
+          </p:cNvSpPr>
+          <p:nvPr>
+            <p:ph type="body" orient="vert" idx="1"/>
+          </p:nvPr>
+        </p:nvSpPr>
+        <p:spPr/>
+        <p:txBody>
+          <a:bodyPr vert="eaVert"/>
+          <a:lstStyle/>
+          <a:p>
+            <a:pPr lvl="0"/>
+            <a:r>
+              <a:rPr lang="en-US" smtClean="0"/>
+              <a:t>Click to edit Master text styles</a:t>
+            </a:r>
+          </a:p>
+          <a:p>
+            <a:pPr lvl="1"/>
+            <a:r>
+              <a:rPr lang="en-US" smtClean="0"/>
+              <a:t>Second level</a:t>
+            </a:r>
+          </a:p>
+          <a:p>
+            <a:pPr lvl="2"/>
+            <a:r>
+              <a:rPr lang="en-US" smtClean="0"/>
+              <a:t>Third level</a:t>
+            </a:r>
+          </a:p>
+          <a:p>
+            <a:pPr lvl="3"/>
+            <a:r>
+              <a:rPr lang="en-US" smtClean="0"/>
+              <a:t>Fourth level</a:t>
+            </a:r>
+          </a:p>
+          <a:p>
+            <a:pPr lvl="4"/>
+            <a:r>
+              <a:rPr lang="en-US" smtClean="0"/>
+              <a:t>Fifth level</a:t>
+            </a:r>
+            <a:endParaRPr lang="en-US"/>
+          </a:p>
+        </p:txBody>
+      </p:sp>
+      <p:sp>
+        <p:nvSpPr>
+          <p:cNvPr id="4" name="Date Placeholder 3"/>
+          <p:cNvSpPr>
+            <a:spLocks noGrp="1"/>
+          </p:cNvSpPr>
+          <p:nvPr>
+            <p:ph type="dt" sz="half" idx="10"/>
+          </p:nvPr>
+        </p:nvSpPr>
+        <p:spPr/>
+        <p:txBody>
+          <a:bodyPr/>
+          <a:lstStyle/>
+          <a:p>
+            <a:fld id="{30C72318-BB15-8148-AC13-B5B8B9FC1225}" type="datetime1">
+              <a:rPr lang="en-US" smtClean="0"/>
+              <a:t>7/4/16</a:t>
+            </a:fld>
+            <a:endParaRPr lang="en-US"/>
+          </a:p>
+        </p:txBody>
+      </p:sp>
+      <p:sp>
+        <p:nvSpPr>
+          <p:cNvPr id="5" name="Footer Placeholder 4"/>
+          <p:cNvSpPr>
+            <a:spLocks noGrp="1"/>
+          </p:cNvSpPr>
+          <p:nvPr>
+            <p:ph type="ftr" sz="quarter" idx="11"/>
+          </p:nvPr>
+        </p:nvSpPr>
+        <p:spPr/>
+        <p:txBody>
+          <a:bodyPr/>
+          <a:lstStyle/>
+          <a:p>
+            <a:r>
+              <a:rPr lang="en-US" smtClean="0"/>
+              <a:t>© EV3Lessons.com, 2016, (Last edit: 07/04/2016)</a:t>
+            </a:r>
+            <a:endParaRPr lang="en-US"/>
+          </a:p>
+        </p:txBody>
+      </p:sp>
+      <p:sp>
+        <p:nvSpPr>
+          <p:cNvPr id="6" name="Slide Number Placeholder 5"/>
+          <p:cNvSpPr>
+            <a:spLocks noGrp="1"/>
+          </p:cNvSpPr>
+          <p:nvPr>
+            <p:ph type="sldNum" sz="quarter" idx="12"/>
+          </p:nvPr>
+        </p:nvSpPr>
+        <p:spPr>
+          <a:xfrm rot="16200000">
+            <a:off x="8227377" y="5885497"/>
+            <a:ext cx="1315721" cy="365125"/>
+          </a:xfrm>
+          <a:prstGeom prst="rect">
+            <a:avLst/>
+          </a:prstGeom>
+        </p:spPr>
+        <p:txBody>
+          <a:bodyPr/>
+          <a:lstStyle/>
+          <a:p>
+            <a:fld id="{4DBC7FC8-25FB-FC45-8177-2B991DA6778C}" type="slidenum">
+              <a:rPr lang="en-US" smtClean="0"/>
+              <a:t>‹#›</a:t>
+            </a:fld>
+            <a:endParaRPr lang="en-US"/>
+          </a:p>
+        </p:txBody>
+      </p:sp>
+    </p:spTree>
+    <p:extLst>
+      <p:ext uri="{BB962C8B-B14F-4D97-AF65-F5344CB8AC3E}">
+        <p14:creationId xmlns:p14="http://schemas.microsoft.com/office/powerpoint/2010/main" val="509931035"/>
+      </p:ext>
+    </p:extLst>
+  </p:cSld>
+  <p:clrMapOvr>
+    <a:masterClrMapping/>
+  </p:clrMapOvr>
+</p:sldLayout>
+</file>
+
+<file path=ppt/slideLayouts/slideLayout22.xml><?xml version="1.0" encoding="utf-8"?>
+<p:sldLayout xmlns:a="http://schemas.openxmlformats.org/drawingml/2006/main" xmlns:r="http://schemas.openxmlformats.org/officeDocument/2006/relationships" xmlns:p="http://schemas.openxmlformats.org/presentationml/2006/main" type="vertTitleAndTx" preserve="1">
+  <p:cSld name="Vertical Title and Text">
+    <p:spTree>
+      <p:nvGrpSpPr>
+        <p:cNvPr id="1" name=""/>
+        <p:cNvGrpSpPr/>
+        <p:nvPr/>
+      </p:nvGrpSpPr>
+      <p:grpSpPr>
+        <a:xfrm>
+          <a:off x="0" y="0"/>
+          <a:ext cx="0" cy="0"/>
+          <a:chOff x="0" y="0"/>
+          <a:chExt cx="0" cy="0"/>
+        </a:xfrm>
+      </p:grpSpPr>
+      <p:sp>
+        <p:nvSpPr>
+          <p:cNvPr id="2" name="Vertical Title 1"/>
+          <p:cNvSpPr>
+            <a:spLocks noGrp="1"/>
+          </p:cNvSpPr>
+          <p:nvPr>
+            <p:ph type="title" orient="vert"/>
+          </p:nvPr>
+        </p:nvSpPr>
+        <p:spPr>
+          <a:xfrm>
+            <a:off x="6629400" y="274638"/>
+            <a:ext cx="2057400" cy="5851525"/>
+          </a:xfrm>
+        </p:spPr>
+        <p:txBody>
+          <a:bodyPr vert="eaVert"/>
+          <a:lstStyle/>
+          <a:p>
+            <a:r>
+              <a:rPr lang="en-US" smtClean="0"/>
+              <a:t>Click to edit Master title style</a:t>
+            </a:r>
+            <a:endParaRPr lang="en-US"/>
+          </a:p>
+        </p:txBody>
+      </p:sp>
+      <p:sp>
+        <p:nvSpPr>
+          <p:cNvPr id="3" name="Vertical Text Placeholder 2"/>
+          <p:cNvSpPr>
+            <a:spLocks noGrp="1"/>
+          </p:cNvSpPr>
+          <p:nvPr>
+            <p:ph type="body" orient="vert" idx="1"/>
+          </p:nvPr>
+        </p:nvSpPr>
+        <p:spPr>
+          <a:xfrm>
+            <a:off x="457200" y="274638"/>
+            <a:ext cx="6019800" cy="5851525"/>
+          </a:xfrm>
+        </p:spPr>
+        <p:txBody>
+          <a:bodyPr vert="eaVert"/>
+          <a:lstStyle/>
+          <a:p>
+            <a:pPr lvl="0"/>
+            <a:r>
+              <a:rPr lang="en-US" smtClean="0"/>
+              <a:t>Click to edit Master text styles</a:t>
+            </a:r>
+          </a:p>
+          <a:p>
+            <a:pPr lvl="1"/>
+            <a:r>
+              <a:rPr lang="en-US" smtClean="0"/>
+              <a:t>Second level</a:t>
+            </a:r>
+          </a:p>
+          <a:p>
+            <a:pPr lvl="2"/>
+            <a:r>
+              <a:rPr lang="en-US" smtClean="0"/>
+              <a:t>Third level</a:t>
+            </a:r>
+          </a:p>
+          <a:p>
+            <a:pPr lvl="3"/>
+            <a:r>
+              <a:rPr lang="en-US" smtClean="0"/>
+              <a:t>Fourth level</a:t>
+            </a:r>
+          </a:p>
+          <a:p>
+            <a:pPr lvl="4"/>
+            <a:r>
+              <a:rPr lang="en-US" smtClean="0"/>
+              <a:t>Fifth level</a:t>
+            </a:r>
+            <a:endParaRPr lang="en-US"/>
+          </a:p>
+        </p:txBody>
+      </p:sp>
+      <p:sp>
+        <p:nvSpPr>
+          <p:cNvPr id="4" name="Date Placeholder 3"/>
+          <p:cNvSpPr>
+            <a:spLocks noGrp="1"/>
+          </p:cNvSpPr>
+          <p:nvPr>
+            <p:ph type="dt" sz="half" idx="10"/>
+          </p:nvPr>
+        </p:nvSpPr>
+        <p:spPr/>
+        <p:txBody>
+          <a:bodyPr/>
+          <a:lstStyle/>
+          <a:p>
+            <a:fld id="{916BB7AB-ECA8-EF41-A9E5-AF089D2FA254}" type="datetime1">
+              <a:rPr lang="en-US" smtClean="0"/>
+              <a:t>7/4/16</a:t>
+            </a:fld>
+            <a:endParaRPr lang="en-US"/>
+          </a:p>
+        </p:txBody>
+      </p:sp>
+      <p:sp>
+        <p:nvSpPr>
+          <p:cNvPr id="5" name="Footer Placeholder 4"/>
+          <p:cNvSpPr>
+            <a:spLocks noGrp="1"/>
+          </p:cNvSpPr>
+          <p:nvPr>
+            <p:ph type="ftr" sz="quarter" idx="11"/>
+          </p:nvPr>
+        </p:nvSpPr>
+        <p:spPr/>
+        <p:txBody>
+          <a:bodyPr/>
+          <a:lstStyle/>
+          <a:p>
+            <a:r>
+              <a:rPr lang="en-US" smtClean="0"/>
+              <a:t>© EV3Lessons.com, 2016, (Last edit: 07/04/2016)</a:t>
+            </a:r>
+            <a:endParaRPr lang="en-US"/>
+          </a:p>
+        </p:txBody>
+      </p:sp>
+      <p:sp>
+        <p:nvSpPr>
+          <p:cNvPr id="6" name="Slide Number Placeholder 5"/>
+          <p:cNvSpPr>
+            <a:spLocks noGrp="1"/>
+          </p:cNvSpPr>
+          <p:nvPr>
+            <p:ph type="sldNum" sz="quarter" idx="12"/>
+          </p:nvPr>
+        </p:nvSpPr>
+        <p:spPr>
+          <a:xfrm rot="16200000">
+            <a:off x="8227377" y="5885497"/>
+            <a:ext cx="1315721" cy="365125"/>
+          </a:xfrm>
+          <a:prstGeom prst="rect">
+            <a:avLst/>
+          </a:prstGeom>
+        </p:spPr>
+        <p:txBody>
+          <a:bodyPr/>
+          <a:lstStyle/>
+          <a:p>
+            <a:fld id="{4DBC7FC8-25FB-FC45-8177-2B991DA6778C}" type="slidenum">
+              <a:rPr lang="en-US" smtClean="0"/>
+              <a:t>‹#›</a:t>
+            </a:fld>
+            <a:endParaRPr lang="en-US"/>
+          </a:p>
+        </p:txBody>
+      </p:sp>
+    </p:spTree>
+    <p:extLst>
+      <p:ext uri="{BB962C8B-B14F-4D97-AF65-F5344CB8AC3E}">
+        <p14:creationId xmlns:p14="http://schemas.microsoft.com/office/powerpoint/2010/main" val="1951153715"/>
+      </p:ext>
+    </p:extLst>
+  </p:cSld>
+  <p:clrMapOvr>
+    <a:masterClrMapping/>
+  </p:clrMapOvr>
+</p:sldLayout>
+</file>
+
+<file path=ppt/slideLayouts/slideLayout23.xml><?xml version="1.0" encoding="utf-8"?>
+<p:sldLayout xmlns:a="http://schemas.openxmlformats.org/drawingml/2006/main" xmlns:r="http://schemas.openxmlformats.org/officeDocument/2006/relationships" xmlns:p="http://schemas.openxmlformats.org/presentationml/2006/main" type="title" preserve="1">
+  <p:cSld name="Title Slide">
+    <p:spTree>
+      <p:nvGrpSpPr>
+        <p:cNvPr id="1" name=""/>
+        <p:cNvGrpSpPr/>
+        <p:nvPr/>
+      </p:nvGrpSpPr>
+      <p:grpSpPr>
+        <a:xfrm>
+          <a:off x="0" y="0"/>
+          <a:ext cx="0" cy="0"/>
+          <a:chOff x="0" y="0"/>
+          <a:chExt cx="0" cy="0"/>
+        </a:xfrm>
+      </p:grpSpPr>
+      <p:sp>
+        <p:nvSpPr>
+          <p:cNvPr id="2" name="Title 1"/>
+          <p:cNvSpPr>
+            <a:spLocks noGrp="1"/>
+          </p:cNvSpPr>
+          <p:nvPr>
+            <p:ph type="ctrTitle"/>
+          </p:nvPr>
+        </p:nvSpPr>
+        <p:spPr>
+          <a:xfrm>
+            <a:off x="1143000" y="1122363"/>
+            <a:ext cx="6858000" cy="2387600"/>
+          </a:xfrm>
+        </p:spPr>
+        <p:txBody>
+          <a:bodyPr anchor="b"/>
+          <a:lstStyle>
+            <a:lvl1pPr algn="ctr">
+              <a:defRPr sz="6000"/>
+            </a:lvl1pPr>
+          </a:lstStyle>
+          <a:p>
+            <a:r>
+              <a:rPr lang="en-US" smtClean="0"/>
+              <a:t>Click to edit Master title style</a:t>
+            </a:r>
+            <a:endParaRPr lang="en-US"/>
+          </a:p>
+        </p:txBody>
+      </p:sp>
+      <p:sp>
+        <p:nvSpPr>
+          <p:cNvPr id="3" name="Subtitle 2"/>
+          <p:cNvSpPr>
+            <a:spLocks noGrp="1"/>
+          </p:cNvSpPr>
+          <p:nvPr>
+            <p:ph type="subTitle" idx="1"/>
+          </p:nvPr>
+        </p:nvSpPr>
+        <p:spPr>
+          <a:xfrm>
+            <a:off x="1143000" y="3602038"/>
+            <a:ext cx="6858000" cy="1655762"/>
+          </a:xfrm>
+        </p:spPr>
+        <p:txBody>
+          <a:bodyPr/>
+          <a:lstStyle>
+            <a:lvl1pPr marL="0" indent="0" algn="ctr">
+              <a:buNone/>
+              <a:defRPr sz="2400"/>
+            </a:lvl1pPr>
+            <a:lvl2pPr marL="457200" indent="0" algn="ctr">
+              <a:buNone/>
+              <a:defRPr sz="2000"/>
+            </a:lvl2pPr>
+            <a:lvl3pPr marL="914400" indent="0" algn="ctr">
+              <a:buNone/>
+              <a:defRPr sz="1800"/>
+            </a:lvl3pPr>
+            <a:lvl4pPr marL="1371600" indent="0" algn="ctr">
+              <a:buNone/>
+              <a:defRPr sz="1600"/>
+            </a:lvl4pPr>
+            <a:lvl5pPr marL="1828800" indent="0" algn="ctr">
+              <a:buNone/>
+              <a:defRPr sz="1600"/>
+            </a:lvl5pPr>
+            <a:lvl6pPr marL="2286000" indent="0" algn="ctr">
+              <a:buNone/>
+              <a:defRPr sz="1600"/>
+            </a:lvl6pPr>
+            <a:lvl7pPr marL="2743200" indent="0" algn="ctr">
+              <a:buNone/>
+              <a:defRPr sz="1600"/>
+            </a:lvl7pPr>
+            <a:lvl8pPr marL="3200400" indent="0" algn="ctr">
+              <a:buNone/>
+              <a:defRPr sz="1600"/>
+            </a:lvl8pPr>
+            <a:lvl9pPr marL="3657600" indent="0" algn="ctr">
+              <a:buNone/>
+              <a:defRPr sz="1600"/>
+            </a:lvl9pPr>
+          </a:lstStyle>
+          <a:p>
+            <a:r>
+              <a:rPr lang="en-US" smtClean="0"/>
+              <a:t>Click to edit Master subtitle style</a:t>
+            </a:r>
+            <a:endParaRPr lang="en-US"/>
+          </a:p>
+        </p:txBody>
+      </p:sp>
+      <p:sp>
+        <p:nvSpPr>
+          <p:cNvPr id="4" name="Date Placeholder 3"/>
+          <p:cNvSpPr>
+            <a:spLocks noGrp="1"/>
+          </p:cNvSpPr>
+          <p:nvPr>
+            <p:ph type="dt" sz="half" idx="10"/>
+          </p:nvPr>
+        </p:nvSpPr>
+        <p:spPr/>
+        <p:txBody>
+          <a:bodyPr/>
+          <a:lstStyle/>
+          <a:p>
+            <a:fld id="{7F2406CB-7F88-084C-B206-B0407092DC88}" type="datetime1">
+              <a:rPr lang="en-US" smtClean="0"/>
+              <a:t>7/4/16</a:t>
+            </a:fld>
+            <a:endParaRPr lang="en-US"/>
+          </a:p>
+        </p:txBody>
+      </p:sp>
+      <p:sp>
+        <p:nvSpPr>
+          <p:cNvPr id="5" name="Footer Placeholder 4"/>
+          <p:cNvSpPr>
+            <a:spLocks noGrp="1"/>
+          </p:cNvSpPr>
+          <p:nvPr>
+            <p:ph type="ftr" sz="quarter" idx="11"/>
+          </p:nvPr>
+        </p:nvSpPr>
+        <p:spPr/>
+        <p:txBody>
+          <a:bodyPr/>
+          <a:lstStyle/>
+          <a:p>
+            <a:r>
+              <a:rPr lang="en-US" smtClean="0"/>
+              <a:t>© EV3Lessons.com, 2016, (Last edit: 07/04/2016)</a:t>
+            </a:r>
+            <a:endParaRPr lang="en-US"/>
+          </a:p>
+        </p:txBody>
+      </p:sp>
+      <p:sp>
+        <p:nvSpPr>
+          <p:cNvPr id="6" name="Slide Number Placeholder 5"/>
+          <p:cNvSpPr>
+            <a:spLocks noGrp="1"/>
+          </p:cNvSpPr>
+          <p:nvPr>
+            <p:ph type="sldNum" sz="quarter" idx="12"/>
+          </p:nvPr>
+        </p:nvSpPr>
+        <p:spPr/>
+        <p:txBody>
+          <a:bodyPr/>
+          <a:lstStyle/>
+          <a:p>
+            <a:fld id="{DE42E464-3EB8-43C8-8768-9E2AD4F497B7}" type="slidenum">
+              <a:rPr lang="en-US" smtClean="0"/>
+              <a:t>‹#›</a:t>
+            </a:fld>
+            <a:endParaRPr lang="en-US"/>
+          </a:p>
+        </p:txBody>
+      </p:sp>
+    </p:spTree>
+    <p:extLst>
+      <p:ext uri="{BB962C8B-B14F-4D97-AF65-F5344CB8AC3E}">
+        <p14:creationId xmlns:p14="http://schemas.microsoft.com/office/powerpoint/2010/main" val="2144094414"/>
+      </p:ext>
+    </p:extLst>
+  </p:cSld>
+  <p:clrMapOvr>
+    <a:masterClrMapping/>
+  </p:clrMapOvr>
+</p:sldLayout>
+</file>
+
+<file path=ppt/slideLayouts/slideLayout24.xml><?xml version="1.0" encoding="utf-8"?>
+<p:sldLayout xmlns:a="http://schemas.openxmlformats.org/drawingml/2006/main" xmlns:r="http://schemas.openxmlformats.org/officeDocument/2006/relationships" xmlns:p="http://schemas.openxmlformats.org/presentationml/2006/main" type="obj" preserve="1">
+  <p:cSld name="Title and Content">
+    <p:spTree>
+      <p:nvGrpSpPr>
+        <p:cNvPr id="1" name=""/>
+        <p:cNvGrpSpPr/>
+        <p:nvPr/>
+      </p:nvGrpSpPr>
+      <p:grpSpPr>
+        <a:xfrm>
+          <a:off x="0" y="0"/>
+          <a:ext cx="0" cy="0"/>
+          <a:chOff x="0" y="0"/>
+          <a:chExt cx="0" cy="0"/>
+        </a:xfrm>
+      </p:grpSpPr>
+      <p:sp>
+        <p:nvSpPr>
+          <p:cNvPr id="2" name="Title 1"/>
+          <p:cNvSpPr>
+            <a:spLocks noGrp="1"/>
+          </p:cNvSpPr>
+          <p:nvPr>
+            <p:ph type="title"/>
+          </p:nvPr>
+        </p:nvSpPr>
+        <p:spPr/>
+        <p:txBody>
+          <a:bodyPr/>
+          <a:lstStyle/>
+          <a:p>
+            <a:r>
+              <a:rPr lang="en-US" smtClean="0"/>
+              <a:t>Click to edit Master title style</a:t>
+            </a:r>
+            <a:endParaRPr lang="en-US"/>
+          </a:p>
+        </p:txBody>
+      </p:sp>
+      <p:sp>
+        <p:nvSpPr>
+          <p:cNvPr id="3" name="Content Placeholder 2"/>
+          <p:cNvSpPr>
+            <a:spLocks noGrp="1"/>
+          </p:cNvSpPr>
+          <p:nvPr>
+            <p:ph idx="1"/>
+          </p:nvPr>
+        </p:nvSpPr>
+        <p:spPr/>
+        <p:txBody>
+          <a:bodyPr/>
+          <a:lstStyle/>
+          <a:p>
+            <a:pPr lvl="0"/>
+            <a:r>
+              <a:rPr lang="en-US" smtClean="0"/>
+              <a:t>Click to edit Master text styles</a:t>
+            </a:r>
+          </a:p>
+          <a:p>
+            <a:pPr lvl="1"/>
+            <a:r>
+              <a:rPr lang="en-US" smtClean="0"/>
+              <a:t>Second level</a:t>
+            </a:r>
+          </a:p>
+          <a:p>
+            <a:pPr lvl="2"/>
+            <a:r>
+              <a:rPr lang="en-US" smtClean="0"/>
+              <a:t>Third level</a:t>
+            </a:r>
+          </a:p>
+          <a:p>
+            <a:pPr lvl="3"/>
+            <a:r>
+              <a:rPr lang="en-US" smtClean="0"/>
+              <a:t>Fourth level</a:t>
+            </a:r>
+          </a:p>
+          <a:p>
+            <a:pPr lvl="4"/>
+            <a:r>
+              <a:rPr lang="en-US" smtClean="0"/>
+              <a:t>Fifth level</a:t>
+            </a:r>
+            <a:endParaRPr lang="en-US"/>
+          </a:p>
+        </p:txBody>
+      </p:sp>
+      <p:sp>
+        <p:nvSpPr>
+          <p:cNvPr id="4" name="Date Placeholder 3"/>
+          <p:cNvSpPr>
+            <a:spLocks noGrp="1"/>
+          </p:cNvSpPr>
+          <p:nvPr>
+            <p:ph type="dt" sz="half" idx="10"/>
+          </p:nvPr>
+        </p:nvSpPr>
+        <p:spPr/>
+        <p:txBody>
+          <a:bodyPr/>
+          <a:lstStyle/>
+          <a:p>
+            <a:fld id="{3B28BAE3-BA90-A141-9E23-B58099BC19F3}" type="datetime1">
+              <a:rPr lang="en-US" smtClean="0"/>
+              <a:t>7/4/16</a:t>
+            </a:fld>
+            <a:endParaRPr lang="en-US"/>
+          </a:p>
+        </p:txBody>
+      </p:sp>
+      <p:sp>
+        <p:nvSpPr>
+          <p:cNvPr id="5" name="Footer Placeholder 4"/>
+          <p:cNvSpPr>
+            <a:spLocks noGrp="1"/>
+          </p:cNvSpPr>
+          <p:nvPr>
+            <p:ph type="ftr" sz="quarter" idx="11"/>
+          </p:nvPr>
+        </p:nvSpPr>
+        <p:spPr/>
+        <p:txBody>
+          <a:bodyPr/>
+          <a:lstStyle/>
+          <a:p>
+            <a:r>
+              <a:rPr lang="en-US" smtClean="0"/>
+              <a:t>© EV3Lessons.com, 2016, (Last edit: 07/04/2016)</a:t>
+            </a:r>
+            <a:endParaRPr lang="en-US"/>
+          </a:p>
+        </p:txBody>
+      </p:sp>
+      <p:sp>
+        <p:nvSpPr>
+          <p:cNvPr id="6" name="Slide Number Placeholder 5"/>
+          <p:cNvSpPr>
+            <a:spLocks noGrp="1"/>
+          </p:cNvSpPr>
+          <p:nvPr>
+            <p:ph type="sldNum" sz="quarter" idx="12"/>
+          </p:nvPr>
+        </p:nvSpPr>
+        <p:spPr/>
+        <p:txBody>
+          <a:bodyPr/>
+          <a:lstStyle/>
+          <a:p>
+            <a:fld id="{DE42E464-3EB8-43C8-8768-9E2AD4F497B7}" type="slidenum">
+              <a:rPr lang="en-US" smtClean="0"/>
+              <a:t>‹#›</a:t>
+            </a:fld>
+            <a:endParaRPr lang="en-US"/>
+          </a:p>
+        </p:txBody>
+      </p:sp>
+    </p:spTree>
+    <p:extLst>
+      <p:ext uri="{BB962C8B-B14F-4D97-AF65-F5344CB8AC3E}">
+        <p14:creationId xmlns:p14="http://schemas.microsoft.com/office/powerpoint/2010/main" val="1019219438"/>
+      </p:ext>
+    </p:extLst>
+  </p:cSld>
+  <p:clrMapOvr>
+    <a:masterClrMapping/>
+  </p:clrMapOvr>
+</p:sldLayout>
+</file>
+
+<file path=ppt/slideLayouts/slideLayout25.xml><?xml version="1.0" encoding="utf-8"?>
+<p:sldLayout xmlns:a="http://schemas.openxmlformats.org/drawingml/2006/main" xmlns:r="http://schemas.openxmlformats.org/officeDocument/2006/relationships" xmlns:p="http://schemas.openxmlformats.org/presentationml/2006/main" type="secHead" preserve="1">
+  <p:cSld name="Section Header">
+    <p:spTree>
+      <p:nvGrpSpPr>
+        <p:cNvPr id="1" name=""/>
+        <p:cNvGrpSpPr/>
+        <p:nvPr/>
+      </p:nvGrpSpPr>
+      <p:grpSpPr>
+        <a:xfrm>
+          <a:off x="0" y="0"/>
+          <a:ext cx="0" cy="0"/>
+          <a:chOff x="0" y="0"/>
+          <a:chExt cx="0" cy="0"/>
+        </a:xfrm>
+      </p:grpSpPr>
+      <p:sp>
+        <p:nvSpPr>
+          <p:cNvPr id="2" name="Title 1"/>
+          <p:cNvSpPr>
+            <a:spLocks noGrp="1"/>
+          </p:cNvSpPr>
+          <p:nvPr>
+            <p:ph type="title"/>
+          </p:nvPr>
+        </p:nvSpPr>
+        <p:spPr>
+          <a:xfrm>
+            <a:off x="623888" y="1709738"/>
+            <a:ext cx="7886700" cy="2852737"/>
+          </a:xfrm>
+        </p:spPr>
+        <p:txBody>
+          <a:bodyPr anchor="b"/>
+          <a:lstStyle>
+            <a:lvl1pPr>
+              <a:defRPr sz="6000"/>
+            </a:lvl1pPr>
+          </a:lstStyle>
+          <a:p>
+            <a:r>
+              <a:rPr lang="en-US" smtClean="0"/>
+              <a:t>Click to edit Master title style</a:t>
+            </a:r>
+            <a:endParaRPr lang="en-US"/>
+          </a:p>
+        </p:txBody>
+      </p:sp>
+      <p:sp>
+        <p:nvSpPr>
+          <p:cNvPr id="3" name="Text Placeholder 2"/>
+          <p:cNvSpPr>
+            <a:spLocks noGrp="1"/>
+          </p:cNvSpPr>
+          <p:nvPr>
+            <p:ph type="body" idx="1"/>
+          </p:nvPr>
+        </p:nvSpPr>
+        <p:spPr>
+          <a:xfrm>
+            <a:off x="623888" y="4589463"/>
+            <a:ext cx="7886700" cy="1500187"/>
+          </a:xfrm>
+        </p:spPr>
+        <p:txBody>
+          <a:bodyPr/>
+          <a:lstStyle>
+            <a:lvl1pPr marL="0" indent="0">
+              <a:buNone/>
+              <a:defRPr sz="2400">
+                <a:solidFill>
+                  <a:schemeClr val="tx1">
+                    <a:tint val="75000"/>
+                  </a:schemeClr>
+                </a:solidFill>
+              </a:defRPr>
+            </a:lvl1pPr>
+            <a:lvl2pPr marL="457200" indent="0">
+              <a:buNone/>
+              <a:defRPr sz="2000">
+                <a:solidFill>
+                  <a:schemeClr val="tx1">
+                    <a:tint val="75000"/>
+                  </a:schemeClr>
+                </a:solidFill>
+              </a:defRPr>
+            </a:lvl2pPr>
+            <a:lvl3pPr marL="914400" indent="0">
+              <a:buNone/>
+              <a:defRPr sz="1800">
+                <a:solidFill>
+                  <a:schemeClr val="tx1">
+                    <a:tint val="75000"/>
+                  </a:schemeClr>
+                </a:solidFill>
+              </a:defRPr>
+            </a:lvl3pPr>
+            <a:lvl4pPr marL="1371600" indent="0">
+              <a:buNone/>
+              <a:defRPr sz="1600">
+                <a:solidFill>
+                  <a:schemeClr val="tx1">
+                    <a:tint val="75000"/>
+                  </a:schemeClr>
+                </a:solidFill>
+              </a:defRPr>
+            </a:lvl4pPr>
+            <a:lvl5pPr marL="1828800" indent="0">
+              <a:buNone/>
+              <a:defRPr sz="1600">
+                <a:solidFill>
+                  <a:schemeClr val="tx1">
+                    <a:tint val="75000"/>
+                  </a:schemeClr>
+                </a:solidFill>
+              </a:defRPr>
+            </a:lvl5pPr>
+            <a:lvl6pPr marL="2286000" indent="0">
+              <a:buNone/>
+              <a:defRPr sz="1600">
+                <a:solidFill>
+                  <a:schemeClr val="tx1">
+                    <a:tint val="75000"/>
+                  </a:schemeClr>
+                </a:solidFill>
+              </a:defRPr>
+            </a:lvl6pPr>
+            <a:lvl7pPr marL="2743200" indent="0">
+              <a:buNone/>
+              <a:defRPr sz="1600">
+                <a:solidFill>
+                  <a:schemeClr val="tx1">
+                    <a:tint val="75000"/>
+                  </a:schemeClr>
+                </a:solidFill>
+              </a:defRPr>
+            </a:lvl7pPr>
+            <a:lvl8pPr marL="3200400" indent="0">
+              <a:buNone/>
+              <a:defRPr sz="1600">
+                <a:solidFill>
+                  <a:schemeClr val="tx1">
+                    <a:tint val="75000"/>
+                  </a:schemeClr>
+                </a:solidFill>
+              </a:defRPr>
+            </a:lvl8pPr>
+            <a:lvl9pPr marL="3657600" indent="0">
+              <a:buNone/>
+              <a:defRPr sz="1600">
+                <a:solidFill>
+                  <a:schemeClr val="tx1">
+                    <a:tint val="75000"/>
+                  </a:schemeClr>
+                </a:solidFill>
+              </a:defRPr>
+            </a:lvl9pPr>
+          </a:lstStyle>
+          <a:p>
+            <a:pPr lvl="0"/>
+            <a:r>
+              <a:rPr lang="en-US" smtClean="0"/>
+              <a:t>Click to edit Master text styles</a:t>
+            </a:r>
+          </a:p>
+        </p:txBody>
+      </p:sp>
+      <p:sp>
+        <p:nvSpPr>
+          <p:cNvPr id="4" name="Date Placeholder 3"/>
+          <p:cNvSpPr>
+            <a:spLocks noGrp="1"/>
+          </p:cNvSpPr>
+          <p:nvPr>
+            <p:ph type="dt" sz="half" idx="10"/>
+          </p:nvPr>
+        </p:nvSpPr>
+        <p:spPr/>
+        <p:txBody>
+          <a:bodyPr/>
+          <a:lstStyle/>
+          <a:p>
+            <a:fld id="{202617FF-01C3-DD44-901F-556AF1D362CE}" type="datetime1">
+              <a:rPr lang="en-US" smtClean="0"/>
+              <a:t>7/4/16</a:t>
+            </a:fld>
+            <a:endParaRPr lang="en-US"/>
+          </a:p>
+        </p:txBody>
+      </p:sp>
+      <p:sp>
+        <p:nvSpPr>
+          <p:cNvPr id="5" name="Footer Placeholder 4"/>
+          <p:cNvSpPr>
+            <a:spLocks noGrp="1"/>
+          </p:cNvSpPr>
+          <p:nvPr>
+            <p:ph type="ftr" sz="quarter" idx="11"/>
+          </p:nvPr>
+        </p:nvSpPr>
+        <p:spPr/>
+        <p:txBody>
+          <a:bodyPr/>
+          <a:lstStyle/>
+          <a:p>
+            <a:r>
+              <a:rPr lang="en-US" smtClean="0"/>
+              <a:t>© EV3Lessons.com, 2016, (Last edit: 07/04/2016)</a:t>
+            </a:r>
+            <a:endParaRPr lang="en-US"/>
+          </a:p>
+        </p:txBody>
+      </p:sp>
+      <p:sp>
+        <p:nvSpPr>
+          <p:cNvPr id="6" name="Slide Number Placeholder 5"/>
+          <p:cNvSpPr>
+            <a:spLocks noGrp="1"/>
+          </p:cNvSpPr>
+          <p:nvPr>
+            <p:ph type="sldNum" sz="quarter" idx="12"/>
+          </p:nvPr>
+        </p:nvSpPr>
+        <p:spPr/>
+        <p:txBody>
+          <a:bodyPr/>
+          <a:lstStyle/>
+          <a:p>
+            <a:fld id="{DE42E464-3EB8-43C8-8768-9E2AD4F497B7}" type="slidenum">
+              <a:rPr lang="en-US" smtClean="0"/>
+              <a:t>‹#›</a:t>
+            </a:fld>
+            <a:endParaRPr lang="en-US"/>
+          </a:p>
+        </p:txBody>
+      </p:sp>
+    </p:spTree>
+    <p:extLst>
+      <p:ext uri="{BB962C8B-B14F-4D97-AF65-F5344CB8AC3E}">
+        <p14:creationId xmlns:p14="http://schemas.microsoft.com/office/powerpoint/2010/main" val="1691525994"/>
+      </p:ext>
+    </p:extLst>
+  </p:cSld>
+  <p:clrMapOvr>
+    <a:masterClrMapping/>
+  </p:clrMapOvr>
+</p:sldLayout>
+</file>
+
+<file path=ppt/slideLayouts/slideLayout26.xml><?xml version="1.0" encoding="utf-8"?>
+<p:sldLayout xmlns:a="http://schemas.openxmlformats.org/drawingml/2006/main" xmlns:r="http://schemas.openxmlformats.org/officeDocument/2006/relationships" xmlns:p="http://schemas.openxmlformats.org/presentationml/2006/main" type="twoObj" preserve="1">
+  <p:cSld name="Two Content">
+    <p:spTree>
+      <p:nvGrpSpPr>
+        <p:cNvPr id="1" name=""/>
+        <p:cNvGrpSpPr/>
+        <p:nvPr/>
+      </p:nvGrpSpPr>
+      <p:grpSpPr>
+        <a:xfrm>
+          <a:off x="0" y="0"/>
+          <a:ext cx="0" cy="0"/>
+          <a:chOff x="0" y="0"/>
+          <a:chExt cx="0" cy="0"/>
+        </a:xfrm>
+      </p:grpSpPr>
+      <p:sp>
+        <p:nvSpPr>
+          <p:cNvPr id="2" name="Title 1"/>
+          <p:cNvSpPr>
+            <a:spLocks noGrp="1"/>
+          </p:cNvSpPr>
+          <p:nvPr>
+            <p:ph type="title"/>
+          </p:nvPr>
+        </p:nvSpPr>
+        <p:spPr/>
+        <p:txBody>
+          <a:bodyPr/>
+          <a:lstStyle/>
+          <a:p>
+            <a:r>
+              <a:rPr lang="en-US" smtClean="0"/>
+              <a:t>Click to edit Master title style</a:t>
+            </a:r>
+            <a:endParaRPr lang="en-US"/>
+          </a:p>
+        </p:txBody>
+      </p:sp>
+      <p:sp>
+        <p:nvSpPr>
+          <p:cNvPr id="3" name="Content Placeholder 2"/>
+          <p:cNvSpPr>
+            <a:spLocks noGrp="1"/>
+          </p:cNvSpPr>
+          <p:nvPr>
+            <p:ph sz="half" idx="1"/>
+          </p:nvPr>
+        </p:nvSpPr>
+        <p:spPr>
+          <a:xfrm>
+            <a:off x="628650" y="1825625"/>
+            <a:ext cx="3867150" cy="4351338"/>
+          </a:xfrm>
+        </p:spPr>
+        <p:txBody>
+          <a:bodyPr/>
+          <a:lstStyle/>
+          <a:p>
+            <a:pPr lvl="0"/>
+            <a:r>
+              <a:rPr lang="en-US" smtClean="0"/>
+              <a:t>Click to edit Master text styles</a:t>
+            </a:r>
+          </a:p>
+          <a:p>
+            <a:pPr lvl="1"/>
+            <a:r>
+              <a:rPr lang="en-US" smtClean="0"/>
+              <a:t>Second level</a:t>
+            </a:r>
+          </a:p>
+          <a:p>
+            <a:pPr lvl="2"/>
+            <a:r>
+              <a:rPr lang="en-US" smtClean="0"/>
+              <a:t>Third level</a:t>
+            </a:r>
+          </a:p>
+          <a:p>
+            <a:pPr lvl="3"/>
+            <a:r>
+              <a:rPr lang="en-US" smtClean="0"/>
+              <a:t>Fourth level</a:t>
+            </a:r>
+          </a:p>
+          <a:p>
+            <a:pPr lvl="4"/>
+            <a:r>
+              <a:rPr lang="en-US" smtClean="0"/>
+              <a:t>Fifth level</a:t>
+            </a:r>
+            <a:endParaRPr lang="en-US"/>
+          </a:p>
+        </p:txBody>
+      </p:sp>
+      <p:sp>
+        <p:nvSpPr>
+          <p:cNvPr id="4" name="Content Placeholder 3"/>
+          <p:cNvSpPr>
+            <a:spLocks noGrp="1"/>
+          </p:cNvSpPr>
+          <p:nvPr>
+            <p:ph sz="half" idx="2"/>
+          </p:nvPr>
+        </p:nvSpPr>
+        <p:spPr>
+          <a:xfrm>
+            <a:off x="4648200" y="1825625"/>
+            <a:ext cx="3867150" cy="4351338"/>
+          </a:xfrm>
+        </p:spPr>
+        <p:txBody>
+          <a:bodyPr/>
+          <a:lstStyle/>
+          <a:p>
+            <a:pPr lvl="0"/>
+            <a:r>
+              <a:rPr lang="en-US" smtClean="0"/>
+              <a:t>Click to edit Master text styles</a:t>
+            </a:r>
+          </a:p>
+          <a:p>
+            <a:pPr lvl="1"/>
+            <a:r>
+              <a:rPr lang="en-US" smtClean="0"/>
+              <a:t>Second level</a:t>
+            </a:r>
+          </a:p>
+          <a:p>
+            <a:pPr lvl="2"/>
+            <a:r>
+              <a:rPr lang="en-US" smtClean="0"/>
+              <a:t>Third level</a:t>
+            </a:r>
+          </a:p>
+          <a:p>
+            <a:pPr lvl="3"/>
+            <a:r>
+              <a:rPr lang="en-US" smtClean="0"/>
+              <a:t>Fourth level</a:t>
+            </a:r>
+          </a:p>
+          <a:p>
+            <a:pPr lvl="4"/>
+            <a:r>
+              <a:rPr lang="en-US" smtClean="0"/>
+              <a:t>Fifth level</a:t>
+            </a:r>
+            <a:endParaRPr lang="en-US"/>
+          </a:p>
+        </p:txBody>
+      </p:sp>
+      <p:sp>
+        <p:nvSpPr>
+          <p:cNvPr id="5" name="Date Placeholder 4"/>
+          <p:cNvSpPr>
+            <a:spLocks noGrp="1"/>
+          </p:cNvSpPr>
+          <p:nvPr>
+            <p:ph type="dt" sz="half" idx="10"/>
+          </p:nvPr>
+        </p:nvSpPr>
+        <p:spPr/>
+        <p:txBody>
+          <a:bodyPr/>
+          <a:lstStyle/>
+          <a:p>
+            <a:fld id="{B841F9E6-BC6D-AC45-8CDF-777BD81ECC08}" type="datetime1">
+              <a:rPr lang="en-US" smtClean="0"/>
+              <a:t>7/4/16</a:t>
+            </a:fld>
+            <a:endParaRPr lang="en-US"/>
+          </a:p>
+        </p:txBody>
+      </p:sp>
+      <p:sp>
+        <p:nvSpPr>
+          <p:cNvPr id="6" name="Footer Placeholder 5"/>
+          <p:cNvSpPr>
+            <a:spLocks noGrp="1"/>
+          </p:cNvSpPr>
+          <p:nvPr>
+            <p:ph type="ftr" sz="quarter" idx="11"/>
+          </p:nvPr>
+        </p:nvSpPr>
+        <p:spPr/>
+        <p:txBody>
+          <a:bodyPr/>
+          <a:lstStyle/>
+          <a:p>
+            <a:r>
+              <a:rPr lang="en-US" smtClean="0"/>
+              <a:t>© EV3Lessons.com, 2016, (Last edit: 07/04/2016)</a:t>
+            </a:r>
+            <a:endParaRPr lang="en-US"/>
+          </a:p>
+        </p:txBody>
+      </p:sp>
+      <p:sp>
+        <p:nvSpPr>
+          <p:cNvPr id="7" name="Slide Number Placeholder 6"/>
+          <p:cNvSpPr>
+            <a:spLocks noGrp="1"/>
+          </p:cNvSpPr>
+          <p:nvPr>
+            <p:ph type="sldNum" sz="quarter" idx="12"/>
+          </p:nvPr>
+        </p:nvSpPr>
+        <p:spPr/>
+        <p:txBody>
+          <a:bodyPr/>
+          <a:lstStyle/>
+          <a:p>
+            <a:fld id="{DE42E464-3EB8-43C8-8768-9E2AD4F497B7}" type="slidenum">
+              <a:rPr lang="en-US" smtClean="0"/>
+              <a:t>‹#›</a:t>
+            </a:fld>
+            <a:endParaRPr lang="en-US"/>
+          </a:p>
+        </p:txBody>
+      </p:sp>
+    </p:spTree>
+    <p:extLst>
+      <p:ext uri="{BB962C8B-B14F-4D97-AF65-F5344CB8AC3E}">
+        <p14:creationId xmlns:p14="http://schemas.microsoft.com/office/powerpoint/2010/main" val="1088862172"/>
+      </p:ext>
+    </p:extLst>
+  </p:cSld>
+  <p:clrMapOvr>
+    <a:masterClrMapping/>
+  </p:clrMapOvr>
+</p:sldLayout>
+</file>
+
+<file path=ppt/slideLayouts/slideLayout27.xml><?xml version="1.0" encoding="utf-8"?>
+<p:sldLayout xmlns:a="http://schemas.openxmlformats.org/drawingml/2006/main" xmlns:r="http://schemas.openxmlformats.org/officeDocument/2006/relationships" xmlns:p="http://schemas.openxmlformats.org/presentationml/2006/main" type="twoTxTwoObj" preserve="1">
+  <p:cSld name="Comparison">
+    <p:spTree>
+      <p:nvGrpSpPr>
+        <p:cNvPr id="1" name=""/>
+        <p:cNvGrpSpPr/>
+        <p:nvPr/>
+      </p:nvGrpSpPr>
+      <p:grpSpPr>
+        <a:xfrm>
+          <a:off x="0" y="0"/>
+          <a:ext cx="0" cy="0"/>
+          <a:chOff x="0" y="0"/>
+          <a:chExt cx="0" cy="0"/>
+        </a:xfrm>
+      </p:grpSpPr>
+      <p:sp>
+        <p:nvSpPr>
+          <p:cNvPr id="2" name="Title 1"/>
+          <p:cNvSpPr>
+            <a:spLocks noGrp="1"/>
+          </p:cNvSpPr>
+          <p:nvPr>
+            <p:ph type="title"/>
+          </p:nvPr>
+        </p:nvSpPr>
+        <p:spPr>
+          <a:xfrm>
+            <a:off x="630238" y="365125"/>
+            <a:ext cx="7886700" cy="1325563"/>
+          </a:xfrm>
+        </p:spPr>
+        <p:txBody>
+          <a:bodyPr/>
+          <a:lstStyle/>
+          <a:p>
+            <a:r>
+              <a:rPr lang="en-US" smtClean="0"/>
+              <a:t>Click to edit Master title style</a:t>
+            </a:r>
+            <a:endParaRPr lang="en-US"/>
+          </a:p>
+        </p:txBody>
+      </p:sp>
+      <p:sp>
+        <p:nvSpPr>
+          <p:cNvPr id="3" name="Text Placeholder 2"/>
+          <p:cNvSpPr>
+            <a:spLocks noGrp="1"/>
+          </p:cNvSpPr>
+          <p:nvPr>
+            <p:ph type="body" idx="1"/>
+          </p:nvPr>
+        </p:nvSpPr>
+        <p:spPr>
+          <a:xfrm>
+            <a:off x="630238" y="1681163"/>
+            <a:ext cx="3868737" cy="823912"/>
+          </a:xfrm>
+        </p:spPr>
+        <p:txBody>
+          <a:bodyPr anchor="b"/>
+          <a:lstStyle>
+            <a:lvl1pPr marL="0" indent="0">
+              <a:buNone/>
+              <a:defRPr sz="2400" b="1"/>
+            </a:lvl1pPr>
+            <a:lvl2pPr marL="457200" indent="0">
+              <a:buNone/>
+              <a:defRPr sz="2000" b="1"/>
+            </a:lvl2pPr>
+            <a:lvl3pPr marL="914400" indent="0">
+              <a:buNone/>
+              <a:defRPr sz="1800" b="1"/>
+            </a:lvl3pPr>
+            <a:lvl4pPr marL="1371600" indent="0">
+              <a:buNone/>
+              <a:defRPr sz="1600" b="1"/>
+            </a:lvl4pPr>
+            <a:lvl5pPr marL="1828800" indent="0">
+              <a:buNone/>
+              <a:defRPr sz="1600" b="1"/>
+            </a:lvl5pPr>
+            <a:lvl6pPr marL="2286000" indent="0">
+              <a:buNone/>
+              <a:defRPr sz="1600" b="1"/>
+            </a:lvl6pPr>
+            <a:lvl7pPr marL="2743200" indent="0">
+              <a:buNone/>
+              <a:defRPr sz="1600" b="1"/>
+            </a:lvl7pPr>
+            <a:lvl8pPr marL="3200400" indent="0">
+              <a:buNone/>
+              <a:defRPr sz="1600" b="1"/>
+            </a:lvl8pPr>
+            <a:lvl9pPr marL="3657600" indent="0">
+              <a:buNone/>
+              <a:defRPr sz="1600" b="1"/>
+            </a:lvl9pPr>
+          </a:lstStyle>
+          <a:p>
+            <a:pPr lvl="0"/>
+            <a:r>
+              <a:rPr lang="en-US" smtClean="0"/>
+              <a:t>Click to edit Master text styles</a:t>
+            </a:r>
+          </a:p>
+        </p:txBody>
+      </p:sp>
+      <p:sp>
+        <p:nvSpPr>
+          <p:cNvPr id="4" name="Content Placeholder 3"/>
+          <p:cNvSpPr>
+            <a:spLocks noGrp="1"/>
+          </p:cNvSpPr>
+          <p:nvPr>
+            <p:ph sz="half" idx="2"/>
+          </p:nvPr>
+        </p:nvSpPr>
+        <p:spPr>
+          <a:xfrm>
+            <a:off x="630238" y="2505075"/>
+            <a:ext cx="3868737" cy="3684588"/>
+          </a:xfrm>
+        </p:spPr>
+        <p:txBody>
+          <a:bodyPr/>
+          <a:lstStyle/>
+          <a:p>
+            <a:pPr lvl="0"/>
+            <a:r>
+              <a:rPr lang="en-US" smtClean="0"/>
+              <a:t>Click to edit Master text styles</a:t>
+            </a:r>
+          </a:p>
+          <a:p>
+            <a:pPr lvl="1"/>
+            <a:r>
+              <a:rPr lang="en-US" smtClean="0"/>
+              <a:t>Second level</a:t>
+            </a:r>
+          </a:p>
+          <a:p>
+            <a:pPr lvl="2"/>
+            <a:r>
+              <a:rPr lang="en-US" smtClean="0"/>
+              <a:t>Third level</a:t>
+            </a:r>
+          </a:p>
+          <a:p>
+            <a:pPr lvl="3"/>
+            <a:r>
+              <a:rPr lang="en-US" smtClean="0"/>
+              <a:t>Fourth level</a:t>
+            </a:r>
+          </a:p>
+          <a:p>
+            <a:pPr lvl="4"/>
+            <a:r>
+              <a:rPr lang="en-US" smtClean="0"/>
+              <a:t>Fifth level</a:t>
+            </a:r>
+            <a:endParaRPr lang="en-US"/>
+          </a:p>
+        </p:txBody>
+      </p:sp>
+      <p:sp>
+        <p:nvSpPr>
+          <p:cNvPr id="5" name="Text Placeholder 4"/>
+          <p:cNvSpPr>
+            <a:spLocks noGrp="1"/>
+          </p:cNvSpPr>
+          <p:nvPr>
+            <p:ph type="body" sz="quarter" idx="3"/>
+          </p:nvPr>
+        </p:nvSpPr>
+        <p:spPr>
+          <a:xfrm>
+            <a:off x="4629150" y="1681163"/>
+            <a:ext cx="3887788" cy="823912"/>
+          </a:xfrm>
+        </p:spPr>
+        <p:txBody>
+          <a:bodyPr anchor="b"/>
+          <a:lstStyle>
+            <a:lvl1pPr marL="0" indent="0">
+              <a:buNone/>
+              <a:defRPr sz="2400" b="1"/>
+            </a:lvl1pPr>
+            <a:lvl2pPr marL="457200" indent="0">
+              <a:buNone/>
+              <a:defRPr sz="2000" b="1"/>
+            </a:lvl2pPr>
+            <a:lvl3pPr marL="914400" indent="0">
+              <a:buNone/>
+              <a:defRPr sz="1800" b="1"/>
+            </a:lvl3pPr>
+            <a:lvl4pPr marL="1371600" indent="0">
+              <a:buNone/>
+              <a:defRPr sz="1600" b="1"/>
+            </a:lvl4pPr>
+            <a:lvl5pPr marL="1828800" indent="0">
+              <a:buNone/>
+              <a:defRPr sz="1600" b="1"/>
+            </a:lvl5pPr>
+            <a:lvl6pPr marL="2286000" indent="0">
+              <a:buNone/>
+              <a:defRPr sz="1600" b="1"/>
+            </a:lvl6pPr>
+            <a:lvl7pPr marL="2743200" indent="0">
+              <a:buNone/>
+              <a:defRPr sz="1600" b="1"/>
+            </a:lvl7pPr>
+            <a:lvl8pPr marL="3200400" indent="0">
+              <a:buNone/>
+              <a:defRPr sz="1600" b="1"/>
+            </a:lvl8pPr>
+            <a:lvl9pPr marL="3657600" indent="0">
+              <a:buNone/>
+              <a:defRPr sz="1600" b="1"/>
+            </a:lvl9pPr>
+          </a:lstStyle>
+          <a:p>
+            <a:pPr lvl="0"/>
+            <a:r>
+              <a:rPr lang="en-US" smtClean="0"/>
+              <a:t>Click to edit Master text styles</a:t>
+            </a:r>
+          </a:p>
+        </p:txBody>
+      </p:sp>
+      <p:sp>
+        <p:nvSpPr>
+          <p:cNvPr id="6" name="Content Placeholder 5"/>
+          <p:cNvSpPr>
+            <a:spLocks noGrp="1"/>
+          </p:cNvSpPr>
+          <p:nvPr>
+            <p:ph sz="quarter" idx="4"/>
+          </p:nvPr>
+        </p:nvSpPr>
+        <p:spPr>
+          <a:xfrm>
+            <a:off x="4629150" y="2505075"/>
+            <a:ext cx="3887788" cy="3684588"/>
+          </a:xfrm>
+        </p:spPr>
+        <p:txBody>
+          <a:bodyPr/>
+          <a:lstStyle/>
+          <a:p>
+            <a:pPr lvl="0"/>
+            <a:r>
+              <a:rPr lang="en-US" smtClean="0"/>
+              <a:t>Click to edit Master text styles</a:t>
+            </a:r>
+          </a:p>
+          <a:p>
+            <a:pPr lvl="1"/>
+            <a:r>
+              <a:rPr lang="en-US" smtClean="0"/>
+              <a:t>Second level</a:t>
+            </a:r>
+          </a:p>
+          <a:p>
+            <a:pPr lvl="2"/>
+            <a:r>
+              <a:rPr lang="en-US" smtClean="0"/>
+              <a:t>Third level</a:t>
+            </a:r>
+          </a:p>
+          <a:p>
+            <a:pPr lvl="3"/>
+            <a:r>
+              <a:rPr lang="en-US" smtClean="0"/>
+              <a:t>Fourth level</a:t>
+            </a:r>
+          </a:p>
+          <a:p>
+            <a:pPr lvl="4"/>
+            <a:r>
+              <a:rPr lang="en-US" smtClean="0"/>
+              <a:t>Fifth level</a:t>
+            </a:r>
+            <a:endParaRPr lang="en-US"/>
+          </a:p>
+        </p:txBody>
+      </p:sp>
+      <p:sp>
+        <p:nvSpPr>
+          <p:cNvPr id="7" name="Date Placeholder 6"/>
+          <p:cNvSpPr>
+            <a:spLocks noGrp="1"/>
+          </p:cNvSpPr>
+          <p:nvPr>
+            <p:ph type="dt" sz="half" idx="10"/>
+          </p:nvPr>
+        </p:nvSpPr>
+        <p:spPr/>
+        <p:txBody>
+          <a:bodyPr/>
+          <a:lstStyle/>
+          <a:p>
+            <a:fld id="{D0DA1B42-C292-8842-82CD-C4D2F821CE5F}" type="datetime1">
+              <a:rPr lang="en-US" smtClean="0"/>
+              <a:t>7/4/16</a:t>
+            </a:fld>
+            <a:endParaRPr lang="en-US"/>
+          </a:p>
+        </p:txBody>
+      </p:sp>
+      <p:sp>
+        <p:nvSpPr>
+          <p:cNvPr id="8" name="Footer Placeholder 7"/>
+          <p:cNvSpPr>
+            <a:spLocks noGrp="1"/>
+          </p:cNvSpPr>
+          <p:nvPr>
+            <p:ph type="ftr" sz="quarter" idx="11"/>
+          </p:nvPr>
+        </p:nvSpPr>
+        <p:spPr/>
+        <p:txBody>
+          <a:bodyPr/>
+          <a:lstStyle/>
+          <a:p>
+            <a:r>
+              <a:rPr lang="en-US" smtClean="0"/>
+              <a:t>© EV3Lessons.com, 2016, (Last edit: 07/04/2016)</a:t>
+            </a:r>
+            <a:endParaRPr lang="en-US"/>
+          </a:p>
+        </p:txBody>
+      </p:sp>
+      <p:sp>
+        <p:nvSpPr>
+          <p:cNvPr id="9" name="Slide Number Placeholder 8"/>
+          <p:cNvSpPr>
+            <a:spLocks noGrp="1"/>
+          </p:cNvSpPr>
+          <p:nvPr>
+            <p:ph type="sldNum" sz="quarter" idx="12"/>
+          </p:nvPr>
+        </p:nvSpPr>
+        <p:spPr/>
+        <p:txBody>
+          <a:bodyPr/>
+          <a:lstStyle/>
+          <a:p>
+            <a:fld id="{DE42E464-3EB8-43C8-8768-9E2AD4F497B7}" type="slidenum">
+              <a:rPr lang="en-US" smtClean="0"/>
+              <a:t>‹#›</a:t>
+            </a:fld>
+            <a:endParaRPr lang="en-US"/>
+          </a:p>
+        </p:txBody>
+      </p:sp>
+    </p:spTree>
+    <p:extLst>
+      <p:ext uri="{BB962C8B-B14F-4D97-AF65-F5344CB8AC3E}">
+        <p14:creationId xmlns:p14="http://schemas.microsoft.com/office/powerpoint/2010/main" val="1798368717"/>
+      </p:ext>
+    </p:extLst>
+  </p:cSld>
+  <p:clrMapOvr>
+    <a:masterClrMapping/>
+  </p:clrMapOvr>
+</p:sldLayout>
+</file>
+
+<file path=ppt/slideLayouts/slideLayout28.xml><?xml version="1.0" encoding="utf-8"?>
+<p:sldLayout xmlns:a="http://schemas.openxmlformats.org/drawingml/2006/main" xmlns:r="http://schemas.openxmlformats.org/officeDocument/2006/relationships" xmlns:p="http://schemas.openxmlformats.org/presentationml/2006/main" type="titleOnly" preserve="1">
+  <p:cSld name="Title Only">
+    <p:spTree>
+      <p:nvGrpSpPr>
+        <p:cNvPr id="1" name=""/>
+        <p:cNvGrpSpPr/>
+        <p:nvPr/>
+      </p:nvGrpSpPr>
+      <p:grpSpPr>
+        <a:xfrm>
+          <a:off x="0" y="0"/>
+          <a:ext cx="0" cy="0"/>
+          <a:chOff x="0" y="0"/>
+          <a:chExt cx="0" cy="0"/>
+        </a:xfrm>
+      </p:grpSpPr>
+      <p:sp>
+        <p:nvSpPr>
+          <p:cNvPr id="2" name="Title 1"/>
+          <p:cNvSpPr>
+            <a:spLocks noGrp="1"/>
+          </p:cNvSpPr>
+          <p:nvPr>
+            <p:ph type="title"/>
+          </p:nvPr>
+        </p:nvSpPr>
+        <p:spPr/>
+        <p:txBody>
+          <a:bodyPr/>
+          <a:lstStyle/>
+          <a:p>
+            <a:r>
+              <a:rPr lang="en-US" smtClean="0"/>
+              <a:t>Click to edit Master title style</a:t>
+            </a:r>
+            <a:endParaRPr lang="en-US"/>
+          </a:p>
+        </p:txBody>
+      </p:sp>
+      <p:sp>
+        <p:nvSpPr>
+          <p:cNvPr id="3" name="Date Placeholder 2"/>
+          <p:cNvSpPr>
+            <a:spLocks noGrp="1"/>
+          </p:cNvSpPr>
+          <p:nvPr>
+            <p:ph type="dt" sz="half" idx="10"/>
+          </p:nvPr>
+        </p:nvSpPr>
+        <p:spPr/>
+        <p:txBody>
+          <a:bodyPr/>
+          <a:lstStyle/>
+          <a:p>
+            <a:fld id="{5AB9BE9F-67D4-6D49-B819-ECBBC6EB1910}" type="datetime1">
+              <a:rPr lang="en-US" smtClean="0"/>
+              <a:t>7/4/16</a:t>
+            </a:fld>
+            <a:endParaRPr lang="en-US"/>
+          </a:p>
+        </p:txBody>
+      </p:sp>
+      <p:sp>
+        <p:nvSpPr>
+          <p:cNvPr id="4" name="Footer Placeholder 3"/>
+          <p:cNvSpPr>
+            <a:spLocks noGrp="1"/>
+          </p:cNvSpPr>
+          <p:nvPr>
+            <p:ph type="ftr" sz="quarter" idx="11"/>
+          </p:nvPr>
+        </p:nvSpPr>
+        <p:spPr/>
+        <p:txBody>
+          <a:bodyPr/>
+          <a:lstStyle/>
+          <a:p>
+            <a:r>
+              <a:rPr lang="en-US" smtClean="0"/>
+              <a:t>© EV3Lessons.com, 2016, (Last edit: 07/04/2016)</a:t>
+            </a:r>
+            <a:endParaRPr lang="en-US"/>
+          </a:p>
+        </p:txBody>
+      </p:sp>
+      <p:sp>
+        <p:nvSpPr>
+          <p:cNvPr id="5" name="Slide Number Placeholder 4"/>
+          <p:cNvSpPr>
+            <a:spLocks noGrp="1"/>
+          </p:cNvSpPr>
+          <p:nvPr>
+            <p:ph type="sldNum" sz="quarter" idx="12"/>
+          </p:nvPr>
+        </p:nvSpPr>
+        <p:spPr/>
+        <p:txBody>
+          <a:bodyPr/>
+          <a:lstStyle/>
+          <a:p>
+            <a:fld id="{DE42E464-3EB8-43C8-8768-9E2AD4F497B7}" type="slidenum">
+              <a:rPr lang="en-US" smtClean="0"/>
+              <a:t>‹#›</a:t>
+            </a:fld>
+            <a:endParaRPr lang="en-US"/>
+          </a:p>
+        </p:txBody>
+      </p:sp>
+    </p:spTree>
+    <p:extLst>
+      <p:ext uri="{BB962C8B-B14F-4D97-AF65-F5344CB8AC3E}">
+        <p14:creationId xmlns:p14="http://schemas.microsoft.com/office/powerpoint/2010/main" val="1498178741"/>
+      </p:ext>
+    </p:extLst>
+  </p:cSld>
+  <p:clrMapOvr>
+    <a:masterClrMapping/>
+  </p:clrMapOvr>
+</p:sldLayout>
+</file>
+
+<file path=ppt/slideLayouts/slideLayout29.xml><?xml version="1.0" encoding="utf-8"?>
+<p:sldLayout xmlns:a="http://schemas.openxmlformats.org/drawingml/2006/main" xmlns:r="http://schemas.openxmlformats.org/officeDocument/2006/relationships" xmlns:p="http://schemas.openxmlformats.org/presentationml/2006/main" type="blank" preserve="1">
+  <p:cSld name="Blank">
+    <p:spTree>
+      <p:nvGrpSpPr>
+        <p:cNvPr id="1" name=""/>
+        <p:cNvGrpSpPr/>
+        <p:nvPr/>
+      </p:nvGrpSpPr>
+      <p:grpSpPr>
+        <a:xfrm>
+          <a:off x="0" y="0"/>
+          <a:ext cx="0" cy="0"/>
+          <a:chOff x="0" y="0"/>
+          <a:chExt cx="0" cy="0"/>
+        </a:xfrm>
+      </p:grpSpPr>
+      <p:sp>
+        <p:nvSpPr>
+          <p:cNvPr id="2" name="Date Placeholder 1"/>
+          <p:cNvSpPr>
+            <a:spLocks noGrp="1"/>
+          </p:cNvSpPr>
+          <p:nvPr>
+            <p:ph type="dt" sz="half" idx="10"/>
+          </p:nvPr>
+        </p:nvSpPr>
+        <p:spPr/>
+        <p:txBody>
+          <a:bodyPr/>
+          <a:lstStyle/>
+          <a:p>
+            <a:fld id="{30B5FD3F-293C-2C4E-A471-FF3DDDAE00F1}" type="datetime1">
+              <a:rPr lang="en-US" smtClean="0"/>
+              <a:t>7/4/16</a:t>
+            </a:fld>
+            <a:endParaRPr lang="en-US"/>
+          </a:p>
+        </p:txBody>
+      </p:sp>
+      <p:sp>
+        <p:nvSpPr>
+          <p:cNvPr id="3" name="Footer Placeholder 2"/>
+          <p:cNvSpPr>
+            <a:spLocks noGrp="1"/>
+          </p:cNvSpPr>
+          <p:nvPr>
+            <p:ph type="ftr" sz="quarter" idx="11"/>
+          </p:nvPr>
+        </p:nvSpPr>
+        <p:spPr/>
+        <p:txBody>
+          <a:bodyPr/>
+          <a:lstStyle/>
+          <a:p>
+            <a:r>
+              <a:rPr lang="en-US" smtClean="0"/>
+              <a:t>© EV3Lessons.com, 2016, (Last edit: 07/04/2016)</a:t>
+            </a:r>
+            <a:endParaRPr lang="en-US"/>
+          </a:p>
+        </p:txBody>
+      </p:sp>
+      <p:sp>
+        <p:nvSpPr>
+          <p:cNvPr id="4" name="Slide Number Placeholder 3"/>
+          <p:cNvSpPr>
+            <a:spLocks noGrp="1"/>
+          </p:cNvSpPr>
+          <p:nvPr>
+            <p:ph type="sldNum" sz="quarter" idx="12"/>
+          </p:nvPr>
+        </p:nvSpPr>
+        <p:spPr/>
+        <p:txBody>
+          <a:bodyPr/>
+          <a:lstStyle/>
+          <a:p>
+            <a:fld id="{DE42E464-3EB8-43C8-8768-9E2AD4F497B7}" type="slidenum">
+              <a:rPr lang="en-US" smtClean="0"/>
+              <a:t>‹#›</a:t>
+            </a:fld>
+            <a:endParaRPr lang="en-US"/>
+          </a:p>
+        </p:txBody>
+      </p:sp>
+    </p:spTree>
+    <p:extLst>
+      <p:ext uri="{BB962C8B-B14F-4D97-AF65-F5344CB8AC3E}">
+        <p14:creationId xmlns:p14="http://schemas.microsoft.com/office/powerpoint/2010/main" val="644338912"/>
+      </p:ext>
+    </p:extLst>
+  </p:cSld>
+  <p:clrMapOvr>
+    <a:masterClrMapping/>
+  </p:clrMapOvr>
+</p:sldLayout>
+</file>
+
+<file path=ppt/slideLayouts/slideLayout3.xml><?xml version="1.0" encoding="utf-8"?>
+<p:sldLayout xmlns:a="http://schemas.openxmlformats.org/drawingml/2006/main" xmlns:r="http://schemas.openxmlformats.org/officeDocument/2006/relationships" xmlns:p="http://schemas.openxmlformats.org/presentationml/2006/main" type="secHead" preserve="1">
+  <p:cSld name="Section Header">
+    <p:spTree>
+      <p:nvGrpSpPr>
+        <p:cNvPr id="1" name=""/>
+        <p:cNvGrpSpPr/>
+        <p:nvPr/>
+      </p:nvGrpSpPr>
+      <p:grpSpPr>
+        <a:xfrm>
+          <a:off x="0" y="0"/>
+          <a:ext cx="0" cy="0"/>
+          <a:chOff x="0" y="0"/>
+          <a:chExt cx="0" cy="0"/>
+        </a:xfrm>
+      </p:grpSpPr>
+      <p:sp>
+        <p:nvSpPr>
+          <p:cNvPr id="2" name="Title 1"/>
+          <p:cNvSpPr>
+            <a:spLocks noGrp="1"/>
+          </p:cNvSpPr>
+          <p:nvPr>
+            <p:ph type="title"/>
+          </p:nvPr>
+        </p:nvSpPr>
+        <p:spPr>
+          <a:xfrm>
+            <a:off x="457200" y="1447800"/>
+            <a:ext cx="7772400" cy="4321175"/>
+          </a:xfrm>
+        </p:spPr>
+        <p:txBody>
+          <a:bodyPr anchor="ctr">
+            <a:noAutofit/>
+          </a:bodyPr>
+          <a:lstStyle>
+            <a:lvl1pPr algn="l">
+              <a:lnSpc>
+                <a:spcPct val="100000"/>
+              </a:lnSpc>
+              <a:defRPr sz="8800" b="0" cap="all" spc="-80" baseline="0">
+                <a:solidFill>
+                  <a:schemeClr val="tx1"/>
+                </a:solidFill>
+              </a:defRPr>
+            </a:lvl1pPr>
+          </a:lstStyle>
+          <a:p>
+            <a:r>
+              <a:rPr lang="en-US" smtClean="0"/>
+              <a:t>Click to edit Master title style</a:t>
+            </a:r>
+            <a:endParaRPr lang="en-US" dirty="0"/>
+          </a:p>
+        </p:txBody>
+      </p:sp>
+      <p:sp>
+        <p:nvSpPr>
+          <p:cNvPr id="3" name="Text Placeholder 2"/>
+          <p:cNvSpPr>
+            <a:spLocks noGrp="1"/>
+          </p:cNvSpPr>
+          <p:nvPr>
+            <p:ph type="body" idx="1"/>
+          </p:nvPr>
+        </p:nvSpPr>
+        <p:spPr>
+          <a:xfrm>
+            <a:off x="457200" y="228601"/>
+            <a:ext cx="7772400" cy="1066800"/>
+          </a:xfrm>
+        </p:spPr>
+        <p:txBody>
+          <a:bodyPr anchor="b"/>
+          <a:lstStyle>
+            <a:lvl1pPr marL="0" indent="0">
+              <a:buNone/>
+              <a:defRPr sz="2000" b="0" cap="all" spc="120" baseline="0">
+                <a:solidFill>
+                  <a:schemeClr val="tx2"/>
+                </a:solidFill>
+                <a:latin typeface="+mj-lt"/>
+              </a:defRPr>
+            </a:lvl1pPr>
+            <a:lvl2pPr marL="457200" indent="0">
+              <a:buNone/>
+              <a:defRPr sz="1800">
+                <a:solidFill>
+                  <a:schemeClr val="tx1">
+                    <a:tint val="75000"/>
+                  </a:schemeClr>
+                </a:solidFill>
+              </a:defRPr>
+            </a:lvl2pPr>
+            <a:lvl3pPr marL="914400" indent="0">
+              <a:buNone/>
+              <a:defRPr sz="1600">
+                <a:solidFill>
+                  <a:schemeClr val="tx1">
+                    <a:tint val="75000"/>
+                  </a:schemeClr>
+                </a:solidFill>
+              </a:defRPr>
+            </a:lvl3pPr>
+            <a:lvl4pPr marL="1371600" indent="0">
+              <a:buNone/>
+              <a:defRPr sz="1400">
+                <a:solidFill>
+                  <a:schemeClr val="tx1">
+                    <a:tint val="75000"/>
+                  </a:schemeClr>
+                </a:solidFill>
+              </a:defRPr>
+            </a:lvl4pPr>
+            <a:lvl5pPr marL="1828800" indent="0">
+              <a:buNone/>
+              <a:defRPr sz="1400">
+                <a:solidFill>
+                  <a:schemeClr val="tx1">
+                    <a:tint val="75000"/>
+                  </a:schemeClr>
+                </a:solidFill>
+              </a:defRPr>
+            </a:lvl5pPr>
+            <a:lvl6pPr marL="2286000" indent="0">
+              <a:buNone/>
+              <a:defRPr sz="1400">
+                <a:solidFill>
+                  <a:schemeClr val="tx1">
+                    <a:tint val="75000"/>
+                  </a:schemeClr>
+                </a:solidFill>
+              </a:defRPr>
+            </a:lvl6pPr>
+            <a:lvl7pPr marL="2743200" indent="0">
+              <a:buNone/>
+              <a:defRPr sz="1400">
+                <a:solidFill>
+                  <a:schemeClr val="tx1">
+                    <a:tint val="75000"/>
+                  </a:schemeClr>
+                </a:solidFill>
+              </a:defRPr>
+            </a:lvl7pPr>
+            <a:lvl8pPr marL="3200400" indent="0">
+              <a:buNone/>
+              <a:defRPr sz="1400">
+                <a:solidFill>
+                  <a:schemeClr val="tx1">
+                    <a:tint val="75000"/>
+                  </a:schemeClr>
+                </a:solidFill>
+              </a:defRPr>
+            </a:lvl8pPr>
+            <a:lvl9pPr marL="3657600" indent="0">
+              <a:buNone/>
+              <a:defRPr sz="1400">
+                <a:solidFill>
+                  <a:schemeClr val="tx1">
+                    <a:tint val="75000"/>
+                  </a:schemeClr>
+                </a:solidFill>
+              </a:defRPr>
+            </a:lvl9pPr>
+          </a:lstStyle>
+          <a:p>
+            <a:pPr lvl="0"/>
+            <a:r>
+              <a:rPr lang="en-US" smtClean="0"/>
+              <a:t>Click to edit Master text styles</a:t>
+            </a:r>
+          </a:p>
+        </p:txBody>
+      </p:sp>
+      <p:sp>
+        <p:nvSpPr>
+          <p:cNvPr id="7" name="Date Placeholder 6"/>
+          <p:cNvSpPr>
+            <a:spLocks noGrp="1"/>
+          </p:cNvSpPr>
+          <p:nvPr>
+            <p:ph type="dt" sz="half" idx="10"/>
+          </p:nvPr>
+        </p:nvSpPr>
+        <p:spPr/>
+        <p:txBody>
+          <a:bodyPr/>
+          <a:lstStyle/>
+          <a:p>
+            <a:fld id="{3656E04E-14C5-D34A-A071-F5C6DB29E1FA}" type="datetime1">
+              <a:rPr lang="en-US" smtClean="0"/>
+              <a:t>7/4/16</a:t>
+            </a:fld>
+            <a:endParaRPr lang="en-US"/>
+          </a:p>
+        </p:txBody>
+      </p:sp>
+      <p:sp>
+        <p:nvSpPr>
+          <p:cNvPr id="8" name="Slide Number Placeholder 7"/>
+          <p:cNvSpPr>
+            <a:spLocks noGrp="1"/>
+          </p:cNvSpPr>
+          <p:nvPr>
+            <p:ph type="sldNum" sz="quarter" idx="11"/>
+          </p:nvPr>
+        </p:nvSpPr>
+        <p:spPr/>
+        <p:txBody>
+          <a:bodyPr/>
+          <a:lstStyle/>
+          <a:p>
+            <a:fld id="{4DBC7FC8-25FB-FC45-8177-2B991DA6778C}" type="slidenum">
+              <a:rPr lang="en-US" smtClean="0"/>
+              <a:t>‹#›</a:t>
+            </a:fld>
+            <a:endParaRPr lang="en-US"/>
+          </a:p>
+        </p:txBody>
+      </p:sp>
+      <p:sp>
+        <p:nvSpPr>
+          <p:cNvPr id="9" name="Footer Placeholder 8"/>
+          <p:cNvSpPr>
+            <a:spLocks noGrp="1"/>
+          </p:cNvSpPr>
+          <p:nvPr>
+            <p:ph type="ftr" sz="quarter" idx="12"/>
+          </p:nvPr>
+        </p:nvSpPr>
+        <p:spPr/>
+        <p:txBody>
+          <a:bodyPr/>
+          <a:lstStyle/>
+          <a:p>
+            <a:r>
+              <a:rPr lang="en-US" smtClean="0"/>
+              <a:t>© EV3Lessons.com, 2016, (Last edit: 07/04/2016)</a:t>
+            </a:r>
+            <a:endParaRPr lang="en-US"/>
+          </a:p>
+        </p:txBody>
+      </p:sp>
+    </p:spTree>
+    <p:extLst>
+      <p:ext uri="{BB962C8B-B14F-4D97-AF65-F5344CB8AC3E}">
+        <p14:creationId xmlns:p14="http://schemas.microsoft.com/office/powerpoint/2010/main" val="912293069"/>
+      </p:ext>
+    </p:extLst>
+  </p:cSld>
+  <p:clrMapOvr>
+    <a:masterClrMapping/>
+  </p:clrMapOvr>
+</p:sldLayout>
+</file>
+
+<file path=ppt/slideLayouts/slideLayout30.xml><?xml version="1.0" encoding="utf-8"?>
+<p:sldLayout xmlns:a="http://schemas.openxmlformats.org/drawingml/2006/main" xmlns:r="http://schemas.openxmlformats.org/officeDocument/2006/relationships" xmlns:p="http://schemas.openxmlformats.org/presentationml/2006/main" type="objTx" preserve="1">
+  <p:cSld name="Content with Caption">
+    <p:spTree>
+      <p:nvGrpSpPr>
+        <p:cNvPr id="1" name=""/>
+        <p:cNvGrpSpPr/>
+        <p:nvPr/>
+      </p:nvGrpSpPr>
+      <p:grpSpPr>
+        <a:xfrm>
+          <a:off x="0" y="0"/>
+          <a:ext cx="0" cy="0"/>
+          <a:chOff x="0" y="0"/>
+          <a:chExt cx="0" cy="0"/>
+        </a:xfrm>
+      </p:grpSpPr>
+      <p:sp>
+        <p:nvSpPr>
+          <p:cNvPr id="2" name="Title 1"/>
+          <p:cNvSpPr>
+            <a:spLocks noGrp="1"/>
+          </p:cNvSpPr>
+          <p:nvPr>
+            <p:ph type="title"/>
+          </p:nvPr>
+        </p:nvSpPr>
+        <p:spPr>
+          <a:xfrm>
+            <a:off x="630238" y="457200"/>
+            <a:ext cx="2949575" cy="1600200"/>
+          </a:xfrm>
+        </p:spPr>
+        <p:txBody>
+          <a:bodyPr anchor="b"/>
+          <a:lstStyle>
+            <a:lvl1pPr>
+              <a:defRPr sz="3200"/>
+            </a:lvl1pPr>
+          </a:lstStyle>
+          <a:p>
+            <a:r>
+              <a:rPr lang="en-US" smtClean="0"/>
+              <a:t>Click to edit Master title style</a:t>
+            </a:r>
+            <a:endParaRPr lang="en-US"/>
+          </a:p>
+        </p:txBody>
+      </p:sp>
+      <p:sp>
+        <p:nvSpPr>
+          <p:cNvPr id="3" name="Content Placeholder 2"/>
+          <p:cNvSpPr>
+            <a:spLocks noGrp="1"/>
+          </p:cNvSpPr>
+          <p:nvPr>
+            <p:ph idx="1"/>
+          </p:nvPr>
+        </p:nvSpPr>
+        <p:spPr>
+          <a:xfrm>
+            <a:off x="3887788" y="987425"/>
+            <a:ext cx="4629150" cy="4873625"/>
+          </a:xfrm>
+        </p:spPr>
+        <p:txBody>
+          <a:bodyPr/>
+          <a:lstStyle>
+            <a:lvl1pPr>
+              <a:defRPr sz="3200"/>
+            </a:lvl1pPr>
+            <a:lvl2pPr>
+              <a:defRPr sz="2800"/>
+            </a:lvl2pPr>
+            <a:lvl3pPr>
+              <a:defRPr sz="2400"/>
+            </a:lvl3pPr>
+            <a:lvl4pPr>
+              <a:defRPr sz="2000"/>
+            </a:lvl4pPr>
+            <a:lvl5pPr>
+              <a:defRPr sz="2000"/>
+            </a:lvl5pPr>
+            <a:lvl6pPr>
+              <a:defRPr sz="2000"/>
+            </a:lvl6pPr>
+            <a:lvl7pPr>
+              <a:defRPr sz="2000"/>
+            </a:lvl7pPr>
+            <a:lvl8pPr>
+              <a:defRPr sz="2000"/>
+            </a:lvl8pPr>
+            <a:lvl9pPr>
+              <a:defRPr sz="2000"/>
+            </a:lvl9pPr>
+          </a:lstStyle>
+          <a:p>
+            <a:pPr lvl="0"/>
+            <a:r>
+              <a:rPr lang="en-US" smtClean="0"/>
+              <a:t>Click to edit Master text styles</a:t>
+            </a:r>
+          </a:p>
+          <a:p>
+            <a:pPr lvl="1"/>
+            <a:r>
+              <a:rPr lang="en-US" smtClean="0"/>
+              <a:t>Second level</a:t>
+            </a:r>
+          </a:p>
+          <a:p>
+            <a:pPr lvl="2"/>
+            <a:r>
+              <a:rPr lang="en-US" smtClean="0"/>
+              <a:t>Third level</a:t>
+            </a:r>
+          </a:p>
+          <a:p>
+            <a:pPr lvl="3"/>
+            <a:r>
+              <a:rPr lang="en-US" smtClean="0"/>
+              <a:t>Fourth level</a:t>
+            </a:r>
+          </a:p>
+          <a:p>
+            <a:pPr lvl="4"/>
+            <a:r>
+              <a:rPr lang="en-US" smtClean="0"/>
+              <a:t>Fifth level</a:t>
+            </a:r>
+            <a:endParaRPr lang="en-US"/>
+          </a:p>
+        </p:txBody>
+      </p:sp>
+      <p:sp>
+        <p:nvSpPr>
+          <p:cNvPr id="4" name="Text Placeholder 3"/>
+          <p:cNvSpPr>
+            <a:spLocks noGrp="1"/>
+          </p:cNvSpPr>
+          <p:nvPr>
+            <p:ph type="body" sz="half" idx="2"/>
+          </p:nvPr>
+        </p:nvSpPr>
+        <p:spPr>
+          <a:xfrm>
+            <a:off x="630238" y="2057400"/>
+            <a:ext cx="2949575" cy="3811588"/>
+          </a:xfrm>
+        </p:spPr>
+        <p:txBody>
+          <a:bodyPr/>
+          <a:lstStyle>
+            <a:lvl1pPr marL="0" indent="0">
+              <a:buNone/>
+              <a:defRPr sz="1600"/>
+            </a:lvl1pPr>
+            <a:lvl2pPr marL="457200" indent="0">
+              <a:buNone/>
+              <a:defRPr sz="1400"/>
+            </a:lvl2pPr>
+            <a:lvl3pPr marL="914400" indent="0">
+              <a:buNone/>
+              <a:defRPr sz="1200"/>
+            </a:lvl3pPr>
+            <a:lvl4pPr marL="1371600" indent="0">
+              <a:buNone/>
+              <a:defRPr sz="1000"/>
+            </a:lvl4pPr>
+            <a:lvl5pPr marL="1828800" indent="0">
+              <a:buNone/>
+              <a:defRPr sz="1000"/>
+            </a:lvl5pPr>
+            <a:lvl6pPr marL="2286000" indent="0">
+              <a:buNone/>
+              <a:defRPr sz="1000"/>
+            </a:lvl6pPr>
+            <a:lvl7pPr marL="2743200" indent="0">
+              <a:buNone/>
+              <a:defRPr sz="1000"/>
+            </a:lvl7pPr>
+            <a:lvl8pPr marL="3200400" indent="0">
+              <a:buNone/>
+              <a:defRPr sz="1000"/>
+            </a:lvl8pPr>
+            <a:lvl9pPr marL="3657600" indent="0">
+              <a:buNone/>
+              <a:defRPr sz="1000"/>
+            </a:lvl9pPr>
+          </a:lstStyle>
+          <a:p>
+            <a:pPr lvl="0"/>
+            <a:r>
+              <a:rPr lang="en-US" smtClean="0"/>
+              <a:t>Click to edit Master text styles</a:t>
+            </a:r>
+          </a:p>
+        </p:txBody>
+      </p:sp>
+      <p:sp>
+        <p:nvSpPr>
+          <p:cNvPr id="5" name="Date Placeholder 4"/>
+          <p:cNvSpPr>
+            <a:spLocks noGrp="1"/>
+          </p:cNvSpPr>
+          <p:nvPr>
+            <p:ph type="dt" sz="half" idx="10"/>
+          </p:nvPr>
+        </p:nvSpPr>
+        <p:spPr/>
+        <p:txBody>
+          <a:bodyPr/>
+          <a:lstStyle/>
+          <a:p>
+            <a:fld id="{28C30EE3-81A8-214B-BD8F-C844E7C11169}" type="datetime1">
+              <a:rPr lang="en-US" smtClean="0"/>
+              <a:t>7/4/16</a:t>
+            </a:fld>
+            <a:endParaRPr lang="en-US"/>
+          </a:p>
+        </p:txBody>
+      </p:sp>
+      <p:sp>
+        <p:nvSpPr>
+          <p:cNvPr id="6" name="Footer Placeholder 5"/>
+          <p:cNvSpPr>
+            <a:spLocks noGrp="1"/>
+          </p:cNvSpPr>
+          <p:nvPr>
+            <p:ph type="ftr" sz="quarter" idx="11"/>
+          </p:nvPr>
+        </p:nvSpPr>
+        <p:spPr/>
+        <p:txBody>
+          <a:bodyPr/>
+          <a:lstStyle/>
+          <a:p>
+            <a:r>
+              <a:rPr lang="en-US" smtClean="0"/>
+              <a:t>© EV3Lessons.com, 2016, (Last edit: 07/04/2016)</a:t>
+            </a:r>
+            <a:endParaRPr lang="en-US"/>
+          </a:p>
+        </p:txBody>
+      </p:sp>
+      <p:sp>
+        <p:nvSpPr>
+          <p:cNvPr id="7" name="Slide Number Placeholder 6"/>
+          <p:cNvSpPr>
+            <a:spLocks noGrp="1"/>
+          </p:cNvSpPr>
+          <p:nvPr>
+            <p:ph type="sldNum" sz="quarter" idx="12"/>
+          </p:nvPr>
+        </p:nvSpPr>
+        <p:spPr/>
+        <p:txBody>
+          <a:bodyPr/>
+          <a:lstStyle/>
+          <a:p>
+            <a:fld id="{DE42E464-3EB8-43C8-8768-9E2AD4F497B7}" type="slidenum">
+              <a:rPr lang="en-US" smtClean="0"/>
+              <a:t>‹#›</a:t>
+            </a:fld>
+            <a:endParaRPr lang="en-US"/>
+          </a:p>
+        </p:txBody>
+      </p:sp>
+    </p:spTree>
+    <p:extLst>
+      <p:ext uri="{BB962C8B-B14F-4D97-AF65-F5344CB8AC3E}">
+        <p14:creationId xmlns:p14="http://schemas.microsoft.com/office/powerpoint/2010/main" val="1791545810"/>
+      </p:ext>
+    </p:extLst>
+  </p:cSld>
+  <p:clrMapOvr>
+    <a:masterClrMapping/>
+  </p:clrMapOvr>
+</p:sldLayout>
+</file>
+
+<file path=ppt/slideLayouts/slideLayout31.xml><?xml version="1.0" encoding="utf-8"?>
+<p:sldLayout xmlns:a="http://schemas.openxmlformats.org/drawingml/2006/main" xmlns:r="http://schemas.openxmlformats.org/officeDocument/2006/relationships" xmlns:p="http://schemas.openxmlformats.org/presentationml/2006/main" type="picTx" preserve="1">
+  <p:cSld name="Picture with Caption">
+    <p:spTree>
+      <p:nvGrpSpPr>
+        <p:cNvPr id="1" name=""/>
+        <p:cNvGrpSpPr/>
+        <p:nvPr/>
+      </p:nvGrpSpPr>
+      <p:grpSpPr>
+        <a:xfrm>
+          <a:off x="0" y="0"/>
+          <a:ext cx="0" cy="0"/>
+          <a:chOff x="0" y="0"/>
+          <a:chExt cx="0" cy="0"/>
+        </a:xfrm>
+      </p:grpSpPr>
+      <p:sp>
+        <p:nvSpPr>
+          <p:cNvPr id="2" name="Title 1"/>
+          <p:cNvSpPr>
+            <a:spLocks noGrp="1"/>
+          </p:cNvSpPr>
+          <p:nvPr>
+            <p:ph type="title"/>
+          </p:nvPr>
+        </p:nvSpPr>
+        <p:spPr>
+          <a:xfrm>
+            <a:off x="630238" y="457200"/>
+            <a:ext cx="2949575" cy="1600200"/>
+          </a:xfrm>
+        </p:spPr>
+        <p:txBody>
+          <a:bodyPr anchor="b"/>
+          <a:lstStyle>
+            <a:lvl1pPr>
+              <a:defRPr sz="3200"/>
+            </a:lvl1pPr>
+          </a:lstStyle>
+          <a:p>
+            <a:r>
+              <a:rPr lang="en-US" smtClean="0"/>
+              <a:t>Click to edit Master title style</a:t>
+            </a:r>
+            <a:endParaRPr lang="en-US"/>
+          </a:p>
+        </p:txBody>
+      </p:sp>
+      <p:sp>
+        <p:nvSpPr>
+          <p:cNvPr id="3" name="Picture Placeholder 2"/>
+          <p:cNvSpPr>
+            <a:spLocks noGrp="1"/>
+          </p:cNvSpPr>
+          <p:nvPr>
+            <p:ph type="pic" idx="1"/>
+          </p:nvPr>
+        </p:nvSpPr>
+        <p:spPr>
+          <a:xfrm>
+            <a:off x="3887788" y="987425"/>
+            <a:ext cx="4629150" cy="4873625"/>
+          </a:xfrm>
+        </p:spPr>
+        <p:txBody>
+          <a:bodyPr/>
+          <a:lstStyle>
+            <a:lvl1pPr marL="0" indent="0">
+              <a:buNone/>
+              <a:defRPr sz="3200"/>
+            </a:lvl1pPr>
+            <a:lvl2pPr marL="457200" indent="0">
+              <a:buNone/>
+              <a:defRPr sz="2800"/>
+            </a:lvl2pPr>
+            <a:lvl3pPr marL="914400" indent="0">
+              <a:buNone/>
+              <a:defRPr sz="2400"/>
+            </a:lvl3pPr>
+            <a:lvl4pPr marL="1371600" indent="0">
+              <a:buNone/>
+              <a:defRPr sz="2000"/>
+            </a:lvl4pPr>
+            <a:lvl5pPr marL="1828800" indent="0">
+              <a:buNone/>
+              <a:defRPr sz="2000"/>
+            </a:lvl5pPr>
+            <a:lvl6pPr marL="2286000" indent="0">
+              <a:buNone/>
+              <a:defRPr sz="2000"/>
+            </a:lvl6pPr>
+            <a:lvl7pPr marL="2743200" indent="0">
+              <a:buNone/>
+              <a:defRPr sz="2000"/>
+            </a:lvl7pPr>
+            <a:lvl8pPr marL="3200400" indent="0">
+              <a:buNone/>
+              <a:defRPr sz="2000"/>
+            </a:lvl8pPr>
+            <a:lvl9pPr marL="3657600" indent="0">
+              <a:buNone/>
+              <a:defRPr sz="2000"/>
+            </a:lvl9pPr>
+          </a:lstStyle>
+          <a:p>
+            <a:r>
+              <a:rPr lang="en-US" smtClean="0"/>
+              <a:t>Drag picture to placeholder or click icon to add</a:t>
+            </a:r>
+            <a:endParaRPr lang="en-US"/>
+          </a:p>
+        </p:txBody>
+      </p:sp>
+      <p:sp>
+        <p:nvSpPr>
+          <p:cNvPr id="4" name="Text Placeholder 3"/>
+          <p:cNvSpPr>
+            <a:spLocks noGrp="1"/>
+          </p:cNvSpPr>
+          <p:nvPr>
+            <p:ph type="body" sz="half" idx="2"/>
+          </p:nvPr>
+        </p:nvSpPr>
+        <p:spPr>
+          <a:xfrm>
+            <a:off x="630238" y="2057400"/>
+            <a:ext cx="2949575" cy="3811588"/>
+          </a:xfrm>
+        </p:spPr>
+        <p:txBody>
+          <a:bodyPr/>
+          <a:lstStyle>
+            <a:lvl1pPr marL="0" indent="0">
+              <a:buNone/>
+              <a:defRPr sz="1600"/>
+            </a:lvl1pPr>
+            <a:lvl2pPr marL="457200" indent="0">
+              <a:buNone/>
+              <a:defRPr sz="1400"/>
+            </a:lvl2pPr>
+            <a:lvl3pPr marL="914400" indent="0">
+              <a:buNone/>
+              <a:defRPr sz="1200"/>
+            </a:lvl3pPr>
+            <a:lvl4pPr marL="1371600" indent="0">
+              <a:buNone/>
+              <a:defRPr sz="1000"/>
+            </a:lvl4pPr>
+            <a:lvl5pPr marL="1828800" indent="0">
+              <a:buNone/>
+              <a:defRPr sz="1000"/>
+            </a:lvl5pPr>
+            <a:lvl6pPr marL="2286000" indent="0">
+              <a:buNone/>
+              <a:defRPr sz="1000"/>
+            </a:lvl6pPr>
+            <a:lvl7pPr marL="2743200" indent="0">
+              <a:buNone/>
+              <a:defRPr sz="1000"/>
+            </a:lvl7pPr>
+            <a:lvl8pPr marL="3200400" indent="0">
+              <a:buNone/>
+              <a:defRPr sz="1000"/>
+            </a:lvl8pPr>
+            <a:lvl9pPr marL="3657600" indent="0">
+              <a:buNone/>
+              <a:defRPr sz="1000"/>
+            </a:lvl9pPr>
+          </a:lstStyle>
+          <a:p>
+            <a:pPr lvl="0"/>
+            <a:r>
+              <a:rPr lang="en-US" smtClean="0"/>
+              <a:t>Click to edit Master text styles</a:t>
+            </a:r>
+          </a:p>
+        </p:txBody>
+      </p:sp>
+      <p:sp>
+        <p:nvSpPr>
+          <p:cNvPr id="5" name="Date Placeholder 4"/>
+          <p:cNvSpPr>
+            <a:spLocks noGrp="1"/>
+          </p:cNvSpPr>
+          <p:nvPr>
+            <p:ph type="dt" sz="half" idx="10"/>
+          </p:nvPr>
+        </p:nvSpPr>
+        <p:spPr/>
+        <p:txBody>
+          <a:bodyPr/>
+          <a:lstStyle/>
+          <a:p>
+            <a:fld id="{F454A78D-64C6-FE4E-9600-A726A42332BF}" type="datetime1">
+              <a:rPr lang="en-US" smtClean="0"/>
+              <a:t>7/4/16</a:t>
+            </a:fld>
+            <a:endParaRPr lang="en-US"/>
+          </a:p>
+        </p:txBody>
+      </p:sp>
+      <p:sp>
+        <p:nvSpPr>
+          <p:cNvPr id="6" name="Footer Placeholder 5"/>
+          <p:cNvSpPr>
+            <a:spLocks noGrp="1"/>
+          </p:cNvSpPr>
+          <p:nvPr>
+            <p:ph type="ftr" sz="quarter" idx="11"/>
+          </p:nvPr>
+        </p:nvSpPr>
+        <p:spPr/>
+        <p:txBody>
+          <a:bodyPr/>
+          <a:lstStyle/>
+          <a:p>
+            <a:r>
+              <a:rPr lang="en-US" smtClean="0"/>
+              <a:t>© EV3Lessons.com, 2016, (Last edit: 07/04/2016)</a:t>
+            </a:r>
+            <a:endParaRPr lang="en-US"/>
+          </a:p>
+        </p:txBody>
+      </p:sp>
+      <p:sp>
+        <p:nvSpPr>
+          <p:cNvPr id="7" name="Slide Number Placeholder 6"/>
+          <p:cNvSpPr>
+            <a:spLocks noGrp="1"/>
+          </p:cNvSpPr>
+          <p:nvPr>
+            <p:ph type="sldNum" sz="quarter" idx="12"/>
+          </p:nvPr>
+        </p:nvSpPr>
+        <p:spPr/>
+        <p:txBody>
+          <a:bodyPr/>
+          <a:lstStyle/>
+          <a:p>
+            <a:fld id="{DE42E464-3EB8-43C8-8768-9E2AD4F497B7}" type="slidenum">
+              <a:rPr lang="en-US" smtClean="0"/>
+              <a:t>‹#›</a:t>
+            </a:fld>
+            <a:endParaRPr lang="en-US"/>
+          </a:p>
+        </p:txBody>
+      </p:sp>
+    </p:spTree>
+    <p:extLst>
+      <p:ext uri="{BB962C8B-B14F-4D97-AF65-F5344CB8AC3E}">
+        <p14:creationId xmlns:p14="http://schemas.microsoft.com/office/powerpoint/2010/main" val="642214083"/>
+      </p:ext>
+    </p:extLst>
+  </p:cSld>
+  <p:clrMapOvr>
+    <a:masterClrMapping/>
+  </p:clrMapOvr>
+</p:sldLayout>
+</file>
+
+<file path=ppt/slideLayouts/slideLayout32.xml><?xml version="1.0" encoding="utf-8"?>
+<p:sldLayout xmlns:a="http://schemas.openxmlformats.org/drawingml/2006/main" xmlns:r="http://schemas.openxmlformats.org/officeDocument/2006/relationships" xmlns:p="http://schemas.openxmlformats.org/presentationml/2006/main" type="vertTx" preserve="1">
+  <p:cSld name="Title and Vertical Text">
+    <p:spTree>
+      <p:nvGrpSpPr>
+        <p:cNvPr id="1" name=""/>
+        <p:cNvGrpSpPr/>
+        <p:nvPr/>
+      </p:nvGrpSpPr>
+      <p:grpSpPr>
+        <a:xfrm>
+          <a:off x="0" y="0"/>
+          <a:ext cx="0" cy="0"/>
+          <a:chOff x="0" y="0"/>
+          <a:chExt cx="0" cy="0"/>
+        </a:xfrm>
+      </p:grpSpPr>
+      <p:sp>
+        <p:nvSpPr>
+          <p:cNvPr id="2" name="Title 1"/>
+          <p:cNvSpPr>
+            <a:spLocks noGrp="1"/>
+          </p:cNvSpPr>
+          <p:nvPr>
+            <p:ph type="title"/>
+          </p:nvPr>
+        </p:nvSpPr>
+        <p:spPr/>
+        <p:txBody>
+          <a:bodyPr/>
+          <a:lstStyle/>
+          <a:p>
+            <a:r>
+              <a:rPr lang="en-US" smtClean="0"/>
+              <a:t>Click to edit Master title style</a:t>
+            </a:r>
+            <a:endParaRPr lang="en-US"/>
+          </a:p>
+        </p:txBody>
+      </p:sp>
+      <p:sp>
+        <p:nvSpPr>
+          <p:cNvPr id="3" name="Vertical Text Placeholder 2"/>
+          <p:cNvSpPr>
+            <a:spLocks noGrp="1"/>
+          </p:cNvSpPr>
+          <p:nvPr>
+            <p:ph type="body" orient="vert" idx="1"/>
+          </p:nvPr>
+        </p:nvSpPr>
+        <p:spPr/>
+        <p:txBody>
+          <a:bodyPr vert="eaVert"/>
+          <a:lstStyle/>
+          <a:p>
+            <a:pPr lvl="0"/>
+            <a:r>
+              <a:rPr lang="en-US" smtClean="0"/>
+              <a:t>Click to edit Master text styles</a:t>
+            </a:r>
+          </a:p>
+          <a:p>
+            <a:pPr lvl="1"/>
+            <a:r>
+              <a:rPr lang="en-US" smtClean="0"/>
+              <a:t>Second level</a:t>
+            </a:r>
+          </a:p>
+          <a:p>
+            <a:pPr lvl="2"/>
+            <a:r>
+              <a:rPr lang="en-US" smtClean="0"/>
+              <a:t>Third level</a:t>
+            </a:r>
+          </a:p>
+          <a:p>
+            <a:pPr lvl="3"/>
+            <a:r>
+              <a:rPr lang="en-US" smtClean="0"/>
+              <a:t>Fourth level</a:t>
+            </a:r>
+          </a:p>
+          <a:p>
+            <a:pPr lvl="4"/>
+            <a:r>
+              <a:rPr lang="en-US" smtClean="0"/>
+              <a:t>Fifth level</a:t>
+            </a:r>
+            <a:endParaRPr lang="en-US"/>
+          </a:p>
+        </p:txBody>
+      </p:sp>
+      <p:sp>
+        <p:nvSpPr>
+          <p:cNvPr id="4" name="Date Placeholder 3"/>
+          <p:cNvSpPr>
+            <a:spLocks noGrp="1"/>
+          </p:cNvSpPr>
+          <p:nvPr>
+            <p:ph type="dt" sz="half" idx="10"/>
+          </p:nvPr>
+        </p:nvSpPr>
+        <p:spPr/>
+        <p:txBody>
+          <a:bodyPr/>
+          <a:lstStyle/>
+          <a:p>
+            <a:fld id="{5C79FDBD-3BF8-D143-B9B5-82B83C6F7D46}" type="datetime1">
+              <a:rPr lang="en-US" smtClean="0"/>
+              <a:t>7/4/16</a:t>
+            </a:fld>
+            <a:endParaRPr lang="en-US"/>
+          </a:p>
+        </p:txBody>
+      </p:sp>
+      <p:sp>
+        <p:nvSpPr>
+          <p:cNvPr id="5" name="Footer Placeholder 4"/>
+          <p:cNvSpPr>
+            <a:spLocks noGrp="1"/>
+          </p:cNvSpPr>
+          <p:nvPr>
+            <p:ph type="ftr" sz="quarter" idx="11"/>
+          </p:nvPr>
+        </p:nvSpPr>
+        <p:spPr/>
+        <p:txBody>
+          <a:bodyPr/>
+          <a:lstStyle/>
+          <a:p>
+            <a:r>
+              <a:rPr lang="en-US" smtClean="0"/>
+              <a:t>© EV3Lessons.com, 2016, (Last edit: 07/04/2016)</a:t>
+            </a:r>
+            <a:endParaRPr lang="en-US"/>
+          </a:p>
+        </p:txBody>
+      </p:sp>
+      <p:sp>
+        <p:nvSpPr>
+          <p:cNvPr id="6" name="Slide Number Placeholder 5"/>
+          <p:cNvSpPr>
+            <a:spLocks noGrp="1"/>
+          </p:cNvSpPr>
+          <p:nvPr>
+            <p:ph type="sldNum" sz="quarter" idx="12"/>
+          </p:nvPr>
+        </p:nvSpPr>
+        <p:spPr/>
+        <p:txBody>
+          <a:bodyPr/>
+          <a:lstStyle/>
+          <a:p>
+            <a:fld id="{DE42E464-3EB8-43C8-8768-9E2AD4F497B7}" type="slidenum">
+              <a:rPr lang="en-US" smtClean="0"/>
+              <a:t>‹#›</a:t>
+            </a:fld>
+            <a:endParaRPr lang="en-US"/>
+          </a:p>
+        </p:txBody>
+      </p:sp>
+    </p:spTree>
+    <p:extLst>
+      <p:ext uri="{BB962C8B-B14F-4D97-AF65-F5344CB8AC3E}">
+        <p14:creationId xmlns:p14="http://schemas.microsoft.com/office/powerpoint/2010/main" val="439283159"/>
+      </p:ext>
+    </p:extLst>
+  </p:cSld>
+  <p:clrMapOvr>
+    <a:masterClrMapping/>
+  </p:clrMapOvr>
+</p:sldLayout>
+</file>
+
+<file path=ppt/slideLayouts/slideLayout33.xml><?xml version="1.0" encoding="utf-8"?>
+<p:sldLayout xmlns:a="http://schemas.openxmlformats.org/drawingml/2006/main" xmlns:r="http://schemas.openxmlformats.org/officeDocument/2006/relationships" xmlns:p="http://schemas.openxmlformats.org/presentationml/2006/main" type="vertTitleAndTx" preserve="1">
+  <p:cSld name="Vertical Title and Text">
+    <p:spTree>
+      <p:nvGrpSpPr>
+        <p:cNvPr id="1" name=""/>
+        <p:cNvGrpSpPr/>
+        <p:nvPr/>
+      </p:nvGrpSpPr>
+      <p:grpSpPr>
+        <a:xfrm>
+          <a:off x="0" y="0"/>
+          <a:ext cx="0" cy="0"/>
+          <a:chOff x="0" y="0"/>
+          <a:chExt cx="0" cy="0"/>
+        </a:xfrm>
+      </p:grpSpPr>
+      <p:sp>
+        <p:nvSpPr>
+          <p:cNvPr id="2" name="Vertical Title 1"/>
+          <p:cNvSpPr>
+            <a:spLocks noGrp="1"/>
+          </p:cNvSpPr>
+          <p:nvPr>
+            <p:ph type="title" orient="vert"/>
+          </p:nvPr>
+        </p:nvSpPr>
+        <p:spPr>
+          <a:xfrm>
+            <a:off x="6543675" y="365125"/>
+            <a:ext cx="1971675" cy="5811838"/>
+          </a:xfrm>
+        </p:spPr>
+        <p:txBody>
+          <a:bodyPr vert="eaVert"/>
+          <a:lstStyle/>
+          <a:p>
+            <a:r>
+              <a:rPr lang="en-US" smtClean="0"/>
+              <a:t>Click to edit Master title style</a:t>
+            </a:r>
+            <a:endParaRPr lang="en-US"/>
+          </a:p>
+        </p:txBody>
+      </p:sp>
+      <p:sp>
+        <p:nvSpPr>
+          <p:cNvPr id="3" name="Vertical Text Placeholder 2"/>
+          <p:cNvSpPr>
+            <a:spLocks noGrp="1"/>
+          </p:cNvSpPr>
+          <p:nvPr>
+            <p:ph type="body" orient="vert" idx="1"/>
+          </p:nvPr>
+        </p:nvSpPr>
+        <p:spPr>
+          <a:xfrm>
+            <a:off x="628650" y="365125"/>
+            <a:ext cx="5762625" cy="5811838"/>
+          </a:xfrm>
+        </p:spPr>
+        <p:txBody>
+          <a:bodyPr vert="eaVert"/>
+          <a:lstStyle/>
+          <a:p>
+            <a:pPr lvl="0"/>
+            <a:r>
+              <a:rPr lang="en-US" smtClean="0"/>
+              <a:t>Click to edit Master text styles</a:t>
+            </a:r>
+          </a:p>
+          <a:p>
+            <a:pPr lvl="1"/>
+            <a:r>
+              <a:rPr lang="en-US" smtClean="0"/>
+              <a:t>Second level</a:t>
+            </a:r>
+          </a:p>
+          <a:p>
+            <a:pPr lvl="2"/>
+            <a:r>
+              <a:rPr lang="en-US" smtClean="0"/>
+              <a:t>Third level</a:t>
+            </a:r>
+          </a:p>
+          <a:p>
+            <a:pPr lvl="3"/>
+            <a:r>
+              <a:rPr lang="en-US" smtClean="0"/>
+              <a:t>Fourth level</a:t>
+            </a:r>
+          </a:p>
+          <a:p>
+            <a:pPr lvl="4"/>
+            <a:r>
+              <a:rPr lang="en-US" smtClean="0"/>
+              <a:t>Fifth level</a:t>
+            </a:r>
+            <a:endParaRPr lang="en-US"/>
+          </a:p>
+        </p:txBody>
+      </p:sp>
+      <p:sp>
+        <p:nvSpPr>
+          <p:cNvPr id="4" name="Date Placeholder 3"/>
+          <p:cNvSpPr>
+            <a:spLocks noGrp="1"/>
+          </p:cNvSpPr>
+          <p:nvPr>
+            <p:ph type="dt" sz="half" idx="10"/>
+          </p:nvPr>
+        </p:nvSpPr>
+        <p:spPr/>
+        <p:txBody>
+          <a:bodyPr/>
+          <a:lstStyle/>
+          <a:p>
+            <a:fld id="{10E1F077-E09D-BF4A-9E77-8C23C1A7224E}" type="datetime1">
+              <a:rPr lang="en-US" smtClean="0"/>
+              <a:t>7/4/16</a:t>
+            </a:fld>
+            <a:endParaRPr lang="en-US"/>
+          </a:p>
+        </p:txBody>
+      </p:sp>
+      <p:sp>
+        <p:nvSpPr>
+          <p:cNvPr id="5" name="Footer Placeholder 4"/>
+          <p:cNvSpPr>
+            <a:spLocks noGrp="1"/>
+          </p:cNvSpPr>
+          <p:nvPr>
+            <p:ph type="ftr" sz="quarter" idx="11"/>
+          </p:nvPr>
+        </p:nvSpPr>
+        <p:spPr/>
+        <p:txBody>
+          <a:bodyPr/>
+          <a:lstStyle/>
+          <a:p>
+            <a:r>
+              <a:rPr lang="en-US" smtClean="0"/>
+              <a:t>© EV3Lessons.com, 2016, (Last edit: 07/04/2016)</a:t>
+            </a:r>
+            <a:endParaRPr lang="en-US"/>
+          </a:p>
+        </p:txBody>
+      </p:sp>
+      <p:sp>
+        <p:nvSpPr>
+          <p:cNvPr id="6" name="Slide Number Placeholder 5"/>
+          <p:cNvSpPr>
+            <a:spLocks noGrp="1"/>
+          </p:cNvSpPr>
+          <p:nvPr>
+            <p:ph type="sldNum" sz="quarter" idx="12"/>
+          </p:nvPr>
+        </p:nvSpPr>
+        <p:spPr/>
+        <p:txBody>
+          <a:bodyPr/>
+          <a:lstStyle/>
+          <a:p>
+            <a:fld id="{DE42E464-3EB8-43C8-8768-9E2AD4F497B7}" type="slidenum">
+              <a:rPr lang="en-US" smtClean="0"/>
+              <a:t>‹#›</a:t>
+            </a:fld>
+            <a:endParaRPr lang="en-US"/>
+          </a:p>
+        </p:txBody>
+      </p:sp>
+    </p:spTree>
+    <p:extLst>
+      <p:ext uri="{BB962C8B-B14F-4D97-AF65-F5344CB8AC3E}">
+        <p14:creationId xmlns:p14="http://schemas.microsoft.com/office/powerpoint/2010/main" val="2130758574"/>
+      </p:ext>
+    </p:extLst>
+  </p:cSld>
+  <p:clrMapOvr>
+    <a:masterClrMapping/>
+  </p:clrMapOvr>
+</p:sldLayout>
+</file>
+
+<file path=ppt/slideLayouts/slideLayout4.xml><?xml version="1.0" encoding="utf-8"?>
+<p:sldLayout xmlns:a="http://schemas.openxmlformats.org/drawingml/2006/main" xmlns:r="http://schemas.openxmlformats.org/officeDocument/2006/relationships" xmlns:p="http://schemas.openxmlformats.org/presentationml/2006/main" type="twoObj" preserve="1">
+  <p:cSld name="Two Content">
+    <p:spTree>
+      <p:nvGrpSpPr>
+        <p:cNvPr id="1" name=""/>
+        <p:cNvGrpSpPr/>
+        <p:nvPr/>
+      </p:nvGrpSpPr>
+      <p:grpSpPr>
+        <a:xfrm>
+          <a:off x="0" y="0"/>
+          <a:ext cx="0" cy="0"/>
+          <a:chOff x="0" y="0"/>
+          <a:chExt cx="0" cy="0"/>
+        </a:xfrm>
+      </p:grpSpPr>
+      <p:sp>
+        <p:nvSpPr>
+          <p:cNvPr id="2" name="Title 1"/>
+          <p:cNvSpPr>
+            <a:spLocks noGrp="1"/>
+          </p:cNvSpPr>
+          <p:nvPr>
+            <p:ph type="title"/>
+          </p:nvPr>
+        </p:nvSpPr>
+        <p:spPr>
+          <a:xfrm>
+            <a:off x="457199" y="152718"/>
+            <a:ext cx="8245475" cy="1371600"/>
+          </a:xfrm>
+        </p:spPr>
+        <p:txBody>
+          <a:bodyPr/>
+          <a:lstStyle/>
+          <a:p>
+            <a:r>
+              <a:rPr lang="en-US" smtClean="0"/>
+              <a:t>Click to edit Master title style</a:t>
+            </a:r>
+            <a:endParaRPr lang="en-US"/>
+          </a:p>
+        </p:txBody>
+      </p:sp>
+      <p:sp>
+        <p:nvSpPr>
+          <p:cNvPr id="3" name="Content Placeholder 2"/>
+          <p:cNvSpPr>
+            <a:spLocks noGrp="1"/>
+          </p:cNvSpPr>
+          <p:nvPr>
+            <p:ph sz="half" idx="1"/>
+          </p:nvPr>
+        </p:nvSpPr>
+        <p:spPr>
+          <a:xfrm>
+            <a:off x="457200" y="1574800"/>
+            <a:ext cx="3877529" cy="4525963"/>
+          </a:xfrm>
+        </p:spPr>
+        <p:txBody>
+          <a:bodyPr/>
+          <a:lstStyle>
+            <a:lvl1pPr>
+              <a:defRPr sz="2800"/>
+            </a:lvl1pPr>
+            <a:lvl2pPr>
+              <a:defRPr sz="2400"/>
+            </a:lvl2pPr>
+            <a:lvl3pPr>
+              <a:defRPr sz="2000"/>
+            </a:lvl3pPr>
+            <a:lvl4pPr>
+              <a:defRPr sz="1800"/>
+            </a:lvl4pPr>
+            <a:lvl5pPr>
+              <a:defRPr sz="1800"/>
+            </a:lvl5pPr>
+            <a:lvl6pPr>
+              <a:defRPr sz="1800"/>
+            </a:lvl6pPr>
+            <a:lvl7pPr>
+              <a:defRPr sz="1800"/>
+            </a:lvl7pPr>
+            <a:lvl8pPr>
+              <a:defRPr sz="1800"/>
+            </a:lvl8pPr>
+            <a:lvl9pPr>
+              <a:defRPr sz="1800"/>
+            </a:lvl9pPr>
+          </a:lstStyle>
+          <a:p>
+            <a:pPr lvl="0"/>
+            <a:r>
+              <a:rPr lang="en-US" smtClean="0"/>
+              <a:t>Click to edit Master text styles</a:t>
+            </a:r>
+          </a:p>
+          <a:p>
+            <a:pPr lvl="1"/>
+            <a:r>
+              <a:rPr lang="en-US" smtClean="0"/>
+              <a:t>Second level</a:t>
+            </a:r>
+          </a:p>
+          <a:p>
+            <a:pPr lvl="2"/>
+            <a:r>
+              <a:rPr lang="en-US" smtClean="0"/>
+              <a:t>Third level</a:t>
+            </a:r>
+          </a:p>
+          <a:p>
+            <a:pPr lvl="3"/>
+            <a:r>
+              <a:rPr lang="en-US" smtClean="0"/>
+              <a:t>Fourth level</a:t>
+            </a:r>
+          </a:p>
+          <a:p>
+            <a:pPr lvl="4"/>
+            <a:r>
+              <a:rPr lang="en-US" smtClean="0"/>
+              <a:t>Fifth level</a:t>
+            </a:r>
+            <a:endParaRPr lang="en-US" dirty="0"/>
+          </a:p>
+        </p:txBody>
+      </p:sp>
+      <p:sp>
+        <p:nvSpPr>
+          <p:cNvPr id="4" name="Content Placeholder 3"/>
+          <p:cNvSpPr>
+            <a:spLocks noGrp="1"/>
+          </p:cNvSpPr>
+          <p:nvPr>
+            <p:ph sz="half" idx="2"/>
+          </p:nvPr>
+        </p:nvSpPr>
+        <p:spPr>
+          <a:xfrm>
+            <a:off x="4886923" y="1574800"/>
+            <a:ext cx="3815751" cy="4525963"/>
+          </a:xfrm>
+        </p:spPr>
+        <p:txBody>
+          <a:bodyPr/>
+          <a:lstStyle>
+            <a:lvl1pPr>
+              <a:defRPr sz="2800"/>
+            </a:lvl1pPr>
+            <a:lvl2pPr>
+              <a:defRPr sz="2400"/>
+            </a:lvl2pPr>
+            <a:lvl3pPr>
+              <a:defRPr sz="2000"/>
+            </a:lvl3pPr>
+            <a:lvl4pPr>
+              <a:defRPr sz="1800"/>
+            </a:lvl4pPr>
+            <a:lvl5pPr>
+              <a:defRPr sz="1800"/>
+            </a:lvl5pPr>
+            <a:lvl6pPr>
+              <a:defRPr sz="1800"/>
+            </a:lvl6pPr>
+            <a:lvl7pPr>
+              <a:defRPr sz="1800"/>
+            </a:lvl7pPr>
+            <a:lvl8pPr>
+              <a:defRPr sz="1800"/>
+            </a:lvl8pPr>
+            <a:lvl9pPr>
+              <a:defRPr sz="1800"/>
+            </a:lvl9pPr>
+          </a:lstStyle>
+          <a:p>
+            <a:pPr lvl="0"/>
+            <a:r>
+              <a:rPr lang="en-US" dirty="0" smtClean="0"/>
+              <a:t>Click to edit Master text styles</a:t>
+            </a:r>
+          </a:p>
+          <a:p>
+            <a:pPr lvl="1"/>
+            <a:r>
+              <a:rPr lang="en-US" dirty="0" smtClean="0"/>
+              <a:t>Second level</a:t>
+            </a:r>
+          </a:p>
+          <a:p>
+            <a:pPr lvl="2"/>
+            <a:r>
+              <a:rPr lang="en-US" dirty="0" smtClean="0"/>
+              <a:t>Third level</a:t>
+            </a:r>
+          </a:p>
+          <a:p>
+            <a:pPr lvl="3"/>
+            <a:r>
+              <a:rPr lang="en-US" dirty="0" smtClean="0"/>
+              <a:t>Fourth level</a:t>
+            </a:r>
+          </a:p>
+          <a:p>
+            <a:pPr lvl="4"/>
+            <a:r>
+              <a:rPr lang="en-US" dirty="0" smtClean="0"/>
+              <a:t>Fifth level</a:t>
+            </a:r>
+            <a:endParaRPr lang="en-US" dirty="0"/>
+          </a:p>
+        </p:txBody>
+      </p:sp>
+      <p:sp>
+        <p:nvSpPr>
+          <p:cNvPr id="5" name="Date Placeholder 4"/>
+          <p:cNvSpPr>
+            <a:spLocks noGrp="1"/>
+          </p:cNvSpPr>
+          <p:nvPr>
+            <p:ph type="dt" sz="half" idx="10"/>
+          </p:nvPr>
+        </p:nvSpPr>
+        <p:spPr/>
+        <p:txBody>
+          <a:bodyPr/>
+          <a:lstStyle/>
+          <a:p>
+            <a:fld id="{8B443C50-7CB8-0645-AFC0-5591FBD3A0D0}" type="datetime1">
+              <a:rPr lang="en-US" smtClean="0"/>
+              <a:t>7/4/16</a:t>
+            </a:fld>
+            <a:endParaRPr lang="en-US"/>
+          </a:p>
+        </p:txBody>
+      </p:sp>
+      <p:sp>
+        <p:nvSpPr>
+          <p:cNvPr id="6" name="Footer Placeholder 5"/>
+          <p:cNvSpPr>
+            <a:spLocks noGrp="1"/>
+          </p:cNvSpPr>
+          <p:nvPr>
+            <p:ph type="ftr" sz="quarter" idx="11"/>
+          </p:nvPr>
+        </p:nvSpPr>
+        <p:spPr/>
+        <p:txBody>
+          <a:bodyPr/>
+          <a:lstStyle/>
+          <a:p>
+            <a:r>
+              <a:rPr lang="en-US" smtClean="0"/>
+              <a:t>© EV3Lessons.com, 2016, (Last edit: 07/04/2016)</a:t>
+            </a:r>
+            <a:endParaRPr lang="en-US"/>
+          </a:p>
+        </p:txBody>
+      </p:sp>
+      <p:sp>
+        <p:nvSpPr>
+          <p:cNvPr id="7" name="Slide Number Placeholder 6"/>
+          <p:cNvSpPr>
+            <a:spLocks noGrp="1"/>
+          </p:cNvSpPr>
+          <p:nvPr>
+            <p:ph type="sldNum" sz="quarter" idx="12"/>
+          </p:nvPr>
+        </p:nvSpPr>
+        <p:spPr/>
+        <p:txBody>
+          <a:bodyPr/>
+          <a:lstStyle/>
+          <a:p>
+            <a:fld id="{4DBC7FC8-25FB-FC45-8177-2B991DA6778C}" type="slidenum">
+              <a:rPr lang="en-US" smtClean="0"/>
+              <a:t>‹#›</a:t>
+            </a:fld>
+            <a:endParaRPr lang="en-US"/>
+          </a:p>
+        </p:txBody>
+      </p:sp>
+    </p:spTree>
+    <p:extLst>
+      <p:ext uri="{BB962C8B-B14F-4D97-AF65-F5344CB8AC3E}">
+        <p14:creationId xmlns:p14="http://schemas.microsoft.com/office/powerpoint/2010/main" val="933298417"/>
+      </p:ext>
+    </p:extLst>
+  </p:cSld>
+  <p:clrMapOvr>
+    <a:masterClrMapping/>
+  </p:clrMapOvr>
+</p:sldLayout>
+</file>
+
+<file path=ppt/slideLayouts/slideLayout5.xml><?xml version="1.0" encoding="utf-8"?>
+<p:sldLayout xmlns:a="http://schemas.openxmlformats.org/drawingml/2006/main" xmlns:r="http://schemas.openxmlformats.org/officeDocument/2006/relationships" xmlns:p="http://schemas.openxmlformats.org/presentationml/2006/main" type="twoTxTwoObj" preserve="1">
+  <p:cSld name="Comparison">
+    <p:spTree>
+      <p:nvGrpSpPr>
+        <p:cNvPr id="1" name=""/>
+        <p:cNvGrpSpPr/>
+        <p:nvPr/>
+      </p:nvGrpSpPr>
+      <p:grpSpPr>
+        <a:xfrm>
+          <a:off x="0" y="0"/>
+          <a:ext cx="0" cy="0"/>
+          <a:chOff x="0" y="0"/>
+          <a:chExt cx="0" cy="0"/>
+        </a:xfrm>
+      </p:grpSpPr>
+      <p:sp>
+        <p:nvSpPr>
+          <p:cNvPr id="2" name="Title 1"/>
+          <p:cNvSpPr>
+            <a:spLocks noGrp="1"/>
+          </p:cNvSpPr>
+          <p:nvPr>
+            <p:ph type="title"/>
+          </p:nvPr>
+        </p:nvSpPr>
+        <p:spPr/>
+        <p:txBody>
+          <a:bodyPr/>
+          <a:lstStyle>
+            <a:lvl1pPr>
+              <a:defRPr/>
+            </a:lvl1pPr>
+          </a:lstStyle>
+          <a:p>
+            <a:r>
+              <a:rPr lang="en-US" smtClean="0"/>
+              <a:t>Click to edit Master title style</a:t>
+            </a:r>
+            <a:endParaRPr lang="en-US"/>
+          </a:p>
+        </p:txBody>
+      </p:sp>
+      <p:sp>
+        <p:nvSpPr>
+          <p:cNvPr id="3" name="Text Placeholder 2"/>
+          <p:cNvSpPr>
+            <a:spLocks noGrp="1"/>
+          </p:cNvSpPr>
+          <p:nvPr>
+            <p:ph type="body" idx="1"/>
+          </p:nvPr>
+        </p:nvSpPr>
+        <p:spPr>
+          <a:xfrm>
+            <a:off x="1627632" y="1572768"/>
+            <a:ext cx="3291840" cy="639762"/>
+          </a:xfrm>
+        </p:spPr>
+        <p:txBody>
+          <a:bodyPr anchor="b">
+            <a:noAutofit/>
+          </a:bodyPr>
+          <a:lstStyle>
+            <a:lvl1pPr marL="0" indent="0">
+              <a:buNone/>
+              <a:defRPr sz="1800" b="0" cap="all" spc="100" baseline="0">
+                <a:solidFill>
+                  <a:schemeClr val="tx1"/>
+                </a:solidFill>
+                <a:latin typeface="+mj-lt"/>
+              </a:defRPr>
+            </a:lvl1pPr>
+            <a:lvl2pPr marL="457200" indent="0">
+              <a:buNone/>
+              <a:defRPr sz="2000" b="1"/>
+            </a:lvl2pPr>
+            <a:lvl3pPr marL="914400" indent="0">
+              <a:buNone/>
+              <a:defRPr sz="1800" b="1"/>
+            </a:lvl3pPr>
+            <a:lvl4pPr marL="1371600" indent="0">
+              <a:buNone/>
+              <a:defRPr sz="1600" b="1"/>
+            </a:lvl4pPr>
+            <a:lvl5pPr marL="1828800" indent="0">
+              <a:buNone/>
+              <a:defRPr sz="1600" b="1"/>
+            </a:lvl5pPr>
+            <a:lvl6pPr marL="2286000" indent="0">
+              <a:buNone/>
+              <a:defRPr sz="1600" b="1"/>
+            </a:lvl6pPr>
+            <a:lvl7pPr marL="2743200" indent="0">
+              <a:buNone/>
+              <a:defRPr sz="1600" b="1"/>
+            </a:lvl7pPr>
+            <a:lvl8pPr marL="3200400" indent="0">
+              <a:buNone/>
+              <a:defRPr sz="1600" b="1"/>
+            </a:lvl8pPr>
+            <a:lvl9pPr marL="3657600" indent="0">
+              <a:buNone/>
+              <a:defRPr sz="1600" b="1"/>
+            </a:lvl9pPr>
+          </a:lstStyle>
+          <a:p>
+            <a:pPr lvl="0"/>
+            <a:r>
+              <a:rPr lang="en-US" smtClean="0"/>
+              <a:t>Click to edit Master text styles</a:t>
+            </a:r>
+          </a:p>
+        </p:txBody>
+      </p:sp>
+      <p:sp>
+        <p:nvSpPr>
+          <p:cNvPr id="4" name="Content Placeholder 3"/>
+          <p:cNvSpPr>
+            <a:spLocks noGrp="1"/>
+          </p:cNvSpPr>
+          <p:nvPr>
+            <p:ph sz="half" idx="2"/>
+          </p:nvPr>
+        </p:nvSpPr>
+        <p:spPr>
+          <a:xfrm>
+            <a:off x="1627632" y="2259366"/>
+            <a:ext cx="3291840" cy="3840480"/>
+          </a:xfrm>
+        </p:spPr>
+        <p:txBody>
+          <a:bodyPr/>
+          <a:lstStyle>
+            <a:lvl1pPr>
+              <a:defRPr sz="2400"/>
+            </a:lvl1pPr>
+            <a:lvl2pPr>
+              <a:defRPr sz="2000"/>
+            </a:lvl2pPr>
+            <a:lvl3pPr>
+              <a:defRPr sz="1800"/>
+            </a:lvl3pPr>
+            <a:lvl4pPr>
+              <a:defRPr sz="1600"/>
+            </a:lvl4pPr>
+            <a:lvl5pPr>
+              <a:defRPr sz="1600"/>
+            </a:lvl5pPr>
+            <a:lvl6pPr>
+              <a:defRPr sz="1600"/>
+            </a:lvl6pPr>
+            <a:lvl7pPr>
+              <a:defRPr sz="1600"/>
+            </a:lvl7pPr>
+            <a:lvl8pPr>
+              <a:defRPr sz="1600"/>
+            </a:lvl8pPr>
+            <a:lvl9pPr>
+              <a:defRPr sz="1600"/>
+            </a:lvl9pPr>
+          </a:lstStyle>
+          <a:p>
+            <a:pPr lvl="0"/>
+            <a:r>
+              <a:rPr lang="en-US" smtClean="0"/>
+              <a:t>Click to edit Master text styles</a:t>
+            </a:r>
+          </a:p>
+          <a:p>
+            <a:pPr lvl="1"/>
+            <a:r>
+              <a:rPr lang="en-US" smtClean="0"/>
+              <a:t>Second level</a:t>
+            </a:r>
+          </a:p>
+          <a:p>
+            <a:pPr lvl="2"/>
+            <a:r>
+              <a:rPr lang="en-US" smtClean="0"/>
+              <a:t>Third level</a:t>
+            </a:r>
+          </a:p>
+          <a:p>
+            <a:pPr lvl="3"/>
+            <a:r>
+              <a:rPr lang="en-US" smtClean="0"/>
+              <a:t>Fourth level</a:t>
+            </a:r>
+          </a:p>
+          <a:p>
+            <a:pPr lvl="4"/>
+            <a:r>
+              <a:rPr lang="en-US" smtClean="0"/>
+              <a:t>Fifth level</a:t>
+            </a:r>
+            <a:endParaRPr lang="en-US" dirty="0"/>
+          </a:p>
+        </p:txBody>
+      </p:sp>
+      <p:sp>
+        <p:nvSpPr>
+          <p:cNvPr id="5" name="Text Placeholder 4"/>
+          <p:cNvSpPr>
+            <a:spLocks noGrp="1"/>
+          </p:cNvSpPr>
+          <p:nvPr>
+            <p:ph type="body" sz="quarter" idx="3"/>
+          </p:nvPr>
+        </p:nvSpPr>
+        <p:spPr>
+          <a:xfrm>
+            <a:off x="5093208" y="1572768"/>
+            <a:ext cx="3291840" cy="639762"/>
+          </a:xfrm>
+        </p:spPr>
+        <p:txBody>
+          <a:bodyPr anchor="b">
+            <a:noAutofit/>
+          </a:bodyPr>
+          <a:lstStyle>
+            <a:lvl1pPr marL="0" indent="0">
+              <a:buNone/>
+              <a:defRPr lang="en-US" sz="1800" b="0" kern="1200" cap="all" spc="100" baseline="0" dirty="0" smtClean="0">
+                <a:solidFill>
+                  <a:schemeClr val="tx1"/>
+                </a:solidFill>
+                <a:latin typeface="+mj-lt"/>
+                <a:ea typeface="+mn-ea"/>
+                <a:cs typeface="+mn-cs"/>
+              </a:defRPr>
+            </a:lvl1pPr>
+            <a:lvl2pPr marL="457200" indent="0">
+              <a:buNone/>
+              <a:defRPr sz="2000" b="1"/>
+            </a:lvl2pPr>
+            <a:lvl3pPr marL="914400" indent="0">
+              <a:buNone/>
+              <a:defRPr sz="1800" b="1"/>
+            </a:lvl3pPr>
+            <a:lvl4pPr marL="1371600" indent="0">
+              <a:buNone/>
+              <a:defRPr sz="1600" b="1"/>
+            </a:lvl4pPr>
+            <a:lvl5pPr marL="1828800" indent="0">
+              <a:buNone/>
+              <a:defRPr sz="1600" b="1"/>
+            </a:lvl5pPr>
+            <a:lvl6pPr marL="2286000" indent="0">
+              <a:buNone/>
+              <a:defRPr sz="1600" b="1"/>
+            </a:lvl6pPr>
+            <a:lvl7pPr marL="2743200" indent="0">
+              <a:buNone/>
+              <a:defRPr sz="1600" b="1"/>
+            </a:lvl7pPr>
+            <a:lvl8pPr marL="3200400" indent="0">
+              <a:buNone/>
+              <a:defRPr sz="1600" b="1"/>
+            </a:lvl8pPr>
+            <a:lvl9pPr marL="3657600" indent="0">
+              <a:buNone/>
+              <a:defRPr sz="1600" b="1"/>
+            </a:lvl9pPr>
+          </a:lstStyle>
+          <a:p>
+            <a:pPr marL="0" lvl="0" indent="0" algn="l" defTabSz="914400" rtl="0" eaLnBrk="1" latinLnBrk="0" hangingPunct="1">
+              <a:spcBef>
+                <a:spcPct val="20000"/>
+              </a:spcBef>
+              <a:buFont typeface="Arial" pitchFamily="34" charset="0"/>
+              <a:buNone/>
+            </a:pPr>
+            <a:r>
+              <a:rPr lang="en-US" smtClean="0"/>
+              <a:t>Click to edit Master text styles</a:t>
+            </a:r>
+          </a:p>
+        </p:txBody>
+      </p:sp>
+      <p:sp>
+        <p:nvSpPr>
+          <p:cNvPr id="6" name="Content Placeholder 5"/>
+          <p:cNvSpPr>
+            <a:spLocks noGrp="1"/>
+          </p:cNvSpPr>
+          <p:nvPr>
+            <p:ph sz="quarter" idx="4"/>
+          </p:nvPr>
+        </p:nvSpPr>
+        <p:spPr>
+          <a:xfrm>
+            <a:off x="5093208" y="2259366"/>
+            <a:ext cx="3291840" cy="3840480"/>
+          </a:xfrm>
+        </p:spPr>
+        <p:txBody>
+          <a:bodyPr/>
+          <a:lstStyle>
+            <a:lvl1pPr>
+              <a:defRPr sz="2400"/>
+            </a:lvl1pPr>
+            <a:lvl2pPr>
+              <a:defRPr sz="2000"/>
+            </a:lvl2pPr>
+            <a:lvl3pPr>
+              <a:defRPr sz="1800"/>
+            </a:lvl3pPr>
+            <a:lvl4pPr>
+              <a:defRPr sz="1600"/>
+            </a:lvl4pPr>
+            <a:lvl5pPr>
+              <a:defRPr sz="1600"/>
+            </a:lvl5pPr>
+            <a:lvl6pPr>
+              <a:defRPr sz="1600"/>
+            </a:lvl6pPr>
+            <a:lvl7pPr>
+              <a:defRPr sz="1600"/>
+            </a:lvl7pPr>
+            <a:lvl8pPr>
+              <a:defRPr sz="1600"/>
+            </a:lvl8pPr>
+            <a:lvl9pPr>
+              <a:defRPr sz="1600"/>
+            </a:lvl9pPr>
+          </a:lstStyle>
+          <a:p>
+            <a:pPr lvl="0"/>
+            <a:r>
+              <a:rPr lang="en-US" smtClean="0"/>
+              <a:t>Click to edit Master text styles</a:t>
+            </a:r>
+          </a:p>
+          <a:p>
+            <a:pPr lvl="1"/>
+            <a:r>
+              <a:rPr lang="en-US" smtClean="0"/>
+              <a:t>Second level</a:t>
+            </a:r>
+          </a:p>
+          <a:p>
+            <a:pPr lvl="2"/>
+            <a:r>
+              <a:rPr lang="en-US" smtClean="0"/>
+              <a:t>Third level</a:t>
+            </a:r>
+          </a:p>
+          <a:p>
+            <a:pPr lvl="3"/>
+            <a:r>
+              <a:rPr lang="en-US" smtClean="0"/>
+              <a:t>Fourth level</a:t>
+            </a:r>
+          </a:p>
+          <a:p>
+            <a:pPr lvl="4"/>
+            <a:r>
+              <a:rPr lang="en-US" smtClean="0"/>
+              <a:t>Fifth level</a:t>
+            </a:r>
+            <a:endParaRPr lang="en-US" dirty="0"/>
+          </a:p>
+        </p:txBody>
+      </p:sp>
+      <p:sp>
+        <p:nvSpPr>
+          <p:cNvPr id="7" name="Date Placeholder 6"/>
+          <p:cNvSpPr>
+            <a:spLocks noGrp="1"/>
+          </p:cNvSpPr>
+          <p:nvPr>
+            <p:ph type="dt" sz="half" idx="10"/>
+          </p:nvPr>
+        </p:nvSpPr>
+        <p:spPr/>
+        <p:txBody>
+          <a:bodyPr/>
+          <a:lstStyle/>
+          <a:p>
+            <a:fld id="{1E467B04-4B86-FA4D-9EC5-BD120978EDB8}" type="datetime1">
+              <a:rPr lang="en-US" smtClean="0"/>
+              <a:t>7/4/16</a:t>
+            </a:fld>
+            <a:endParaRPr lang="en-US"/>
+          </a:p>
+        </p:txBody>
+      </p:sp>
+      <p:sp>
+        <p:nvSpPr>
+          <p:cNvPr id="8" name="Footer Placeholder 7"/>
+          <p:cNvSpPr>
+            <a:spLocks noGrp="1"/>
+          </p:cNvSpPr>
+          <p:nvPr>
+            <p:ph type="ftr" sz="quarter" idx="11"/>
+          </p:nvPr>
+        </p:nvSpPr>
+        <p:spPr/>
+        <p:txBody>
+          <a:bodyPr/>
+          <a:lstStyle/>
+          <a:p>
+            <a:r>
+              <a:rPr lang="en-US" smtClean="0"/>
+              <a:t>© EV3Lessons.com, 2016, (Last edit: 07/04/2016)</a:t>
+            </a:r>
+            <a:endParaRPr lang="en-US"/>
+          </a:p>
+        </p:txBody>
+      </p:sp>
+      <p:sp>
+        <p:nvSpPr>
+          <p:cNvPr id="9" name="Slide Number Placeholder 8"/>
+          <p:cNvSpPr>
+            <a:spLocks noGrp="1"/>
+          </p:cNvSpPr>
+          <p:nvPr>
+            <p:ph type="sldNum" sz="quarter" idx="12"/>
+          </p:nvPr>
+        </p:nvSpPr>
+        <p:spPr/>
+        <p:txBody>
+          <a:bodyPr/>
+          <a:lstStyle/>
+          <a:p>
+            <a:fld id="{4DBC7FC8-25FB-FC45-8177-2B991DA6778C}" type="slidenum">
+              <a:rPr lang="en-US" smtClean="0"/>
+              <a:t>‹#›</a:t>
+            </a:fld>
+            <a:endParaRPr lang="en-US"/>
+          </a:p>
+        </p:txBody>
+      </p:sp>
+    </p:spTree>
+    <p:extLst>
+      <p:ext uri="{BB962C8B-B14F-4D97-AF65-F5344CB8AC3E}">
+        <p14:creationId xmlns:p14="http://schemas.microsoft.com/office/powerpoint/2010/main" val="965720010"/>
+      </p:ext>
+    </p:extLst>
+  </p:cSld>
+  <p:clrMapOvr>
+    <a:masterClrMapping/>
+  </p:clrMapOvr>
+</p:sldLayout>
+</file>
+
+<file path=ppt/slideLayouts/slideLayout6.xml><?xml version="1.0" encoding="utf-8"?>
+<p:sldLayout xmlns:a="http://schemas.openxmlformats.org/drawingml/2006/main" xmlns:r="http://schemas.openxmlformats.org/officeDocument/2006/relationships" xmlns:p="http://schemas.openxmlformats.org/presentationml/2006/main" type="titleOnly" preserve="1">
+  <p:cSld name="Title Only">
+    <p:spTree>
+      <p:nvGrpSpPr>
+        <p:cNvPr id="1" name=""/>
+        <p:cNvGrpSpPr/>
+        <p:nvPr/>
+      </p:nvGrpSpPr>
+      <p:grpSpPr>
+        <a:xfrm>
+          <a:off x="0" y="0"/>
+          <a:ext cx="0" cy="0"/>
+          <a:chOff x="0" y="0"/>
+          <a:chExt cx="0" cy="0"/>
+        </a:xfrm>
+      </p:grpSpPr>
+      <p:sp>
+        <p:nvSpPr>
+          <p:cNvPr id="2" name="Title 1"/>
+          <p:cNvSpPr>
+            <a:spLocks noGrp="1"/>
+          </p:cNvSpPr>
+          <p:nvPr>
+            <p:ph type="title"/>
+          </p:nvPr>
+        </p:nvSpPr>
+        <p:spPr/>
+        <p:txBody>
+          <a:bodyPr/>
+          <a:lstStyle/>
+          <a:p>
+            <a:r>
+              <a:rPr lang="en-US" smtClean="0"/>
+              <a:t>Click to edit Master title style</a:t>
+            </a:r>
+            <a:endParaRPr lang="en-US"/>
+          </a:p>
+        </p:txBody>
+      </p:sp>
+      <p:sp>
+        <p:nvSpPr>
+          <p:cNvPr id="3" name="Date Placeholder 2"/>
+          <p:cNvSpPr>
+            <a:spLocks noGrp="1"/>
+          </p:cNvSpPr>
+          <p:nvPr>
+            <p:ph type="dt" sz="half" idx="10"/>
+          </p:nvPr>
+        </p:nvSpPr>
+        <p:spPr/>
+        <p:txBody>
+          <a:bodyPr/>
+          <a:lstStyle/>
+          <a:p>
+            <a:fld id="{1520BF0A-F60B-8949-96CD-C991FE77F9BA}" type="datetime1">
+              <a:rPr lang="en-US" smtClean="0"/>
+              <a:t>7/4/16</a:t>
+            </a:fld>
+            <a:endParaRPr lang="en-US"/>
+          </a:p>
+        </p:txBody>
+      </p:sp>
+      <p:sp>
+        <p:nvSpPr>
+          <p:cNvPr id="4" name="Footer Placeholder 3"/>
+          <p:cNvSpPr>
+            <a:spLocks noGrp="1"/>
+          </p:cNvSpPr>
+          <p:nvPr>
+            <p:ph type="ftr" sz="quarter" idx="11"/>
+          </p:nvPr>
+        </p:nvSpPr>
+        <p:spPr/>
+        <p:txBody>
+          <a:bodyPr/>
+          <a:lstStyle/>
+          <a:p>
+            <a:r>
+              <a:rPr lang="en-US" smtClean="0"/>
+              <a:t>© EV3Lessons.com, 2016, (Last edit: 07/04/2016)</a:t>
+            </a:r>
+            <a:endParaRPr lang="en-US"/>
+          </a:p>
+        </p:txBody>
+      </p:sp>
+      <p:sp>
+        <p:nvSpPr>
+          <p:cNvPr id="5" name="Slide Number Placeholder 4"/>
+          <p:cNvSpPr>
+            <a:spLocks noGrp="1"/>
+          </p:cNvSpPr>
+          <p:nvPr>
+            <p:ph type="sldNum" sz="quarter" idx="12"/>
+          </p:nvPr>
+        </p:nvSpPr>
+        <p:spPr/>
+        <p:txBody>
+          <a:bodyPr/>
+          <a:lstStyle/>
+          <a:p>
+            <a:fld id="{4DBC7FC8-25FB-FC45-8177-2B991DA6778C}" type="slidenum">
+              <a:rPr lang="en-US" smtClean="0"/>
+              <a:t>‹#›</a:t>
+            </a:fld>
+            <a:endParaRPr lang="en-US"/>
+          </a:p>
+        </p:txBody>
+      </p:sp>
+    </p:spTree>
+    <p:extLst>
+      <p:ext uri="{BB962C8B-B14F-4D97-AF65-F5344CB8AC3E}">
+        <p14:creationId xmlns:p14="http://schemas.microsoft.com/office/powerpoint/2010/main" val="173938412"/>
+      </p:ext>
+    </p:extLst>
+  </p:cSld>
+  <p:clrMapOvr>
+    <a:masterClrMapping/>
+  </p:clrMapOvr>
+</p:sldLayout>
+</file>
+
+<file path=ppt/slideLayouts/slideLayout7.xml><?xml version="1.0" encoding="utf-8"?>
+<p:sldLayout xmlns:a="http://schemas.openxmlformats.org/drawingml/2006/main" xmlns:r="http://schemas.openxmlformats.org/officeDocument/2006/relationships" xmlns:p="http://schemas.openxmlformats.org/presentationml/2006/main" type="blank" preserve="1">
+  <p:cSld name="Blank">
+    <p:spTree>
+      <p:nvGrpSpPr>
+        <p:cNvPr id="1" name=""/>
+        <p:cNvGrpSpPr/>
+        <p:nvPr/>
+      </p:nvGrpSpPr>
+      <p:grpSpPr>
+        <a:xfrm>
+          <a:off x="0" y="0"/>
+          <a:ext cx="0" cy="0"/>
+          <a:chOff x="0" y="0"/>
+          <a:chExt cx="0" cy="0"/>
+        </a:xfrm>
+      </p:grpSpPr>
+      <p:sp>
+        <p:nvSpPr>
+          <p:cNvPr id="2" name="Date Placeholder 1"/>
+          <p:cNvSpPr>
+            <a:spLocks noGrp="1"/>
+          </p:cNvSpPr>
+          <p:nvPr>
+            <p:ph type="dt" sz="half" idx="10"/>
+          </p:nvPr>
+        </p:nvSpPr>
+        <p:spPr/>
+        <p:txBody>
+          <a:bodyPr/>
+          <a:lstStyle/>
+          <a:p>
+            <a:fld id="{BC3CDF70-4DF9-5544-AF0B-1381B735114D}" type="datetime1">
+              <a:rPr lang="en-US" smtClean="0"/>
+              <a:t>7/4/16</a:t>
+            </a:fld>
+            <a:endParaRPr lang="en-US"/>
+          </a:p>
+        </p:txBody>
+      </p:sp>
+      <p:sp>
+        <p:nvSpPr>
+          <p:cNvPr id="3" name="Footer Placeholder 2"/>
+          <p:cNvSpPr>
+            <a:spLocks noGrp="1"/>
+          </p:cNvSpPr>
+          <p:nvPr>
+            <p:ph type="ftr" sz="quarter" idx="11"/>
+          </p:nvPr>
+        </p:nvSpPr>
+        <p:spPr/>
+        <p:txBody>
+          <a:bodyPr/>
+          <a:lstStyle/>
+          <a:p>
+            <a:r>
+              <a:rPr lang="en-US" smtClean="0"/>
+              <a:t>© EV3Lessons.com, 2016, (Last edit: 07/04/2016)</a:t>
+            </a:r>
+            <a:endParaRPr lang="en-US"/>
+          </a:p>
+        </p:txBody>
+      </p:sp>
+      <p:sp>
+        <p:nvSpPr>
+          <p:cNvPr id="4" name="Slide Number Placeholder 3"/>
+          <p:cNvSpPr>
+            <a:spLocks noGrp="1"/>
+          </p:cNvSpPr>
+          <p:nvPr>
+            <p:ph type="sldNum" sz="quarter" idx="12"/>
+          </p:nvPr>
+        </p:nvSpPr>
+        <p:spPr/>
+        <p:txBody>
+          <a:bodyPr/>
+          <a:lstStyle/>
+          <a:p>
+            <a:fld id="{4DBC7FC8-25FB-FC45-8177-2B991DA6778C}" type="slidenum">
+              <a:rPr lang="en-US" smtClean="0"/>
+              <a:t>‹#›</a:t>
+            </a:fld>
+            <a:endParaRPr lang="en-US"/>
+          </a:p>
+        </p:txBody>
+      </p:sp>
+    </p:spTree>
+    <p:extLst>
+      <p:ext uri="{BB962C8B-B14F-4D97-AF65-F5344CB8AC3E}">
+        <p14:creationId xmlns:p14="http://schemas.microsoft.com/office/powerpoint/2010/main" val="2120886557"/>
+      </p:ext>
+    </p:extLst>
+  </p:cSld>
+  <p:clrMapOvr>
+    <a:masterClrMapping/>
+  </p:clrMapOvr>
+</p:sldLayout>
+</file>
+
+<file path=ppt/slideLayouts/slideLayout8.xml><?xml version="1.0" encoding="utf-8"?>
+<p:sldLayout xmlns:a="http://schemas.openxmlformats.org/drawingml/2006/main" xmlns:r="http://schemas.openxmlformats.org/officeDocument/2006/relationships" xmlns:p="http://schemas.openxmlformats.org/presentationml/2006/main" type="objTx" preserve="1">
+  <p:cSld name="Content with Caption">
+    <p:spTree>
+      <p:nvGrpSpPr>
+        <p:cNvPr id="1" name=""/>
+        <p:cNvGrpSpPr/>
+        <p:nvPr/>
+      </p:nvGrpSpPr>
+      <p:grpSpPr>
+        <a:xfrm>
+          <a:off x="0" y="0"/>
+          <a:ext cx="0" cy="0"/>
+          <a:chOff x="0" y="0"/>
+          <a:chExt cx="0" cy="0"/>
+        </a:xfrm>
+      </p:grpSpPr>
+      <p:sp>
+        <p:nvSpPr>
+          <p:cNvPr id="3" name="Content Placeholder 2"/>
+          <p:cNvSpPr>
+            <a:spLocks noGrp="1"/>
+          </p:cNvSpPr>
+          <p:nvPr>
+            <p:ph idx="1"/>
+          </p:nvPr>
+        </p:nvSpPr>
+        <p:spPr>
+          <a:xfrm>
+            <a:off x="3575050" y="1600200"/>
+            <a:ext cx="5111750" cy="4480560"/>
+          </a:xfrm>
+        </p:spPr>
+        <p:txBody>
+          <a:bodyPr/>
+          <a:lstStyle>
+            <a:lvl1pPr>
+              <a:defRPr sz="3200"/>
+            </a:lvl1pPr>
+            <a:lvl2pPr>
+              <a:defRPr sz="2800"/>
+            </a:lvl2pPr>
+            <a:lvl3pPr>
+              <a:defRPr sz="2400"/>
+            </a:lvl3pPr>
+            <a:lvl4pPr>
+              <a:defRPr sz="2000"/>
+            </a:lvl4pPr>
+            <a:lvl5pPr>
+              <a:defRPr sz="2000"/>
+            </a:lvl5pPr>
+            <a:lvl6pPr>
+              <a:defRPr sz="2000"/>
+            </a:lvl6pPr>
+            <a:lvl7pPr>
+              <a:defRPr sz="2000"/>
+            </a:lvl7pPr>
+            <a:lvl8pPr>
+              <a:defRPr sz="2000"/>
+            </a:lvl8pPr>
+            <a:lvl9pPr>
+              <a:defRPr sz="2000"/>
+            </a:lvl9pPr>
+          </a:lstStyle>
+          <a:p>
+            <a:pPr lvl="0"/>
+            <a:r>
+              <a:rPr lang="en-US" smtClean="0"/>
+              <a:t>Click to edit Master text styles</a:t>
+            </a:r>
+          </a:p>
+          <a:p>
+            <a:pPr lvl="1"/>
+            <a:r>
+              <a:rPr lang="en-US" smtClean="0"/>
+              <a:t>Second level</a:t>
+            </a:r>
+          </a:p>
+          <a:p>
+            <a:pPr lvl="2"/>
+            <a:r>
+              <a:rPr lang="en-US" smtClean="0"/>
+              <a:t>Third level</a:t>
+            </a:r>
+          </a:p>
+          <a:p>
+            <a:pPr lvl="3"/>
+            <a:r>
+              <a:rPr lang="en-US" smtClean="0"/>
+              <a:t>Fourth level</a:t>
+            </a:r>
+          </a:p>
+          <a:p>
+            <a:pPr lvl="4"/>
+            <a:r>
+              <a:rPr lang="en-US" smtClean="0"/>
+              <a:t>Fifth level</a:t>
+            </a:r>
+            <a:endParaRPr lang="en-US" dirty="0"/>
+          </a:p>
+        </p:txBody>
+      </p:sp>
+      <p:sp>
+        <p:nvSpPr>
+          <p:cNvPr id="4" name="Text Placeholder 3"/>
+          <p:cNvSpPr>
+            <a:spLocks noGrp="1"/>
+          </p:cNvSpPr>
+          <p:nvPr>
+            <p:ph type="body" sz="half" idx="2"/>
+          </p:nvPr>
+        </p:nvSpPr>
+        <p:spPr>
+          <a:xfrm>
+            <a:off x="457200" y="1600200"/>
+            <a:ext cx="3008313" cy="4480560"/>
+          </a:xfrm>
+        </p:spPr>
+        <p:txBody>
+          <a:bodyPr>
+            <a:normAutofit/>
+          </a:bodyPr>
+          <a:lstStyle>
+            <a:lvl1pPr marL="0" indent="0">
+              <a:buNone/>
+              <a:defRPr sz="1600"/>
+            </a:lvl1pPr>
+            <a:lvl2pPr marL="457200" indent="0">
+              <a:buNone/>
+              <a:defRPr sz="1200"/>
+            </a:lvl2pPr>
+            <a:lvl3pPr marL="914400" indent="0">
+              <a:buNone/>
+              <a:defRPr sz="1000"/>
+            </a:lvl3pPr>
+            <a:lvl4pPr marL="1371600" indent="0">
+              <a:buNone/>
+              <a:defRPr sz="900"/>
+            </a:lvl4pPr>
+            <a:lvl5pPr marL="1828800" indent="0">
+              <a:buNone/>
+              <a:defRPr sz="900"/>
+            </a:lvl5pPr>
+            <a:lvl6pPr marL="2286000" indent="0">
+              <a:buNone/>
+              <a:defRPr sz="900"/>
+            </a:lvl6pPr>
+            <a:lvl7pPr marL="2743200" indent="0">
+              <a:buNone/>
+              <a:defRPr sz="900"/>
+            </a:lvl7pPr>
+            <a:lvl8pPr marL="3200400" indent="0">
+              <a:buNone/>
+              <a:defRPr sz="900"/>
+            </a:lvl8pPr>
+            <a:lvl9pPr marL="3657600" indent="0">
+              <a:buNone/>
+              <a:defRPr sz="900"/>
+            </a:lvl9pPr>
+          </a:lstStyle>
+          <a:p>
+            <a:pPr lvl="0"/>
+            <a:r>
+              <a:rPr lang="en-US" smtClean="0"/>
+              <a:t>Click to edit Master text styles</a:t>
+            </a:r>
+          </a:p>
+        </p:txBody>
+      </p:sp>
+      <p:sp>
+        <p:nvSpPr>
+          <p:cNvPr id="5" name="Date Placeholder 4"/>
+          <p:cNvSpPr>
+            <a:spLocks noGrp="1"/>
+          </p:cNvSpPr>
+          <p:nvPr>
+            <p:ph type="dt" sz="half" idx="10"/>
+          </p:nvPr>
+        </p:nvSpPr>
+        <p:spPr/>
+        <p:txBody>
+          <a:bodyPr/>
+          <a:lstStyle/>
+          <a:p>
+            <a:fld id="{10429896-46EC-0547-A028-D1BF7579F8F2}" type="datetime1">
+              <a:rPr lang="en-US" smtClean="0"/>
+              <a:t>7/4/16</a:t>
+            </a:fld>
+            <a:endParaRPr lang="en-US"/>
+          </a:p>
+        </p:txBody>
+      </p:sp>
+      <p:sp>
+        <p:nvSpPr>
+          <p:cNvPr id="6" name="Footer Placeholder 5"/>
+          <p:cNvSpPr>
+            <a:spLocks noGrp="1"/>
+          </p:cNvSpPr>
+          <p:nvPr>
+            <p:ph type="ftr" sz="quarter" idx="11"/>
+          </p:nvPr>
+        </p:nvSpPr>
+        <p:spPr/>
+        <p:txBody>
+          <a:bodyPr/>
+          <a:lstStyle/>
+          <a:p>
+            <a:r>
+              <a:rPr lang="en-US" smtClean="0"/>
+              <a:t>© EV3Lessons.com, 2016, (Last edit: 07/04/2016)</a:t>
+            </a:r>
+            <a:endParaRPr lang="en-US"/>
+          </a:p>
+        </p:txBody>
+      </p:sp>
+      <p:sp>
+        <p:nvSpPr>
+          <p:cNvPr id="7" name="Slide Number Placeholder 6"/>
+          <p:cNvSpPr>
+            <a:spLocks noGrp="1"/>
+          </p:cNvSpPr>
+          <p:nvPr>
+            <p:ph type="sldNum" sz="quarter" idx="12"/>
+          </p:nvPr>
+        </p:nvSpPr>
+        <p:spPr/>
+        <p:txBody>
+          <a:bodyPr/>
+          <a:lstStyle/>
+          <a:p>
+            <a:fld id="{4DBC7FC8-25FB-FC45-8177-2B991DA6778C}" type="slidenum">
+              <a:rPr lang="en-US" smtClean="0"/>
+              <a:t>‹#›</a:t>
+            </a:fld>
+            <a:endParaRPr lang="en-US"/>
+          </a:p>
+        </p:txBody>
+      </p:sp>
+      <p:sp>
+        <p:nvSpPr>
+          <p:cNvPr id="8" name="Title 7"/>
+          <p:cNvSpPr>
+            <a:spLocks noGrp="1"/>
+          </p:cNvSpPr>
+          <p:nvPr>
+            <p:ph type="title"/>
+          </p:nvPr>
+        </p:nvSpPr>
+        <p:spPr/>
+        <p:txBody>
+          <a:bodyPr/>
+          <a:lstStyle/>
+          <a:p>
+            <a:r>
+              <a:rPr lang="en-US" smtClean="0"/>
+              <a:t>Click to edit Master title style</a:t>
+            </a:r>
+            <a:endParaRPr lang="en-US"/>
+          </a:p>
+        </p:txBody>
+      </p:sp>
+    </p:spTree>
+    <p:extLst>
+      <p:ext uri="{BB962C8B-B14F-4D97-AF65-F5344CB8AC3E}">
+        <p14:creationId xmlns:p14="http://schemas.microsoft.com/office/powerpoint/2010/main" val="1310727971"/>
+      </p:ext>
+    </p:extLst>
+  </p:cSld>
+  <p:clrMapOvr>
+    <a:masterClrMapping/>
+  </p:clrMapOvr>
+</p:sldLayout>
+</file>
+
+<file path=ppt/slideLayouts/slideLayout9.xml><?xml version="1.0" encoding="utf-8"?>
+<p:sldLayout xmlns:a="http://schemas.openxmlformats.org/drawingml/2006/main" xmlns:r="http://schemas.openxmlformats.org/officeDocument/2006/relationships" xmlns:p="http://schemas.openxmlformats.org/presentationml/2006/main" showMasterSp="0" type="picTx" preserve="1">
+  <p:cSld name="Picture with Caption">
+    <p:spTree>
+      <p:nvGrpSpPr>
+        <p:cNvPr id="1" name=""/>
+        <p:cNvGrpSpPr/>
+        <p:nvPr/>
+      </p:nvGrpSpPr>
+      <p:grpSpPr>
+        <a:xfrm>
+          <a:off x="0" y="0"/>
+          <a:ext cx="0" cy="0"/>
+          <a:chOff x="0" y="0"/>
+          <a:chExt cx="0" cy="0"/>
+        </a:xfrm>
+      </p:grpSpPr>
+      <p:sp>
+        <p:nvSpPr>
+          <p:cNvPr id="9" name="Rectangle 8"/>
+          <p:cNvSpPr/>
+          <p:nvPr/>
+        </p:nvSpPr>
+        <p:spPr>
+          <a:xfrm>
+            <a:off x="9001124" y="4846320"/>
+            <a:ext cx="142876" cy="2011680"/>
+          </a:xfrm>
+          <a:prstGeom prst="rect">
+            <a:avLst/>
+          </a:prstGeom>
+          <a:solidFill>
+            <a:schemeClr val="tx2"/>
+          </a:solidFill>
+          <a:ln>
+            <a:noFill/>
+          </a:ln>
+        </p:spPr>
+        <p:style>
+          <a:lnRef idx="2">
+            <a:schemeClr val="accent1">
+              <a:shade val="50000"/>
+            </a:schemeClr>
+          </a:lnRef>
+          <a:fillRef idx="1">
+            <a:schemeClr val="accent1"/>
+          </a:fillRef>
+          <a:effectRef idx="0">
+            <a:schemeClr val="accent1"/>
+          </a:effectRef>
+          <a:fontRef idx="minor">
+            <a:schemeClr val="lt1"/>
+          </a:fontRef>
+        </p:style>
+        <p:txBody>
+          <a:bodyPr rtlCol="0" anchor="ctr"/>
+          <a:lstStyle/>
+          <a:p>
+            <a:pPr algn="ctr"/>
+            <a:endParaRPr lang="en-US"/>
+          </a:p>
+        </p:txBody>
+      </p:sp>
+      <p:sp>
+        <p:nvSpPr>
+          <p:cNvPr id="3" name="Picture Placeholder 2"/>
+          <p:cNvSpPr>
+            <a:spLocks noGrp="1"/>
+          </p:cNvSpPr>
+          <p:nvPr>
+            <p:ph type="pic" idx="1"/>
+          </p:nvPr>
+        </p:nvSpPr>
+        <p:spPr>
+          <a:xfrm>
+            <a:off x="-1" y="0"/>
+            <a:ext cx="9000877" cy="4846320"/>
+          </a:xfrm>
+          <a:solidFill>
+            <a:schemeClr val="bg1">
+              <a:lumMod val="75000"/>
+            </a:schemeClr>
+          </a:solidFill>
+        </p:spPr>
+        <p:txBody>
+          <a:bodyPr/>
+          <a:lstStyle>
+            <a:lvl1pPr marL="0" indent="0">
+              <a:buNone/>
+              <a:defRPr sz="3200"/>
+            </a:lvl1pPr>
+            <a:lvl2pPr marL="457200" indent="0">
+              <a:buNone/>
+              <a:defRPr sz="2800"/>
+            </a:lvl2pPr>
+            <a:lvl3pPr marL="914400" indent="0">
+              <a:buNone/>
+              <a:defRPr sz="2400"/>
+            </a:lvl3pPr>
+            <a:lvl4pPr marL="1371600" indent="0">
+              <a:buNone/>
+              <a:defRPr sz="2000"/>
+            </a:lvl4pPr>
+            <a:lvl5pPr marL="1828800" indent="0">
+              <a:buNone/>
+              <a:defRPr sz="2000"/>
+            </a:lvl5pPr>
+            <a:lvl6pPr marL="2286000" indent="0">
+              <a:buNone/>
+              <a:defRPr sz="2000"/>
+            </a:lvl6pPr>
+            <a:lvl7pPr marL="2743200" indent="0">
+              <a:buNone/>
+              <a:defRPr sz="2000"/>
+            </a:lvl7pPr>
+            <a:lvl8pPr marL="3200400" indent="0">
+              <a:buNone/>
+              <a:defRPr sz="2000"/>
+            </a:lvl8pPr>
+            <a:lvl9pPr marL="3657600" indent="0">
+              <a:buNone/>
+              <a:defRPr sz="2000"/>
+            </a:lvl9pPr>
+          </a:lstStyle>
+          <a:p>
+            <a:r>
+              <a:rPr lang="en-US" smtClean="0"/>
+              <a:t>Drag picture to placeholder or click icon to add</a:t>
+            </a:r>
+            <a:endParaRPr lang="en-US"/>
+          </a:p>
+        </p:txBody>
+      </p:sp>
+      <p:sp>
+        <p:nvSpPr>
+          <p:cNvPr id="4" name="Text Placeholder 3"/>
+          <p:cNvSpPr>
+            <a:spLocks noGrp="1"/>
+          </p:cNvSpPr>
+          <p:nvPr>
+            <p:ph type="body" sz="half" idx="2"/>
+          </p:nvPr>
+        </p:nvSpPr>
+        <p:spPr>
+          <a:xfrm>
+            <a:off x="457200" y="5715000"/>
+            <a:ext cx="8153400" cy="457200"/>
+          </a:xfrm>
+        </p:spPr>
+        <p:txBody>
+          <a:bodyPr/>
+          <a:lstStyle>
+            <a:lvl1pPr marL="0" indent="0">
+              <a:buNone/>
+              <a:defRPr sz="1600"/>
+            </a:lvl1pPr>
+            <a:lvl2pPr marL="457200" indent="0">
+              <a:buNone/>
+              <a:defRPr sz="1200"/>
+            </a:lvl2pPr>
+            <a:lvl3pPr marL="914400" indent="0">
+              <a:buNone/>
+              <a:defRPr sz="1000"/>
+            </a:lvl3pPr>
+            <a:lvl4pPr marL="1371600" indent="0">
+              <a:buNone/>
+              <a:defRPr sz="900"/>
+            </a:lvl4pPr>
+            <a:lvl5pPr marL="1828800" indent="0">
+              <a:buNone/>
+              <a:defRPr sz="900"/>
+            </a:lvl5pPr>
+            <a:lvl6pPr marL="2286000" indent="0">
+              <a:buNone/>
+              <a:defRPr sz="900"/>
+            </a:lvl6pPr>
+            <a:lvl7pPr marL="2743200" indent="0">
+              <a:buNone/>
+              <a:defRPr sz="900"/>
+            </a:lvl7pPr>
+            <a:lvl8pPr marL="3200400" indent="0">
+              <a:buNone/>
+              <a:defRPr sz="900"/>
+            </a:lvl8pPr>
+            <a:lvl9pPr marL="3657600" indent="0">
+              <a:buNone/>
+              <a:defRPr sz="900"/>
+            </a:lvl9pPr>
+          </a:lstStyle>
+          <a:p>
+            <a:pPr lvl="0"/>
+            <a:r>
+              <a:rPr lang="en-US" smtClean="0"/>
+              <a:t>Click to edit Master text styles</a:t>
+            </a:r>
+          </a:p>
+        </p:txBody>
+      </p:sp>
+      <p:sp>
+        <p:nvSpPr>
+          <p:cNvPr id="5" name="Date Placeholder 4"/>
+          <p:cNvSpPr>
+            <a:spLocks noGrp="1"/>
+          </p:cNvSpPr>
+          <p:nvPr>
+            <p:ph type="dt" sz="half" idx="10"/>
+          </p:nvPr>
+        </p:nvSpPr>
+        <p:spPr/>
+        <p:txBody>
+          <a:bodyPr/>
+          <a:lstStyle/>
+          <a:p>
+            <a:fld id="{A55A7779-9FAB-2343-951A-8756544D0D72}" type="datetime1">
+              <a:rPr lang="en-US" smtClean="0"/>
+              <a:t>7/4/16</a:t>
+            </a:fld>
+            <a:endParaRPr lang="en-US"/>
+          </a:p>
+        </p:txBody>
+      </p:sp>
+      <p:sp>
+        <p:nvSpPr>
+          <p:cNvPr id="6" name="Footer Placeholder 5"/>
+          <p:cNvSpPr>
+            <a:spLocks noGrp="1"/>
+          </p:cNvSpPr>
+          <p:nvPr>
+            <p:ph type="ftr" sz="quarter" idx="11"/>
+          </p:nvPr>
+        </p:nvSpPr>
+        <p:spPr/>
+        <p:txBody>
+          <a:bodyPr/>
+          <a:lstStyle/>
+          <a:p>
+            <a:r>
+              <a:rPr lang="en-US" smtClean="0"/>
+              <a:t>© EV3Lessons.com, 2016, (Last edit: 07/04/2016)</a:t>
             </a:r>
             <a:endParaRPr lang="en-US"/>
           </a:p>
@@ -4151,9 +9904,9 @@
             </a:lvl1pPr>
           </a:lstStyle>
           <a:p>
-            <a:fld id="{357D8866-E927-F844-80C5-1EA2637A3D72}" type="datetime1">
-              <a:rPr lang="en-US" smtClean="0"/>
-              <a:t>11/14/15</a:t>
+            <a:fld id="{08782AB3-CC12-F14F-BA43-FBEC7475E6DA}" type="datetime1">
+              <a:rPr lang="en-US" smtClean="0"/>
+              <a:t>7/4/16</a:t>
             </a:fld>
             <a:endParaRPr lang="en-US"/>
           </a:p>
@@ -4192,7 +9945,7 @@
           <a:p>
             <a:r>
               <a:rPr lang="en-US" smtClean="0"/>
-              <a:t>© EV3Lessons.com, 2015, (Last edit: 11/14/2015)</a:t>
+              <a:t>© EV3Lessons.com, 2016, (Last edit: 07/04/2016)</a:t>
             </a:r>
             <a:endParaRPr lang="en-US"/>
           </a:p>
@@ -4675,7 +10428,7 @@
     <p:sldLayoutId id="2147483845" r:id="rId10"/>
     <p:sldLayoutId id="2147483846" r:id="rId11"/>
   </p:sldLayoutIdLst>
-  <p:hf sldNum="0" hdr="0" dt="0"/>
+  <p:hf hdr="0" dt="0"/>
   <p:txStyles>
     <p:titleStyle>
       <a:lvl1pPr algn="l" defTabSz="914400" rtl="0" eaLnBrk="1" latinLnBrk="0" hangingPunct="1">
@@ -4956,6 +10709,1617 @@
 </p:sldMaster>
 </file>
 
+<file path=ppt/slideMasters/slideMaster2.xml><?xml version="1.0" encoding="utf-8"?>
+<p:sldMaster xmlns:a="http://schemas.openxmlformats.org/drawingml/2006/main" xmlns:r="http://schemas.openxmlformats.org/officeDocument/2006/relationships" xmlns:p="http://schemas.openxmlformats.org/presentationml/2006/main" preserve="1">
+  <p:cSld>
+    <p:bg>
+      <p:bgRef idx="1001">
+        <a:schemeClr val="bg1"/>
+      </p:bgRef>
+    </p:bg>
+    <p:spTree>
+      <p:nvGrpSpPr>
+        <p:cNvPr id="1" name=""/>
+        <p:cNvGrpSpPr/>
+        <p:nvPr/>
+      </p:nvGrpSpPr>
+      <p:grpSpPr>
+        <a:xfrm>
+          <a:off x="0" y="0"/>
+          <a:ext cx="0" cy="0"/>
+          <a:chOff x="0" y="0"/>
+          <a:chExt cx="0" cy="0"/>
+        </a:xfrm>
+      </p:grpSpPr>
+      <p:sp>
+        <p:nvSpPr>
+          <p:cNvPr id="2" name="Title Placeholder 1"/>
+          <p:cNvSpPr>
+            <a:spLocks noGrp="1"/>
+          </p:cNvSpPr>
+          <p:nvPr>
+            <p:ph type="title"/>
+          </p:nvPr>
+        </p:nvSpPr>
+        <p:spPr>
+          <a:xfrm>
+            <a:off x="457199" y="152718"/>
+            <a:ext cx="8245475" cy="1371600"/>
+          </a:xfrm>
+          <a:prstGeom prst="rect">
+            <a:avLst/>
+          </a:prstGeom>
+        </p:spPr>
+        <p:txBody>
+          <a:bodyPr vert="horz" lIns="91440" tIns="45720" rIns="91440" bIns="45720" rtlCol="0" anchor="t" anchorCtr="0">
+            <a:normAutofit/>
+          </a:bodyPr>
+          <a:lstStyle/>
+          <a:p>
+            <a:r>
+              <a:rPr lang="en-US" smtClean="0"/>
+              <a:t>Click to edit Master title style</a:t>
+            </a:r>
+            <a:endParaRPr lang="en-US" dirty="0"/>
+          </a:p>
+        </p:txBody>
+      </p:sp>
+      <p:sp>
+        <p:nvSpPr>
+          <p:cNvPr id="3" name="Text Placeholder 2"/>
+          <p:cNvSpPr>
+            <a:spLocks noGrp="1"/>
+          </p:cNvSpPr>
+          <p:nvPr>
+            <p:ph type="body" idx="1"/>
+          </p:nvPr>
+        </p:nvSpPr>
+        <p:spPr>
+          <a:xfrm>
+            <a:off x="457200" y="1752600"/>
+            <a:ext cx="8245474" cy="4373563"/>
+          </a:xfrm>
+          <a:prstGeom prst="rect">
+            <a:avLst/>
+          </a:prstGeom>
+        </p:spPr>
+        <p:txBody>
+          <a:bodyPr vert="horz" lIns="91440" tIns="45720" rIns="91440" bIns="45720" rtlCol="0">
+            <a:normAutofit/>
+          </a:bodyPr>
+          <a:lstStyle/>
+          <a:p>
+            <a:pPr lvl="0"/>
+            <a:r>
+              <a:rPr lang="en-US" smtClean="0"/>
+              <a:t>Click to edit Master text styles</a:t>
+            </a:r>
+          </a:p>
+          <a:p>
+            <a:pPr lvl="1"/>
+            <a:r>
+              <a:rPr lang="en-US" smtClean="0"/>
+              <a:t>Second level</a:t>
+            </a:r>
+          </a:p>
+          <a:p>
+            <a:pPr lvl="2"/>
+            <a:r>
+              <a:rPr lang="en-US" smtClean="0"/>
+              <a:t>Third level</a:t>
+            </a:r>
+          </a:p>
+          <a:p>
+            <a:pPr lvl="3"/>
+            <a:r>
+              <a:rPr lang="en-US" smtClean="0"/>
+              <a:t>Fourth level</a:t>
+            </a:r>
+          </a:p>
+          <a:p>
+            <a:pPr lvl="4"/>
+            <a:r>
+              <a:rPr lang="en-US" smtClean="0"/>
+              <a:t>Fifth level</a:t>
+            </a:r>
+            <a:endParaRPr lang="en-US" dirty="0"/>
+          </a:p>
+        </p:txBody>
+      </p:sp>
+      <p:sp>
+        <p:nvSpPr>
+          <p:cNvPr id="4" name="Date Placeholder 3"/>
+          <p:cNvSpPr>
+            <a:spLocks noGrp="1"/>
+          </p:cNvSpPr>
+          <p:nvPr>
+            <p:ph type="dt" sz="half" idx="2"/>
+          </p:nvPr>
+        </p:nvSpPr>
+        <p:spPr>
+          <a:xfrm>
+            <a:off x="457200" y="6172201"/>
+            <a:ext cx="3429000" cy="304800"/>
+          </a:xfrm>
+          <a:prstGeom prst="rect">
+            <a:avLst/>
+          </a:prstGeom>
+        </p:spPr>
+        <p:txBody>
+          <a:bodyPr vert="horz" lIns="91440" tIns="45720" rIns="91440" bIns="0" rtlCol="0" anchor="b"/>
+          <a:lstStyle>
+            <a:lvl1pPr algn="l">
+              <a:defRPr sz="1000">
+                <a:solidFill>
+                  <a:schemeClr val="tx1"/>
+                </a:solidFill>
+              </a:defRPr>
+            </a:lvl1pPr>
+          </a:lstStyle>
+          <a:p>
+            <a:fld id="{1AA0ABFE-08A7-6F40-AED3-D1A7268483F8}" type="datetime1">
+              <a:rPr lang="en-US" smtClean="0"/>
+              <a:t>7/4/16</a:t>
+            </a:fld>
+            <a:endParaRPr lang="en-US"/>
+          </a:p>
+        </p:txBody>
+      </p:sp>
+      <p:sp>
+        <p:nvSpPr>
+          <p:cNvPr id="5" name="Footer Placeholder 4"/>
+          <p:cNvSpPr>
+            <a:spLocks noGrp="1"/>
+          </p:cNvSpPr>
+          <p:nvPr>
+            <p:ph type="ftr" sz="quarter" idx="3"/>
+          </p:nvPr>
+        </p:nvSpPr>
+        <p:spPr>
+          <a:xfrm>
+            <a:off x="457200" y="6492875"/>
+            <a:ext cx="3429000" cy="283845"/>
+          </a:xfrm>
+          <a:prstGeom prst="rect">
+            <a:avLst/>
+          </a:prstGeom>
+        </p:spPr>
+        <p:txBody>
+          <a:bodyPr vert="horz" lIns="91440" tIns="45720" rIns="91440" bIns="45720" rtlCol="0" anchor="t"/>
+          <a:lstStyle>
+            <a:lvl1pPr algn="l">
+              <a:defRPr sz="1000">
+                <a:solidFill>
+                  <a:schemeClr val="tx1"/>
+                </a:solidFill>
+              </a:defRPr>
+            </a:lvl1pPr>
+          </a:lstStyle>
+          <a:p>
+            <a:r>
+              <a:rPr lang="en-US" smtClean="0"/>
+              <a:t>© EV3Lessons.com, 2016, (Last edit: 07/04/2016)</a:t>
+            </a:r>
+            <a:endParaRPr lang="en-US"/>
+          </a:p>
+        </p:txBody>
+      </p:sp>
+      <p:sp>
+        <p:nvSpPr>
+          <p:cNvPr id="9" name="Slide Number Placeholder 6"/>
+          <p:cNvSpPr>
+            <a:spLocks noGrp="1"/>
+          </p:cNvSpPr>
+          <p:nvPr>
+            <p:ph type="sldNum" sz="quarter" idx="4"/>
+          </p:nvPr>
+        </p:nvSpPr>
+        <p:spPr>
+          <a:xfrm>
+            <a:off x="8477026" y="6358106"/>
+            <a:ext cx="666974" cy="365125"/>
+          </a:xfrm>
+          <a:prstGeom prst="rect">
+            <a:avLst/>
+          </a:prstGeom>
+        </p:spPr>
+        <p:txBody>
+          <a:bodyPr/>
+          <a:lstStyle/>
+          <a:p>
+            <a:fld id="{4DBC7FC8-25FB-FC45-8177-2B991DA6778C}" type="slidenum">
+              <a:rPr lang="en-US" smtClean="0"/>
+              <a:t>‹#›</a:t>
+            </a:fld>
+            <a:endParaRPr lang="en-US"/>
+          </a:p>
+        </p:txBody>
+      </p:sp>
+      <p:sp>
+        <p:nvSpPr>
+          <p:cNvPr id="10" name="Rectangle 9"/>
+          <p:cNvSpPr/>
+          <p:nvPr/>
+        </p:nvSpPr>
+        <p:spPr>
+          <a:xfrm>
+            <a:off x="8996106" y="2895600"/>
+            <a:ext cx="147895" cy="3962400"/>
+          </a:xfrm>
+          <a:prstGeom prst="rect">
+            <a:avLst/>
+          </a:prstGeom>
+          <a:solidFill>
+            <a:srgbClr val="92D050"/>
+          </a:solidFill>
+          <a:ln>
+            <a:noFill/>
+          </a:ln>
+        </p:spPr>
+        <p:style>
+          <a:lnRef idx="2">
+            <a:schemeClr val="accent1">
+              <a:shade val="50000"/>
+            </a:schemeClr>
+          </a:lnRef>
+          <a:fillRef idx="1">
+            <a:schemeClr val="accent1"/>
+          </a:fillRef>
+          <a:effectRef idx="0">
+            <a:schemeClr val="accent1"/>
+          </a:effectRef>
+          <a:fontRef idx="minor">
+            <a:schemeClr val="lt1"/>
+          </a:fontRef>
+        </p:style>
+      </p:sp>
+      <p:sp>
+        <p:nvSpPr>
+          <p:cNvPr id="11" name="Rectangle 10"/>
+          <p:cNvSpPr/>
+          <p:nvPr/>
+        </p:nvSpPr>
+        <p:spPr>
+          <a:xfrm>
+            <a:off x="8959042" y="0"/>
+            <a:ext cx="184958" cy="2895600"/>
+          </a:xfrm>
+          <a:prstGeom prst="rect">
+            <a:avLst/>
+          </a:prstGeom>
+          <a:solidFill>
+            <a:srgbClr val="7030A0"/>
+          </a:solidFill>
+          <a:ln>
+            <a:noFill/>
+          </a:ln>
+        </p:spPr>
+        <p:style>
+          <a:lnRef idx="2">
+            <a:schemeClr val="accent1">
+              <a:shade val="50000"/>
+            </a:schemeClr>
+          </a:lnRef>
+          <a:fillRef idx="1">
+            <a:schemeClr val="accent1"/>
+          </a:fillRef>
+          <a:effectRef idx="0">
+            <a:schemeClr val="accent1"/>
+          </a:effectRef>
+          <a:fontRef idx="minor">
+            <a:schemeClr val="lt1"/>
+          </a:fontRef>
+        </p:style>
+      </p:sp>
+      <p:sp>
+        <p:nvSpPr>
+          <p:cNvPr id="12" name="Rectangle 11"/>
+          <p:cNvSpPr/>
+          <p:nvPr/>
+        </p:nvSpPr>
+        <p:spPr>
+          <a:xfrm>
+            <a:off x="8904666" y="0"/>
+            <a:ext cx="91440" cy="6858000"/>
+          </a:xfrm>
+          <a:prstGeom prst="rect">
+            <a:avLst/>
+          </a:prstGeom>
+          <a:solidFill>
+            <a:srgbClr val="0070C0"/>
+          </a:solidFill>
+          <a:ln>
+            <a:noFill/>
+          </a:ln>
+        </p:spPr>
+        <p:style>
+          <a:lnRef idx="2">
+            <a:schemeClr val="accent1">
+              <a:shade val="50000"/>
+            </a:schemeClr>
+          </a:lnRef>
+          <a:fillRef idx="1">
+            <a:schemeClr val="accent1"/>
+          </a:fillRef>
+          <a:effectRef idx="0">
+            <a:schemeClr val="accent1"/>
+          </a:effectRef>
+          <a:fontRef idx="minor">
+            <a:schemeClr val="lt1"/>
+          </a:fontRef>
+        </p:style>
+      </p:sp>
+      <p:sp>
+        <p:nvSpPr>
+          <p:cNvPr id="13" name="Rectangle 12"/>
+          <p:cNvSpPr/>
+          <p:nvPr userDrawn="1"/>
+        </p:nvSpPr>
+        <p:spPr>
+          <a:xfrm>
+            <a:off x="8996106" y="2895600"/>
+            <a:ext cx="147895" cy="3962400"/>
+          </a:xfrm>
+          <a:prstGeom prst="rect">
+            <a:avLst/>
+          </a:prstGeom>
+          <a:solidFill>
+            <a:srgbClr val="92D050"/>
+          </a:solidFill>
+          <a:ln>
+            <a:noFill/>
+          </a:ln>
+        </p:spPr>
+        <p:style>
+          <a:lnRef idx="2">
+            <a:schemeClr val="accent1">
+              <a:shade val="50000"/>
+            </a:schemeClr>
+          </a:lnRef>
+          <a:fillRef idx="1">
+            <a:schemeClr val="accent1"/>
+          </a:fillRef>
+          <a:effectRef idx="0">
+            <a:schemeClr val="accent1"/>
+          </a:effectRef>
+          <a:fontRef idx="minor">
+            <a:schemeClr val="lt1"/>
+          </a:fontRef>
+        </p:style>
+        <p:txBody>
+          <a:bodyPr/>
+          <a:lstStyle>
+            <a:defPPr>
+              <a:defRPr lang="en-US"/>
+            </a:defPPr>
+            <a:lvl1pPr marL="0" algn="l" defTabSz="457200" rtl="0" eaLnBrk="1" latinLnBrk="0" hangingPunct="1">
+              <a:defRPr sz="1800" kern="1200">
+                <a:solidFill>
+                  <a:schemeClr val="lt1"/>
+                </a:solidFill>
+                <a:latin typeface="+mn-lt"/>
+                <a:ea typeface="+mn-ea"/>
+                <a:cs typeface="+mn-cs"/>
+              </a:defRPr>
+            </a:lvl1pPr>
+            <a:lvl2pPr marL="457200" algn="l" defTabSz="457200" rtl="0" eaLnBrk="1" latinLnBrk="0" hangingPunct="1">
+              <a:defRPr sz="1800" kern="1200">
+                <a:solidFill>
+                  <a:schemeClr val="lt1"/>
+                </a:solidFill>
+                <a:latin typeface="+mn-lt"/>
+                <a:ea typeface="+mn-ea"/>
+                <a:cs typeface="+mn-cs"/>
+              </a:defRPr>
+            </a:lvl2pPr>
+            <a:lvl3pPr marL="914400" algn="l" defTabSz="457200" rtl="0" eaLnBrk="1" latinLnBrk="0" hangingPunct="1">
+              <a:defRPr sz="1800" kern="1200">
+                <a:solidFill>
+                  <a:schemeClr val="lt1"/>
+                </a:solidFill>
+                <a:latin typeface="+mn-lt"/>
+                <a:ea typeface="+mn-ea"/>
+                <a:cs typeface="+mn-cs"/>
+              </a:defRPr>
+            </a:lvl3pPr>
+            <a:lvl4pPr marL="1371600" algn="l" defTabSz="457200" rtl="0" eaLnBrk="1" latinLnBrk="0" hangingPunct="1">
+              <a:defRPr sz="1800" kern="1200">
+                <a:solidFill>
+                  <a:schemeClr val="lt1"/>
+                </a:solidFill>
+                <a:latin typeface="+mn-lt"/>
+                <a:ea typeface="+mn-ea"/>
+                <a:cs typeface="+mn-cs"/>
+              </a:defRPr>
+            </a:lvl4pPr>
+            <a:lvl5pPr marL="1828800" algn="l" defTabSz="457200" rtl="0" eaLnBrk="1" latinLnBrk="0" hangingPunct="1">
+              <a:defRPr sz="1800" kern="1200">
+                <a:solidFill>
+                  <a:schemeClr val="lt1"/>
+                </a:solidFill>
+                <a:latin typeface="+mn-lt"/>
+                <a:ea typeface="+mn-ea"/>
+                <a:cs typeface="+mn-cs"/>
+              </a:defRPr>
+            </a:lvl5pPr>
+            <a:lvl6pPr marL="2286000" algn="l" defTabSz="457200" rtl="0" eaLnBrk="1" latinLnBrk="0" hangingPunct="1">
+              <a:defRPr sz="1800" kern="1200">
+                <a:solidFill>
+                  <a:schemeClr val="lt1"/>
+                </a:solidFill>
+                <a:latin typeface="+mn-lt"/>
+                <a:ea typeface="+mn-ea"/>
+                <a:cs typeface="+mn-cs"/>
+              </a:defRPr>
+            </a:lvl6pPr>
+            <a:lvl7pPr marL="2743200" algn="l" defTabSz="457200" rtl="0" eaLnBrk="1" latinLnBrk="0" hangingPunct="1">
+              <a:defRPr sz="1800" kern="1200">
+                <a:solidFill>
+                  <a:schemeClr val="lt1"/>
+                </a:solidFill>
+                <a:latin typeface="+mn-lt"/>
+                <a:ea typeface="+mn-ea"/>
+                <a:cs typeface="+mn-cs"/>
+              </a:defRPr>
+            </a:lvl7pPr>
+            <a:lvl8pPr marL="3200400" algn="l" defTabSz="457200" rtl="0" eaLnBrk="1" latinLnBrk="0" hangingPunct="1">
+              <a:defRPr sz="1800" kern="1200">
+                <a:solidFill>
+                  <a:schemeClr val="lt1"/>
+                </a:solidFill>
+                <a:latin typeface="+mn-lt"/>
+                <a:ea typeface="+mn-ea"/>
+                <a:cs typeface="+mn-cs"/>
+              </a:defRPr>
+            </a:lvl8pPr>
+            <a:lvl9pPr marL="3657600" algn="l" defTabSz="457200" rtl="0" eaLnBrk="1" latinLnBrk="0" hangingPunct="1">
+              <a:defRPr sz="1800" kern="1200">
+                <a:solidFill>
+                  <a:schemeClr val="lt1"/>
+                </a:solidFill>
+                <a:latin typeface="+mn-lt"/>
+                <a:ea typeface="+mn-ea"/>
+                <a:cs typeface="+mn-cs"/>
+              </a:defRPr>
+            </a:lvl9pPr>
+          </a:lstStyle>
+          <a:p>
+            <a:endParaRPr lang="en-US"/>
+          </a:p>
+        </p:txBody>
+      </p:sp>
+      <p:sp>
+        <p:nvSpPr>
+          <p:cNvPr id="14" name="Rectangle 13"/>
+          <p:cNvSpPr/>
+          <p:nvPr userDrawn="1"/>
+        </p:nvSpPr>
+        <p:spPr>
+          <a:xfrm>
+            <a:off x="8959042" y="0"/>
+            <a:ext cx="184958" cy="2895600"/>
+          </a:xfrm>
+          <a:prstGeom prst="rect">
+            <a:avLst/>
+          </a:prstGeom>
+          <a:solidFill>
+            <a:srgbClr val="7030A0"/>
+          </a:solidFill>
+          <a:ln>
+            <a:noFill/>
+          </a:ln>
+        </p:spPr>
+        <p:style>
+          <a:lnRef idx="2">
+            <a:schemeClr val="accent1">
+              <a:shade val="50000"/>
+            </a:schemeClr>
+          </a:lnRef>
+          <a:fillRef idx="1">
+            <a:schemeClr val="accent1"/>
+          </a:fillRef>
+          <a:effectRef idx="0">
+            <a:schemeClr val="accent1"/>
+          </a:effectRef>
+          <a:fontRef idx="minor">
+            <a:schemeClr val="lt1"/>
+          </a:fontRef>
+        </p:style>
+        <p:txBody>
+          <a:bodyPr/>
+          <a:lstStyle>
+            <a:defPPr>
+              <a:defRPr lang="en-US"/>
+            </a:defPPr>
+            <a:lvl1pPr marL="0" algn="l" defTabSz="457200" rtl="0" eaLnBrk="1" latinLnBrk="0" hangingPunct="1">
+              <a:defRPr sz="1800" kern="1200">
+                <a:solidFill>
+                  <a:schemeClr val="lt1"/>
+                </a:solidFill>
+                <a:latin typeface="+mn-lt"/>
+                <a:ea typeface="+mn-ea"/>
+                <a:cs typeface="+mn-cs"/>
+              </a:defRPr>
+            </a:lvl1pPr>
+            <a:lvl2pPr marL="457200" algn="l" defTabSz="457200" rtl="0" eaLnBrk="1" latinLnBrk="0" hangingPunct="1">
+              <a:defRPr sz="1800" kern="1200">
+                <a:solidFill>
+                  <a:schemeClr val="lt1"/>
+                </a:solidFill>
+                <a:latin typeface="+mn-lt"/>
+                <a:ea typeface="+mn-ea"/>
+                <a:cs typeface="+mn-cs"/>
+              </a:defRPr>
+            </a:lvl2pPr>
+            <a:lvl3pPr marL="914400" algn="l" defTabSz="457200" rtl="0" eaLnBrk="1" latinLnBrk="0" hangingPunct="1">
+              <a:defRPr sz="1800" kern="1200">
+                <a:solidFill>
+                  <a:schemeClr val="lt1"/>
+                </a:solidFill>
+                <a:latin typeface="+mn-lt"/>
+                <a:ea typeface="+mn-ea"/>
+                <a:cs typeface="+mn-cs"/>
+              </a:defRPr>
+            </a:lvl3pPr>
+            <a:lvl4pPr marL="1371600" algn="l" defTabSz="457200" rtl="0" eaLnBrk="1" latinLnBrk="0" hangingPunct="1">
+              <a:defRPr sz="1800" kern="1200">
+                <a:solidFill>
+                  <a:schemeClr val="lt1"/>
+                </a:solidFill>
+                <a:latin typeface="+mn-lt"/>
+                <a:ea typeface="+mn-ea"/>
+                <a:cs typeface="+mn-cs"/>
+              </a:defRPr>
+            </a:lvl4pPr>
+            <a:lvl5pPr marL="1828800" algn="l" defTabSz="457200" rtl="0" eaLnBrk="1" latinLnBrk="0" hangingPunct="1">
+              <a:defRPr sz="1800" kern="1200">
+                <a:solidFill>
+                  <a:schemeClr val="lt1"/>
+                </a:solidFill>
+                <a:latin typeface="+mn-lt"/>
+                <a:ea typeface="+mn-ea"/>
+                <a:cs typeface="+mn-cs"/>
+              </a:defRPr>
+            </a:lvl5pPr>
+            <a:lvl6pPr marL="2286000" algn="l" defTabSz="457200" rtl="0" eaLnBrk="1" latinLnBrk="0" hangingPunct="1">
+              <a:defRPr sz="1800" kern="1200">
+                <a:solidFill>
+                  <a:schemeClr val="lt1"/>
+                </a:solidFill>
+                <a:latin typeface="+mn-lt"/>
+                <a:ea typeface="+mn-ea"/>
+                <a:cs typeface="+mn-cs"/>
+              </a:defRPr>
+            </a:lvl6pPr>
+            <a:lvl7pPr marL="2743200" algn="l" defTabSz="457200" rtl="0" eaLnBrk="1" latinLnBrk="0" hangingPunct="1">
+              <a:defRPr sz="1800" kern="1200">
+                <a:solidFill>
+                  <a:schemeClr val="lt1"/>
+                </a:solidFill>
+                <a:latin typeface="+mn-lt"/>
+                <a:ea typeface="+mn-ea"/>
+                <a:cs typeface="+mn-cs"/>
+              </a:defRPr>
+            </a:lvl7pPr>
+            <a:lvl8pPr marL="3200400" algn="l" defTabSz="457200" rtl="0" eaLnBrk="1" latinLnBrk="0" hangingPunct="1">
+              <a:defRPr sz="1800" kern="1200">
+                <a:solidFill>
+                  <a:schemeClr val="lt1"/>
+                </a:solidFill>
+                <a:latin typeface="+mn-lt"/>
+                <a:ea typeface="+mn-ea"/>
+                <a:cs typeface="+mn-cs"/>
+              </a:defRPr>
+            </a:lvl8pPr>
+            <a:lvl9pPr marL="3657600" algn="l" defTabSz="457200" rtl="0" eaLnBrk="1" latinLnBrk="0" hangingPunct="1">
+              <a:defRPr sz="1800" kern="1200">
+                <a:solidFill>
+                  <a:schemeClr val="lt1"/>
+                </a:solidFill>
+                <a:latin typeface="+mn-lt"/>
+                <a:ea typeface="+mn-ea"/>
+                <a:cs typeface="+mn-cs"/>
+              </a:defRPr>
+            </a:lvl9pPr>
+          </a:lstStyle>
+          <a:p>
+            <a:endParaRPr lang="en-US"/>
+          </a:p>
+        </p:txBody>
+      </p:sp>
+      <p:sp>
+        <p:nvSpPr>
+          <p:cNvPr id="15" name="Rectangle 14"/>
+          <p:cNvSpPr/>
+          <p:nvPr userDrawn="1"/>
+        </p:nvSpPr>
+        <p:spPr>
+          <a:xfrm>
+            <a:off x="8912380" y="0"/>
+            <a:ext cx="91440" cy="6858000"/>
+          </a:xfrm>
+          <a:prstGeom prst="rect">
+            <a:avLst/>
+          </a:prstGeom>
+          <a:solidFill>
+            <a:srgbClr val="0070C0"/>
+          </a:solidFill>
+          <a:ln>
+            <a:noFill/>
+          </a:ln>
+        </p:spPr>
+        <p:style>
+          <a:lnRef idx="2">
+            <a:schemeClr val="accent1">
+              <a:shade val="50000"/>
+            </a:schemeClr>
+          </a:lnRef>
+          <a:fillRef idx="1">
+            <a:schemeClr val="accent1"/>
+          </a:fillRef>
+          <a:effectRef idx="0">
+            <a:schemeClr val="accent1"/>
+          </a:effectRef>
+          <a:fontRef idx="minor">
+            <a:schemeClr val="lt1"/>
+          </a:fontRef>
+        </p:style>
+        <p:txBody>
+          <a:bodyPr/>
+          <a:lstStyle>
+            <a:defPPr>
+              <a:defRPr lang="en-US"/>
+            </a:defPPr>
+            <a:lvl1pPr marL="0" algn="l" defTabSz="457200" rtl="0" eaLnBrk="1" latinLnBrk="0" hangingPunct="1">
+              <a:defRPr sz="1800" kern="1200">
+                <a:solidFill>
+                  <a:schemeClr val="lt1"/>
+                </a:solidFill>
+                <a:latin typeface="+mn-lt"/>
+                <a:ea typeface="+mn-ea"/>
+                <a:cs typeface="+mn-cs"/>
+              </a:defRPr>
+            </a:lvl1pPr>
+            <a:lvl2pPr marL="457200" algn="l" defTabSz="457200" rtl="0" eaLnBrk="1" latinLnBrk="0" hangingPunct="1">
+              <a:defRPr sz="1800" kern="1200">
+                <a:solidFill>
+                  <a:schemeClr val="lt1"/>
+                </a:solidFill>
+                <a:latin typeface="+mn-lt"/>
+                <a:ea typeface="+mn-ea"/>
+                <a:cs typeface="+mn-cs"/>
+              </a:defRPr>
+            </a:lvl2pPr>
+            <a:lvl3pPr marL="914400" algn="l" defTabSz="457200" rtl="0" eaLnBrk="1" latinLnBrk="0" hangingPunct="1">
+              <a:defRPr sz="1800" kern="1200">
+                <a:solidFill>
+                  <a:schemeClr val="lt1"/>
+                </a:solidFill>
+                <a:latin typeface="+mn-lt"/>
+                <a:ea typeface="+mn-ea"/>
+                <a:cs typeface="+mn-cs"/>
+              </a:defRPr>
+            </a:lvl3pPr>
+            <a:lvl4pPr marL="1371600" algn="l" defTabSz="457200" rtl="0" eaLnBrk="1" latinLnBrk="0" hangingPunct="1">
+              <a:defRPr sz="1800" kern="1200">
+                <a:solidFill>
+                  <a:schemeClr val="lt1"/>
+                </a:solidFill>
+                <a:latin typeface="+mn-lt"/>
+                <a:ea typeface="+mn-ea"/>
+                <a:cs typeface="+mn-cs"/>
+              </a:defRPr>
+            </a:lvl4pPr>
+            <a:lvl5pPr marL="1828800" algn="l" defTabSz="457200" rtl="0" eaLnBrk="1" latinLnBrk="0" hangingPunct="1">
+              <a:defRPr sz="1800" kern="1200">
+                <a:solidFill>
+                  <a:schemeClr val="lt1"/>
+                </a:solidFill>
+                <a:latin typeface="+mn-lt"/>
+                <a:ea typeface="+mn-ea"/>
+                <a:cs typeface="+mn-cs"/>
+              </a:defRPr>
+            </a:lvl5pPr>
+            <a:lvl6pPr marL="2286000" algn="l" defTabSz="457200" rtl="0" eaLnBrk="1" latinLnBrk="0" hangingPunct="1">
+              <a:defRPr sz="1800" kern="1200">
+                <a:solidFill>
+                  <a:schemeClr val="lt1"/>
+                </a:solidFill>
+                <a:latin typeface="+mn-lt"/>
+                <a:ea typeface="+mn-ea"/>
+                <a:cs typeface="+mn-cs"/>
+              </a:defRPr>
+            </a:lvl6pPr>
+            <a:lvl7pPr marL="2743200" algn="l" defTabSz="457200" rtl="0" eaLnBrk="1" latinLnBrk="0" hangingPunct="1">
+              <a:defRPr sz="1800" kern="1200">
+                <a:solidFill>
+                  <a:schemeClr val="lt1"/>
+                </a:solidFill>
+                <a:latin typeface="+mn-lt"/>
+                <a:ea typeface="+mn-ea"/>
+                <a:cs typeface="+mn-cs"/>
+              </a:defRPr>
+            </a:lvl7pPr>
+            <a:lvl8pPr marL="3200400" algn="l" defTabSz="457200" rtl="0" eaLnBrk="1" latinLnBrk="0" hangingPunct="1">
+              <a:defRPr sz="1800" kern="1200">
+                <a:solidFill>
+                  <a:schemeClr val="lt1"/>
+                </a:solidFill>
+                <a:latin typeface="+mn-lt"/>
+                <a:ea typeface="+mn-ea"/>
+                <a:cs typeface="+mn-cs"/>
+              </a:defRPr>
+            </a:lvl8pPr>
+            <a:lvl9pPr marL="3657600" algn="l" defTabSz="457200" rtl="0" eaLnBrk="1" latinLnBrk="0" hangingPunct="1">
+              <a:defRPr sz="1800" kern="1200">
+                <a:solidFill>
+                  <a:schemeClr val="lt1"/>
+                </a:solidFill>
+                <a:latin typeface="+mn-lt"/>
+                <a:ea typeface="+mn-ea"/>
+                <a:cs typeface="+mn-cs"/>
+              </a:defRPr>
+            </a:lvl9pPr>
+          </a:lstStyle>
+          <a:p>
+            <a:endParaRPr lang="en-US"/>
+          </a:p>
+        </p:txBody>
+      </p:sp>
+    </p:spTree>
+    <p:extLst>
+      <p:ext uri="{BB962C8B-B14F-4D97-AF65-F5344CB8AC3E}">
+        <p14:creationId xmlns:p14="http://schemas.microsoft.com/office/powerpoint/2010/main" val="2083286018"/>
+      </p:ext>
+    </p:extLst>
+  </p:cSld>
+  <p:clrMap bg1="lt1" tx1="dk1" bg2="lt2" tx2="dk2" accent1="accent1" accent2="accent2" accent3="accent3" accent4="accent4" accent5="accent5" accent6="accent6" hlink="hlink" folHlink="folHlink"/>
+  <p:sldLayoutIdLst>
+    <p:sldLayoutId id="2147483848" r:id="rId1"/>
+    <p:sldLayoutId id="2147483849" r:id="rId2"/>
+    <p:sldLayoutId id="2147483850" r:id="rId3"/>
+    <p:sldLayoutId id="2147483851" r:id="rId4"/>
+    <p:sldLayoutId id="2147483852" r:id="rId5"/>
+    <p:sldLayoutId id="2147483853" r:id="rId6"/>
+    <p:sldLayoutId id="2147483854" r:id="rId7"/>
+    <p:sldLayoutId id="2147483855" r:id="rId8"/>
+    <p:sldLayoutId id="2147483856" r:id="rId9"/>
+    <p:sldLayoutId id="2147483857" r:id="rId10"/>
+    <p:sldLayoutId id="2147483858" r:id="rId11"/>
+  </p:sldLayoutIdLst>
+  <p:timing>
+    <p:tnLst>
+      <p:par>
+        <p:cTn id="1" dur="indefinite" restart="never" nodeType="tmRoot"/>
+      </p:par>
+    </p:tnLst>
+  </p:timing>
+  <p:hf hdr="0" dt="0"/>
+  <p:txStyles>
+    <p:titleStyle>
+      <a:lvl1pPr algn="l" defTabSz="914400" rtl="0" eaLnBrk="1" latinLnBrk="0" hangingPunct="1">
+        <a:spcBef>
+          <a:spcPct val="0"/>
+        </a:spcBef>
+        <a:buNone/>
+        <a:defRPr sz="3600" kern="1200" cap="all" spc="-60" baseline="0">
+          <a:solidFill>
+            <a:schemeClr val="tx2"/>
+          </a:solidFill>
+          <a:latin typeface="+mj-lt"/>
+          <a:ea typeface="+mj-ea"/>
+          <a:cs typeface="+mj-cs"/>
+        </a:defRPr>
+      </a:lvl1pPr>
+    </p:titleStyle>
+    <p:bodyStyle>
+      <a:lvl1pPr marL="0" indent="0" algn="l" defTabSz="914400" rtl="0" eaLnBrk="1" latinLnBrk="0" hangingPunct="1">
+        <a:spcBef>
+          <a:spcPct val="20000"/>
+        </a:spcBef>
+        <a:spcAft>
+          <a:spcPts val="600"/>
+        </a:spcAft>
+        <a:buFont typeface="Arial" pitchFamily="34" charset="0"/>
+        <a:buNone/>
+        <a:defRPr sz="2000" b="1" kern="1200">
+          <a:solidFill>
+            <a:schemeClr val="tx1"/>
+          </a:solidFill>
+          <a:latin typeface="+mn-lt"/>
+          <a:ea typeface="+mn-ea"/>
+          <a:cs typeface="+mn-cs"/>
+        </a:defRPr>
+      </a:lvl1pPr>
+      <a:lvl2pPr marL="457200" indent="-182880" algn="l" defTabSz="914400" rtl="0" eaLnBrk="1" latinLnBrk="0" hangingPunct="1">
+        <a:spcBef>
+          <a:spcPct val="20000"/>
+        </a:spcBef>
+        <a:buClr>
+          <a:schemeClr val="tx2"/>
+        </a:buClr>
+        <a:buFont typeface="Arial" pitchFamily="34" charset="0"/>
+        <a:buChar char="•"/>
+        <a:defRPr sz="2000" kern="1200">
+          <a:solidFill>
+            <a:schemeClr val="tx1"/>
+          </a:solidFill>
+          <a:latin typeface="+mn-lt"/>
+          <a:ea typeface="+mn-ea"/>
+          <a:cs typeface="+mn-cs"/>
+        </a:defRPr>
+      </a:lvl2pPr>
+      <a:lvl3pPr marL="1143000" indent="-228600" algn="l" defTabSz="914400" rtl="0" eaLnBrk="1" latinLnBrk="0" hangingPunct="1">
+        <a:spcBef>
+          <a:spcPct val="20000"/>
+        </a:spcBef>
+        <a:buClr>
+          <a:schemeClr val="tx2"/>
+        </a:buClr>
+        <a:buFont typeface="Arial" pitchFamily="34" charset="0"/>
+        <a:buChar char="•"/>
+        <a:defRPr sz="1800" kern="1200">
+          <a:solidFill>
+            <a:schemeClr val="tx1"/>
+          </a:solidFill>
+          <a:latin typeface="+mn-lt"/>
+          <a:ea typeface="+mn-ea"/>
+          <a:cs typeface="+mn-cs"/>
+        </a:defRPr>
+      </a:lvl3pPr>
+      <a:lvl4pPr marL="1600200" indent="-228600" algn="l" defTabSz="914400" rtl="0" eaLnBrk="1" latinLnBrk="0" hangingPunct="1">
+        <a:spcBef>
+          <a:spcPct val="20000"/>
+        </a:spcBef>
+        <a:buClr>
+          <a:schemeClr val="tx2"/>
+        </a:buClr>
+        <a:buFont typeface="Arial" pitchFamily="34" charset="0"/>
+        <a:buChar char="•"/>
+        <a:defRPr sz="1800" kern="1200">
+          <a:solidFill>
+            <a:schemeClr val="tx1"/>
+          </a:solidFill>
+          <a:latin typeface="+mn-lt"/>
+          <a:ea typeface="+mn-ea"/>
+          <a:cs typeface="+mn-cs"/>
+        </a:defRPr>
+      </a:lvl4pPr>
+      <a:lvl5pPr marL="2057400" indent="-228600" algn="l" defTabSz="914400" rtl="0" eaLnBrk="1" latinLnBrk="0" hangingPunct="1">
+        <a:spcBef>
+          <a:spcPct val="20000"/>
+        </a:spcBef>
+        <a:buClr>
+          <a:schemeClr val="tx2"/>
+        </a:buClr>
+        <a:buFont typeface="Arial" pitchFamily="34" charset="0"/>
+        <a:buChar char="•"/>
+        <a:defRPr sz="1800" kern="1200" baseline="0">
+          <a:solidFill>
+            <a:schemeClr val="tx1"/>
+          </a:solidFill>
+          <a:latin typeface="+mn-lt"/>
+          <a:ea typeface="+mn-ea"/>
+          <a:cs typeface="+mn-cs"/>
+        </a:defRPr>
+      </a:lvl5pPr>
+      <a:lvl6pPr marL="2514600" indent="-228600" algn="l" defTabSz="914400" rtl="0" eaLnBrk="1" latinLnBrk="0" hangingPunct="1">
+        <a:spcBef>
+          <a:spcPct val="20000"/>
+        </a:spcBef>
+        <a:buClr>
+          <a:schemeClr val="tx2"/>
+        </a:buClr>
+        <a:buFont typeface="Arial" pitchFamily="34" charset="0"/>
+        <a:buChar char="•"/>
+        <a:defRPr sz="1600" kern="1200">
+          <a:solidFill>
+            <a:schemeClr val="tx1"/>
+          </a:solidFill>
+          <a:latin typeface="+mn-lt"/>
+          <a:ea typeface="+mn-ea"/>
+          <a:cs typeface="+mn-cs"/>
+        </a:defRPr>
+      </a:lvl6pPr>
+      <a:lvl7pPr marL="2971800" indent="-228600" algn="l" defTabSz="914400" rtl="0" eaLnBrk="1" latinLnBrk="0" hangingPunct="1">
+        <a:spcBef>
+          <a:spcPct val="20000"/>
+        </a:spcBef>
+        <a:buClr>
+          <a:schemeClr val="tx2"/>
+        </a:buClr>
+        <a:buFont typeface="Arial" pitchFamily="34" charset="0"/>
+        <a:buChar char="•"/>
+        <a:defRPr sz="1600" kern="1200">
+          <a:solidFill>
+            <a:schemeClr val="tx1"/>
+          </a:solidFill>
+          <a:latin typeface="+mn-lt"/>
+          <a:ea typeface="+mn-ea"/>
+          <a:cs typeface="+mn-cs"/>
+        </a:defRPr>
+      </a:lvl7pPr>
+      <a:lvl8pPr marL="3429000" indent="-228600" algn="l" defTabSz="914400" rtl="0" eaLnBrk="1" latinLnBrk="0" hangingPunct="1">
+        <a:spcBef>
+          <a:spcPct val="20000"/>
+        </a:spcBef>
+        <a:buClr>
+          <a:schemeClr val="tx2"/>
+        </a:buClr>
+        <a:buFont typeface="Arial" pitchFamily="34" charset="0"/>
+        <a:buChar char="•"/>
+        <a:defRPr sz="1600" kern="1200">
+          <a:solidFill>
+            <a:schemeClr val="tx1"/>
+          </a:solidFill>
+          <a:latin typeface="+mn-lt"/>
+          <a:ea typeface="+mn-ea"/>
+          <a:cs typeface="+mn-cs"/>
+        </a:defRPr>
+      </a:lvl8pPr>
+      <a:lvl9pPr marL="3886200" indent="-228600" algn="l" defTabSz="914400" rtl="0" eaLnBrk="1" latinLnBrk="0" hangingPunct="1">
+        <a:spcBef>
+          <a:spcPct val="20000"/>
+        </a:spcBef>
+        <a:buClr>
+          <a:schemeClr val="tx2"/>
+        </a:buClr>
+        <a:buFont typeface="Arial" pitchFamily="34" charset="0"/>
+        <a:buChar char="•"/>
+        <a:defRPr sz="1600" kern="1200">
+          <a:solidFill>
+            <a:schemeClr val="tx1"/>
+          </a:solidFill>
+          <a:latin typeface="+mn-lt"/>
+          <a:ea typeface="+mn-ea"/>
+          <a:cs typeface="+mn-cs"/>
+        </a:defRPr>
+      </a:lvl9pPr>
+    </p:bodyStyle>
+    <p:otherStyle>
+      <a:defPPr>
+        <a:defRPr lang="en-US"/>
+      </a:defPPr>
+      <a:lvl1pPr marL="0" algn="l" defTabSz="914400" rtl="0" eaLnBrk="1" latinLnBrk="0" hangingPunct="1">
+        <a:defRPr sz="1800" kern="1200">
+          <a:solidFill>
+            <a:schemeClr val="tx1"/>
+          </a:solidFill>
+          <a:latin typeface="+mn-lt"/>
+          <a:ea typeface="+mn-ea"/>
+          <a:cs typeface="+mn-cs"/>
+        </a:defRPr>
+      </a:lvl1pPr>
+      <a:lvl2pPr marL="457200" algn="l" defTabSz="914400" rtl="0" eaLnBrk="1" latinLnBrk="0" hangingPunct="1">
+        <a:defRPr sz="1800" kern="1200">
+          <a:solidFill>
+            <a:schemeClr val="tx1"/>
+          </a:solidFill>
+          <a:latin typeface="+mn-lt"/>
+          <a:ea typeface="+mn-ea"/>
+          <a:cs typeface="+mn-cs"/>
+        </a:defRPr>
+      </a:lvl2pPr>
+      <a:lvl3pPr marL="914400" algn="l" defTabSz="914400" rtl="0" eaLnBrk="1" latinLnBrk="0" hangingPunct="1">
+        <a:defRPr sz="1800" kern="1200">
+          <a:solidFill>
+            <a:schemeClr val="tx1"/>
+          </a:solidFill>
+          <a:latin typeface="+mn-lt"/>
+          <a:ea typeface="+mn-ea"/>
+          <a:cs typeface="+mn-cs"/>
+        </a:defRPr>
+      </a:lvl3pPr>
+      <a:lvl4pPr marL="1371600" algn="l" defTabSz="914400" rtl="0" eaLnBrk="1" latinLnBrk="0" hangingPunct="1">
+        <a:defRPr sz="1800" kern="1200">
+          <a:solidFill>
+            <a:schemeClr val="tx1"/>
+          </a:solidFill>
+          <a:latin typeface="+mn-lt"/>
+          <a:ea typeface="+mn-ea"/>
+          <a:cs typeface="+mn-cs"/>
+        </a:defRPr>
+      </a:lvl4pPr>
+      <a:lvl5pPr marL="1828800" algn="l" defTabSz="914400" rtl="0" eaLnBrk="1" latinLnBrk="0" hangingPunct="1">
+        <a:defRPr sz="1800" kern="1200">
+          <a:solidFill>
+            <a:schemeClr val="tx1"/>
+          </a:solidFill>
+          <a:latin typeface="+mn-lt"/>
+          <a:ea typeface="+mn-ea"/>
+          <a:cs typeface="+mn-cs"/>
+        </a:defRPr>
+      </a:lvl5pPr>
+      <a:lvl6pPr marL="2286000" algn="l" defTabSz="914400" rtl="0" eaLnBrk="1" latinLnBrk="0" hangingPunct="1">
+        <a:defRPr sz="1800" kern="1200">
+          <a:solidFill>
+            <a:schemeClr val="tx1"/>
+          </a:solidFill>
+          <a:latin typeface="+mn-lt"/>
+          <a:ea typeface="+mn-ea"/>
+          <a:cs typeface="+mn-cs"/>
+        </a:defRPr>
+      </a:lvl6pPr>
+      <a:lvl7pPr marL="2743200" algn="l" defTabSz="914400" rtl="0" eaLnBrk="1" latinLnBrk="0" hangingPunct="1">
+        <a:defRPr sz="1800" kern="1200">
+          <a:solidFill>
+            <a:schemeClr val="tx1"/>
+          </a:solidFill>
+          <a:latin typeface="+mn-lt"/>
+          <a:ea typeface="+mn-ea"/>
+          <a:cs typeface="+mn-cs"/>
+        </a:defRPr>
+      </a:lvl7pPr>
+      <a:lvl8pPr marL="3200400" algn="l" defTabSz="914400" rtl="0" eaLnBrk="1" latinLnBrk="0" hangingPunct="1">
+        <a:defRPr sz="1800" kern="1200">
+          <a:solidFill>
+            <a:schemeClr val="tx1"/>
+          </a:solidFill>
+          <a:latin typeface="+mn-lt"/>
+          <a:ea typeface="+mn-ea"/>
+          <a:cs typeface="+mn-cs"/>
+        </a:defRPr>
+      </a:lvl8pPr>
+      <a:lvl9pPr marL="3657600" algn="l" defTabSz="914400" rtl="0" eaLnBrk="1" latinLnBrk="0" hangingPunct="1">
+        <a:defRPr sz="1800" kern="1200">
+          <a:solidFill>
+            <a:schemeClr val="tx1"/>
+          </a:solidFill>
+          <a:latin typeface="+mn-lt"/>
+          <a:ea typeface="+mn-ea"/>
+          <a:cs typeface="+mn-cs"/>
+        </a:defRPr>
+      </a:lvl9pPr>
+    </p:otherStyle>
+  </p:txStyles>
+</p:sldMaster>
+</file>
+
+<file path=ppt/slideMasters/slideMaster3.xml><?xml version="1.0" encoding="utf-8"?>
+<p:sldMaster xmlns:a="http://schemas.openxmlformats.org/drawingml/2006/main" xmlns:r="http://schemas.openxmlformats.org/officeDocument/2006/relationships" xmlns:p="http://schemas.openxmlformats.org/presentationml/2006/main" preserve="1">
+  <p:cSld>
+    <p:bg>
+      <p:bgRef idx="1001">
+        <a:schemeClr val="bg1"/>
+      </p:bgRef>
+    </p:bg>
+    <p:spTree>
+      <p:nvGrpSpPr>
+        <p:cNvPr id="1" name=""/>
+        <p:cNvGrpSpPr/>
+        <p:nvPr/>
+      </p:nvGrpSpPr>
+      <p:grpSpPr>
+        <a:xfrm>
+          <a:off x="0" y="0"/>
+          <a:ext cx="0" cy="0"/>
+          <a:chOff x="0" y="0"/>
+          <a:chExt cx="0" cy="0"/>
+        </a:xfrm>
+      </p:grpSpPr>
+      <p:sp>
+        <p:nvSpPr>
+          <p:cNvPr id="2" name="Title Placeholder 1"/>
+          <p:cNvSpPr>
+            <a:spLocks noGrp="1"/>
+          </p:cNvSpPr>
+          <p:nvPr>
+            <p:ph type="title"/>
+          </p:nvPr>
+        </p:nvSpPr>
+        <p:spPr>
+          <a:xfrm>
+            <a:off x="628650" y="365125"/>
+            <a:ext cx="7886700" cy="1325563"/>
+          </a:xfrm>
+          <a:prstGeom prst="rect">
+            <a:avLst/>
+          </a:prstGeom>
+        </p:spPr>
+        <p:txBody>
+          <a:bodyPr vert="horz" lIns="91440" tIns="45720" rIns="91440" bIns="45720" rtlCol="0" anchor="ctr">
+            <a:normAutofit/>
+          </a:bodyPr>
+          <a:lstStyle/>
+          <a:p>
+            <a:r>
+              <a:rPr lang="en-US" smtClean="0"/>
+              <a:t>Click to edit Master title style</a:t>
+            </a:r>
+            <a:endParaRPr lang="en-US"/>
+          </a:p>
+        </p:txBody>
+      </p:sp>
+      <p:sp>
+        <p:nvSpPr>
+          <p:cNvPr id="3" name="Text Placeholder 2"/>
+          <p:cNvSpPr>
+            <a:spLocks noGrp="1"/>
+          </p:cNvSpPr>
+          <p:nvPr>
+            <p:ph type="body" idx="1"/>
+          </p:nvPr>
+        </p:nvSpPr>
+        <p:spPr>
+          <a:xfrm>
+            <a:off x="628650" y="1825625"/>
+            <a:ext cx="7886700" cy="4351338"/>
+          </a:xfrm>
+          <a:prstGeom prst="rect">
+            <a:avLst/>
+          </a:prstGeom>
+        </p:spPr>
+        <p:txBody>
+          <a:bodyPr vert="horz" lIns="91440" tIns="45720" rIns="91440" bIns="45720" rtlCol="0">
+            <a:normAutofit/>
+          </a:bodyPr>
+          <a:lstStyle/>
+          <a:p>
+            <a:pPr lvl="0"/>
+            <a:r>
+              <a:rPr lang="en-US" smtClean="0"/>
+              <a:t>Click to edit Master text styles</a:t>
+            </a:r>
+          </a:p>
+          <a:p>
+            <a:pPr lvl="1"/>
+            <a:r>
+              <a:rPr lang="en-US" smtClean="0"/>
+              <a:t>Second level</a:t>
+            </a:r>
+          </a:p>
+          <a:p>
+            <a:pPr lvl="2"/>
+            <a:r>
+              <a:rPr lang="en-US" smtClean="0"/>
+              <a:t>Third level</a:t>
+            </a:r>
+          </a:p>
+          <a:p>
+            <a:pPr lvl="3"/>
+            <a:r>
+              <a:rPr lang="en-US" smtClean="0"/>
+              <a:t>Fourth level</a:t>
+            </a:r>
+          </a:p>
+          <a:p>
+            <a:pPr lvl="4"/>
+            <a:r>
+              <a:rPr lang="en-US" smtClean="0"/>
+              <a:t>Fifth level</a:t>
+            </a:r>
+            <a:endParaRPr lang="en-US"/>
+          </a:p>
+        </p:txBody>
+      </p:sp>
+      <p:sp>
+        <p:nvSpPr>
+          <p:cNvPr id="4" name="Date Placeholder 3"/>
+          <p:cNvSpPr>
+            <a:spLocks noGrp="1"/>
+          </p:cNvSpPr>
+          <p:nvPr>
+            <p:ph type="dt" sz="half" idx="2"/>
+          </p:nvPr>
+        </p:nvSpPr>
+        <p:spPr>
+          <a:xfrm>
+            <a:off x="628650" y="6356350"/>
+            <a:ext cx="2057400" cy="365125"/>
+          </a:xfrm>
+          <a:prstGeom prst="rect">
+            <a:avLst/>
+          </a:prstGeom>
+        </p:spPr>
+        <p:txBody>
+          <a:bodyPr vert="horz" lIns="91440" tIns="45720" rIns="91440" bIns="45720" rtlCol="0" anchor="ctr"/>
+          <a:lstStyle>
+            <a:lvl1pPr algn="l">
+              <a:defRPr sz="1200">
+                <a:solidFill>
+                  <a:schemeClr val="tx1">
+                    <a:tint val="75000"/>
+                  </a:schemeClr>
+                </a:solidFill>
+              </a:defRPr>
+            </a:lvl1pPr>
+          </a:lstStyle>
+          <a:p>
+            <a:fld id="{EA2D73C5-BE5C-7441-A3B7-6EEA471EDBD8}" type="datetime1">
+              <a:rPr lang="en-US" smtClean="0"/>
+              <a:t>7/4/16</a:t>
+            </a:fld>
+            <a:endParaRPr lang="en-US"/>
+          </a:p>
+        </p:txBody>
+      </p:sp>
+      <p:sp>
+        <p:nvSpPr>
+          <p:cNvPr id="5" name="Footer Placeholder 4"/>
+          <p:cNvSpPr>
+            <a:spLocks noGrp="1"/>
+          </p:cNvSpPr>
+          <p:nvPr>
+            <p:ph type="ftr" sz="quarter" idx="3"/>
+          </p:nvPr>
+        </p:nvSpPr>
+        <p:spPr>
+          <a:xfrm>
+            <a:off x="3028950" y="6356350"/>
+            <a:ext cx="3086100" cy="365125"/>
+          </a:xfrm>
+          <a:prstGeom prst="rect">
+            <a:avLst/>
+          </a:prstGeom>
+        </p:spPr>
+        <p:txBody>
+          <a:bodyPr vert="horz" lIns="91440" tIns="45720" rIns="91440" bIns="45720" rtlCol="0" anchor="ctr"/>
+          <a:lstStyle>
+            <a:lvl1pPr algn="ctr">
+              <a:defRPr sz="1200">
+                <a:solidFill>
+                  <a:schemeClr val="tx1">
+                    <a:tint val="75000"/>
+                  </a:schemeClr>
+                </a:solidFill>
+              </a:defRPr>
+            </a:lvl1pPr>
+          </a:lstStyle>
+          <a:p>
+            <a:r>
+              <a:rPr lang="en-US" smtClean="0"/>
+              <a:t>© EV3Lessons.com, 2016, (Last edit: 07/04/2016)</a:t>
+            </a:r>
+            <a:endParaRPr lang="en-US"/>
+          </a:p>
+        </p:txBody>
+      </p:sp>
+      <p:sp>
+        <p:nvSpPr>
+          <p:cNvPr id="6" name="Slide Number Placeholder 5"/>
+          <p:cNvSpPr>
+            <a:spLocks noGrp="1"/>
+          </p:cNvSpPr>
+          <p:nvPr>
+            <p:ph type="sldNum" sz="quarter" idx="4"/>
+          </p:nvPr>
+        </p:nvSpPr>
+        <p:spPr>
+          <a:xfrm>
+            <a:off x="6457950" y="6356350"/>
+            <a:ext cx="2057400" cy="365125"/>
+          </a:xfrm>
+          <a:prstGeom prst="rect">
+            <a:avLst/>
+          </a:prstGeom>
+        </p:spPr>
+        <p:txBody>
+          <a:bodyPr vert="horz" lIns="91440" tIns="45720" rIns="91440" bIns="45720" rtlCol="0" anchor="ctr"/>
+          <a:lstStyle>
+            <a:lvl1pPr algn="r">
+              <a:defRPr sz="1200">
+                <a:solidFill>
+                  <a:schemeClr val="tx1">
+                    <a:tint val="75000"/>
+                  </a:schemeClr>
+                </a:solidFill>
+              </a:defRPr>
+            </a:lvl1pPr>
+          </a:lstStyle>
+          <a:p>
+            <a:fld id="{DE42E464-3EB8-43C8-8768-9E2AD4F497B7}" type="slidenum">
+              <a:rPr lang="en-US" smtClean="0"/>
+              <a:t>‹#›</a:t>
+            </a:fld>
+            <a:endParaRPr lang="en-US"/>
+          </a:p>
+        </p:txBody>
+      </p:sp>
+    </p:spTree>
+    <p:extLst>
+      <p:ext uri="{BB962C8B-B14F-4D97-AF65-F5344CB8AC3E}">
+        <p14:creationId xmlns:p14="http://schemas.microsoft.com/office/powerpoint/2010/main" val="965198315"/>
+      </p:ext>
+    </p:extLst>
+  </p:cSld>
+  <p:clrMap bg1="lt1" tx1="dk1" bg2="lt2" tx2="dk2" accent1="accent1" accent2="accent2" accent3="accent3" accent4="accent4" accent5="accent5" accent6="accent6" hlink="hlink" folHlink="folHlink"/>
+  <p:sldLayoutIdLst>
+    <p:sldLayoutId id="2147483860" r:id="rId1"/>
+    <p:sldLayoutId id="2147483861" r:id="rId2"/>
+    <p:sldLayoutId id="2147483862" r:id="rId3"/>
+    <p:sldLayoutId id="2147483863" r:id="rId4"/>
+    <p:sldLayoutId id="2147483864" r:id="rId5"/>
+    <p:sldLayoutId id="2147483865" r:id="rId6"/>
+    <p:sldLayoutId id="2147483866" r:id="rId7"/>
+    <p:sldLayoutId id="2147483867" r:id="rId8"/>
+    <p:sldLayoutId id="2147483868" r:id="rId9"/>
+    <p:sldLayoutId id="2147483869" r:id="rId10"/>
+    <p:sldLayoutId id="2147483870" r:id="rId11"/>
+  </p:sldLayoutIdLst>
+  <p:hf hdr="0" dt="0"/>
+  <p:txStyles>
+    <p:titleStyle>
+      <a:lvl1pPr algn="l" defTabSz="914400" rtl="0" eaLnBrk="1" latinLnBrk="0" hangingPunct="1">
+        <a:lnSpc>
+          <a:spcPct val="90000"/>
+        </a:lnSpc>
+        <a:spcBef>
+          <a:spcPct val="0"/>
+        </a:spcBef>
+        <a:buNone/>
+        <a:defRPr sz="4400" kern="1200">
+          <a:solidFill>
+            <a:schemeClr val="tx1"/>
+          </a:solidFill>
+          <a:latin typeface="+mj-lt"/>
+          <a:ea typeface="+mj-ea"/>
+          <a:cs typeface="+mj-cs"/>
+        </a:defRPr>
+      </a:lvl1pPr>
+    </p:titleStyle>
+    <p:bodyStyle>
+      <a:lvl1pPr marL="228600" indent="-228600" algn="l" defTabSz="914400" rtl="0" eaLnBrk="1" latinLnBrk="0" hangingPunct="1">
+        <a:lnSpc>
+          <a:spcPct val="90000"/>
+        </a:lnSpc>
+        <a:spcBef>
+          <a:spcPts val="1000"/>
+        </a:spcBef>
+        <a:buFont typeface="Arial" panose="020B0604020202020204" pitchFamily="34" charset="0"/>
+        <a:buChar char="•"/>
+        <a:defRPr sz="2800" kern="1200">
+          <a:solidFill>
+            <a:schemeClr val="tx1"/>
+          </a:solidFill>
+          <a:latin typeface="+mn-lt"/>
+          <a:ea typeface="+mn-ea"/>
+          <a:cs typeface="+mn-cs"/>
+        </a:defRPr>
+      </a:lvl1pPr>
+      <a:lvl2pPr marL="685800" indent="-228600" algn="l" defTabSz="914400" rtl="0" eaLnBrk="1" latinLnBrk="0" hangingPunct="1">
+        <a:lnSpc>
+          <a:spcPct val="90000"/>
+        </a:lnSpc>
+        <a:spcBef>
+          <a:spcPts val="500"/>
+        </a:spcBef>
+        <a:buFont typeface="Arial" panose="020B0604020202020204" pitchFamily="34" charset="0"/>
+        <a:buChar char="•"/>
+        <a:defRPr sz="2400" kern="1200">
+          <a:solidFill>
+            <a:schemeClr val="tx1"/>
+          </a:solidFill>
+          <a:latin typeface="+mn-lt"/>
+          <a:ea typeface="+mn-ea"/>
+          <a:cs typeface="+mn-cs"/>
+        </a:defRPr>
+      </a:lvl2pPr>
+      <a:lvl3pPr marL="1143000" indent="-228600" algn="l" defTabSz="914400" rtl="0" eaLnBrk="1" latinLnBrk="0" hangingPunct="1">
+        <a:lnSpc>
+          <a:spcPct val="90000"/>
+        </a:lnSpc>
+        <a:spcBef>
+          <a:spcPts val="500"/>
+        </a:spcBef>
+        <a:buFont typeface="Arial" panose="020B0604020202020204" pitchFamily="34" charset="0"/>
+        <a:buChar char="•"/>
+        <a:defRPr sz="2000" kern="1200">
+          <a:solidFill>
+            <a:schemeClr val="tx1"/>
+          </a:solidFill>
+          <a:latin typeface="+mn-lt"/>
+          <a:ea typeface="+mn-ea"/>
+          <a:cs typeface="+mn-cs"/>
+        </a:defRPr>
+      </a:lvl3pPr>
+      <a:lvl4pPr marL="1600200" indent="-228600" algn="l" defTabSz="914400" rtl="0" eaLnBrk="1" latinLnBrk="0" hangingPunct="1">
+        <a:lnSpc>
+          <a:spcPct val="90000"/>
+        </a:lnSpc>
+        <a:spcBef>
+          <a:spcPts val="500"/>
+        </a:spcBef>
+        <a:buFont typeface="Arial" panose="020B0604020202020204" pitchFamily="34" charset="0"/>
+        <a:buChar char="•"/>
+        <a:defRPr sz="1800" kern="1200">
+          <a:solidFill>
+            <a:schemeClr val="tx1"/>
+          </a:solidFill>
+          <a:latin typeface="+mn-lt"/>
+          <a:ea typeface="+mn-ea"/>
+          <a:cs typeface="+mn-cs"/>
+        </a:defRPr>
+      </a:lvl4pPr>
+      <a:lvl5pPr marL="2057400" indent="-228600" algn="l" defTabSz="914400" rtl="0" eaLnBrk="1" latinLnBrk="0" hangingPunct="1">
+        <a:lnSpc>
+          <a:spcPct val="90000"/>
+        </a:lnSpc>
+        <a:spcBef>
+          <a:spcPts val="500"/>
+        </a:spcBef>
+        <a:buFont typeface="Arial" panose="020B0604020202020204" pitchFamily="34" charset="0"/>
+        <a:buChar char="•"/>
+        <a:defRPr sz="1800" kern="1200">
+          <a:solidFill>
+            <a:schemeClr val="tx1"/>
+          </a:solidFill>
+          <a:latin typeface="+mn-lt"/>
+          <a:ea typeface="+mn-ea"/>
+          <a:cs typeface="+mn-cs"/>
+        </a:defRPr>
+      </a:lvl5pPr>
+      <a:lvl6pPr marL="2514600" indent="-228600" algn="l" defTabSz="914400" rtl="0" eaLnBrk="1" latinLnBrk="0" hangingPunct="1">
+        <a:lnSpc>
+          <a:spcPct val="90000"/>
+        </a:lnSpc>
+        <a:spcBef>
+          <a:spcPts val="500"/>
+        </a:spcBef>
+        <a:buFont typeface="Arial" panose="020B0604020202020204" pitchFamily="34" charset="0"/>
+        <a:buChar char="•"/>
+        <a:defRPr sz="1800" kern="1200">
+          <a:solidFill>
+            <a:schemeClr val="tx1"/>
+          </a:solidFill>
+          <a:latin typeface="+mn-lt"/>
+          <a:ea typeface="+mn-ea"/>
+          <a:cs typeface="+mn-cs"/>
+        </a:defRPr>
+      </a:lvl6pPr>
+      <a:lvl7pPr marL="2971800" indent="-228600" algn="l" defTabSz="914400" rtl="0" eaLnBrk="1" latinLnBrk="0" hangingPunct="1">
+        <a:lnSpc>
+          <a:spcPct val="90000"/>
+        </a:lnSpc>
+        <a:spcBef>
+          <a:spcPts val="500"/>
+        </a:spcBef>
+        <a:buFont typeface="Arial" panose="020B0604020202020204" pitchFamily="34" charset="0"/>
+        <a:buChar char="•"/>
+        <a:defRPr sz="1800" kern="1200">
+          <a:solidFill>
+            <a:schemeClr val="tx1"/>
+          </a:solidFill>
+          <a:latin typeface="+mn-lt"/>
+          <a:ea typeface="+mn-ea"/>
+          <a:cs typeface="+mn-cs"/>
+        </a:defRPr>
+      </a:lvl7pPr>
+      <a:lvl8pPr marL="3429000" indent="-228600" algn="l" defTabSz="914400" rtl="0" eaLnBrk="1" latinLnBrk="0" hangingPunct="1">
+        <a:lnSpc>
+          <a:spcPct val="90000"/>
+        </a:lnSpc>
+        <a:spcBef>
+          <a:spcPts val="500"/>
+        </a:spcBef>
+        <a:buFont typeface="Arial" panose="020B0604020202020204" pitchFamily="34" charset="0"/>
+        <a:buChar char="•"/>
+        <a:defRPr sz="1800" kern="1200">
+          <a:solidFill>
+            <a:schemeClr val="tx1"/>
+          </a:solidFill>
+          <a:latin typeface="+mn-lt"/>
+          <a:ea typeface="+mn-ea"/>
+          <a:cs typeface="+mn-cs"/>
+        </a:defRPr>
+      </a:lvl8pPr>
+      <a:lvl9pPr marL="3886200" indent="-228600" algn="l" defTabSz="914400" rtl="0" eaLnBrk="1" latinLnBrk="0" hangingPunct="1">
+        <a:lnSpc>
+          <a:spcPct val="90000"/>
+        </a:lnSpc>
+        <a:spcBef>
+          <a:spcPts val="500"/>
+        </a:spcBef>
+        <a:buFont typeface="Arial" panose="020B0604020202020204" pitchFamily="34" charset="0"/>
+        <a:buChar char="•"/>
+        <a:defRPr sz="1800" kern="1200">
+          <a:solidFill>
+            <a:schemeClr val="tx1"/>
+          </a:solidFill>
+          <a:latin typeface="+mn-lt"/>
+          <a:ea typeface="+mn-ea"/>
+          <a:cs typeface="+mn-cs"/>
+        </a:defRPr>
+      </a:lvl9pPr>
+    </p:bodyStyle>
+    <p:otherStyle>
+      <a:defPPr>
+        <a:defRPr lang="en-US"/>
+      </a:defPPr>
+      <a:lvl1pPr marL="0" algn="l" defTabSz="914400" rtl="0" eaLnBrk="1" latinLnBrk="0" hangingPunct="1">
+        <a:defRPr sz="1800" kern="1200">
+          <a:solidFill>
+            <a:schemeClr val="tx1"/>
+          </a:solidFill>
+          <a:latin typeface="+mn-lt"/>
+          <a:ea typeface="+mn-ea"/>
+          <a:cs typeface="+mn-cs"/>
+        </a:defRPr>
+      </a:lvl1pPr>
+      <a:lvl2pPr marL="457200" algn="l" defTabSz="914400" rtl="0" eaLnBrk="1" latinLnBrk="0" hangingPunct="1">
+        <a:defRPr sz="1800" kern="1200">
+          <a:solidFill>
+            <a:schemeClr val="tx1"/>
+          </a:solidFill>
+          <a:latin typeface="+mn-lt"/>
+          <a:ea typeface="+mn-ea"/>
+          <a:cs typeface="+mn-cs"/>
+        </a:defRPr>
+      </a:lvl2pPr>
+      <a:lvl3pPr marL="914400" algn="l" defTabSz="914400" rtl="0" eaLnBrk="1" latinLnBrk="0" hangingPunct="1">
+        <a:defRPr sz="1800" kern="1200">
+          <a:solidFill>
+            <a:schemeClr val="tx1"/>
+          </a:solidFill>
+          <a:latin typeface="+mn-lt"/>
+          <a:ea typeface="+mn-ea"/>
+          <a:cs typeface="+mn-cs"/>
+        </a:defRPr>
+      </a:lvl3pPr>
+      <a:lvl4pPr marL="1371600" algn="l" defTabSz="914400" rtl="0" eaLnBrk="1" latinLnBrk="0" hangingPunct="1">
+        <a:defRPr sz="1800" kern="1200">
+          <a:solidFill>
+            <a:schemeClr val="tx1"/>
+          </a:solidFill>
+          <a:latin typeface="+mn-lt"/>
+          <a:ea typeface="+mn-ea"/>
+          <a:cs typeface="+mn-cs"/>
+        </a:defRPr>
+      </a:lvl4pPr>
+      <a:lvl5pPr marL="1828800" algn="l" defTabSz="914400" rtl="0" eaLnBrk="1" latinLnBrk="0" hangingPunct="1">
+        <a:defRPr sz="1800" kern="1200">
+          <a:solidFill>
+            <a:schemeClr val="tx1"/>
+          </a:solidFill>
+          <a:latin typeface="+mn-lt"/>
+          <a:ea typeface="+mn-ea"/>
+          <a:cs typeface="+mn-cs"/>
+        </a:defRPr>
+      </a:lvl5pPr>
+      <a:lvl6pPr marL="2286000" algn="l" defTabSz="914400" rtl="0" eaLnBrk="1" latinLnBrk="0" hangingPunct="1">
+        <a:defRPr sz="1800" kern="1200">
+          <a:solidFill>
+            <a:schemeClr val="tx1"/>
+          </a:solidFill>
+          <a:latin typeface="+mn-lt"/>
+          <a:ea typeface="+mn-ea"/>
+          <a:cs typeface="+mn-cs"/>
+        </a:defRPr>
+      </a:lvl6pPr>
+      <a:lvl7pPr marL="2743200" algn="l" defTabSz="914400" rtl="0" eaLnBrk="1" latinLnBrk="0" hangingPunct="1">
+        <a:defRPr sz="1800" kern="1200">
+          <a:solidFill>
+            <a:schemeClr val="tx1"/>
+          </a:solidFill>
+          <a:latin typeface="+mn-lt"/>
+          <a:ea typeface="+mn-ea"/>
+          <a:cs typeface="+mn-cs"/>
+        </a:defRPr>
+      </a:lvl7pPr>
+      <a:lvl8pPr marL="3200400" algn="l" defTabSz="914400" rtl="0" eaLnBrk="1" latinLnBrk="0" hangingPunct="1">
+        <a:defRPr sz="1800" kern="1200">
+          <a:solidFill>
+            <a:schemeClr val="tx1"/>
+          </a:solidFill>
+          <a:latin typeface="+mn-lt"/>
+          <a:ea typeface="+mn-ea"/>
+          <a:cs typeface="+mn-cs"/>
+        </a:defRPr>
+      </a:lvl8pPr>
+      <a:lvl9pPr marL="3657600" algn="l" defTabSz="914400" rtl="0" eaLnBrk="1" latinLnBrk="0" hangingPunct="1">
+        <a:defRPr sz="1800" kern="1200">
+          <a:solidFill>
+            <a:schemeClr val="tx1"/>
+          </a:solidFill>
+          <a:latin typeface="+mn-lt"/>
+          <a:ea typeface="+mn-ea"/>
+          <a:cs typeface="+mn-cs"/>
+        </a:defRPr>
+      </a:lvl9pPr>
+    </p:otherStyle>
+  </p:txStyles>
+</p:sldMaster>
+</file>
+
 <file path=ppt/slides/slide1.xml><?xml version="1.0" encoding="utf-8"?>
 <p:sld xmlns:a="http://schemas.openxmlformats.org/drawingml/2006/main" xmlns:r="http://schemas.openxmlformats.org/officeDocument/2006/relationships" xmlns:p="http://schemas.openxmlformats.org/presentationml/2006/main">
   <p:cSld>
@@ -4975,7 +12339,30 @@
       </p:grpSpPr>
       <p:sp>
         <p:nvSpPr>
-          <p:cNvPr id="2" name="Title 1"/>
+          <p:cNvPr id="2" name="Subtitle 1"/>
+          <p:cNvSpPr>
+            <a:spLocks noGrp="1"/>
+          </p:cNvSpPr>
+          <p:nvPr>
+            <p:ph type="subTitle" idx="1"/>
+          </p:nvPr>
+        </p:nvSpPr>
+        <p:spPr/>
+        <p:txBody>
+          <a:bodyPr/>
+          <a:lstStyle/>
+          <a:p>
+            <a:r>
+              <a:rPr lang="en-US" dirty="0" smtClean="0"/>
+              <a:t>Pseudocode</a:t>
+            </a:r>
+            <a:endParaRPr lang="en-US" dirty="0"/>
+          </a:p>
+        </p:txBody>
+      </p:sp>
+      <p:sp>
+        <p:nvSpPr>
+          <p:cNvPr id="3" name="Title 2"/>
           <p:cNvSpPr>
             <a:spLocks noGrp="1"/>
           </p:cNvSpPr>
@@ -4983,211 +12370,30 @@
             <p:ph type="ctrTitle"/>
           </p:nvPr>
         </p:nvSpPr>
-        <p:spPr>
-          <a:xfrm>
-            <a:off x="402305" y="311631"/>
-            <a:ext cx="4182799" cy="1923569"/>
-          </a:xfrm>
-        </p:spPr>
+        <p:spPr/>
         <p:txBody>
           <a:bodyPr/>
           <a:lstStyle/>
           <a:p>
             <a:pPr algn="ctr"/>
             <a:r>
-              <a:rPr lang="en-US" sz="3200" dirty="0" smtClean="0"/>
-              <a:t>BEGINNER EV3 PROGRAMMING</a:t>
-            </a:r>
-            <a:r>
-              <a:rPr lang="en-US" sz="4000" dirty="0" smtClean="0"/>
-              <a:t/>
-            </a:r>
-            <a:br>
-              <a:rPr lang="en-US" sz="4000" dirty="0" smtClean="0"/>
-            </a:br>
-            <a:r>
-              <a:rPr lang="en-US" sz="3200" dirty="0" smtClean="0"/>
-              <a:t>Lesson</a:t>
-            </a:r>
-            <a:endParaRPr lang="en-US" sz="3200" dirty="0"/>
-          </a:p>
-        </p:txBody>
-      </p:sp>
-      <p:sp>
-        <p:nvSpPr>
-          <p:cNvPr id="7" name="TextBox 6"/>
-          <p:cNvSpPr txBox="1"/>
-          <p:nvPr/>
-        </p:nvSpPr>
-        <p:spPr>
-          <a:xfrm>
-            <a:off x="1487501" y="5949643"/>
-            <a:ext cx="4750545" cy="523220"/>
-          </a:xfrm>
-          <a:prstGeom prst="rect">
-            <a:avLst/>
-          </a:prstGeom>
-          <a:noFill/>
-        </p:spPr>
-        <p:txBody>
-          <a:bodyPr wrap="square" rtlCol="0">
-            <a:spAutoFit/>
-          </a:bodyPr>
-          <a:lstStyle/>
-          <a:p>
-            <a:r>
-              <a:rPr lang="en-US" sz="2800" dirty="0" smtClean="0"/>
-              <a:t>By: Droids Robotics</a:t>
-            </a:r>
-          </a:p>
-        </p:txBody>
-      </p:sp>
-      <p:sp>
-        <p:nvSpPr>
-          <p:cNvPr id="4" name="TextBox 3"/>
-          <p:cNvSpPr txBox="1"/>
-          <p:nvPr/>
-        </p:nvSpPr>
-        <p:spPr>
-          <a:xfrm>
-            <a:off x="402305" y="3221966"/>
-            <a:ext cx="8187512" cy="523220"/>
-          </a:xfrm>
-          <a:prstGeom prst="rect">
-            <a:avLst/>
-          </a:prstGeom>
-          <a:noFill/>
-        </p:spPr>
-        <p:txBody>
-          <a:bodyPr wrap="square" rtlCol="0">
-            <a:spAutoFit/>
-          </a:bodyPr>
-          <a:lstStyle/>
-          <a:p>
-            <a:r>
-              <a:rPr lang="en-US" sz="2800" dirty="0" smtClean="0">
-                <a:solidFill>
-                  <a:srgbClr val="FF0000"/>
-                </a:solidFill>
-              </a:rPr>
-              <a:t>Good Coding Practices:</a:t>
-            </a:r>
-            <a:r>
-              <a:rPr lang="en-US" sz="2800" dirty="0">
-                <a:solidFill>
-                  <a:srgbClr val="FF0000"/>
-                </a:solidFill>
-              </a:rPr>
-              <a:t> </a:t>
-            </a:r>
-            <a:r>
-              <a:rPr lang="en-US" sz="2800" dirty="0" smtClean="0">
-                <a:solidFill>
-                  <a:srgbClr val="FF0000"/>
-                </a:solidFill>
-              </a:rPr>
-              <a:t>Start with </a:t>
-            </a:r>
-            <a:r>
-              <a:rPr lang="en-US" sz="2800" dirty="0" err="1" smtClean="0">
-                <a:solidFill>
-                  <a:srgbClr val="FF0000"/>
-                </a:solidFill>
-              </a:rPr>
-              <a:t>Pseudocode</a:t>
-            </a:r>
-            <a:endParaRPr lang="en-US" sz="2800" dirty="0"/>
-          </a:p>
-        </p:txBody>
-      </p:sp>
-      <p:pic>
-        <p:nvPicPr>
-          <p:cNvPr id="1026" name="Picture 2" descr="EV3Lessons.com"/>
-          <p:cNvPicPr>
-            <a:picLocks noChangeAspect="1" noChangeArrowheads="1"/>
-          </p:cNvPicPr>
-          <p:nvPr/>
-        </p:nvPicPr>
-        <p:blipFill>
-          <a:blip r:embed="rId3">
-            <a:extLst>
-              <a:ext uri="{28A0092B-C50C-407E-A947-70E740481C1C}">
-                <a14:useLocalDpi xmlns:a14="http://schemas.microsoft.com/office/drawing/2010/main" val="0"/>
-              </a:ext>
-            </a:extLst>
-          </a:blip>
-          <a:srcRect/>
-          <a:stretch>
-            <a:fillRect/>
-          </a:stretch>
-        </p:blipFill>
-        <p:spPr bwMode="auto">
-          <a:xfrm>
-            <a:off x="4585105" y="436041"/>
-            <a:ext cx="4231698" cy="1571774"/>
-          </a:xfrm>
-          <a:prstGeom prst="rect">
-            <a:avLst/>
-          </a:prstGeom>
-          <a:noFill/>
-          <a:extLst>
-            <a:ext uri="{909E8E84-426E-40dd-AFC4-6F175D3DCCD1}">
-              <a14:hiddenFill xmlns:a14="http://schemas.microsoft.com/office/drawing/2010/main" xmlns="">
-                <a:solidFill>
-                  <a:srgbClr val="FFFFFF"/>
-                </a:solidFill>
-              </a14:hiddenFill>
-            </a:ext>
-          </a:extLst>
-        </p:spPr>
-      </p:pic>
-      <p:pic>
-        <p:nvPicPr>
-          <p:cNvPr id="5" name="Picture 4"/>
-          <p:cNvPicPr>
-            <a:picLocks noChangeAspect="1"/>
-          </p:cNvPicPr>
-          <p:nvPr/>
-        </p:nvPicPr>
-        <p:blipFill>
-          <a:blip r:embed="rId4">
-            <a:extLst>
-              <a:ext uri="{28A0092B-C50C-407E-A947-70E740481C1C}">
-                <a14:useLocalDpi xmlns:a14="http://schemas.microsoft.com/office/drawing/2010/main" val="0"/>
-              </a:ext>
-            </a:extLst>
-          </a:blip>
-          <a:stretch>
-            <a:fillRect/>
-          </a:stretch>
-        </p:blipFill>
-        <p:spPr>
-          <a:xfrm>
-            <a:off x="214653" y="5255172"/>
-            <a:ext cx="1272848" cy="1217691"/>
-          </a:xfrm>
-          <a:prstGeom prst="rect">
-            <a:avLst/>
-          </a:prstGeom>
-        </p:spPr>
-      </p:pic>
+              <a:rPr lang="en-US" dirty="0" smtClean="0"/>
+              <a:t>BEGINNER PROGRAMMING LESSON</a:t>
+            </a:r>
+            <a:endParaRPr lang="en-US" dirty="0"/>
+          </a:p>
+        </p:txBody>
+      </p:sp>
     </p:spTree>
     <p:extLst>
       <p:ext uri="{BB962C8B-B14F-4D97-AF65-F5344CB8AC3E}">
-        <p14:creationId xmlns:p14="http://schemas.microsoft.com/office/powerpoint/2010/main" val="603735238"/>
+        <p14:creationId xmlns:p14="http://schemas.microsoft.com/office/powerpoint/2010/main" val="1284958206"/>
       </p:ext>
     </p:extLst>
   </p:cSld>
   <p:clrMapOvr>
     <a:masterClrMapping/>
   </p:clrMapOvr>
-  <p:timing>
-    <p:tnLst>
-      <p:par>
-        <p:cTn id="1" dur="indefinite" restart="never" nodeType="tmRoot"/>
-      </p:par>
-    </p:tnLst>
-  </p:timing>
 </p:sld>
 </file>
 
@@ -5247,24 +12453,34 @@
           <a:lstStyle/>
           <a:p>
             <a:r>
-              <a:rPr lang="en-US" smtClean="0"/>
-              <a:t>This tutorial was created by Sanjay Seshan and Arvind Seshan from Droids Robotics.</a:t>
-            </a:r>
-          </a:p>
-          <a:p>
-            <a:pPr lvl="1"/>
-            <a:r>
-              <a:rPr lang="en-US" smtClean="0"/>
-              <a:t>Author’s Email: team@droidsrobotics.org</a:t>
-            </a:r>
-          </a:p>
-          <a:p>
-            <a:r>
-              <a:rPr lang="en-US" smtClean="0"/>
-              <a:t>More lessons and resources are available at </a:t>
-            </a:r>
-            <a:r>
-              <a:rPr lang="en-US" smtClean="0">
+              <a:rPr lang="en-US" dirty="0" smtClean="0"/>
+              <a:t>This tutorial was created by Sanjay </a:t>
+            </a:r>
+            <a:r>
+              <a:rPr lang="en-US" dirty="0" err="1" smtClean="0"/>
+              <a:t>Seshan</a:t>
+            </a:r>
+            <a:r>
+              <a:rPr lang="en-US" dirty="0" smtClean="0"/>
+              <a:t> and Arvind </a:t>
+            </a:r>
+            <a:r>
+              <a:rPr lang="en-US" dirty="0" err="1" smtClean="0"/>
+              <a:t>Seshan</a:t>
+            </a:r>
+            <a:endParaRPr lang="en-US" dirty="0"/>
+          </a:p>
+          <a:p>
+            <a:r>
+              <a:rPr lang="en-US" dirty="0" smtClean="0"/>
+              <a:t>More </a:t>
+            </a:r>
+            <a:r>
+              <a:rPr lang="en-US" dirty="0" smtClean="0"/>
+              <a:t>lessons and resources are available at </a:t>
+            </a:r>
+            <a:r>
+              <a:rPr lang="en-US" dirty="0" smtClean="0">
                 <a:hlinkClick r:id="rId3"/>
               </a:rPr>
               <a:t>www.ev3lessons.com</a:t>
@@ -5290,7 +12506,7 @@
           <a:p>
             <a:r>
               <a:rPr lang="en-US" smtClean="0"/>
-              <a:t>© EV3Lessons.com, 2015, (Last edit: 11/14/2015)</a:t>
+              <a:t>© EV3Lessons.com, 2016, (Last edit: 07/04/2016)</a:t>
             </a:r>
             <a:endParaRPr lang="en-US" dirty="0"/>
           </a:p>
@@ -5608,7 +12824,7 @@
           <a:blip r:embed="rId5">
             <a:extLst>
               <a:ext uri="{28A0092B-C50C-407E-A947-70E740481C1C}">
-                <a14:useLocalDpi xmlns:a14="http://schemas.microsoft.com/office/drawing/2010/main" val="0"/>
+                <a14:useLocalDpi xmlns:a14="http://schemas.microsoft.com/office/drawing/2010/main"/>
               </a:ext>
             </a:extLst>
           </a:blip>
@@ -5637,6 +12853,29 @@
           </a:extLst>
         </p:spPr>
       </p:pic>
+      <p:sp>
+        <p:nvSpPr>
+          <p:cNvPr id="7" name="Slide Number Placeholder 6"/>
+          <p:cNvSpPr>
+            <a:spLocks noGrp="1"/>
+          </p:cNvSpPr>
+          <p:nvPr>
+            <p:ph type="sldNum" sz="quarter" idx="12"/>
+          </p:nvPr>
+        </p:nvSpPr>
+        <p:spPr/>
+        <p:txBody>
+          <a:bodyPr/>
+          <a:lstStyle/>
+          <a:p>
+            <a:fld id="{4DBC7FC8-25FB-FC45-8177-2B991DA6778C}" type="slidenum">
+              <a:rPr lang="en-US" smtClean="0"/>
+              <a:t>10</a:t>
+            </a:fld>
+            <a:endParaRPr lang="en-US" dirty="0"/>
+          </a:p>
+        </p:txBody>
+      </p:sp>
     </p:spTree>
     <p:extLst>
       <p:ext uri="{BB962C8B-B14F-4D97-AF65-F5344CB8AC3E}">
@@ -5817,8 +13056,31 @@
           <a:p>
             <a:r>
               <a:rPr lang="en-US" smtClean="0"/>
-              <a:t>© EV3Lessons.com, 2015, (Last edit: 11/14/2015)</a:t>
-            </a:r>
+              <a:t>© EV3Lessons.com, 2016, (Last edit: 07/04/2016)</a:t>
+            </a:r>
+            <a:endParaRPr lang="en-US" dirty="0"/>
+          </a:p>
+        </p:txBody>
+      </p:sp>
+      <p:sp>
+        <p:nvSpPr>
+          <p:cNvPr id="5" name="Slide Number Placeholder 4"/>
+          <p:cNvSpPr>
+            <a:spLocks noGrp="1"/>
+          </p:cNvSpPr>
+          <p:nvPr>
+            <p:ph type="sldNum" sz="quarter" idx="12"/>
+          </p:nvPr>
+        </p:nvSpPr>
+        <p:spPr/>
+        <p:txBody>
+          <a:bodyPr/>
+          <a:lstStyle/>
+          <a:p>
+            <a:fld id="{4DBC7FC8-25FB-FC45-8177-2B991DA6778C}" type="slidenum">
+              <a:rPr lang="en-US" smtClean="0"/>
+              <a:t>2</a:t>
+            </a:fld>
             <a:endParaRPr lang="en-US" dirty="0"/>
           </a:p>
         </p:txBody>
@@ -5911,6 +13173,10 @@
           </a:bodyPr>
           <a:lstStyle/>
           <a:p>
+            <a:pPr marL="342900" indent="-342900">
+              <a:buFont typeface="Arial" charset="0"/>
+              <a:buChar char="•"/>
+            </a:pPr>
             <a:r>
               <a:rPr lang="en-US" dirty="0"/>
               <a:t>Robots follow directions that people give them. </a:t>
@@ -5926,6 +13192,10 @@
             <a:endParaRPr lang="en-US" dirty="0" smtClean="0"/>
           </a:p>
           <a:p>
+            <a:pPr marL="342900" indent="-342900">
+              <a:buFont typeface="Arial" charset="0"/>
+              <a:buChar char="•"/>
+            </a:pPr>
             <a:r>
               <a:rPr lang="en-US" dirty="0" smtClean="0"/>
               <a:t>It </a:t>
@@ -5937,6 +13207,10 @@
             <a:endParaRPr lang="en-US" dirty="0" smtClean="0"/>
           </a:p>
           <a:p>
+            <a:pPr marL="342900" indent="-342900">
+              <a:buFont typeface="Arial" charset="0"/>
+              <a:buChar char="•"/>
+            </a:pPr>
             <a:r>
               <a:rPr lang="en-US" dirty="0" smtClean="0"/>
               <a:t>It </a:t>
@@ -5956,6 +13230,10 @@
             <a:endParaRPr lang="en-US" dirty="0" smtClean="0"/>
           </a:p>
           <a:p>
+            <a:pPr marL="342900" indent="-342900">
+              <a:buFont typeface="Arial" charset="0"/>
+              <a:buChar char="•"/>
+            </a:pPr>
             <a:r>
               <a:rPr lang="en-US" dirty="0" smtClean="0"/>
               <a:t>Pseudocode </a:t>
@@ -5971,6 +13249,10 @@
             <a:endParaRPr lang="en-US" dirty="0"/>
           </a:p>
           <a:p>
+            <a:pPr marL="342900" indent="-342900">
+              <a:buFont typeface="Arial" charset="0"/>
+              <a:buChar char="•"/>
+            </a:pPr>
             <a:r>
               <a:rPr lang="en-US" dirty="0" err="1" smtClean="0"/>
               <a:t>Pseudocode</a:t>
@@ -6004,8 +13286,31 @@
           <a:p>
             <a:r>
               <a:rPr lang="en-US" smtClean="0"/>
-              <a:t>© EV3Lessons.com, 2015, (Last edit: 11/14/2015)</a:t>
-            </a:r>
+              <a:t>© EV3Lessons.com, 2016, (Last edit: 07/04/2016)</a:t>
+            </a:r>
+            <a:endParaRPr lang="en-US" dirty="0"/>
+          </a:p>
+        </p:txBody>
+      </p:sp>
+      <p:sp>
+        <p:nvSpPr>
+          <p:cNvPr id="5" name="Slide Number Placeholder 4"/>
+          <p:cNvSpPr>
+            <a:spLocks noGrp="1"/>
+          </p:cNvSpPr>
+          <p:nvPr>
+            <p:ph type="sldNum" sz="quarter" idx="12"/>
+          </p:nvPr>
+        </p:nvSpPr>
+        <p:spPr/>
+        <p:txBody>
+          <a:bodyPr/>
+          <a:lstStyle/>
+          <a:p>
+            <a:fld id="{4DBC7FC8-25FB-FC45-8177-2B991DA6778C}" type="slidenum">
+              <a:rPr lang="en-US" smtClean="0"/>
+              <a:t>3</a:t>
+            </a:fld>
             <a:endParaRPr lang="en-US" dirty="0"/>
           </a:p>
         </p:txBody>
@@ -6100,6 +13405,10 @@
           </a:bodyPr>
           <a:lstStyle/>
           <a:p>
+            <a:pPr marL="342900" indent="-342900">
+              <a:buFont typeface="Arial" charset="0"/>
+              <a:buChar char="•"/>
+            </a:pPr>
             <a:r>
               <a:rPr lang="en-US" dirty="0"/>
               <a:t>A great way to learn the importance of good pseudocode is to try writing instructions for something simple: </a:t>
@@ -6154,6 +13463,10 @@
             </a:r>
           </a:p>
           <a:p>
+            <a:pPr marL="342900" indent="-342900">
+              <a:buFont typeface="Arial" charset="0"/>
+              <a:buChar char="•"/>
+            </a:pPr>
             <a:r>
               <a:rPr lang="en-US" dirty="0" smtClean="0"/>
               <a:t>Some </a:t>
@@ -6210,7 +13523,10 @@
             </a:r>
           </a:p>
           <a:p>
-            <a:pPr lvl="0"/>
+            <a:pPr marL="342900" lvl="0" indent="-342900">
+              <a:buFont typeface="Arial" charset="0"/>
+              <a:buChar char="•"/>
+            </a:pPr>
             <a:r>
               <a:rPr lang="en-US" dirty="0"/>
               <a:t>Communicating instructions well is important! </a:t>
@@ -6224,6 +13540,10 @@
             <a:endParaRPr lang="en-US" dirty="0"/>
           </a:p>
           <a:p>
+            <a:pPr marL="342900" indent="-342900">
+              <a:buFont typeface="Arial" charset="0"/>
+              <a:buChar char="•"/>
+            </a:pPr>
             <a:endParaRPr lang="en-US" dirty="0"/>
           </a:p>
         </p:txBody>
@@ -6245,8 +13565,31 @@
           <a:p>
             <a:r>
               <a:rPr lang="en-US" smtClean="0"/>
-              <a:t>© EV3Lessons.com, 2015, (Last edit: 11/14/2015)</a:t>
-            </a:r>
+              <a:t>© EV3Lessons.com, 2016, (Last edit: 07/04/2016)</a:t>
+            </a:r>
+            <a:endParaRPr lang="en-US" dirty="0"/>
+          </a:p>
+        </p:txBody>
+      </p:sp>
+      <p:sp>
+        <p:nvSpPr>
+          <p:cNvPr id="5" name="Slide Number Placeholder 4"/>
+          <p:cNvSpPr>
+            <a:spLocks noGrp="1"/>
+          </p:cNvSpPr>
+          <p:nvPr>
+            <p:ph type="sldNum" sz="quarter" idx="12"/>
+          </p:nvPr>
+        </p:nvSpPr>
+        <p:spPr/>
+        <p:txBody>
+          <a:bodyPr/>
+          <a:lstStyle/>
+          <a:p>
+            <a:fld id="{4DBC7FC8-25FB-FC45-8177-2B991DA6778C}" type="slidenum">
+              <a:rPr lang="en-US" smtClean="0"/>
+              <a:t>4</a:t>
+            </a:fld>
             <a:endParaRPr lang="en-US" dirty="0"/>
           </a:p>
         </p:txBody>
@@ -6341,7 +13684,10 @@
           </a:bodyPr>
           <a:lstStyle/>
           <a:p>
-            <a:pPr lvl="0"/>
+            <a:pPr marL="342900" lvl="0" indent="-342900">
+              <a:buFont typeface="Arial" charset="0"/>
+              <a:buChar char="•"/>
+            </a:pPr>
             <a:r>
               <a:rPr lang="en-US" dirty="0" smtClean="0"/>
               <a:t>Take </a:t>
@@ -6352,14 +13698,20 @@
             </a:r>
           </a:p>
           <a:p>
-            <a:pPr lvl="0"/>
+            <a:pPr marL="342900" lvl="0" indent="-342900">
+              <a:buFont typeface="Arial" charset="0"/>
+              <a:buChar char="•"/>
+            </a:pPr>
             <a:r>
               <a:rPr lang="en-US" dirty="0"/>
               <a:t>Take one piece of bread that is not covered with peanut butter on any side and use a knife to spread peanut butter on one side</a:t>
             </a:r>
           </a:p>
           <a:p>
-            <a:pPr lvl="0"/>
+            <a:pPr marL="342900" lvl="0" indent="-342900">
+              <a:buFont typeface="Arial" charset="0"/>
+              <a:buChar char="•"/>
+            </a:pPr>
             <a:r>
               <a:rPr lang="en-US" dirty="0"/>
               <a:t>Take a  second piece of bread </a:t>
@@ -6382,20 +13734,30 @@
             </a:r>
           </a:p>
           <a:p>
-            <a:pPr lvl="0"/>
+            <a:pPr marL="342900" lvl="0" indent="-342900">
+              <a:buFont typeface="Arial" charset="0"/>
+              <a:buChar char="•"/>
+            </a:pPr>
             <a:r>
               <a:rPr lang="en-US" dirty="0"/>
               <a:t>Place the jelly side of the second piece of bread against the peanut butter side of the first piece of bread.</a:t>
             </a:r>
           </a:p>
           <a:p>
-            <a:pPr lvl="0"/>
+            <a:pPr marL="342900" lvl="0" indent="-342900">
+              <a:buFont typeface="Arial" charset="0"/>
+              <a:buChar char="•"/>
+            </a:pPr>
             <a:r>
               <a:rPr lang="en-US" dirty="0"/>
               <a:t>Place the combined pieces of bread on plate</a:t>
             </a:r>
           </a:p>
           <a:p>
+            <a:pPr marL="342900" indent="-342900">
+              <a:buFont typeface="Arial" charset="0"/>
+              <a:buChar char="•"/>
+            </a:pPr>
             <a:endParaRPr lang="en-US" dirty="0"/>
           </a:p>
         </p:txBody>
@@ -6417,7 +13779,7 @@
           <a:p>
             <a:r>
               <a:rPr lang="en-US" smtClean="0"/>
-              <a:t>© EV3Lessons.com, 2015, (Last edit: 11/14/2015)</a:t>
+              <a:t>© EV3Lessons.com, 2016, (Last edit: 07/04/2016)</a:t>
             </a:r>
             <a:endParaRPr lang="en-US" dirty="0"/>
           </a:p>
@@ -6435,7 +13797,7 @@
           <a:blip r:embed="rId2" cstate="email">
             <a:extLst>
               <a:ext uri="{28A0092B-C50C-407E-A947-70E740481C1C}">
-                <a14:useLocalDpi xmlns:a14="http://schemas.microsoft.com/office/drawing/2010/main" val="0"/>
+                <a14:useLocalDpi xmlns:a14="http://schemas.microsoft.com/office/drawing/2010/main"/>
               </a:ext>
             </a:extLst>
           </a:blip>
@@ -6476,7 +13838,7 @@
           <a:blip r:embed="rId3" cstate="email">
             <a:extLst>
               <a:ext uri="{28A0092B-C50C-407E-A947-70E740481C1C}">
-                <a14:useLocalDpi xmlns:a14="http://schemas.microsoft.com/office/drawing/2010/main" val="0"/>
+                <a14:useLocalDpi xmlns:a14="http://schemas.microsoft.com/office/drawing/2010/main"/>
               </a:ext>
             </a:extLst>
           </a:blip>
@@ -6505,6 +13867,29 @@
           </a:extLst>
         </p:spPr>
       </p:pic>
+      <p:sp>
+        <p:nvSpPr>
+          <p:cNvPr id="5" name="Slide Number Placeholder 4"/>
+          <p:cNvSpPr>
+            <a:spLocks noGrp="1"/>
+          </p:cNvSpPr>
+          <p:nvPr>
+            <p:ph type="sldNum" sz="quarter" idx="12"/>
+          </p:nvPr>
+        </p:nvSpPr>
+        <p:spPr/>
+        <p:txBody>
+          <a:bodyPr/>
+          <a:lstStyle/>
+          <a:p>
+            <a:fld id="{4DBC7FC8-25FB-FC45-8177-2B991DA6778C}" type="slidenum">
+              <a:rPr lang="en-US" smtClean="0"/>
+              <a:t>5</a:t>
+            </a:fld>
+            <a:endParaRPr lang="en-US" dirty="0"/>
+          </a:p>
+        </p:txBody>
+      </p:sp>
     </p:spTree>
     <p:extLst>
       <p:ext uri="{BB962C8B-B14F-4D97-AF65-F5344CB8AC3E}">
@@ -6577,7 +13962,7 @@
             <p:ph idx="1"/>
             <p:extLst>
               <p:ext uri="{D42A27DB-BD31-4B8C-83A1-F6EECF244321}">
-                <p14:modId xmlns:p14="http://schemas.microsoft.com/office/powerpoint/2010/main" val="1305549489"/>
+                <p14:modId xmlns:p14="http://schemas.microsoft.com/office/powerpoint/2010/main" val="1848703338"/>
               </p:ext>
             </p:extLst>
           </p:nvPr>
@@ -6601,7 +13986,7 @@
                     <a:bodyPr/>
                     <a:lstStyle/>
                     <a:p>
-                      <a:pPr marL="0" marR="457200">
+                      <a:pPr marL="457200" marR="457200" lvl="1">
                         <a:lnSpc>
                           <a:spcPct val="105000"/>
                         </a:lnSpc>
@@ -6644,7 +14029,7 @@
                     <a:bodyPr/>
                     <a:lstStyle/>
                     <a:p>
-                      <a:pPr marL="0" marR="457200">
+                      <a:pPr marL="457200" marR="457200" lvl="1">
                         <a:lnSpc>
                           <a:spcPct val="105000"/>
                         </a:lnSpc>
@@ -6687,7 +14072,7 @@
                     <a:bodyPr/>
                     <a:lstStyle/>
                     <a:p>
-                      <a:pPr marL="0" marR="457200">
+                      <a:pPr marL="457200" marR="457200" lvl="1">
                         <a:lnSpc>
                           <a:spcPct val="105000"/>
                         </a:lnSpc>
@@ -6730,7 +14115,7 @@
                     <a:bodyPr/>
                     <a:lstStyle/>
                     <a:p>
-                      <a:pPr marL="0" marR="457200">
+                      <a:pPr marL="457200" marR="457200" lvl="1">
                         <a:lnSpc>
                           <a:spcPct val="105000"/>
                         </a:lnSpc>
@@ -6773,7 +14158,7 @@
                     <a:bodyPr/>
                     <a:lstStyle/>
                     <a:p>
-                      <a:pPr marL="0" marR="457200">
+                      <a:pPr marL="457200" marR="457200" lvl="1">
                         <a:lnSpc>
                           <a:spcPct val="105000"/>
                         </a:lnSpc>
@@ -6843,8 +14228,31 @@
           <a:p>
             <a:r>
               <a:rPr lang="en-US" smtClean="0"/>
-              <a:t>© EV3Lessons.com, 2015, (Last edit: 11/14/2015)</a:t>
-            </a:r>
+              <a:t>© EV3Lessons.com, 2016, (Last edit: 07/04/2016)</a:t>
+            </a:r>
+            <a:endParaRPr lang="en-US" dirty="0"/>
+          </a:p>
+        </p:txBody>
+      </p:sp>
+      <p:sp>
+        <p:nvSpPr>
+          <p:cNvPr id="3" name="Slide Number Placeholder 2"/>
+          <p:cNvSpPr>
+            <a:spLocks noGrp="1"/>
+          </p:cNvSpPr>
+          <p:nvPr>
+            <p:ph type="sldNum" sz="quarter" idx="12"/>
+          </p:nvPr>
+        </p:nvSpPr>
+        <p:spPr/>
+        <p:txBody>
+          <a:bodyPr/>
+          <a:lstStyle/>
+          <a:p>
+            <a:fld id="{4DBC7FC8-25FB-FC45-8177-2B991DA6778C}" type="slidenum">
+              <a:rPr lang="en-US" smtClean="0"/>
+              <a:t>6</a:t>
+            </a:fld>
             <a:endParaRPr lang="en-US" dirty="0"/>
           </a:p>
         </p:txBody>
@@ -7054,7 +14462,7 @@
           <a:p>
             <a:r>
               <a:rPr lang="en-US" smtClean="0"/>
-              <a:t>© EV3Lessons.com, 2015, (Last edit: 11/14/2015)</a:t>
+              <a:t>© EV3Lessons.com, 2016, (Last edit: 07/04/2016)</a:t>
             </a:r>
             <a:endParaRPr lang="en-US" dirty="0"/>
           </a:p>
@@ -7198,6 +14606,29 @@
           </a:fontRef>
         </p:style>
       </p:cxnSp>
+      <p:sp>
+        <p:nvSpPr>
+          <p:cNvPr id="5" name="Slide Number Placeholder 4"/>
+          <p:cNvSpPr>
+            <a:spLocks noGrp="1"/>
+          </p:cNvSpPr>
+          <p:nvPr>
+            <p:ph type="sldNum" sz="quarter" idx="12"/>
+          </p:nvPr>
+        </p:nvSpPr>
+        <p:spPr/>
+        <p:txBody>
+          <a:bodyPr/>
+          <a:lstStyle/>
+          <a:p>
+            <a:fld id="{4DBC7FC8-25FB-FC45-8177-2B991DA6778C}" type="slidenum">
+              <a:rPr lang="en-US" smtClean="0"/>
+              <a:t>7</a:t>
+            </a:fld>
+            <a:endParaRPr lang="en-US" dirty="0"/>
+          </a:p>
+        </p:txBody>
+      </p:sp>
     </p:spTree>
     <p:extLst>
       <p:ext uri="{BB962C8B-B14F-4D97-AF65-F5344CB8AC3E}">
@@ -7251,12 +14682,12 @@
           <a:lstStyle/>
           <a:p>
             <a:r>
-              <a:rPr lang="en-US" dirty="0" err="1" smtClean="0"/>
-              <a:t>Pseudocode</a:t>
-            </a:r>
-            <a:r>
               <a:rPr lang="en-US" dirty="0" smtClean="0"/>
-              <a:t> in First Lego League</a:t>
+              <a:t>Pseudocode </a:t>
+            </a:r>
+            <a:r>
+              <a:rPr lang="en-US" dirty="0" smtClean="0"/>
+              <a:t>FOR A SET OF MISSIONS</a:t>
             </a:r>
             <a:endParaRPr lang="en-US" dirty="0"/>
           </a:p>
@@ -7275,69 +14706,67 @@
         <p:spPr>
           <a:xfrm>
             <a:off x="284164" y="1817511"/>
-            <a:ext cx="4174948" cy="3992563"/>
+            <a:ext cx="3349990" cy="3992563"/>
           </a:xfrm>
         </p:spPr>
         <p:txBody>
           <a:bodyPr>
-            <a:normAutofit lnSpcReduction="10000"/>
+            <a:normAutofit/>
           </a:bodyPr>
           <a:lstStyle/>
           <a:p>
+            <a:pPr marL="342900" indent="-342900">
+              <a:buFont typeface="Arial" charset="0"/>
+              <a:buChar char="•"/>
+            </a:pPr>
             <a:r>
               <a:rPr lang="en-US" b="1" dirty="0" smtClean="0"/>
-              <a:t>Step 1: </a:t>
-            </a:r>
-            <a:r>
-              <a:rPr lang="en-US" b="0" dirty="0" smtClean="0"/>
-              <a:t>Use a tool such as our Interactive Sketch Planner (available on the Resources page) to plan your runs.</a:t>
-            </a:r>
-          </a:p>
-          <a:p>
-            <a:r>
-              <a:rPr lang="en-US" b="0" dirty="0" smtClean="0"/>
-              <a:t>The goal is to plan out where your robot will travel each time it leaves the base area.</a:t>
-            </a:r>
-          </a:p>
-          <a:p>
-            <a:r>
-              <a:rPr lang="en-US" b="1" dirty="0" smtClean="0"/>
-              <a:t>Step 2: </a:t>
-            </a:r>
-            <a:r>
-              <a:rPr lang="en-US" b="0" dirty="0" smtClean="0"/>
-              <a:t>Use a tool such as our Mission Planning Worksheet (available </a:t>
-            </a:r>
-            <a:r>
-              <a:rPr lang="en-US" b="0" dirty="0" smtClean="0"/>
-              <a:t>on the Quick Guides Page) </a:t>
-            </a:r>
-            <a:r>
-              <a:rPr lang="en-US" b="0" dirty="0" smtClean="0"/>
-              <a:t>to write your </a:t>
-            </a:r>
-            <a:r>
-              <a:rPr lang="en-US" b="0" dirty="0" err="1" smtClean="0"/>
-              <a:t>pseudocode</a:t>
-            </a:r>
-            <a:r>
-              <a:rPr lang="en-US" b="0" dirty="0" smtClean="0"/>
-              <a:t> for the runs.</a:t>
-            </a:r>
-          </a:p>
-          <a:p>
+              <a:t>If you have a series of missions for your robot to complete, planning ahead can be a big help.</a:t>
+            </a:r>
+          </a:p>
+          <a:p>
+            <a:pPr marL="342900" indent="-342900">
+              <a:buFont typeface="Arial" charset="0"/>
+              <a:buChar char="•"/>
+            </a:pPr>
+            <a:r>
+              <a:rPr lang="en-US" dirty="0" smtClean="0"/>
+              <a:t>You can draw out the path your robot needs to take and then write out the instructions for the robot step-by-step</a:t>
+            </a:r>
+          </a:p>
+        </p:txBody>
+      </p:sp>
+      <p:sp>
+        <p:nvSpPr>
+          <p:cNvPr id="4" name="Footer Placeholder 3"/>
+          <p:cNvSpPr>
+            <a:spLocks noGrp="1"/>
+          </p:cNvSpPr>
+          <p:nvPr>
+            <p:ph type="ftr" sz="quarter" idx="11"/>
+          </p:nvPr>
+        </p:nvSpPr>
+        <p:spPr/>
+        <p:txBody>
+          <a:bodyPr/>
+          <a:lstStyle/>
+          <a:p>
+            <a:r>
+              <a:rPr lang="en-US" smtClean="0"/>
+              <a:t>© EV3Lessons.com, 2016, (Last edit: 07/04/2016)</a:t>
+            </a:r>
             <a:endParaRPr lang="en-US" dirty="0"/>
           </a:p>
         </p:txBody>
       </p:sp>
       <p:sp>
         <p:nvSpPr>
-          <p:cNvPr id="4" name="Footer Placeholder 3"/>
-          <p:cNvSpPr>
-            <a:spLocks noGrp="1"/>
-          </p:cNvSpPr>
-          <p:nvPr>
-            <p:ph type="ftr" sz="quarter" idx="11"/>
+          <p:cNvPr id="5" name="Slide Number Placeholder 4"/>
+          <p:cNvSpPr>
+            <a:spLocks noGrp="1"/>
+          </p:cNvSpPr>
+          <p:nvPr>
+            <p:ph type="sldNum" sz="quarter" idx="12"/>
           </p:nvPr>
         </p:nvSpPr>
         <p:spPr/>
@@ -7345,68 +14774,37 @@
           <a:bodyPr/>
           <a:lstStyle/>
           <a:p>
-            <a:r>
-              <a:rPr lang="en-US" smtClean="0"/>
-              <a:t>© EV3Lessons.com, 2015, (Last edit: 11/14/2015)</a:t>
-            </a:r>
+            <a:fld id="{4DBC7FC8-25FB-FC45-8177-2B991DA6778C}" type="slidenum">
+              <a:rPr lang="en-US" smtClean="0"/>
+              <a:t>8</a:t>
+            </a:fld>
             <a:endParaRPr lang="en-US" dirty="0"/>
           </a:p>
         </p:txBody>
       </p:sp>
       <p:pic>
         <p:nvPicPr>
-          <p:cNvPr id="8" name="Picture 7"/>
+          <p:cNvPr id="6" name="Picture 5"/>
           <p:cNvPicPr>
             <a:picLocks noChangeAspect="1"/>
           </p:cNvPicPr>
           <p:nvPr/>
         </p:nvPicPr>
-        <p:blipFill>
-          <a:blip r:embed="rId2">
+        <p:blipFill rotWithShape="1">
+          <a:blip r:embed="rId2" cstate="print">
             <a:extLst>
               <a:ext uri="{28A0092B-C50C-407E-A947-70E740481C1C}">
-                <a14:useLocalDpi xmlns:a14="http://schemas.microsoft.com/office/drawing/2010/main" val="0"/>
+                <a14:useLocalDpi xmlns:a14="http://schemas.microsoft.com/office/drawing/2010/main"/>
               </a:ext>
             </a:extLst>
           </a:blip>
-          <a:stretch>
-            <a:fillRect/>
-          </a:stretch>
+          <a:srcRect/>
+          <a:stretch/>
         </p:blipFill>
         <p:spPr>
           <a:xfrm>
-            <a:off x="5170344" y="3736622"/>
-            <a:ext cx="2103155" cy="2715612"/>
-          </a:xfrm>
-          <a:prstGeom prst="rect">
-            <a:avLst/>
-          </a:prstGeom>
-        </p:spPr>
-      </p:pic>
-      <p:pic>
-        <p:nvPicPr>
-          <p:cNvPr id="9" name="Picture 8"/>
-          <p:cNvPicPr>
-            <a:picLocks noChangeAspect="1"/>
-          </p:cNvPicPr>
-          <p:nvPr/>
-        </p:nvPicPr>
-        <p:blipFill>
-          <a:blip r:embed="rId3">
-            <a:extLst>
-              <a:ext uri="{28A0092B-C50C-407E-A947-70E740481C1C}">
-                <a14:useLocalDpi xmlns:a14="http://schemas.microsoft.com/office/drawing/2010/main" val="0"/>
-              </a:ext>
-            </a:extLst>
-          </a:blip>
-          <a:stretch>
-            <a:fillRect/>
-          </a:stretch>
-        </p:blipFill>
-        <p:spPr>
-          <a:xfrm>
-            <a:off x="5068744" y="1524319"/>
-            <a:ext cx="3312778" cy="2086446"/>
+            <a:off x="3780138" y="1911296"/>
+            <a:ext cx="4782753" cy="3094458"/>
           </a:xfrm>
           <a:prstGeom prst="rect">
             <a:avLst/>
@@ -7460,7 +14858,15 @@
           <a:p>
             <a:r>
               <a:rPr lang="en-US" dirty="0" smtClean="0"/>
-              <a:t>Sample for First Lego League</a:t>
+              <a:t>Sample </a:t>
+            </a:r>
+            <a:r>
+              <a:rPr lang="en-US" dirty="0" smtClean="0"/>
+              <a:t>PLANNING TOOLS for </a:t>
+            </a:r>
+            <a:r>
+              <a:rPr lang="en-US" dirty="0" smtClean="0"/>
+              <a:t>First Lego League</a:t>
             </a:r>
             <a:endParaRPr lang="en-US" dirty="0"/>
           </a:p>
@@ -7483,7 +14889,7 @@
           <a:p>
             <a:r>
               <a:rPr lang="en-US" smtClean="0"/>
-              <a:t>© EV3Lessons.com, 2015, (Last edit: 11/14/2015)</a:t>
+              <a:t>© EV3Lessons.com, 2016, (Last edit: 07/04/2016)</a:t>
             </a:r>
             <a:endParaRPr lang="en-US" dirty="0"/>
           </a:p>
@@ -7498,8 +14904,14 @@
           <p:nvPr/>
         </p:nvPicPr>
         <p:blipFill rotWithShape="1">
-          <a:blip r:embed="rId3"/>
-          <a:srcRect r="53702"/>
+          <a:blip r:embed="rId3" cstate="print">
+            <a:extLst>
+              <a:ext uri="{28A0092B-C50C-407E-A947-70E740481C1C}">
+                <a14:useLocalDpi xmlns:a14="http://schemas.microsoft.com/office/drawing/2010/main"/>
+              </a:ext>
+            </a:extLst>
+          </a:blip>
+          <a:srcRect/>
           <a:stretch/>
         </p:blipFill>
         <p:spPr>
@@ -7721,7 +15133,7 @@
         <p:spPr>
           <a:xfrm>
             <a:off x="399577" y="5054519"/>
-            <a:ext cx="2174952" cy="923330"/>
+            <a:ext cx="2174952" cy="1200329"/>
           </a:xfrm>
           <a:prstGeom prst="rect">
             <a:avLst/>
@@ -7736,11 +15148,15 @@
           <a:p>
             <a:r>
               <a:rPr lang="en-US" dirty="0" smtClean="0"/>
-              <a:t>Both these tools are available </a:t>
+              <a:t>Both these </a:t>
             </a:r>
             <a:r>
               <a:rPr lang="en-US" dirty="0" smtClean="0"/>
-              <a:t>on EV3Lessons.com</a:t>
+              <a:t>resources are </a:t>
+            </a:r>
+            <a:r>
+              <a:rPr lang="en-US" dirty="0" smtClean="0"/>
+              <a:t>available on EV3Lessons.com</a:t>
             </a:r>
             <a:endParaRPr lang="en-US" dirty="0"/>
           </a:p>
@@ -7758,7 +15174,7 @@
           <a:blip r:embed="rId4">
             <a:extLst>
               <a:ext uri="{28A0092B-C50C-407E-A947-70E740481C1C}">
-                <a14:useLocalDpi xmlns:a14="http://schemas.microsoft.com/office/drawing/2010/main" val="0"/>
+                <a14:useLocalDpi xmlns:a14="http://schemas.microsoft.com/office/drawing/2010/main"/>
               </a:ext>
             </a:extLst>
           </a:blip>
@@ -7768,7 +15184,7 @@
         </p:blipFill>
         <p:spPr>
           <a:xfrm>
-            <a:off x="3033609" y="1410626"/>
+            <a:off x="3055406" y="1605760"/>
             <a:ext cx="5347913" cy="4689255"/>
           </a:xfrm>
           <a:prstGeom prst="rect">
@@ -7781,6 +15197,29 @@
           </a:ln>
         </p:spPr>
       </p:pic>
+      <p:sp>
+        <p:nvSpPr>
+          <p:cNvPr id="3" name="Slide Number Placeholder 2"/>
+          <p:cNvSpPr>
+            <a:spLocks noGrp="1"/>
+          </p:cNvSpPr>
+          <p:nvPr>
+            <p:ph type="sldNum" sz="quarter" idx="12"/>
+          </p:nvPr>
+        </p:nvSpPr>
+        <p:spPr/>
+        <p:txBody>
+          <a:bodyPr/>
+          <a:lstStyle/>
+          <a:p>
+            <a:fld id="{4DBC7FC8-25FB-FC45-8177-2B991DA6778C}" type="slidenum">
+              <a:rPr lang="en-US" smtClean="0"/>
+              <a:t>9</a:t>
+            </a:fld>
+            <a:endParaRPr lang="en-US" dirty="0"/>
+          </a:p>
+        </p:txBody>
+      </p:sp>
     </p:spTree>
     <p:extLst>
       <p:ext uri="{BB962C8B-B14F-4D97-AF65-F5344CB8AC3E}">
@@ -8048,6 +15487,525 @@
 </file>
 
 <file path=ppt/theme/theme2.xml><?xml version="1.0" encoding="utf-8"?>
+<a:theme xmlns:a="http://schemas.openxmlformats.org/drawingml/2006/main" name="beginner">
+  <a:themeElements>
+    <a:clrScheme name="Essential">
+      <a:dk1>
+        <a:srgbClr val="000000"/>
+      </a:dk1>
+      <a:lt1>
+        <a:srgbClr val="FFFFFF"/>
+      </a:lt1>
+      <a:dk2>
+        <a:srgbClr val="D1282E"/>
+      </a:dk2>
+      <a:lt2>
+        <a:srgbClr val="C8C8B1"/>
+      </a:lt2>
+      <a:accent1>
+        <a:srgbClr val="7A7A7A"/>
+      </a:accent1>
+      <a:accent2>
+        <a:srgbClr val="F5C201"/>
+      </a:accent2>
+      <a:accent3>
+        <a:srgbClr val="526DB0"/>
+      </a:accent3>
+      <a:accent4>
+        <a:srgbClr val="989AAC"/>
+      </a:accent4>
+      <a:accent5>
+        <a:srgbClr val="DC5924"/>
+      </a:accent5>
+      <a:accent6>
+        <a:srgbClr val="B4B392"/>
+      </a:accent6>
+      <a:hlink>
+        <a:srgbClr val="CC9900"/>
+      </a:hlink>
+      <a:folHlink>
+        <a:srgbClr val="969696"/>
+      </a:folHlink>
+    </a:clrScheme>
+    <a:fontScheme name="Essential">
+      <a:majorFont>
+        <a:latin typeface="Arial Black"/>
+        <a:ea typeface=""/>
+        <a:cs typeface=""/>
+        <a:font script="Jpan" typeface="ＭＳ Ｐゴシック"/>
+        <a:font script="Hang" typeface="HY견고딕"/>
+        <a:font script="Hans" typeface="微软雅黑"/>
+        <a:font script="Hant" typeface="微軟正黑體"/>
+        <a:font script="Arab" typeface="Tahoma"/>
+        <a:font script="Hebr" typeface="Tahoma"/>
+        <a:font script="Thai" typeface="Tahoma"/>
+        <a:font script="Ethi" typeface="Nyala"/>
+        <a:font script="Beng" typeface="Vrinda"/>
+        <a:font script="Gujr" typeface="Shruti"/>
+        <a:font script="Khmr" typeface="MoolBoran"/>
+        <a:font script="Knda" typeface="Tunga"/>
+        <a:font script="Guru" typeface="Raavi"/>
+        <a:font script="Cans" typeface="Euphemia"/>
+        <a:font script="Cher" typeface="Plantagenet Cherokee"/>
+        <a:font script="Yiii" typeface="Microsoft Yi Baiti"/>
+        <a:font script="Tibt" typeface="Microsoft Himalaya"/>
+        <a:font script="Thaa" typeface="MV Boli"/>
+        <a:font script="Deva" typeface="Mangal"/>
+        <a:font script="Telu" typeface="Gautami"/>
+        <a:font script="Taml" typeface="Latha"/>
+        <a:font script="Syrc" typeface="Estrangelo Edessa"/>
+        <a:font script="Orya" typeface="Kalinga"/>
+        <a:font script="Mlym" typeface="Kartika"/>
+        <a:font script="Laoo" typeface="DokChampa"/>
+        <a:font script="Sinh" typeface="Iskoola Pota"/>
+        <a:font script="Mong" typeface="Mongolian Baiti"/>
+        <a:font script="Viet" typeface="Times New Roman"/>
+        <a:font script="Uigh" typeface="Microsoft Uighur"/>
+        <a:font script="Geor" typeface="Sylfaen"/>
+      </a:majorFont>
+      <a:minorFont>
+        <a:latin typeface="Arial"/>
+        <a:ea typeface=""/>
+        <a:cs typeface=""/>
+        <a:font script="Jpan" typeface="ＭＳ Ｐゴシック"/>
+        <a:font script="Hang" typeface="돋움"/>
+        <a:font script="Hans" typeface="黑体"/>
+        <a:font script="Hant" typeface="微軟正黑體"/>
+        <a:font script="Arab" typeface="Arial"/>
+        <a:font script="Hebr" typeface="Arial"/>
+        <a:font script="Thai" typeface="Cordia New"/>
+        <a:font script="Ethi" typeface="Nyala"/>
+        <a:font script="Beng" typeface="Vrinda"/>
+        <a:font script="Gujr" typeface="Shruti"/>
+        <a:font script="Khmr" typeface="DaunPenh"/>
+        <a:font script="Knda" typeface="Tunga"/>
+        <a:font script="Guru" typeface="Raavi"/>
+        <a:font script="Cans" typeface="Euphemia"/>
+        <a:font script="Cher" typeface="Plantagenet Cherokee"/>
+        <a:font script="Yiii" typeface="Microsoft Yi Baiti"/>
+        <a:font script="Tibt" typeface="Microsoft Himalaya"/>
+        <a:font script="Thaa" typeface="MV Boli"/>
+        <a:font script="Deva" typeface="Mangal"/>
+        <a:font script="Telu" typeface="Gautami"/>
+        <a:font script="Taml" typeface="Latha"/>
+        <a:font script="Syrc" typeface="Estrangelo Edessa"/>
+        <a:font script="Orya" typeface="Kalinga"/>
+        <a:font script="Mlym" typeface="Kartika"/>
+        <a:font script="Laoo" typeface="DokChampa"/>
+        <a:font script="Sinh" typeface="Iskoola Pota"/>
+        <a:font script="Mong" typeface="Mongolian Baiti"/>
+        <a:font script="Viet" typeface="Arial"/>
+        <a:font script="Uigh" typeface="Microsoft Uighur"/>
+        <a:font script="Geor" typeface="Sylfaen"/>
+      </a:minorFont>
+    </a:fontScheme>
+    <a:fmtScheme name="Essential">
+      <a:fillStyleLst>
+        <a:solidFill>
+          <a:schemeClr val="phClr"/>
+        </a:solidFill>
+        <a:gradFill rotWithShape="1">
+          <a:gsLst>
+            <a:gs pos="0">
+              <a:schemeClr val="phClr">
+                <a:tint val="60000"/>
+                <a:satMod val="250000"/>
+              </a:schemeClr>
+            </a:gs>
+            <a:gs pos="35000">
+              <a:schemeClr val="phClr">
+                <a:tint val="47000"/>
+                <a:satMod val="275000"/>
+              </a:schemeClr>
+            </a:gs>
+            <a:gs pos="100000">
+              <a:schemeClr val="phClr">
+                <a:tint val="25000"/>
+                <a:satMod val="300000"/>
+              </a:schemeClr>
+            </a:gs>
+          </a:gsLst>
+          <a:lin ang="16200000" scaled="1"/>
+        </a:gradFill>
+        <a:solidFill>
+          <a:schemeClr val="phClr">
+            <a:satMod val="110000"/>
+          </a:schemeClr>
+        </a:solidFill>
+      </a:fillStyleLst>
+      <a:lnStyleLst>
+        <a:ln w="12700" cap="flat" cmpd="sng" algn="ctr">
+          <a:solidFill>
+            <a:schemeClr val="phClr">
+              <a:shade val="95000"/>
+              <a:satMod val="105000"/>
+            </a:schemeClr>
+          </a:solidFill>
+          <a:prstDash val="solid"/>
+        </a:ln>
+        <a:ln w="28575" cap="flat" cmpd="sng" algn="ctr">
+          <a:solidFill>
+            <a:schemeClr val="phClr"/>
+          </a:solidFill>
+          <a:prstDash val="solid"/>
+        </a:ln>
+        <a:ln w="41275" cap="flat" cmpd="sng" algn="ctr">
+          <a:solidFill>
+            <a:schemeClr val="phClr"/>
+          </a:solidFill>
+          <a:prstDash val="solid"/>
+        </a:ln>
+      </a:lnStyleLst>
+      <a:effectStyleLst>
+        <a:effectStyle>
+          <a:effectLst/>
+        </a:effectStyle>
+        <a:effectStyle>
+          <a:effectLst>
+            <a:outerShdw blurRad="39999" dist="23000" algn="bl" rotWithShape="0">
+              <a:srgbClr val="000000">
+                <a:alpha val="40000"/>
+              </a:srgbClr>
+            </a:outerShdw>
+          </a:effectLst>
+        </a:effectStyle>
+        <a:effectStyle>
+          <a:effectLst>
+            <a:outerShdw blurRad="38100" dist="19050" algn="bl" rotWithShape="0">
+              <a:srgbClr val="000000">
+                <a:alpha val="60000"/>
+              </a:srgbClr>
+            </a:outerShdw>
+          </a:effectLst>
+          <a:scene3d>
+            <a:camera prst="orthographicFront">
+              <a:rot lat="0" lon="0" rev="0"/>
+            </a:camera>
+            <a:lightRig rig="balanced" dir="l"/>
+          </a:scene3d>
+          <a:sp3d prstMaterial="plastic">
+            <a:bevelT w="38100" h="31750"/>
+          </a:sp3d>
+        </a:effectStyle>
+      </a:effectStyleLst>
+      <a:bgFillStyleLst>
+        <a:solidFill>
+          <a:schemeClr val="phClr"/>
+        </a:solidFill>
+        <a:blipFill rotWithShape="1">
+          <a:blip xmlns:r="http://schemas.openxmlformats.org/officeDocument/2006/relationships" r:embed="rId1">
+            <a:duotone>
+              <a:schemeClr val="phClr">
+                <a:tint val="96000"/>
+              </a:schemeClr>
+              <a:schemeClr val="phClr">
+                <a:shade val="94000"/>
+              </a:schemeClr>
+            </a:duotone>
+          </a:blip>
+          <a:tile tx="0" ty="0" sx="100000" sy="100000" flip="none" algn="tl"/>
+        </a:blipFill>
+        <a:gradFill rotWithShape="1">
+          <a:gsLst>
+            <a:gs pos="0">
+              <a:schemeClr val="phClr">
+                <a:tint val="84000"/>
+                <a:satMod val="110000"/>
+              </a:schemeClr>
+            </a:gs>
+            <a:gs pos="44000">
+              <a:schemeClr val="phClr">
+                <a:tint val="93000"/>
+                <a:satMod val="115000"/>
+              </a:schemeClr>
+            </a:gs>
+            <a:gs pos="100000">
+              <a:schemeClr val="phClr">
+                <a:tint val="100000"/>
+                <a:shade val="59000"/>
+                <a:satMod val="120000"/>
+              </a:schemeClr>
+            </a:gs>
+          </a:gsLst>
+          <a:path path="circle">
+            <a:fillToRect l="40000" t="60000" r="60000" b="40000"/>
+          </a:path>
+        </a:gradFill>
+      </a:bgFillStyleLst>
+    </a:fmtScheme>
+  </a:themeElements>
+  <a:objectDefaults/>
+  <a:extraClrSchemeLst/>
+  <a:extLst>
+    <a:ext uri="{05A4C25C-085E-4340-85A3-A5531E510DB2}">
+      <thm15:themeFamily xmlns:thm15="http://schemas.microsoft.com/office/thememl/2012/main" name="beginner" id="{2CEFEB64-C992-CF42-AC34-A2A7B15E4CF5}" vid="{484731AA-B6D9-C841-B3ED-40BE794FD840}"/>
+    </a:ext>
+  </a:extLst>
+</a:theme>
+</file>
+
+<file path=ppt/theme/theme3.xml><?xml version="1.0" encoding="utf-8"?>
+<a:theme xmlns:a="http://schemas.openxmlformats.org/drawingml/2006/main" name="Custom Design">
+  <a:themeElements>
+    <a:clrScheme name="Office">
+      <a:dk1>
+        <a:sysClr val="windowText" lastClr="000000"/>
+      </a:dk1>
+      <a:lt1>
+        <a:sysClr val="window" lastClr="FFFFFF"/>
+      </a:lt1>
+      <a:dk2>
+        <a:srgbClr val="44546A"/>
+      </a:dk2>
+      <a:lt2>
+        <a:srgbClr val="E7E6E6"/>
+      </a:lt2>
+      <a:accent1>
+        <a:srgbClr val="5B9BD5"/>
+      </a:accent1>
+      <a:accent2>
+        <a:srgbClr val="ED7D31"/>
+      </a:accent2>
+      <a:accent3>
+        <a:srgbClr val="A5A5A5"/>
+      </a:accent3>
+      <a:accent4>
+        <a:srgbClr val="FFC000"/>
+      </a:accent4>
+      <a:accent5>
+        <a:srgbClr val="4472C4"/>
+      </a:accent5>
+      <a:accent6>
+        <a:srgbClr val="70AD47"/>
+      </a:accent6>
+      <a:hlink>
+        <a:srgbClr val="0563C1"/>
+      </a:hlink>
+      <a:folHlink>
+        <a:srgbClr val="954F72"/>
+      </a:folHlink>
+    </a:clrScheme>
+    <a:fontScheme name="Office">
+      <a:majorFont>
+        <a:latin typeface="Calibri Light"/>
+        <a:ea typeface=""/>
+        <a:cs typeface=""/>
+        <a:font script="Jpan" typeface="ＭＳ Ｐゴシック"/>
+        <a:font script="Hang" typeface="맑은 고딕"/>
+        <a:font script="Hans" typeface="宋体"/>
+        <a:font script="Hant" typeface="新細明體"/>
+        <a:font script="Arab" typeface="Times New Roman"/>
+        <a:font script="Hebr" typeface="Times New Roman"/>
+        <a:font script="Thai" typeface="Angsana New"/>
+        <a:font script="Ethi" typeface="Nyala"/>
+        <a:font script="Beng" typeface="Vrinda"/>
+        <a:font script="Gujr" typeface="Shruti"/>
+        <a:font script="Khmr" typeface="MoolBoran"/>
+        <a:font script="Knda" typeface="Tunga"/>
+        <a:font script="Guru" typeface="Raavi"/>
+        <a:font script="Cans" typeface="Euphemia"/>
+        <a:font script="Cher" typeface="Plantagenet Cherokee"/>
+        <a:font script="Yiii" typeface="Microsoft Yi Baiti"/>
+        <a:font script="Tibt" typeface="Microsoft Himalaya"/>
+        <a:font script="Thaa" typeface="MV Boli"/>
+        <a:font script="Deva" typeface="Mangal"/>
+        <a:font script="Telu" typeface="Gautami"/>
+        <a:font script="Taml" typeface="Latha"/>
+        <a:font script="Syrc" typeface="Estrangelo Edessa"/>
+        <a:font script="Orya" typeface="Kalinga"/>
+        <a:font script="Mlym" typeface="Kartika"/>
+        <a:font script="Laoo" typeface="DokChampa"/>
+        <a:font script="Sinh" typeface="Iskoola Pota"/>
+        <a:font script="Mong" typeface="Mongolian Baiti"/>
+        <a:font script="Viet" typeface="Times New Roman"/>
+        <a:font script="Uigh" typeface="Microsoft Uighur"/>
+        <a:font script="Geor" typeface="Sylfaen"/>
+      </a:majorFont>
+      <a:minorFont>
+        <a:latin typeface="Calibri"/>
+        <a:ea typeface=""/>
+        <a:cs typeface=""/>
+        <a:font script="Jpan" typeface="ＭＳ Ｐゴシック"/>
+        <a:font script="Hang" typeface="맑은 고딕"/>
+        <a:font script="Hans" typeface="宋体"/>
+        <a:font script="Hant" typeface="新細明體"/>
+        <a:font script="Arab" typeface="Arial"/>
+        <a:font script="Hebr" typeface="Arial"/>
+        <a:font script="Thai" typeface="Cordia New"/>
+        <a:font script="Ethi" typeface="Nyala"/>
+        <a:font script="Beng" typeface="Vrinda"/>
+        <a:font script="Gujr" typeface="Shruti"/>
+        <a:font script="Khmr" typeface="DaunPenh"/>
+        <a:font script="Knda" typeface="Tunga"/>
+        <a:font script="Guru" typeface="Raavi"/>
+        <a:font script="Cans" typeface="Euphemia"/>
+        <a:font script="Cher" typeface="Plantagenet Cherokee"/>
+        <a:font script="Yiii" typeface="Microsoft Yi Baiti"/>
+        <a:font script="Tibt" typeface="Microsoft Himalaya"/>
+        <a:font script="Thaa" typeface="MV Boli"/>
+        <a:font script="Deva" typeface="Mangal"/>
+        <a:font script="Telu" typeface="Gautami"/>
+        <a:font script="Taml" typeface="Latha"/>
+        <a:font script="Syrc" typeface="Estrangelo Edessa"/>
+        <a:font script="Orya" typeface="Kalinga"/>
+        <a:font script="Mlym" typeface="Kartika"/>
+        <a:font script="Laoo" typeface="DokChampa"/>
+        <a:font script="Sinh" typeface="Iskoola Pota"/>
+        <a:font script="Mong" typeface="Mongolian Baiti"/>
+        <a:font script="Viet" typeface="Arial"/>
+        <a:font script="Uigh" typeface="Microsoft Uighur"/>
+        <a:font script="Geor" typeface="Sylfaen"/>
+      </a:minorFont>
+    </a:fontScheme>
+    <a:fmtScheme name="Office">
+      <a:fillStyleLst>
+        <a:solidFill>
+          <a:schemeClr val="phClr"/>
+        </a:solidFill>
+        <a:gradFill rotWithShape="1">
+          <a:gsLst>
+            <a:gs pos="0">
+              <a:schemeClr val="phClr">
+                <a:lumMod val="110000"/>
+                <a:satMod val="105000"/>
+                <a:tint val="67000"/>
+              </a:schemeClr>
+            </a:gs>
+            <a:gs pos="50000">
+              <a:schemeClr val="phClr">
+                <a:lumMod val="105000"/>
+                <a:satMod val="103000"/>
+                <a:tint val="73000"/>
+              </a:schemeClr>
+            </a:gs>
+            <a:gs pos="100000">
+              <a:schemeClr val="phClr">
+                <a:lumMod val="105000"/>
+                <a:satMod val="109000"/>
+                <a:tint val="81000"/>
+              </a:schemeClr>
+            </a:gs>
+          </a:gsLst>
+          <a:lin ang="5400000" scaled="0"/>
+        </a:gradFill>
+        <a:gradFill rotWithShape="1">
+          <a:gsLst>
+            <a:gs pos="0">
+              <a:schemeClr val="phClr">
+                <a:satMod val="103000"/>
+                <a:lumMod val="102000"/>
+                <a:tint val="94000"/>
+              </a:schemeClr>
+            </a:gs>
+            <a:gs pos="50000">
+              <a:schemeClr val="phClr">
+                <a:satMod val="110000"/>
+                <a:lumMod val="100000"/>
+                <a:shade val="100000"/>
+              </a:schemeClr>
+            </a:gs>
+            <a:gs pos="100000">
+              <a:schemeClr val="phClr">
+                <a:lumMod val="99000"/>
+                <a:satMod val="120000"/>
+                <a:shade val="78000"/>
+              </a:schemeClr>
+            </a:gs>
+          </a:gsLst>
+          <a:lin ang="5400000" scaled="0"/>
+        </a:gradFill>
+      </a:fillStyleLst>
+      <a:lnStyleLst>
+        <a:ln w="6350" cap="flat" cmpd="sng" algn="ctr">
+          <a:solidFill>
+            <a:schemeClr val="phClr"/>
+          </a:solidFill>
+          <a:prstDash val="solid"/>
+          <a:miter lim="800000"/>
+        </a:ln>
+        <a:ln w="12700" cap="flat" cmpd="sng" algn="ctr">
+          <a:solidFill>
+            <a:schemeClr val="phClr"/>
+          </a:solidFill>
+          <a:prstDash val="solid"/>
+          <a:miter lim="800000"/>
+        </a:ln>
+        <a:ln w="19050" cap="flat" cmpd="sng" algn="ctr">
+          <a:solidFill>
+            <a:schemeClr val="phClr"/>
+          </a:solidFill>
+          <a:prstDash val="solid"/>
+          <a:miter lim="800000"/>
+        </a:ln>
+      </a:lnStyleLst>
+      <a:effectStyleLst>
+        <a:effectStyle>
+          <a:effectLst/>
+        </a:effectStyle>
+        <a:effectStyle>
+          <a:effectLst/>
+        </a:effectStyle>
+        <a:effectStyle>
+          <a:effectLst>
+            <a:outerShdw blurRad="57150" dist="19050" dir="5400000" algn="ctr" rotWithShape="0">
+              <a:srgbClr val="000000">
+                <a:alpha val="63000"/>
+              </a:srgbClr>
+            </a:outerShdw>
+          </a:effectLst>
+        </a:effectStyle>
+      </a:effectStyleLst>
+      <a:bgFillStyleLst>
+        <a:solidFill>
+          <a:schemeClr val="phClr"/>
+        </a:solidFill>
+        <a:solidFill>
+          <a:schemeClr val="phClr">
+            <a:tint val="95000"/>
+            <a:satMod val="170000"/>
+          </a:schemeClr>
+        </a:solidFill>
+        <a:gradFill rotWithShape="1">
+          <a:gsLst>
+            <a:gs pos="0">
+              <a:schemeClr val="phClr">
+                <a:tint val="93000"/>
+                <a:satMod val="150000"/>
+                <a:shade val="98000"/>
+                <a:lumMod val="102000"/>
+              </a:schemeClr>
+            </a:gs>
+            <a:gs pos="50000">
+              <a:schemeClr val="phClr">
+                <a:tint val="98000"/>
+                <a:satMod val="130000"/>
+                <a:shade val="90000"/>
+                <a:lumMod val="103000"/>
+              </a:schemeClr>
+            </a:gs>
+            <a:gs pos="100000">
+              <a:schemeClr val="phClr">
+                <a:shade val="63000"/>
+                <a:satMod val="120000"/>
+              </a:schemeClr>
+            </a:gs>
+          </a:gsLst>
+          <a:lin ang="5400000" scaled="0"/>
+        </a:gradFill>
+      </a:bgFillStyleLst>
+    </a:fmtScheme>
+  </a:themeElements>
+  <a:objectDefaults/>
+  <a:extraClrSchemeLst/>
+  <a:extLst>
+    <a:ext uri="{05A4C25C-085E-4340-85A3-A5531E510DB2}">
+      <thm15:themeFamily xmlns:thm15="http://schemas.microsoft.com/office/thememl/2012/main" name="Office Theme" id="{62F939B6-93AF-4DB8-9C6B-D6C7DFDC589F}" vid="{4A3C46E8-61CC-4603-A589-7422A47A8E4A}"/>
+    </a:ext>
+  </a:extLst>
+</a:theme>
+</file>
+
+<file path=ppt/theme/theme4.xml><?xml version="1.0" encoding="utf-8"?>
 <a:theme xmlns:a="http://schemas.openxmlformats.org/drawingml/2006/main" name="Office Theme">
   <a:themeElements>
     <a:clrScheme name="Office">
@@ -8367,7 +16325,7 @@
 </a:theme>
 </file>
 
-<file path=ppt/theme/theme3.xml><?xml version="1.0" encoding="utf-8"?>
+<file path=ppt/theme/theme5.xml><?xml version="1.0" encoding="utf-8"?>
 <a:theme xmlns:a="http://schemas.openxmlformats.org/drawingml/2006/main" name="Office Theme">
   <a:themeElements>
     <a:clrScheme name="Office">

--- a/translations/en-us/beginner/Pseudocode.pptx
+++ b/translations/en-us/beginner/Pseudocode.pptx
@@ -222,7 +222,7 @@
           <a:p>
             <a:fld id="{E354B44E-40A3-0E46-B16A-9BF1250A248B}" type="datetimeFigureOut">
               <a:rPr lang="en-US" smtClean="0"/>
-              <a:t>7/4/16</a:t>
+              <a:t>7/19/16</a:t>
             </a:fld>
             <a:endParaRPr lang="en-US" dirty="0"/>
           </a:p>
@@ -388,7 +388,7 @@
           <a:p>
             <a:fld id="{C86AD16C-2DB4-6642-BAD4-9ED973A087A0}" type="datetimeFigureOut">
               <a:rPr lang="en-US" smtClean="0"/>
-              <a:t>7/4/16</a:t>
+              <a:t>7/19/16</a:t>
             </a:fld>
             <a:endParaRPr lang="en-US" dirty="0"/>
           </a:p>
@@ -1102,7 +1102,7 @@
           <a:p>
             <a:fld id="{12AAFE97-744C-6A44-93A1-991B45F827D6}" type="datetime1">
               <a:rPr lang="en-US" smtClean="0"/>
-              <a:t>7/4/16</a:t>
+              <a:t>7/19/16</a:t>
             </a:fld>
             <a:endParaRPr lang="en-US"/>
           </a:p>
@@ -1701,7 +1701,7 @@
           <a:p>
             <a:fld id="{9CAAF4C3-0E93-F84E-B9D7-792E6E8BB955}" type="datetime1">
               <a:rPr lang="en-US" smtClean="0"/>
-              <a:t>7/4/16</a:t>
+              <a:t>7/19/16</a:t>
             </a:fld>
             <a:endParaRPr lang="en-US"/>
           </a:p>
@@ -1885,7 +1885,7 @@
           <a:p>
             <a:fld id="{0D236C19-1723-6245-9CDB-E741AB2D1B1B}" type="datetime1">
               <a:rPr lang="en-US" smtClean="0"/>
-              <a:t>7/4/16</a:t>
+              <a:t>7/19/16</a:t>
             </a:fld>
             <a:endParaRPr lang="en-US"/>
           </a:p>
@@ -2102,7 +2102,7 @@
           <a:p>
             <a:fld id="{5E25005A-7F95-994E-9ACE-7BC5FCC1FE49}" type="datetime1">
               <a:rPr lang="en-US" smtClean="0"/>
-              <a:t>7/4/16</a:t>
+              <a:t>7/19/16</a:t>
             </a:fld>
             <a:endParaRPr lang="en-US"/>
           </a:p>
@@ -2321,7 +2321,7 @@
           <a:noFill/>
           <a:extLst>
             <a:ext uri="{909E8E84-426E-40dd-AFC4-6F175D3DCCD1}">
-              <a14:hiddenFill xmlns="" xmlns:a14="http://schemas.microsoft.com/office/drawing/2010/main">
+              <a14:hiddenFill xmlns:a14="http://schemas.microsoft.com/office/drawing/2010/main" xmlns="">
                 <a:solidFill>
                   <a:srgbClr val="FFFFFF"/>
                 </a:solidFill>
@@ -2956,7 +2956,7 @@
           <a:p>
             <a:fld id="{4C7CBA31-094D-7340-9EC6-7F0C9FE244D3}" type="datetime1">
               <a:rPr lang="en-US" smtClean="0"/>
-              <a:t>7/4/16</a:t>
+              <a:t>7/19/16</a:t>
             </a:fld>
             <a:endParaRPr lang="en-US"/>
           </a:p>
@@ -3229,7 +3229,7 @@
           <a:p>
             <a:fld id="{F4DBBA6F-9415-B946-A89D-89B64376ECC4}" type="datetime1">
               <a:rPr lang="en-US" smtClean="0"/>
-              <a:t>7/4/16</a:t>
+              <a:t>7/19/16</a:t>
             </a:fld>
             <a:endParaRPr lang="en-US"/>
           </a:p>
@@ -3534,7 +3534,7 @@
           <a:p>
             <a:fld id="{4F4E0B4B-9F27-5745-AB30-2BA7396DC82B}" type="datetime1">
               <a:rPr lang="en-US" smtClean="0"/>
-              <a:t>7/4/16</a:t>
+              <a:t>7/19/16</a:t>
             </a:fld>
             <a:endParaRPr lang="en-US"/>
           </a:p>
@@ -3997,7 +3997,7 @@
           <a:p>
             <a:fld id="{2B062D8E-133E-7D46-B3E0-5900C8E7D5AC}" type="datetime1">
               <a:rPr lang="en-US" smtClean="0"/>
-              <a:t>7/4/16</a:t>
+              <a:t>7/19/16</a:t>
             </a:fld>
             <a:endParaRPr lang="en-US"/>
           </a:p>
@@ -4134,7 +4134,7 @@
           <a:p>
             <a:fld id="{B07FF31E-5C85-0042-8A60-177162ED58FB}" type="datetime1">
               <a:rPr lang="en-US" smtClean="0"/>
-              <a:t>7/4/16</a:t>
+              <a:t>7/19/16</a:t>
             </a:fld>
             <a:endParaRPr lang="en-US"/>
           </a:p>
@@ -4248,7 +4248,7 @@
           <a:p>
             <a:fld id="{E5EE1E2F-F4A1-0E40-A9D2-9FA1570CFBCE}" type="datetime1">
               <a:rPr lang="en-US" smtClean="0"/>
-              <a:t>7/4/16</a:t>
+              <a:t>7/19/16</a:t>
             </a:fld>
             <a:endParaRPr lang="en-US"/>
           </a:p>
@@ -4507,7 +4507,7 @@
           <a:p>
             <a:fld id="{303BF7CD-D7FE-4C49-947F-59950BF43062}" type="datetime1">
               <a:rPr lang="en-US" smtClean="0"/>
-              <a:t>7/4/16</a:t>
+              <a:t>7/19/16</a:t>
             </a:fld>
             <a:endParaRPr lang="en-US"/>
           </a:p>
@@ -4722,7 +4722,7 @@
           <a:p>
             <a:fld id="{F0A856B3-25B1-2D47-9568-5E08CEA323F8}" type="datetime1">
               <a:rPr lang="en-US" smtClean="0"/>
-              <a:t>7/4/16</a:t>
+              <a:t>7/19/16</a:t>
             </a:fld>
             <a:endParaRPr lang="en-US"/>
           </a:p>
@@ -5007,7 +5007,7 @@
           <a:p>
             <a:fld id="{C7A5D24D-336E-A44E-890D-CE92DA4F9DAB}" type="datetime1">
               <a:rPr lang="en-US" smtClean="0"/>
-              <a:t>7/4/16</a:t>
+              <a:t>7/19/16</a:t>
             </a:fld>
             <a:endParaRPr lang="en-US"/>
           </a:p>
@@ -5277,7 +5277,7 @@
           <a:p>
             <a:fld id="{30C72318-BB15-8148-AC13-B5B8B9FC1225}" type="datetime1">
               <a:rPr lang="en-US" smtClean="0"/>
-              <a:t>7/4/16</a:t>
+              <a:t>7/19/16</a:t>
             </a:fld>
             <a:endParaRPr lang="en-US"/>
           </a:p>
@@ -5469,7 +5469,7 @@
           <a:p>
             <a:fld id="{916BB7AB-ECA8-EF41-A9E5-AF089D2FA254}" type="datetime1">
               <a:rPr lang="en-US" smtClean="0"/>
-              <a:t>7/4/16</a:t>
+              <a:t>7/19/16</a:t>
             </a:fld>
             <a:endParaRPr lang="en-US"/>
           </a:p>
@@ -5673,7 +5673,7 @@
           <a:p>
             <a:fld id="{7F2406CB-7F88-084C-B206-B0407092DC88}" type="datetime1">
               <a:rPr lang="en-US" smtClean="0"/>
-              <a:t>7/4/16</a:t>
+              <a:t>7/19/16</a:t>
             </a:fld>
             <a:endParaRPr lang="en-US"/>
           </a:p>
@@ -5847,7 +5847,7 @@
           <a:p>
             <a:fld id="{3B28BAE3-BA90-A141-9E23-B58099BC19F3}" type="datetime1">
               <a:rPr lang="en-US" smtClean="0"/>
-              <a:t>7/4/16</a:t>
+              <a:t>7/19/16</a:t>
             </a:fld>
             <a:endParaRPr lang="en-US"/>
           </a:p>
@@ -6097,7 +6097,7 @@
           <a:p>
             <a:fld id="{202617FF-01C3-DD44-901F-556AF1D362CE}" type="datetime1">
               <a:rPr lang="en-US" smtClean="0"/>
-              <a:t>7/4/16</a:t>
+              <a:t>7/19/16</a:t>
             </a:fld>
             <a:endParaRPr lang="en-US"/>
           </a:p>
@@ -6333,7 +6333,7 @@
           <a:p>
             <a:fld id="{B841F9E6-BC6D-AC45-8CDF-777BD81ECC08}" type="datetime1">
               <a:rPr lang="en-US" smtClean="0"/>
-              <a:t>7/4/16</a:t>
+              <a:t>7/19/16</a:t>
             </a:fld>
             <a:endParaRPr lang="en-US"/>
           </a:p>
@@ -6704,7 +6704,7 @@
           <a:p>
             <a:fld id="{D0DA1B42-C292-8842-82CD-C4D2F821CE5F}" type="datetime1">
               <a:rPr lang="en-US" smtClean="0"/>
-              <a:t>7/4/16</a:t>
+              <a:t>7/19/16</a:t>
             </a:fld>
             <a:endParaRPr lang="en-US"/>
           </a:p>
@@ -6826,7 +6826,7 @@
           <a:p>
             <a:fld id="{5AB9BE9F-67D4-6D49-B819-ECBBC6EB1910}" type="datetime1">
               <a:rPr lang="en-US" smtClean="0"/>
-              <a:t>7/4/16</a:t>
+              <a:t>7/19/16</a:t>
             </a:fld>
             <a:endParaRPr lang="en-US"/>
           </a:p>
@@ -6925,7 +6925,7 @@
           <a:p>
             <a:fld id="{30B5FD3F-293C-2C4E-A471-FF3DDDAE00F1}" type="datetime1">
               <a:rPr lang="en-US" smtClean="0"/>
-              <a:t>7/4/16</a:t>
+              <a:t>7/19/16</a:t>
             </a:fld>
             <a:endParaRPr lang="en-US"/>
           </a:p>
@@ -7183,7 +7183,7 @@
           <a:p>
             <a:fld id="{3656E04E-14C5-D34A-A071-F5C6DB29E1FA}" type="datetime1">
               <a:rPr lang="en-US" smtClean="0"/>
-              <a:t>7/4/16</a:t>
+              <a:t>7/19/16</a:t>
             </a:fld>
             <a:endParaRPr lang="en-US"/>
           </a:p>
@@ -7464,7 +7464,7 @@
           <a:p>
             <a:fld id="{28C30EE3-81A8-214B-BD8F-C844E7C11169}" type="datetime1">
               <a:rPr lang="en-US" smtClean="0"/>
-              <a:t>7/4/16</a:t>
+              <a:t>7/19/16</a:t>
             </a:fld>
             <a:endParaRPr lang="en-US"/>
           </a:p>
@@ -7725,7 +7725,7 @@
           <a:p>
             <a:fld id="{F454A78D-64C6-FE4E-9600-A726A42332BF}" type="datetime1">
               <a:rPr lang="en-US" smtClean="0"/>
-              <a:t>7/4/16</a:t>
+              <a:t>7/19/16</a:t>
             </a:fld>
             <a:endParaRPr lang="en-US"/>
           </a:p>
@@ -7899,7 +7899,7 @@
           <a:p>
             <a:fld id="{5C79FDBD-3BF8-D143-B9B5-82B83C6F7D46}" type="datetime1">
               <a:rPr lang="en-US" smtClean="0"/>
-              <a:t>7/4/16</a:t>
+              <a:t>7/19/16</a:t>
             </a:fld>
             <a:endParaRPr lang="en-US"/>
           </a:p>
@@ -8083,7 +8083,7 @@
           <a:p>
             <a:fld id="{10E1F077-E09D-BF4A-9E77-8C23C1A7224E}" type="datetime1">
               <a:rPr lang="en-US" smtClean="0"/>
-              <a:t>7/4/16</a:t>
+              <a:t>7/19/16</a:t>
             </a:fld>
             <a:endParaRPr lang="en-US"/>
           </a:p>
@@ -8380,7 +8380,7 @@
           <a:p>
             <a:fld id="{8B443C50-7CB8-0645-AFC0-5591FBD3A0D0}" type="datetime1">
               <a:rPr lang="en-US" smtClean="0"/>
-              <a:t>7/4/16</a:t>
+              <a:t>7/19/16</a:t>
             </a:fld>
             <a:endParaRPr lang="en-US"/>
           </a:p>
@@ -8828,7 +8828,7 @@
           <a:p>
             <a:fld id="{1E467B04-4B86-FA4D-9EC5-BD120978EDB8}" type="datetime1">
               <a:rPr lang="en-US" smtClean="0"/>
-              <a:t>7/4/16</a:t>
+              <a:t>7/19/16</a:t>
             </a:fld>
             <a:endParaRPr lang="en-US"/>
           </a:p>
@@ -8950,7 +8950,7 @@
           <a:p>
             <a:fld id="{1520BF0A-F60B-8949-96CD-C991FE77F9BA}" type="datetime1">
               <a:rPr lang="en-US" smtClean="0"/>
-              <a:t>7/4/16</a:t>
+              <a:t>7/19/16</a:t>
             </a:fld>
             <a:endParaRPr lang="en-US"/>
           </a:p>
@@ -9049,7 +9049,7 @@
           <a:p>
             <a:fld id="{BC3CDF70-4DF9-5544-AF0B-1381B735114D}" type="datetime1">
               <a:rPr lang="en-US" smtClean="0"/>
-              <a:t>7/4/16</a:t>
+              <a:t>7/19/16</a:t>
             </a:fld>
             <a:endParaRPr lang="en-US"/>
           </a:p>
@@ -9300,7 +9300,7 @@
           <a:p>
             <a:fld id="{10429896-46EC-0547-A028-D1BF7579F8F2}" type="datetime1">
               <a:rPr lang="en-US" smtClean="0"/>
-              <a:t>7/4/16</a:t>
+              <a:t>7/19/16</a:t>
             </a:fld>
             <a:endParaRPr lang="en-US"/>
           </a:p>
@@ -9603,7 +9603,7 @@
           <a:p>
             <a:fld id="{A55A7779-9FAB-2343-951A-8756544D0D72}" type="datetime1">
               <a:rPr lang="en-US" smtClean="0"/>
-              <a:t>7/4/16</a:t>
+              <a:t>7/19/16</a:t>
             </a:fld>
             <a:endParaRPr lang="en-US"/>
           </a:p>
@@ -9906,7 +9906,7 @@
           <a:p>
             <a:fld id="{08782AB3-CC12-F14F-BA43-FBEC7475E6DA}" type="datetime1">
               <a:rPr lang="en-US" smtClean="0"/>
-              <a:t>7/4/16</a:t>
+              <a:t>7/19/16</a:t>
             </a:fld>
             <a:endParaRPr lang="en-US"/>
           </a:p>
@@ -10859,7 +10859,7 @@
           <a:p>
             <a:fld id="{1AA0ABFE-08A7-6F40-AED3-D1A7268483F8}" type="datetime1">
               <a:rPr lang="en-US" smtClean="0"/>
-              <a:t>7/4/16</a:t>
+              <a:t>7/19/16</a:t>
             </a:fld>
             <a:endParaRPr lang="en-US"/>
           </a:p>
@@ -11927,7 +11927,7 @@
           <a:p>
             <a:fld id="{EA2D73C5-BE5C-7441-A3B7-6EEA471EDBD8}" type="datetime1">
               <a:rPr lang="en-US" smtClean="0"/>
-              <a:t>7/4/16</a:t>
+              <a:t>7/19/16</a:t>
             </a:fld>
             <a:endParaRPr lang="en-US"/>
           </a:p>
@@ -12384,6 +12384,35 @@
           </a:p>
         </p:txBody>
       </p:sp>
+      <p:pic>
+        <p:nvPicPr>
+          <p:cNvPr id="4" name="Picture 3"/>
+          <p:cNvPicPr>
+            <a:picLocks noChangeAspect="1"/>
+          </p:cNvPicPr>
+          <p:nvPr/>
+        </p:nvPicPr>
+        <p:blipFill rotWithShape="1">
+          <a:blip r:embed="rId3">
+            <a:extLst>
+              <a:ext uri="{28A0092B-C50C-407E-A947-70E740481C1C}">
+                <a14:useLocalDpi xmlns:a14="http://schemas.microsoft.com/office/drawing/2010/main" val="0"/>
+              </a:ext>
+            </a:extLst>
+          </a:blip>
+          <a:srcRect l="4523" t="17619" r="3095" b="25000"/>
+          <a:stretch/>
+        </p:blipFill>
+        <p:spPr>
+          <a:xfrm>
+            <a:off x="3711108" y="4592409"/>
+            <a:ext cx="1700816" cy="1056435"/>
+          </a:xfrm>
+          <a:prstGeom prst="rect">
+            <a:avLst/>
+          </a:prstGeom>
+        </p:spPr>
+      </p:pic>
     </p:spTree>
     <p:extLst>
       <p:ext uri="{BB962C8B-B14F-4D97-AF65-F5344CB8AC3E}">
@@ -12473,11 +12502,7 @@
           <a:p>
             <a:r>
               <a:rPr lang="en-US" dirty="0" smtClean="0"/>
-              <a:t>More </a:t>
-            </a:r>
-            <a:r>
-              <a:rPr lang="en-US" dirty="0" smtClean="0"/>
-              <a:t>lessons and resources are available at </a:t>
+              <a:t>More lessons and resources are available at </a:t>
             </a:r>
             <a:r>
               <a:rPr lang="en-US" dirty="0" smtClean="0">
@@ -14683,11 +14708,7 @@
           <a:p>
             <a:r>
               <a:rPr lang="en-US" dirty="0" smtClean="0"/>
-              <a:t>Pseudocode </a:t>
-            </a:r>
-            <a:r>
-              <a:rPr lang="en-US" dirty="0" smtClean="0"/>
-              <a:t>FOR A SET OF MISSIONS</a:t>
+              <a:t>Pseudocode FOR A SET OF MISSIONS</a:t>
             </a:r>
             <a:endParaRPr lang="en-US" dirty="0"/>
           </a:p>
@@ -14858,15 +14879,7 @@
           <a:p>
             <a:r>
               <a:rPr lang="en-US" dirty="0" smtClean="0"/>
-              <a:t>Sample </a:t>
-            </a:r>
-            <a:r>
-              <a:rPr lang="en-US" dirty="0" smtClean="0"/>
-              <a:t>PLANNING TOOLS for </a:t>
-            </a:r>
-            <a:r>
-              <a:rPr lang="en-US" dirty="0" smtClean="0"/>
-              <a:t>First Lego League</a:t>
+              <a:t>Sample PLANNING TOOLS for First Lego League</a:t>
             </a:r>
             <a:endParaRPr lang="en-US" dirty="0"/>
           </a:p>
@@ -15148,15 +15161,7 @@
           <a:p>
             <a:r>
               <a:rPr lang="en-US" dirty="0" smtClean="0"/>
-              <a:t>Both these </a:t>
-            </a:r>
-            <a:r>
-              <a:rPr lang="en-US" dirty="0" smtClean="0"/>
-              <a:t>resources are </a:t>
-            </a:r>
-            <a:r>
-              <a:rPr lang="en-US" dirty="0" smtClean="0"/>
-              <a:t>available on EV3Lessons.com</a:t>
+              <a:t>Both these resources are available on EV3Lessons.com</a:t>
             </a:r>
             <a:endParaRPr lang="en-US" dirty="0"/>
           </a:p>
